--- a/slides/XEM20_S1D5_biais_variance.pptx
+++ b/slides/XEM20_S1D5_biais_variance.pptx
@@ -307,7 +307,7 @@
           <a:lstStyle/>
           <a:p>
             <a:fld id="{D785A21B-934E-6B41-B960-2BFB0ADA1ACB}" type="datetimeFigureOut">
-              <a:t>12/09/2019</a:t>
+              <a:t>9/13/19</a:t>
             </a:fld>
             <a:endParaRPr lang="fr-FR"/>
           </a:p>
@@ -505,7 +505,7 @@
           <a:lstStyle/>
           <a:p>
             <a:fld id="{D785A21B-934E-6B41-B960-2BFB0ADA1ACB}" type="datetimeFigureOut">
-              <a:t>12/09/2019</a:t>
+              <a:t>9/13/19</a:t>
             </a:fld>
             <a:endParaRPr lang="fr-FR"/>
           </a:p>
@@ -713,7 +713,7 @@
           <a:lstStyle/>
           <a:p>
             <a:fld id="{D785A21B-934E-6B41-B960-2BFB0ADA1ACB}" type="datetimeFigureOut">
-              <a:t>12/09/2019</a:t>
+              <a:t>9/13/19</a:t>
             </a:fld>
             <a:endParaRPr lang="fr-FR"/>
           </a:p>
@@ -911,7 +911,7 @@
           <a:lstStyle/>
           <a:p>
             <a:fld id="{D785A21B-934E-6B41-B960-2BFB0ADA1ACB}" type="datetimeFigureOut">
-              <a:t>12/09/2019</a:t>
+              <a:t>9/13/19</a:t>
             </a:fld>
             <a:endParaRPr lang="fr-FR"/>
           </a:p>
@@ -1185,7 +1185,7 @@
           <a:lstStyle/>
           <a:p>
             <a:fld id="{D785A21B-934E-6B41-B960-2BFB0ADA1ACB}" type="datetimeFigureOut">
-              <a:t>12/09/2019</a:t>
+              <a:t>9/13/19</a:t>
             </a:fld>
             <a:endParaRPr lang="fr-FR"/>
           </a:p>
@@ -1451,7 +1451,7 @@
           <a:lstStyle/>
           <a:p>
             <a:fld id="{D785A21B-934E-6B41-B960-2BFB0ADA1ACB}" type="datetimeFigureOut">
-              <a:t>12/09/2019</a:t>
+              <a:t>9/13/19</a:t>
             </a:fld>
             <a:endParaRPr lang="fr-FR"/>
           </a:p>
@@ -1864,7 +1864,7 @@
           <a:lstStyle/>
           <a:p>
             <a:fld id="{D785A21B-934E-6B41-B960-2BFB0ADA1ACB}" type="datetimeFigureOut">
-              <a:t>12/09/2019</a:t>
+              <a:t>9/13/19</a:t>
             </a:fld>
             <a:endParaRPr lang="fr-FR"/>
           </a:p>
@@ -2004,7 +2004,7 @@
           <a:lstStyle/>
           <a:p>
             <a:fld id="{D785A21B-934E-6B41-B960-2BFB0ADA1ACB}" type="datetimeFigureOut">
-              <a:t>12/09/2019</a:t>
+              <a:t>9/13/19</a:t>
             </a:fld>
             <a:endParaRPr lang="fr-FR"/>
           </a:p>
@@ -2115,7 +2115,7 @@
           <a:lstStyle/>
           <a:p>
             <a:fld id="{D785A21B-934E-6B41-B960-2BFB0ADA1ACB}" type="datetimeFigureOut">
-              <a:t>12/09/2019</a:t>
+              <a:t>9/13/19</a:t>
             </a:fld>
             <a:endParaRPr lang="fr-FR"/>
           </a:p>
@@ -2426,7 +2426,7 @@
           <a:lstStyle/>
           <a:p>
             <a:fld id="{D785A21B-934E-6B41-B960-2BFB0ADA1ACB}" type="datetimeFigureOut">
-              <a:t>12/09/2019</a:t>
+              <a:t>9/13/19</a:t>
             </a:fld>
             <a:endParaRPr lang="fr-FR"/>
           </a:p>
@@ -2713,7 +2713,7 @@
           <a:lstStyle/>
           <a:p>
             <a:fld id="{D785A21B-934E-6B41-B960-2BFB0ADA1ACB}" type="datetimeFigureOut">
-              <a:t>12/09/2019</a:t>
+              <a:t>9/13/19</a:t>
             </a:fld>
             <a:endParaRPr lang="fr-FR"/>
           </a:p>
@@ -2954,7 +2954,7 @@
           </a:lstStyle>
           <a:p>
             <a:fld id="{D785A21B-934E-6B41-B960-2BFB0ADA1ACB}" type="datetimeFigureOut">
-              <a:t>12/09/2019</a:t>
+              <a:t>9/13/19</a:t>
             </a:fld>
             <a:endParaRPr lang="fr-FR"/>
           </a:p>

--- a/slides/XEM20_S1D5_biais_variance.pptx
+++ b/slides/XEM20_S1D5_biais_variance.pptx
@@ -18,30 +18,33 @@
     <p:sldId id="264" r:id="rId12"/>
     <p:sldId id="266" r:id="rId13"/>
     <p:sldId id="268" r:id="rId14"/>
-    <p:sldId id="267" r:id="rId15"/>
-    <p:sldId id="291" r:id="rId16"/>
-    <p:sldId id="292" r:id="rId17"/>
-    <p:sldId id="271" r:id="rId18"/>
-    <p:sldId id="273" r:id="rId19"/>
-    <p:sldId id="274" r:id="rId20"/>
-    <p:sldId id="272" r:id="rId21"/>
-    <p:sldId id="270" r:id="rId22"/>
-    <p:sldId id="276" r:id="rId23"/>
-    <p:sldId id="277" r:id="rId24"/>
-    <p:sldId id="278" r:id="rId25"/>
-    <p:sldId id="279" r:id="rId26"/>
-    <p:sldId id="275" r:id="rId27"/>
-    <p:sldId id="281" r:id="rId28"/>
-    <p:sldId id="282" r:id="rId29"/>
-    <p:sldId id="280" r:id="rId30"/>
-    <p:sldId id="283" r:id="rId31"/>
-    <p:sldId id="284" r:id="rId32"/>
-    <p:sldId id="286" r:id="rId33"/>
-    <p:sldId id="287" r:id="rId34"/>
-    <p:sldId id="285" r:id="rId35"/>
-    <p:sldId id="288" r:id="rId36"/>
-    <p:sldId id="289" r:id="rId37"/>
-    <p:sldId id="293" r:id="rId38"/>
+    <p:sldId id="295" r:id="rId15"/>
+    <p:sldId id="267" r:id="rId16"/>
+    <p:sldId id="291" r:id="rId17"/>
+    <p:sldId id="292" r:id="rId18"/>
+    <p:sldId id="294" r:id="rId19"/>
+    <p:sldId id="271" r:id="rId20"/>
+    <p:sldId id="273" r:id="rId21"/>
+    <p:sldId id="274" r:id="rId22"/>
+    <p:sldId id="272" r:id="rId23"/>
+    <p:sldId id="270" r:id="rId24"/>
+    <p:sldId id="276" r:id="rId25"/>
+    <p:sldId id="277" r:id="rId26"/>
+    <p:sldId id="278" r:id="rId27"/>
+    <p:sldId id="296" r:id="rId28"/>
+    <p:sldId id="279" r:id="rId29"/>
+    <p:sldId id="275" r:id="rId30"/>
+    <p:sldId id="281" r:id="rId31"/>
+    <p:sldId id="282" r:id="rId32"/>
+    <p:sldId id="280" r:id="rId33"/>
+    <p:sldId id="283" r:id="rId34"/>
+    <p:sldId id="284" r:id="rId35"/>
+    <p:sldId id="286" r:id="rId36"/>
+    <p:sldId id="287" r:id="rId37"/>
+    <p:sldId id="285" r:id="rId38"/>
+    <p:sldId id="288" r:id="rId39"/>
+    <p:sldId id="289" r:id="rId40"/>
+    <p:sldId id="293" r:id="rId41"/>
   </p:sldIdLst>
   <p:sldSz cx="12192000" cy="6858000"/>
   <p:notesSz cx="6858000" cy="9144000"/>
@@ -307,7 +310,7 @@
           <a:lstStyle/>
           <a:p>
             <a:fld id="{D785A21B-934E-6B41-B960-2BFB0ADA1ACB}" type="datetimeFigureOut">
-              <a:t>9/13/19</a:t>
+              <a:t>9/29/19</a:t>
             </a:fld>
             <a:endParaRPr lang="fr-FR"/>
           </a:p>
@@ -505,7 +508,7 @@
           <a:lstStyle/>
           <a:p>
             <a:fld id="{D785A21B-934E-6B41-B960-2BFB0ADA1ACB}" type="datetimeFigureOut">
-              <a:t>9/13/19</a:t>
+              <a:t>9/29/19</a:t>
             </a:fld>
             <a:endParaRPr lang="fr-FR"/>
           </a:p>
@@ -713,7 +716,7 @@
           <a:lstStyle/>
           <a:p>
             <a:fld id="{D785A21B-934E-6B41-B960-2BFB0ADA1ACB}" type="datetimeFigureOut">
-              <a:t>9/13/19</a:t>
+              <a:t>9/29/19</a:t>
             </a:fld>
             <a:endParaRPr lang="fr-FR"/>
           </a:p>
@@ -911,7 +914,7 @@
           <a:lstStyle/>
           <a:p>
             <a:fld id="{D785A21B-934E-6B41-B960-2BFB0ADA1ACB}" type="datetimeFigureOut">
-              <a:t>9/13/19</a:t>
+              <a:t>9/29/19</a:t>
             </a:fld>
             <a:endParaRPr lang="fr-FR"/>
           </a:p>
@@ -1185,7 +1188,7 @@
           <a:lstStyle/>
           <a:p>
             <a:fld id="{D785A21B-934E-6B41-B960-2BFB0ADA1ACB}" type="datetimeFigureOut">
-              <a:t>9/13/19</a:t>
+              <a:t>9/29/19</a:t>
             </a:fld>
             <a:endParaRPr lang="fr-FR"/>
           </a:p>
@@ -1451,7 +1454,7 @@
           <a:lstStyle/>
           <a:p>
             <a:fld id="{D785A21B-934E-6B41-B960-2BFB0ADA1ACB}" type="datetimeFigureOut">
-              <a:t>9/13/19</a:t>
+              <a:t>9/29/19</a:t>
             </a:fld>
             <a:endParaRPr lang="fr-FR"/>
           </a:p>
@@ -1864,7 +1867,7 @@
           <a:lstStyle/>
           <a:p>
             <a:fld id="{D785A21B-934E-6B41-B960-2BFB0ADA1ACB}" type="datetimeFigureOut">
-              <a:t>9/13/19</a:t>
+              <a:t>9/29/19</a:t>
             </a:fld>
             <a:endParaRPr lang="fr-FR"/>
           </a:p>
@@ -2004,7 +2007,7 @@
           <a:lstStyle/>
           <a:p>
             <a:fld id="{D785A21B-934E-6B41-B960-2BFB0ADA1ACB}" type="datetimeFigureOut">
-              <a:t>9/13/19</a:t>
+              <a:t>9/29/19</a:t>
             </a:fld>
             <a:endParaRPr lang="fr-FR"/>
           </a:p>
@@ -2115,7 +2118,7 @@
           <a:lstStyle/>
           <a:p>
             <a:fld id="{D785A21B-934E-6B41-B960-2BFB0ADA1ACB}" type="datetimeFigureOut">
-              <a:t>9/13/19</a:t>
+              <a:t>9/29/19</a:t>
             </a:fld>
             <a:endParaRPr lang="fr-FR"/>
           </a:p>
@@ -2426,7 +2429,7 @@
           <a:lstStyle/>
           <a:p>
             <a:fld id="{D785A21B-934E-6B41-B960-2BFB0ADA1ACB}" type="datetimeFigureOut">
-              <a:t>9/13/19</a:t>
+              <a:t>9/29/19</a:t>
             </a:fld>
             <a:endParaRPr lang="fr-FR"/>
           </a:p>
@@ -2713,7 +2716,7 @@
           <a:lstStyle/>
           <a:p>
             <a:fld id="{D785A21B-934E-6B41-B960-2BFB0ADA1ACB}" type="datetimeFigureOut">
-              <a:t>9/13/19</a:t>
+              <a:t>9/29/19</a:t>
             </a:fld>
             <a:endParaRPr lang="fr-FR"/>
           </a:p>
@@ -2954,7 +2957,7 @@
           </a:lstStyle>
           <a:p>
             <a:fld id="{D785A21B-934E-6B41-B960-2BFB0ADA1ACB}" type="datetimeFigureOut">
-              <a:t>9/13/19</a:t>
+              <a:t>9/29/19</a:t>
             </a:fld>
             <a:endParaRPr lang="fr-FR"/>
           </a:p>
@@ -3458,31 +3461,6 @@
       </p:grpSpPr>
       <p:sp>
         <p:nvSpPr>
-          <p:cNvPr id="2" name="Title 1">
-            <a:extLst>
-              <a:ext uri="{FF2B5EF4-FFF2-40B4-BE49-F238E27FC236}">
-                <a16:creationId xmlns:a16="http://schemas.microsoft.com/office/drawing/2014/main" id="{FFB12100-A02F-4E4A-BABD-19564719DC12}"/>
-              </a:ext>
-            </a:extLst>
-          </p:cNvPr>
-          <p:cNvSpPr>
-            <a:spLocks noGrp="1"/>
-          </p:cNvSpPr>
-          <p:nvPr>
-            <p:ph type="title"/>
-          </p:nvPr>
-        </p:nvSpPr>
-        <p:spPr/>
-        <p:txBody>
-          <a:bodyPr/>
-          <a:lstStyle/>
-          <a:p>
-            <a:endParaRPr lang="fr-FR"/>
-          </a:p>
-        </p:txBody>
-      </p:sp>
-      <p:sp>
-        <p:nvSpPr>
           <p:cNvPr id="3" name="Rectangle 2">
             <a:extLst>
               <a:ext uri="{FF2B5EF4-FFF2-40B4-BE49-F238E27FC236}">
@@ -3495,15 +3473,15 @@
         </p:nvSpPr>
         <p:spPr>
           <a:xfrm>
-            <a:off x="3048000" y="1997839"/>
-            <a:ext cx="6096000" cy="2862322"/>
+            <a:off x="838199" y="1916816"/>
+            <a:ext cx="10667035" cy="2585323"/>
           </a:xfrm>
           <a:prstGeom prst="rect">
             <a:avLst/>
           </a:prstGeom>
         </p:spPr>
         <p:txBody>
-          <a:bodyPr>
+          <a:bodyPr wrap="square">
             <a:spAutoFit/>
           </a:bodyPr>
           <a:lstStyle/>
@@ -3534,6 +3512,14 @@
                 <a:latin typeface="SourceSansPro"/>
               </a:rPr>
             </a:br>
+            <a:endParaRPr lang="en-US" b="1">
+              <a:solidFill>
+                <a:srgbClr val="212121"/>
+              </a:solidFill>
+              <a:latin typeface="SourceSansPro"/>
+            </a:endParaRPr>
+          </a:p>
+          <a:p>
             <a:r>
               <a:rPr lang="en-US">
                 <a:solidFill>
@@ -3559,7 +3545,7 @@
                 </a:solidFill>
                 <a:latin typeface="SourceSansPro"/>
               </a:rPr>
-              <a:t>, données qu'il n'a pas vu auparavant et on veut surtout éviter </a:t>
+              <a:t>, données qu'il n'a pas vu auparavant. On veut surtout éviter </a:t>
             </a:r>
             <a:r>
               <a:rPr lang="en-US" b="1">
@@ -3611,6 +3597,14 @@
             </a:endParaRPr>
           </a:p>
           <a:p>
+            <a:endParaRPr lang="en-US">
+              <a:solidFill>
+                <a:srgbClr val="212121"/>
+              </a:solidFill>
+              <a:latin typeface="SourceSansPro"/>
+            </a:endParaRPr>
+          </a:p>
+          <a:p>
             <a:r>
               <a:rPr lang="en-US">
                 <a:solidFill>
@@ -3618,21 +3612,73 @@
                 </a:solidFill>
                 <a:latin typeface="SourceSansPro"/>
               </a:rPr>
-              <a:t>Donc on va mettre de coté une partie des données comme données nouvelles: dataset de test. Typiquement : une répartition 80/20 ou 70/30 </a:t>
-            </a:r>
-            <a:endParaRPr lang="en-US">
-              <a:effectLst/>
-            </a:endParaRPr>
-          </a:p>
-          <a:p>
-            <a:r>
+              <a:t>Donc on va mettre de coté une partie des données comme données nouvelles: </a:t>
+            </a:r>
+            <a:br>
               <a:rPr lang="en-US">
                 <a:solidFill>
                   <a:srgbClr val="212121"/>
                 </a:solidFill>
                 <a:latin typeface="SourceSansPro"/>
               </a:rPr>
-              <a:t>Et c'est en évaluant le modele sur les données de test que l'on va pouvoir détecter l'overfit </a:t>
+            </a:br>
+            <a:r>
+              <a:rPr lang="en-US" b="1">
+                <a:solidFill>
+                  <a:srgbClr val="212121"/>
+                </a:solidFill>
+                <a:latin typeface="SourceSansPro"/>
+              </a:rPr>
+              <a:t>dataset de test</a:t>
+            </a:r>
+            <a:r>
+              <a:rPr lang="en-US">
+                <a:solidFill>
+                  <a:srgbClr val="212121"/>
+                </a:solidFill>
+                <a:latin typeface="SourceSansPro"/>
+              </a:rPr>
+              <a:t>. Typiquement : une répartition 80/20 ou 70/30 </a:t>
+            </a:r>
+            <a:endParaRPr lang="en-US">
+              <a:effectLst/>
+            </a:endParaRPr>
+          </a:p>
+          <a:p>
+            <a:endParaRPr lang="en-US">
+              <a:solidFill>
+                <a:srgbClr val="212121"/>
+              </a:solidFill>
+              <a:latin typeface="SourceSansPro"/>
+            </a:endParaRPr>
+          </a:p>
+          <a:p>
+            <a:r>
+              <a:rPr lang="en-US">
+                <a:solidFill>
+                  <a:srgbClr val="212121"/>
+                </a:solidFill>
+                <a:latin typeface="SourceSansPro"/>
+              </a:rPr>
+              <a:t>Et c'est en évaluant le modele sur les données de </a:t>
+            </a:r>
+            <a:r>
+              <a:rPr lang="en-US" b="1">
+                <a:solidFill>
+                  <a:srgbClr val="212121"/>
+                </a:solidFill>
+                <a:latin typeface="SourceSansPro"/>
+              </a:rPr>
+              <a:t>test</a:t>
+            </a:r>
+            <a:r>
+              <a:rPr lang="en-US">
+                <a:solidFill>
+                  <a:srgbClr val="212121"/>
+                </a:solidFill>
+                <a:latin typeface="SourceSansPro"/>
+              </a:rPr>
+              <a:t> que l'on va pouvoir détecter l'overfit </a:t>
             </a:r>
             <a:endParaRPr lang="en-US">
               <a:effectLst/>
@@ -3672,75 +3718,71 @@
       </p:grpSpPr>
       <p:sp>
         <p:nvSpPr>
-          <p:cNvPr id="2" name="Title 1">
-            <a:extLst>
-              <a:ext uri="{FF2B5EF4-FFF2-40B4-BE49-F238E27FC236}">
-                <a16:creationId xmlns:a16="http://schemas.microsoft.com/office/drawing/2014/main" id="{37A23B17-0C89-6742-9BA0-E62FFA2A241D}"/>
-              </a:ext>
-            </a:extLst>
-          </p:cNvPr>
-          <p:cNvSpPr>
-            <a:spLocks noGrp="1"/>
+          <p:cNvPr id="5" name="Title 1">
+            <a:extLst>
+              <a:ext uri="{FF2B5EF4-FFF2-40B4-BE49-F238E27FC236}">
+                <a16:creationId xmlns:a16="http://schemas.microsoft.com/office/drawing/2014/main" id="{04FCA899-B32B-D047-A33B-CD63A4E3B0D7}"/>
+              </a:ext>
+            </a:extLst>
+          </p:cNvPr>
+          <p:cNvSpPr txBox="1">
+            <a:spLocks/>
           </p:cNvSpPr>
-          <p:nvPr>
-            <p:ph type="title"/>
-          </p:nvPr>
-        </p:nvSpPr>
-        <p:spPr/>
-        <p:txBody>
-          <a:bodyPr/>
-          <a:lstStyle/>
-          <a:p>
-            <a:r>
-              <a:rPr lang="fr-FR"/>
-              <a:t>Overfitting – polynomial regression - ozone</a:t>
-            </a:r>
-          </a:p>
-        </p:txBody>
-      </p:sp>
-      <p:sp>
-        <p:nvSpPr>
-          <p:cNvPr id="3" name="Rectangle 2">
-            <a:extLst>
-              <a:ext uri="{FF2B5EF4-FFF2-40B4-BE49-F238E27FC236}">
-                <a16:creationId xmlns:a16="http://schemas.microsoft.com/office/drawing/2014/main" id="{0AA66F7A-A75A-2849-9863-481F6ACC627A}"/>
-              </a:ext>
-            </a:extLst>
-          </p:cNvPr>
-          <p:cNvSpPr/>
           <p:nvPr/>
         </p:nvSpPr>
         <p:spPr>
           <a:xfrm>
-            <a:off x="838199" y="1544793"/>
-            <a:ext cx="10062681" cy="369332"/>
+            <a:off x="0" y="0"/>
+            <a:ext cx="12202274" cy="646331"/>
           </a:xfrm>
           <a:prstGeom prst="rect">
             <a:avLst/>
           </a:prstGeom>
+          <a:solidFill>
+            <a:srgbClr val="FF0000"/>
+          </a:solidFill>
         </p:spPr>
         <p:txBody>
-          <a:bodyPr wrap="square">
-            <a:spAutoFit/>
+          <a:bodyPr vert="horz" lIns="91440" tIns="45720" rIns="91440" bIns="45720" rtlCol="0" anchor="ctr">
+            <a:normAutofit fontScale="97500" lnSpcReduction="10000"/>
           </a:bodyPr>
-          <a:lstStyle/>
-          <a:p>
-            <a:r>
-              <a:rPr lang="en-US">
-                <a:hlinkClick r:id="rId2"/>
+          <a:lstStyle>
+            <a:lvl1pPr algn="l" defTabSz="914400" rtl="0" eaLnBrk="1" latinLnBrk="0" hangingPunct="1">
+              <a:lnSpc>
+                <a:spcPct val="90000"/>
+              </a:lnSpc>
+              <a:spcBef>
+                <a:spcPct val="0"/>
+              </a:spcBef>
+              <a:buNone/>
+              <a:defRPr sz="4400" kern="1200">
+                <a:solidFill>
+                  <a:schemeClr val="tx1"/>
+                </a:solidFill>
+                <a:latin typeface="+mj-lt"/>
+                <a:ea typeface="+mj-ea"/>
+                <a:cs typeface="+mj-cs"/>
+              </a:defRPr>
+            </a:lvl1pPr>
+          </a:lstStyle>
+          <a:p>
+            <a:r>
+              <a:rPr lang="fr-FR">
+                <a:solidFill>
+                  <a:schemeClr val="bg1"/>
+                </a:solidFill>
               </a:rPr>
-              <a:t>https://scikit-learn.org/stable/modules/generated/sklearn.preprocessing.PolynomialFeatures.html</a:t>
-            </a:r>
-            <a:endParaRPr lang="fr-FR"/>
-          </a:p>
-        </p:txBody>
-      </p:sp>
-      <p:sp>
-        <p:nvSpPr>
-          <p:cNvPr id="4" name="TextBox 3">
-            <a:extLst>
-              <a:ext uri="{FF2B5EF4-FFF2-40B4-BE49-F238E27FC236}">
-                <a16:creationId xmlns:a16="http://schemas.microsoft.com/office/drawing/2014/main" id="{477E2622-4F83-CC45-800A-8FAFC99C526B}"/>
+              <a:t>A vous – Regression polynomiale - Overfitting</a:t>
+            </a:r>
+          </a:p>
+        </p:txBody>
+      </p:sp>
+      <p:sp>
+        <p:nvSpPr>
+          <p:cNvPr id="9" name="TextBox 8">
+            <a:extLst>
+              <a:ext uri="{FF2B5EF4-FFF2-40B4-BE49-F238E27FC236}">
+                <a16:creationId xmlns:a16="http://schemas.microsoft.com/office/drawing/2014/main" id="{D41C8745-9862-4048-913C-707FDB2A54A1}"/>
               </a:ext>
             </a:extLst>
           </p:cNvPr>
@@ -3749,24 +3791,104 @@
         </p:nvSpPr>
         <p:spPr>
           <a:xfrm>
-            <a:off x="838199" y="2208944"/>
-            <a:ext cx="748923" cy="369332"/>
+            <a:off x="1206932" y="1597307"/>
+            <a:ext cx="9778135" cy="3139321"/>
           </a:xfrm>
           <a:prstGeom prst="rect">
             <a:avLst/>
           </a:prstGeom>
           <a:noFill/>
+          <a:ln w="38100">
+            <a:solidFill>
+              <a:srgbClr val="0070C0"/>
+            </a:solidFill>
+          </a:ln>
         </p:spPr>
         <p:txBody>
-          <a:bodyPr wrap="none" rtlCol="0">
+          <a:bodyPr wrap="square" rtlCol="0">
             <a:spAutoFit/>
           </a:bodyPr>
           <a:lstStyle/>
           <a:p>
             <a:r>
               <a:rPr lang="fr-FR"/>
-              <a:t>Demo</a:t>
-            </a:r>
+              <a:t>Sur le dataset Ozone,</a:t>
+            </a:r>
+          </a:p>
+          <a:p>
+            <a:endParaRPr lang="fr-FR"/>
+          </a:p>
+          <a:p>
+            <a:pPr marL="285750" indent="-285750">
+              <a:buFont typeface="Arial" panose="020B0604020202020204" pitchFamily="34" charset="0"/>
+              <a:buChar char="•"/>
+            </a:pPr>
+            <a:r>
+              <a:rPr lang="fr-FR"/>
+              <a:t>split le dataset aléatoirement 70 / 30</a:t>
+            </a:r>
+          </a:p>
+          <a:p>
+            <a:pPr marL="285750" indent="-285750">
+              <a:buFont typeface="Arial" panose="020B0604020202020204" pitchFamily="34" charset="0"/>
+              <a:buChar char="•"/>
+            </a:pPr>
+            <a:r>
+              <a:rPr lang="fr-FR"/>
+              <a:t>utiliser </a:t>
+            </a:r>
+            <a:br>
+              <a:rPr lang="fr-FR"/>
+            </a:br>
+            <a:r>
+              <a:rPr lang="en-US">
+                <a:hlinkClick r:id="rId2"/>
+              </a:rPr>
+              <a:t>https://scikit-learn.org/stable/modules/generated/sklearn.preprocessing.PolynomialFeatures.html</a:t>
+            </a:r>
+            <a:br>
+              <a:rPr lang="en-US"/>
+            </a:br>
+            <a:r>
+              <a:rPr lang="en-US"/>
+              <a:t>pour generer des features polynomiales a partir des predicteurs initiaux</a:t>
+            </a:r>
+          </a:p>
+          <a:p>
+            <a:pPr marL="285750" indent="-285750">
+              <a:buFont typeface="Arial" panose="020B0604020202020204" pitchFamily="34" charset="0"/>
+              <a:buChar char="•"/>
+            </a:pPr>
+            <a:r>
+              <a:rPr lang="en-US"/>
+              <a:t>calculer le RMSE en fonction du degré du polynome </a:t>
+            </a:r>
+          </a:p>
+          <a:p>
+            <a:pPr marL="742950" lvl="1" indent="-285750">
+              <a:buFont typeface="Arial" panose="020B0604020202020204" pitchFamily="34" charset="0"/>
+              <a:buChar char="•"/>
+            </a:pPr>
+            <a:r>
+              <a:rPr lang="en-US"/>
+              <a:t>sur le train subset</a:t>
+            </a:r>
+          </a:p>
+          <a:p>
+            <a:pPr marL="742950" lvl="1" indent="-285750">
+              <a:buFont typeface="Arial" panose="020B0604020202020204" pitchFamily="34" charset="0"/>
+              <a:buChar char="•"/>
+            </a:pPr>
+            <a:r>
+              <a:rPr lang="en-US"/>
+              <a:t>sur le test subset</a:t>
+            </a:r>
+          </a:p>
+          <a:p>
+            <a:endParaRPr lang="fr-FR"/>
+          </a:p>
+          <a:p>
+            <a:endParaRPr lang="fr-FR"/>
           </a:p>
         </p:txBody>
       </p:sp>
@@ -3802,34 +3924,6 @@
       </p:grpSpPr>
       <p:sp>
         <p:nvSpPr>
-          <p:cNvPr id="2" name="Title 1">
-            <a:extLst>
-              <a:ext uri="{FF2B5EF4-FFF2-40B4-BE49-F238E27FC236}">
-                <a16:creationId xmlns:a16="http://schemas.microsoft.com/office/drawing/2014/main" id="{7CCE5306-0542-B449-8213-8EA71EDFF644}"/>
-              </a:ext>
-            </a:extLst>
-          </p:cNvPr>
-          <p:cNvSpPr>
-            <a:spLocks noGrp="1"/>
-          </p:cNvSpPr>
-          <p:nvPr>
-            <p:ph type="title"/>
-          </p:nvPr>
-        </p:nvSpPr>
-        <p:spPr/>
-        <p:txBody>
-          <a:bodyPr/>
-          <a:lstStyle/>
-          <a:p>
-            <a:r>
-              <a:rPr lang="fr-FR"/>
-              <a:t>Overfitting - solutions</a:t>
-            </a:r>
-          </a:p>
-        </p:txBody>
-      </p:sp>
-      <p:sp>
-        <p:nvSpPr>
           <p:cNvPr id="3" name="TextBox 2">
             <a:extLst>
               <a:ext uri="{FF2B5EF4-FFF2-40B4-BE49-F238E27FC236}">
@@ -3842,13 +3936,18 @@
         </p:nvSpPr>
         <p:spPr>
           <a:xfrm>
-            <a:off x="1089061" y="2311685"/>
-            <a:ext cx="8821967" cy="1754326"/>
+            <a:off x="1111170" y="4024737"/>
+            <a:ext cx="9839553" cy="1477328"/>
           </a:xfrm>
           <a:prstGeom prst="rect">
             <a:avLst/>
           </a:prstGeom>
           <a:noFill/>
+          <a:ln w="19050">
+            <a:solidFill>
+              <a:srgbClr val="0070C0"/>
+            </a:solidFill>
+          </a:ln>
         </p:spPr>
         <p:txBody>
           <a:bodyPr wrap="none" rtlCol="0">
@@ -3856,13 +3955,19 @@
           </a:bodyPr>
           <a:lstStyle/>
           <a:p>
+            <a:r>
+              <a:rPr lang="fr-FR"/>
+              <a:t>Prévenir l'overfit</a:t>
+            </a:r>
+          </a:p>
+          <a:p>
             <a:pPr marL="285750" indent="-285750">
               <a:buFont typeface="Arial" panose="020B0604020202020204" pitchFamily="34" charset="0"/>
               <a:buChar char="•"/>
             </a:pPr>
             <a:r>
               <a:rPr lang="fr-FR"/>
-              <a:t>Ajouter des données</a:t>
+              <a:t>Ajouter des données quand cela est possible</a:t>
             </a:r>
           </a:p>
           <a:p>
@@ -3872,7 +3977,7 @@
             </a:pPr>
             <a:r>
               <a:rPr lang="fr-FR"/>
-              <a:t>sélectionner le modèle le plus robuste par cross validation</a:t>
+              <a:t>Réduire la complexité du modele</a:t>
             </a:r>
           </a:p>
           <a:p>
@@ -3881,18 +3986,12 @@
               <a:buChar char="•"/>
             </a:pPr>
             <a:r>
+              <a:rPr lang="fr-FR" b="1"/>
+              <a:t>Régularisation</a:t>
+            </a:r>
+            <a:r>
               <a:rPr lang="fr-FR"/>
-              <a:t>régularisation: </a:t>
-            </a:r>
-          </a:p>
-          <a:p>
-            <a:pPr marL="742950" lvl="1" indent="-285750">
-              <a:buFont typeface="Arial" panose="020B0604020202020204" pitchFamily="34" charset="0"/>
-              <a:buChar char="•"/>
-            </a:pPr>
-            <a:r>
-              <a:rPr lang="fr-FR"/>
-              <a:t>modifier la fonction de cout en ajoutant une pénalité liée à la complexité du modèle</a:t>
+              <a:t>: modifier la fonction de cout en ajoutant une pénalité liée à la complexité du modèle</a:t>
             </a:r>
           </a:p>
           <a:p>
@@ -3900,10 +3999,183 @@
               <a:buFont typeface="Arial" panose="020B0604020202020204" pitchFamily="34" charset="0"/>
               <a:buChar char="•"/>
             </a:pPr>
-            <a:endParaRPr lang="fr-FR"/>
-          </a:p>
-          <a:p>
-            <a:endParaRPr lang="fr-FR"/>
+            <a:r>
+              <a:rPr lang="fr-FR" b="1"/>
+              <a:t>Cross validation</a:t>
+            </a:r>
+            <a:r>
+              <a:rPr lang="fr-FR"/>
+              <a:t>: technique de split du dataset pour sélectionner le modèle le plus robuste</a:t>
+            </a:r>
+          </a:p>
+        </p:txBody>
+      </p:sp>
+      <p:sp>
+        <p:nvSpPr>
+          <p:cNvPr id="4" name="Title 1">
+            <a:extLst>
+              <a:ext uri="{FF2B5EF4-FFF2-40B4-BE49-F238E27FC236}">
+                <a16:creationId xmlns:a16="http://schemas.microsoft.com/office/drawing/2014/main" id="{AC81DE98-77EC-3648-9EE1-8817F10A22C7}"/>
+              </a:ext>
+            </a:extLst>
+          </p:cNvPr>
+          <p:cNvSpPr txBox="1">
+            <a:spLocks/>
+          </p:cNvSpPr>
+          <p:nvPr/>
+        </p:nvSpPr>
+        <p:spPr>
+          <a:xfrm>
+            <a:off x="-10274" y="-5170"/>
+            <a:ext cx="12202274" cy="646331"/>
+          </a:xfrm>
+          <a:prstGeom prst="rect">
+            <a:avLst/>
+          </a:prstGeom>
+          <a:solidFill>
+            <a:srgbClr val="C04E00"/>
+          </a:solidFill>
+        </p:spPr>
+        <p:txBody>
+          <a:bodyPr vert="horz" lIns="91440" tIns="45720" rIns="91440" bIns="45720" rtlCol="0" anchor="ctr">
+            <a:normAutofit fontScale="97500" lnSpcReduction="10000"/>
+          </a:bodyPr>
+          <a:lstStyle>
+            <a:lvl1pPr algn="l" defTabSz="914400" rtl="0" eaLnBrk="1" latinLnBrk="0" hangingPunct="1">
+              <a:lnSpc>
+                <a:spcPct val="90000"/>
+              </a:lnSpc>
+              <a:spcBef>
+                <a:spcPct val="0"/>
+              </a:spcBef>
+              <a:buNone/>
+              <a:defRPr sz="4400" kern="1200">
+                <a:solidFill>
+                  <a:schemeClr val="tx1"/>
+                </a:solidFill>
+                <a:latin typeface="+mj-lt"/>
+                <a:ea typeface="+mj-ea"/>
+                <a:cs typeface="+mj-cs"/>
+              </a:defRPr>
+            </a:lvl1pPr>
+          </a:lstStyle>
+          <a:p>
+            <a:r>
+              <a:rPr lang="fr-FR">
+                <a:solidFill>
+                  <a:schemeClr val="bg1"/>
+                </a:solidFill>
+              </a:rPr>
+              <a:t>Solutions à l'overfitting</a:t>
+            </a:r>
+          </a:p>
+        </p:txBody>
+      </p:sp>
+      <p:sp>
+        <p:nvSpPr>
+          <p:cNvPr id="7" name="TextBox 6">
+            <a:extLst>
+              <a:ext uri="{FF2B5EF4-FFF2-40B4-BE49-F238E27FC236}">
+                <a16:creationId xmlns:a16="http://schemas.microsoft.com/office/drawing/2014/main" id="{19C2ABE0-5646-6B47-8B0C-C6B34C271487}"/>
+              </a:ext>
+            </a:extLst>
+          </p:cNvPr>
+          <p:cNvSpPr txBox="1"/>
+          <p:nvPr/>
+        </p:nvSpPr>
+        <p:spPr>
+          <a:xfrm>
+            <a:off x="1111170" y="1319514"/>
+            <a:ext cx="7422225" cy="1200329"/>
+          </a:xfrm>
+          <a:prstGeom prst="rect">
+            <a:avLst/>
+          </a:prstGeom>
+          <a:noFill/>
+          <a:ln w="28575">
+            <a:solidFill>
+              <a:srgbClr val="FF0000"/>
+            </a:solidFill>
+          </a:ln>
+        </p:spPr>
+        <p:txBody>
+          <a:bodyPr wrap="none" rtlCol="0">
+            <a:spAutoFit/>
+          </a:bodyPr>
+          <a:lstStyle/>
+          <a:p>
+            <a:r>
+              <a:rPr lang="fr-FR" b="1"/>
+              <a:t>Contexte:</a:t>
+            </a:r>
+          </a:p>
+          <a:p>
+            <a:pPr marL="285750" indent="-285750">
+              <a:buFont typeface="Arial" panose="020B0604020202020204" pitchFamily="34" charset="0"/>
+              <a:buChar char="•"/>
+            </a:pPr>
+            <a:r>
+              <a:rPr lang="fr-FR"/>
+              <a:t>On cherche le(s) paramètre(s) optimum du modele qui soit le plus robuste</a:t>
+            </a:r>
+          </a:p>
+          <a:p>
+            <a:pPr marL="285750" indent="-285750">
+              <a:buFont typeface="Arial" panose="020B0604020202020204" pitchFamily="34" charset="0"/>
+              <a:buChar char="•"/>
+            </a:pPr>
+            <a:r>
+              <a:rPr lang="fr-FR"/>
+              <a:t>les modeles trop complexes vont overfitter</a:t>
+            </a:r>
+          </a:p>
+          <a:p>
+            <a:pPr marL="285750" indent="-285750">
+              <a:buFont typeface="Arial" panose="020B0604020202020204" pitchFamily="34" charset="0"/>
+              <a:buChar char="•"/>
+            </a:pPr>
+            <a:r>
+              <a:rPr lang="fr-FR"/>
+              <a:t>Les models trop simples ne predisent pas bien</a:t>
+            </a:r>
+          </a:p>
+        </p:txBody>
+      </p:sp>
+      <p:sp>
+        <p:nvSpPr>
+          <p:cNvPr id="8" name="TextBox 7">
+            <a:extLst>
+              <a:ext uri="{FF2B5EF4-FFF2-40B4-BE49-F238E27FC236}">
+                <a16:creationId xmlns:a16="http://schemas.microsoft.com/office/drawing/2014/main" id="{DE00EAD0-62E9-904F-BEC2-DED683FE58E6}"/>
+              </a:ext>
+            </a:extLst>
+          </p:cNvPr>
+          <p:cNvSpPr txBox="1"/>
+          <p:nvPr/>
+        </p:nvSpPr>
+        <p:spPr>
+          <a:xfrm>
+            <a:off x="1111170" y="3013530"/>
+            <a:ext cx="8436925" cy="369332"/>
+          </a:xfrm>
+          <a:prstGeom prst="rect">
+            <a:avLst/>
+          </a:prstGeom>
+          <a:noFill/>
+          <a:ln w="28575">
+            <a:noFill/>
+          </a:ln>
+        </p:spPr>
+        <p:txBody>
+          <a:bodyPr wrap="none" rtlCol="0">
+            <a:spAutoFit/>
+          </a:bodyPr>
+          <a:lstStyle/>
+          <a:p>
+            <a:r>
+              <a:rPr lang="fr-FR"/>
+              <a:t>Dans le cas de la régression polynomiale, l'unique paramètre est le degré du polynôme.</a:t>
+            </a:r>
           </a:p>
         </p:txBody>
       </p:sp>
@@ -3986,7 +4258,10 @@
           <a:bodyPr/>
           <a:lstStyle/>
           <a:p>
-            <a:endParaRPr lang="fr-FR"/>
+            <a:r>
+              <a:rPr lang="fr-FR"/>
+              <a:t>k-fold, stratified, leave one out </a:t>
+            </a:r>
           </a:p>
         </p:txBody>
       </p:sp>
@@ -4025,36 +4300,354 @@
           <p:cNvPr id="2" name="Title 1">
             <a:extLst>
               <a:ext uri="{FF2B5EF4-FFF2-40B4-BE49-F238E27FC236}">
-                <a16:creationId xmlns:a16="http://schemas.microsoft.com/office/drawing/2014/main" id="{0FAC07A1-B27A-B743-99E1-366442187F4A}"/>
-              </a:ext>
-            </a:extLst>
-          </p:cNvPr>
-          <p:cNvSpPr>
-            <a:spLocks noGrp="1"/>
+                <a16:creationId xmlns:a16="http://schemas.microsoft.com/office/drawing/2014/main" id="{25BDA28D-412A-7F49-A584-AA27BB66639A}"/>
+              </a:ext>
+            </a:extLst>
+          </p:cNvPr>
+          <p:cNvSpPr txBox="1">
+            <a:spLocks/>
           </p:cNvSpPr>
-          <p:nvPr>
-            <p:ph type="title"/>
-          </p:nvPr>
+          <p:nvPr/>
         </p:nvSpPr>
         <p:spPr>
           <a:xfrm>
-            <a:off x="838200" y="365125"/>
-            <a:ext cx="10515600" cy="682839"/>
+            <a:off x="-10274" y="-5170"/>
+            <a:ext cx="12202274" cy="646331"/>
           </a:xfrm>
+          <a:prstGeom prst="rect">
+            <a:avLst/>
+          </a:prstGeom>
+          <a:solidFill>
+            <a:srgbClr val="00FDFF"/>
+          </a:solidFill>
         </p:spPr>
         <p:txBody>
-          <a:bodyPr>
-            <a:normAutofit fontScale="90000"/>
+          <a:bodyPr vert="horz" lIns="91440" tIns="45720" rIns="91440" bIns="45720" rtlCol="0" anchor="ctr">
+            <a:normAutofit fontScale="97500" lnSpcReduction="10000"/>
+          </a:bodyPr>
+          <a:lstStyle>
+            <a:lvl1pPr algn="l" defTabSz="914400" rtl="0" eaLnBrk="1" latinLnBrk="0" hangingPunct="1">
+              <a:lnSpc>
+                <a:spcPct val="90000"/>
+              </a:lnSpc>
+              <a:spcBef>
+                <a:spcPct val="0"/>
+              </a:spcBef>
+              <a:buNone/>
+              <a:defRPr sz="4400" kern="1200">
+                <a:solidFill>
+                  <a:schemeClr val="tx1"/>
+                </a:solidFill>
+                <a:latin typeface="+mj-lt"/>
+                <a:ea typeface="+mj-ea"/>
+                <a:cs typeface="+mj-cs"/>
+              </a:defRPr>
+            </a:lvl1pPr>
+          </a:lstStyle>
+          <a:p>
+            <a:r>
+              <a:rPr lang="fr-FR"/>
+              <a:t>Split train - test</a:t>
+            </a:r>
+          </a:p>
+        </p:txBody>
+      </p:sp>
+      <p:sp>
+        <p:nvSpPr>
+          <p:cNvPr id="3" name="TextBox 2">
+            <a:extLst>
+              <a:ext uri="{FF2B5EF4-FFF2-40B4-BE49-F238E27FC236}">
+                <a16:creationId xmlns:a16="http://schemas.microsoft.com/office/drawing/2014/main" id="{7CFF85C3-7933-A54D-AC1D-0296EF556305}"/>
+              </a:ext>
+            </a:extLst>
+          </p:cNvPr>
+          <p:cNvSpPr txBox="1"/>
+          <p:nvPr/>
+        </p:nvSpPr>
+        <p:spPr>
+          <a:xfrm>
+            <a:off x="266218" y="1435260"/>
+            <a:ext cx="3946967" cy="2862322"/>
+          </a:xfrm>
+          <a:prstGeom prst="rect">
+            <a:avLst/>
+          </a:prstGeom>
+          <a:noFill/>
+        </p:spPr>
+        <p:txBody>
+          <a:bodyPr wrap="square" rtlCol="0">
+            <a:spAutoFit/>
           </a:bodyPr>
           <a:lstStyle/>
           <a:p>
             <a:r>
               <a:rPr lang="fr-FR"/>
-              <a:t>Cross validation</a:t>
-            </a:r>
-          </a:p>
-        </p:txBody>
-      </p:sp>
+              <a:t>Spliter le dataset en un subset d'apprentissage et un subset de test. </a:t>
+            </a:r>
+          </a:p>
+          <a:p>
+            <a:endParaRPr lang="fr-FR"/>
+          </a:p>
+          <a:p>
+            <a:r>
+              <a:rPr lang="fr-FR" b="1"/>
+              <a:t>Forte dépendance des performances du dataset sur le split</a:t>
+            </a:r>
+          </a:p>
+          <a:p>
+            <a:endParaRPr lang="fr-FR"/>
+          </a:p>
+          <a:p>
+            <a:pPr marL="285750" indent="-285750">
+              <a:buFont typeface="Arial" panose="020B0604020202020204" pitchFamily="34" charset="0"/>
+              <a:buChar char="•"/>
+            </a:pPr>
+            <a:r>
+              <a:rPr lang="fr-FR"/>
+              <a:t>Les outliers sont ils juste dans le test set ?</a:t>
+            </a:r>
+          </a:p>
+          <a:p>
+            <a:pPr marL="285750" indent="-285750">
+              <a:buFont typeface="Arial" panose="020B0604020202020204" pitchFamily="34" charset="0"/>
+              <a:buChar char="•"/>
+            </a:pPr>
+            <a:r>
+              <a:rPr lang="fr-FR"/>
+              <a:t>Le test subset est il distribué de la même façon que le training set ?</a:t>
+            </a:r>
+          </a:p>
+        </p:txBody>
+      </p:sp>
+      <p:pic>
+        <p:nvPicPr>
+          <p:cNvPr id="5" name="Picture 4">
+            <a:extLst>
+              <a:ext uri="{FF2B5EF4-FFF2-40B4-BE49-F238E27FC236}">
+                <a16:creationId xmlns:a16="http://schemas.microsoft.com/office/drawing/2014/main" id="{BA7E913B-A303-8341-9A55-9B788E6701A3}"/>
+              </a:ext>
+            </a:extLst>
+          </p:cNvPr>
+          <p:cNvPicPr>
+            <a:picLocks noChangeAspect="1"/>
+          </p:cNvPicPr>
+          <p:nvPr/>
+        </p:nvPicPr>
+        <p:blipFill>
+          <a:blip r:embed="rId2"/>
+          <a:stretch>
+            <a:fillRect/>
+          </a:stretch>
+        </p:blipFill>
+        <p:spPr>
+          <a:xfrm>
+            <a:off x="4057891" y="1435260"/>
+            <a:ext cx="8134109" cy="5422739"/>
+          </a:xfrm>
+          <a:prstGeom prst="rect">
+            <a:avLst/>
+          </a:prstGeom>
+        </p:spPr>
+      </p:pic>
+      <p:cxnSp>
+        <p:nvCxnSpPr>
+          <p:cNvPr id="7" name="Straight Arrow Connector 6">
+            <a:extLst>
+              <a:ext uri="{FF2B5EF4-FFF2-40B4-BE49-F238E27FC236}">
+                <a16:creationId xmlns:a16="http://schemas.microsoft.com/office/drawing/2014/main" id="{3480D612-5C2D-2645-BA9D-79F930E410A8}"/>
+              </a:ext>
+            </a:extLst>
+          </p:cNvPr>
+          <p:cNvCxnSpPr/>
+          <p:nvPr/>
+        </p:nvCxnSpPr>
+        <p:spPr>
+          <a:xfrm flipH="1">
+            <a:off x="5278056" y="949124"/>
+            <a:ext cx="2314936" cy="763929"/>
+          </a:xfrm>
+          <a:prstGeom prst="straightConnector1">
+            <a:avLst/>
+          </a:prstGeom>
+          <a:ln>
+            <a:solidFill>
+              <a:srgbClr val="FF0000"/>
+            </a:solidFill>
+            <a:tailEnd type="triangle"/>
+          </a:ln>
+        </p:spPr>
+        <p:style>
+          <a:lnRef idx="1">
+            <a:schemeClr val="accent1"/>
+          </a:lnRef>
+          <a:fillRef idx="0">
+            <a:schemeClr val="accent1"/>
+          </a:fillRef>
+          <a:effectRef idx="0">
+            <a:schemeClr val="accent1"/>
+          </a:effectRef>
+          <a:fontRef idx="minor">
+            <a:schemeClr val="tx1"/>
+          </a:fontRef>
+        </p:style>
+      </p:cxnSp>
+      <p:cxnSp>
+        <p:nvCxnSpPr>
+          <p:cNvPr id="8" name="Straight Arrow Connector 7">
+            <a:extLst>
+              <a:ext uri="{FF2B5EF4-FFF2-40B4-BE49-F238E27FC236}">
+                <a16:creationId xmlns:a16="http://schemas.microsoft.com/office/drawing/2014/main" id="{7B259DAE-F158-C04A-92C7-338A71F08B40}"/>
+              </a:ext>
+            </a:extLst>
+          </p:cNvPr>
+          <p:cNvCxnSpPr>
+            <a:cxnSpLocks/>
+          </p:cNvCxnSpPr>
+          <p:nvPr/>
+        </p:nvCxnSpPr>
+        <p:spPr>
+          <a:xfrm>
+            <a:off x="7592992" y="949124"/>
+            <a:ext cx="1724628" cy="763929"/>
+          </a:xfrm>
+          <a:prstGeom prst="straightConnector1">
+            <a:avLst/>
+          </a:prstGeom>
+          <a:ln>
+            <a:solidFill>
+              <a:srgbClr val="FF0000"/>
+            </a:solidFill>
+            <a:tailEnd type="triangle"/>
+          </a:ln>
+        </p:spPr>
+        <p:style>
+          <a:lnRef idx="1">
+            <a:schemeClr val="accent1"/>
+          </a:lnRef>
+          <a:fillRef idx="0">
+            <a:schemeClr val="accent1"/>
+          </a:fillRef>
+          <a:effectRef idx="0">
+            <a:schemeClr val="accent1"/>
+          </a:effectRef>
+          <a:fontRef idx="minor">
+            <a:schemeClr val="tx1"/>
+          </a:fontRef>
+        </p:style>
+      </p:cxnSp>
+      <p:cxnSp>
+        <p:nvCxnSpPr>
+          <p:cNvPr id="11" name="Straight Arrow Connector 10">
+            <a:extLst>
+              <a:ext uri="{FF2B5EF4-FFF2-40B4-BE49-F238E27FC236}">
+                <a16:creationId xmlns:a16="http://schemas.microsoft.com/office/drawing/2014/main" id="{819C0476-D9CD-0040-99EA-D0FF447EE159}"/>
+              </a:ext>
+            </a:extLst>
+          </p:cNvPr>
+          <p:cNvCxnSpPr>
+            <a:cxnSpLocks/>
+          </p:cNvCxnSpPr>
+          <p:nvPr/>
+        </p:nvCxnSpPr>
+        <p:spPr>
+          <a:xfrm>
+            <a:off x="7592992" y="949124"/>
+            <a:ext cx="2361236" cy="763929"/>
+          </a:xfrm>
+          <a:prstGeom prst="straightConnector1">
+            <a:avLst/>
+          </a:prstGeom>
+          <a:ln>
+            <a:solidFill>
+              <a:srgbClr val="FF0000"/>
+            </a:solidFill>
+            <a:tailEnd type="triangle"/>
+          </a:ln>
+        </p:spPr>
+        <p:style>
+          <a:lnRef idx="1">
+            <a:schemeClr val="accent1"/>
+          </a:lnRef>
+          <a:fillRef idx="0">
+            <a:schemeClr val="accent1"/>
+          </a:fillRef>
+          <a:effectRef idx="0">
+            <a:schemeClr val="accent1"/>
+          </a:effectRef>
+          <a:fontRef idx="minor">
+            <a:schemeClr val="tx1"/>
+          </a:fontRef>
+        </p:style>
+      </p:cxnSp>
+      <p:sp>
+        <p:nvSpPr>
+          <p:cNvPr id="14" name="TextBox 13">
+            <a:extLst>
+              <a:ext uri="{FF2B5EF4-FFF2-40B4-BE49-F238E27FC236}">
+                <a16:creationId xmlns:a16="http://schemas.microsoft.com/office/drawing/2014/main" id="{9B4C2E6A-2862-3A4C-9670-482B8FA9334E}"/>
+              </a:ext>
+            </a:extLst>
+          </p:cNvPr>
+          <p:cNvSpPr txBox="1"/>
+          <p:nvPr/>
+        </p:nvSpPr>
+        <p:spPr>
+          <a:xfrm>
+            <a:off x="9109276" y="856527"/>
+            <a:ext cx="2335896" cy="369332"/>
+          </a:xfrm>
+          <a:prstGeom prst="rect">
+            <a:avLst/>
+          </a:prstGeom>
+          <a:noFill/>
+        </p:spPr>
+        <p:txBody>
+          <a:bodyPr wrap="none" rtlCol="0">
+            <a:spAutoFit/>
+          </a:bodyPr>
+          <a:lstStyle/>
+          <a:p>
+            <a:r>
+              <a:rPr lang="fr-FR">
+                <a:solidFill>
+                  <a:srgbClr val="FF0000"/>
+                </a:solidFill>
+              </a:rPr>
+              <a:t>Outliers in the test set!</a:t>
+            </a:r>
+          </a:p>
+        </p:txBody>
+      </p:sp>
+    </p:spTree>
+    <p:extLst>
+      <p:ext uri="{BB962C8B-B14F-4D97-AF65-F5344CB8AC3E}">
+        <p14:creationId xmlns:p14="http://schemas.microsoft.com/office/powerpoint/2010/main" val="3202152535"/>
+      </p:ext>
+    </p:extLst>
+  </p:cSld>
+  <p:clrMapOvr>
+    <a:masterClrMapping/>
+  </p:clrMapOvr>
+</p:sld>
+</file>
+
+<file path=ppt/slides/slide15.xml><?xml version="1.0" encoding="utf-8"?>
+<p:sld xmlns:a="http://schemas.openxmlformats.org/drawingml/2006/main" xmlns:r="http://schemas.openxmlformats.org/officeDocument/2006/relationships" xmlns:p="http://schemas.openxmlformats.org/presentationml/2006/main">
+  <p:cSld>
+    <p:spTree>
+      <p:nvGrpSpPr>
+        <p:cNvPr id="1" name=""/>
+        <p:cNvGrpSpPr/>
+        <p:nvPr/>
+      </p:nvGrpSpPr>
+      <p:grpSpPr>
+        <a:xfrm>
+          <a:off x="0" y="0"/>
+          <a:ext cx="0" cy="0"/>
+          <a:chOff x="0" y="0"/>
+          <a:chExt cx="0" cy="0"/>
+        </a:xfrm>
+      </p:grpSpPr>
       <p:pic>
         <p:nvPicPr>
           <p:cNvPr id="4" name="Picture 3">
@@ -4099,13 +4692,18 @@
         </p:nvSpPr>
         <p:spPr>
           <a:xfrm>
-            <a:off x="2938409" y="5465852"/>
-            <a:ext cx="5669181" cy="369332"/>
+            <a:off x="1688343" y="5284292"/>
+            <a:ext cx="9709133" cy="923330"/>
           </a:xfrm>
           <a:prstGeom prst="rect">
             <a:avLst/>
           </a:prstGeom>
           <a:noFill/>
+          <a:ln w="28575">
+            <a:solidFill>
+              <a:srgbClr val="FF0000"/>
+            </a:solidFill>
+          </a:ln>
         </p:spPr>
         <p:txBody>
           <a:bodyPr wrap="none" rtlCol="0">
@@ -4113,9 +4711,33 @@
           </a:bodyPr>
           <a:lstStyle/>
           <a:p>
+            <a:pPr marL="285750" indent="-285750">
+              <a:buFont typeface="Arial" panose="020B0604020202020204" pitchFamily="34" charset="0"/>
+              <a:buChar char="•"/>
+            </a:pPr>
             <a:r>
               <a:rPr lang="fr-FR"/>
-              <a:t>4 modèles - moyenne des scores – selectionner le meilleur</a:t>
+              <a:t>pour un choix de parametres du modele</a:t>
+            </a:r>
+          </a:p>
+          <a:p>
+            <a:pPr marL="285750" indent="-285750">
+              <a:buFont typeface="Arial" panose="020B0604020202020204" pitchFamily="34" charset="0"/>
+              <a:buChar char="•"/>
+            </a:pPr>
+            <a:r>
+              <a:rPr lang="fr-FR"/>
+              <a:t>4 split train / test =&gt; 4 modèles </a:t>
+            </a:r>
+          </a:p>
+          <a:p>
+            <a:pPr marL="285750" indent="-285750">
+              <a:buFont typeface="Arial" panose="020B0604020202020204" pitchFamily="34" charset="0"/>
+              <a:buChar char="•"/>
+            </a:pPr>
+            <a:r>
+              <a:rPr lang="fr-FR"/>
+              <a:t>selectionner le meilleur choix de parametres en fct de la moyenne des scores sur le dataset de test</a:t>
             </a:r>
           </a:p>
         </p:txBody>
@@ -4366,242 +4988,67 @@
           </a:fontRef>
         </p:style>
       </p:cxnSp>
+      <p:sp>
+        <p:nvSpPr>
+          <p:cNvPr id="12" name="Title 1">
+            <a:extLst>
+              <a:ext uri="{FF2B5EF4-FFF2-40B4-BE49-F238E27FC236}">
+                <a16:creationId xmlns:a16="http://schemas.microsoft.com/office/drawing/2014/main" id="{26D3E8FB-5075-894D-AECF-7D9B5B20A74C}"/>
+              </a:ext>
+            </a:extLst>
+          </p:cNvPr>
+          <p:cNvSpPr txBox="1">
+            <a:spLocks/>
+          </p:cNvSpPr>
+          <p:nvPr/>
+        </p:nvSpPr>
+        <p:spPr>
+          <a:xfrm>
+            <a:off x="-10274" y="-5170"/>
+            <a:ext cx="12202274" cy="646331"/>
+          </a:xfrm>
+          <a:prstGeom prst="rect">
+            <a:avLst/>
+          </a:prstGeom>
+          <a:solidFill>
+            <a:srgbClr val="00FDFF"/>
+          </a:solidFill>
+        </p:spPr>
+        <p:txBody>
+          <a:bodyPr vert="horz" lIns="91440" tIns="45720" rIns="91440" bIns="45720" rtlCol="0" anchor="ctr">
+            <a:normAutofit fontScale="97500" lnSpcReduction="10000"/>
+          </a:bodyPr>
+          <a:lstStyle>
+            <a:lvl1pPr algn="l" defTabSz="914400" rtl="0" eaLnBrk="1" latinLnBrk="0" hangingPunct="1">
+              <a:lnSpc>
+                <a:spcPct val="90000"/>
+              </a:lnSpc>
+              <a:spcBef>
+                <a:spcPct val="0"/>
+              </a:spcBef>
+              <a:buNone/>
+              <a:defRPr sz="4400" kern="1200">
+                <a:solidFill>
+                  <a:schemeClr val="tx1"/>
+                </a:solidFill>
+                <a:latin typeface="+mj-lt"/>
+                <a:ea typeface="+mj-ea"/>
+                <a:cs typeface="+mj-cs"/>
+              </a:defRPr>
+            </a:lvl1pPr>
+          </a:lstStyle>
+          <a:p>
+            <a:r>
+              <a:rPr lang="fr-FR"/>
+              <a:t>k-fold cross validation</a:t>
+            </a:r>
+          </a:p>
+        </p:txBody>
+      </p:sp>
     </p:spTree>
     <p:extLst>
       <p:ext uri="{BB962C8B-B14F-4D97-AF65-F5344CB8AC3E}">
         <p14:creationId xmlns:p14="http://schemas.microsoft.com/office/powerpoint/2010/main" val="1256090154"/>
-      </p:ext>
-    </p:extLst>
-  </p:cSld>
-  <p:clrMapOvr>
-    <a:masterClrMapping/>
-  </p:clrMapOvr>
-</p:sld>
-</file>
-
-<file path=ppt/slides/slide15.xml><?xml version="1.0" encoding="utf-8"?>
-<p:sld xmlns:a="http://schemas.openxmlformats.org/drawingml/2006/main" xmlns:r="http://schemas.openxmlformats.org/officeDocument/2006/relationships" xmlns:p="http://schemas.openxmlformats.org/presentationml/2006/main">
-  <p:cSld>
-    <p:spTree>
-      <p:nvGrpSpPr>
-        <p:cNvPr id="1" name=""/>
-        <p:cNvGrpSpPr/>
-        <p:nvPr/>
-      </p:nvGrpSpPr>
-      <p:grpSpPr>
-        <a:xfrm>
-          <a:off x="0" y="0"/>
-          <a:ext cx="0" cy="0"/>
-          <a:chOff x="0" y="0"/>
-          <a:chExt cx="0" cy="0"/>
-        </a:xfrm>
-      </p:grpSpPr>
-      <p:sp>
-        <p:nvSpPr>
-          <p:cNvPr id="2" name="Title 1">
-            <a:extLst>
-              <a:ext uri="{FF2B5EF4-FFF2-40B4-BE49-F238E27FC236}">
-                <a16:creationId xmlns:a16="http://schemas.microsoft.com/office/drawing/2014/main" id="{45AC8C90-6A37-BA4D-BAD9-0CCC1166F756}"/>
-              </a:ext>
-            </a:extLst>
-          </p:cNvPr>
-          <p:cNvSpPr>
-            <a:spLocks noGrp="1"/>
-          </p:cNvSpPr>
-          <p:nvPr>
-            <p:ph type="title"/>
-          </p:nvPr>
-        </p:nvSpPr>
-        <p:spPr/>
-        <p:txBody>
-          <a:bodyPr/>
-          <a:lstStyle/>
-          <a:p>
-            <a:endParaRPr lang="fr-FR"/>
-          </a:p>
-        </p:txBody>
-      </p:sp>
-      <p:sp>
-        <p:nvSpPr>
-          <p:cNvPr id="3" name="Rectangle 2">
-            <a:extLst>
-              <a:ext uri="{FF2B5EF4-FFF2-40B4-BE49-F238E27FC236}">
-                <a16:creationId xmlns:a16="http://schemas.microsoft.com/office/drawing/2014/main" id="{B4AB525A-FBDA-F543-82E6-4C740BDFD318}"/>
-              </a:ext>
-            </a:extLst>
-          </p:cNvPr>
-          <p:cNvSpPr/>
-          <p:nvPr/>
-        </p:nvSpPr>
-        <p:spPr>
-          <a:xfrm>
-            <a:off x="3048000" y="2274838"/>
-            <a:ext cx="6096000" cy="2308324"/>
-          </a:xfrm>
-          <a:prstGeom prst="rect">
-            <a:avLst/>
-          </a:prstGeom>
-        </p:spPr>
-        <p:txBody>
-          <a:bodyPr>
-            <a:spAutoFit/>
-          </a:bodyPr>
-          <a:lstStyle/>
-          <a:p>
-            <a:r>
-              <a:rPr lang="en-US">
-                <a:solidFill>
-                  <a:srgbClr val="212121"/>
-                </a:solidFill>
-                <a:latin typeface="SourceSansPro"/>
-              </a:rPr>
-              <a:t>Mélanger le dataset </a:t>
-            </a:r>
-            <a:endParaRPr lang="en-US">
-              <a:effectLst/>
-            </a:endParaRPr>
-          </a:p>
-          <a:p>
-            <a:r>
-              <a:rPr lang="en-US">
-                <a:solidFill>
-                  <a:srgbClr val="212121"/>
-                </a:solidFill>
-                <a:latin typeface="SourceSansPro"/>
-              </a:rPr>
-              <a:t>2. Puis découper le dataset en K (5) parties </a:t>
-            </a:r>
-            <a:endParaRPr lang="en-US">
-              <a:effectLst/>
-            </a:endParaRPr>
-          </a:p>
-          <a:p>
-            <a:r>
-              <a:rPr lang="en-US">
-                <a:solidFill>
-                  <a:srgbClr val="212121"/>
-                </a:solidFill>
-                <a:latin typeface="SourceSansPro"/>
-              </a:rPr>
-              <a:t>3. Faire K (5) experiences:</a:t>
-            </a:r>
-            <a:br>
-              <a:rPr lang="en-US">
-                <a:solidFill>
-                  <a:srgbClr val="212121"/>
-                </a:solidFill>
-                <a:latin typeface="SourceSansPro"/>
-              </a:rPr>
-            </a:br>
-            <a:r>
-              <a:rPr lang="en-US">
-                <a:solidFill>
-                  <a:srgbClr val="212121"/>
-                </a:solidFill>
-                <a:latin typeface="SourceSansPro"/>
-              </a:rPr>
-              <a:t>apprentissage sur 1,2,3,4 et evaluation sur 5 </a:t>
-            </a:r>
-            <a:endParaRPr lang="en-US">
-              <a:effectLst/>
-            </a:endParaRPr>
-          </a:p>
-          <a:p>
-            <a:r>
-              <a:rPr lang="en-US">
-                <a:solidFill>
-                  <a:srgbClr val="212121"/>
-                </a:solidFill>
-                <a:latin typeface="SourceSansPro"/>
-              </a:rPr>
-              <a:t>apprentissage sur 1,2,3,</a:t>
-            </a:r>
-            <a:r>
-              <a:rPr lang="en-US" b="1">
-                <a:solidFill>
-                  <a:srgbClr val="212121"/>
-                </a:solidFill>
-                <a:latin typeface="SourceSansPro"/>
-              </a:rPr>
-              <a:t>5 </a:t>
-            </a:r>
-            <a:r>
-              <a:rPr lang="en-US">
-                <a:solidFill>
-                  <a:srgbClr val="212121"/>
-                </a:solidFill>
-                <a:latin typeface="SourceSansPro"/>
-              </a:rPr>
-              <a:t>et evaluation sur </a:t>
-            </a:r>
-            <a:r>
-              <a:rPr lang="en-US" b="1">
-                <a:solidFill>
-                  <a:srgbClr val="212121"/>
-                </a:solidFill>
-                <a:latin typeface="SourceSansPro"/>
-              </a:rPr>
-              <a:t>4 </a:t>
-            </a:r>
-            <a:r>
-              <a:rPr lang="en-US">
-                <a:solidFill>
-                  <a:srgbClr val="212121"/>
-                </a:solidFill>
-                <a:latin typeface="SourceSansPro"/>
-              </a:rPr>
-              <a:t>...</a:t>
-            </a:r>
-            <a:br>
-              <a:rPr lang="en-US">
-                <a:solidFill>
-                  <a:srgbClr val="212121"/>
-                </a:solidFill>
-                <a:latin typeface="SourceSansPro"/>
-              </a:rPr>
-            </a:br>
-            <a:r>
-              <a:rPr lang="en-US">
-                <a:solidFill>
-                  <a:srgbClr val="212121"/>
-                </a:solidFill>
-                <a:latin typeface="SourceSansPro"/>
-              </a:rPr>
-              <a:t>apprentissage sur 2,3,4,5 et evaluation sur </a:t>
-            </a:r>
-            <a:r>
-              <a:rPr lang="en-US" b="1">
-                <a:solidFill>
-                  <a:srgbClr val="212121"/>
-                </a:solidFill>
-                <a:latin typeface="SourceSansPro"/>
-              </a:rPr>
-              <a:t>1 </a:t>
-            </a:r>
-            <a:endParaRPr lang="en-US">
-              <a:effectLst/>
-            </a:endParaRPr>
-          </a:p>
-          <a:p>
-            <a:r>
-              <a:rPr lang="en-US">
-                <a:solidFill>
-                  <a:srgbClr val="212121"/>
-                </a:solidFill>
-                <a:latin typeface="SourceSansPro"/>
-              </a:rPr>
-              <a:t>La moyenne des scores obtenus ainsi est plus robuste qu'un score obtenu sur un unique découpage. </a:t>
-            </a:r>
-            <a:endParaRPr lang="en-US">
-              <a:effectLst/>
-            </a:endParaRPr>
-          </a:p>
-        </p:txBody>
-      </p:sp>
-    </p:spTree>
-    <p:extLst>
-      <p:ext uri="{BB962C8B-B14F-4D97-AF65-F5344CB8AC3E}">
-        <p14:creationId xmlns:p14="http://schemas.microsoft.com/office/powerpoint/2010/main" val="1836928040"/>
       </p:ext>
     </p:extLst>
   </p:cSld>
@@ -4630,35 +5077,10 @@
       </p:grpSpPr>
       <p:sp>
         <p:nvSpPr>
-          <p:cNvPr id="2" name="Title 1">
-            <a:extLst>
-              <a:ext uri="{FF2B5EF4-FFF2-40B4-BE49-F238E27FC236}">
-                <a16:creationId xmlns:a16="http://schemas.microsoft.com/office/drawing/2014/main" id="{36AF57C2-9251-164B-A78F-5B0243218AA8}"/>
-              </a:ext>
-            </a:extLst>
-          </p:cNvPr>
-          <p:cNvSpPr>
-            <a:spLocks noGrp="1"/>
-          </p:cNvSpPr>
-          <p:nvPr>
-            <p:ph type="title"/>
-          </p:nvPr>
-        </p:nvSpPr>
-        <p:spPr/>
-        <p:txBody>
-          <a:bodyPr/>
-          <a:lstStyle/>
-          <a:p>
-            <a:endParaRPr lang="fr-FR"/>
-          </a:p>
-        </p:txBody>
-      </p:sp>
-      <p:sp>
-        <p:nvSpPr>
-          <p:cNvPr id="4" name="Rectangle 3">
-            <a:extLst>
-              <a:ext uri="{FF2B5EF4-FFF2-40B4-BE49-F238E27FC236}">
-                <a16:creationId xmlns:a16="http://schemas.microsoft.com/office/drawing/2014/main" id="{FE86A8EA-ADD3-7B4F-9680-9B02A9E48BD0}"/>
+          <p:cNvPr id="3" name="Rectangle 2">
+            <a:extLst>
+              <a:ext uri="{FF2B5EF4-FFF2-40B4-BE49-F238E27FC236}">
+                <a16:creationId xmlns:a16="http://schemas.microsoft.com/office/drawing/2014/main" id="{B4AB525A-FBDA-F543-82E6-4C740BDFD318}"/>
               </a:ext>
             </a:extLst>
           </p:cNvPr>
@@ -4667,49 +5089,238 @@
         </p:nvSpPr>
         <p:spPr>
           <a:xfrm>
-            <a:off x="3048000" y="1720840"/>
-            <a:ext cx="6096000" cy="3416320"/>
+            <a:off x="1971554" y="1314139"/>
+            <a:ext cx="9105418" cy="3785652"/>
           </a:xfrm>
           <a:prstGeom prst="rect">
             <a:avLst/>
           </a:prstGeom>
         </p:spPr>
         <p:txBody>
-          <a:bodyPr>
+          <a:bodyPr wrap="square">
             <a:spAutoFit/>
           </a:bodyPr>
           <a:lstStyle/>
           <a:p>
+            <a:endParaRPr lang="en-US" sz="2400">
+              <a:solidFill>
+                <a:srgbClr val="212121"/>
+              </a:solidFill>
+            </a:endParaRPr>
+          </a:p>
+          <a:p>
+            <a:pPr marL="457200" indent="-457200">
+              <a:buFont typeface="+mj-lt"/>
+              <a:buAutoNum type="arabicPeriod"/>
+            </a:pPr>
+            <a:endParaRPr lang="en-US" sz="2400">
+              <a:solidFill>
+                <a:srgbClr val="212121"/>
+              </a:solidFill>
+            </a:endParaRPr>
+          </a:p>
+          <a:p>
+            <a:pPr marL="457200" indent="-457200">
+              <a:buFont typeface="+mj-lt"/>
+              <a:buAutoNum type="arabicPeriod"/>
+            </a:pPr>
+            <a:r>
+              <a:rPr lang="en-US" sz="2400">
+                <a:solidFill>
+                  <a:srgbClr val="212121"/>
+                </a:solidFill>
+              </a:rPr>
+              <a:t>Mélanger le dataset </a:t>
+            </a:r>
+            <a:endParaRPr lang="en-US" sz="2400">
+              <a:effectLst/>
+            </a:endParaRPr>
+          </a:p>
+          <a:p>
+            <a:pPr marL="457200" indent="-457200">
+              <a:buFont typeface="+mj-lt"/>
+              <a:buAutoNum type="arabicPeriod"/>
+            </a:pPr>
+            <a:r>
+              <a:rPr lang="en-US" sz="2400">
+                <a:solidFill>
+                  <a:srgbClr val="212121"/>
+                </a:solidFill>
+              </a:rPr>
+              <a:t>Puis découper le dataset en K (5) parties </a:t>
+            </a:r>
+            <a:endParaRPr lang="en-US" sz="2400">
+              <a:effectLst/>
+            </a:endParaRPr>
+          </a:p>
+          <a:p>
+            <a:pPr marL="457200" indent="-457200">
+              <a:buFont typeface="+mj-lt"/>
+              <a:buAutoNum type="arabicPeriod"/>
+            </a:pPr>
+            <a:r>
+              <a:rPr lang="en-US" sz="2400">
+                <a:solidFill>
+                  <a:srgbClr val="212121"/>
+                </a:solidFill>
+              </a:rPr>
+              <a:t>Faire K (5) experiences:</a:t>
+            </a:r>
+            <a:br>
+              <a:rPr lang="en-US" sz="2400">
+                <a:solidFill>
+                  <a:srgbClr val="212121"/>
+                </a:solidFill>
+              </a:rPr>
+            </a:br>
+            <a:r>
+              <a:rPr lang="en-US" sz="2400">
+                <a:solidFill>
+                  <a:srgbClr val="212121"/>
+                </a:solidFill>
+              </a:rPr>
+              <a:t>apprentissage sur 1,2,3,4 et evaluation sur 5 </a:t>
+            </a:r>
+            <a:endParaRPr lang="en-US" sz="2400">
+              <a:effectLst/>
+            </a:endParaRPr>
+          </a:p>
+          <a:p>
+            <a:r>
+              <a:rPr lang="en-US" sz="2400">
+                <a:solidFill>
+                  <a:srgbClr val="212121"/>
+                </a:solidFill>
+              </a:rPr>
+              <a:t>apprentissage sur 1,2,3,</a:t>
+            </a:r>
+            <a:r>
+              <a:rPr lang="en-US" sz="2400" b="1">
+                <a:solidFill>
+                  <a:srgbClr val="212121"/>
+                </a:solidFill>
+              </a:rPr>
+              <a:t>5 </a:t>
+            </a:r>
+            <a:r>
+              <a:rPr lang="en-US" sz="2400">
+                <a:solidFill>
+                  <a:srgbClr val="212121"/>
+                </a:solidFill>
+              </a:rPr>
+              <a:t>et evaluation sur </a:t>
+            </a:r>
+            <a:r>
+              <a:rPr lang="en-US" sz="2400" b="1">
+                <a:solidFill>
+                  <a:srgbClr val="212121"/>
+                </a:solidFill>
+              </a:rPr>
+              <a:t>4 </a:t>
+            </a:r>
+            <a:r>
+              <a:rPr lang="en-US" sz="2400">
+                <a:solidFill>
+                  <a:srgbClr val="212121"/>
+                </a:solidFill>
+              </a:rPr>
+              <a:t>...</a:t>
+            </a:r>
+            <a:br>
+              <a:rPr lang="en-US" sz="2400">
+                <a:solidFill>
+                  <a:srgbClr val="212121"/>
+                </a:solidFill>
+              </a:rPr>
+            </a:br>
+            <a:r>
+              <a:rPr lang="en-US" sz="2400">
+                <a:solidFill>
+                  <a:srgbClr val="212121"/>
+                </a:solidFill>
+              </a:rPr>
+              <a:t>apprentissage sur 2,3,4,5 et evaluation sur </a:t>
+            </a:r>
+            <a:r>
+              <a:rPr lang="en-US" sz="2400" b="1">
+                <a:solidFill>
+                  <a:srgbClr val="212121"/>
+                </a:solidFill>
+              </a:rPr>
+              <a:t>1 </a:t>
+            </a:r>
+            <a:endParaRPr lang="en-US" sz="2400">
+              <a:effectLst/>
+            </a:endParaRPr>
+          </a:p>
+          <a:p>
+            <a:r>
+              <a:rPr lang="en-US" sz="2400">
+                <a:solidFill>
+                  <a:srgbClr val="212121"/>
+                </a:solidFill>
+              </a:rPr>
+              <a:t>La moyenne des scores obtenus ainsi est plus robuste qu'un score obtenu sur un unique découpage. </a:t>
+            </a:r>
+            <a:endParaRPr lang="en-US" sz="2400">
+              <a:effectLst/>
+            </a:endParaRPr>
+          </a:p>
+        </p:txBody>
+      </p:sp>
+      <p:sp>
+        <p:nvSpPr>
+          <p:cNvPr id="4" name="Title 1">
+            <a:extLst>
+              <a:ext uri="{FF2B5EF4-FFF2-40B4-BE49-F238E27FC236}">
+                <a16:creationId xmlns:a16="http://schemas.microsoft.com/office/drawing/2014/main" id="{28982543-5A46-C646-A5E0-8C025093E757}"/>
+              </a:ext>
+            </a:extLst>
+          </p:cNvPr>
+          <p:cNvSpPr txBox="1">
+            <a:spLocks/>
+          </p:cNvSpPr>
+          <p:nvPr/>
+        </p:nvSpPr>
+        <p:spPr>
+          <a:xfrm>
+            <a:off x="-10274" y="-5170"/>
+            <a:ext cx="12202274" cy="646331"/>
+          </a:xfrm>
+          <a:prstGeom prst="rect">
+            <a:avLst/>
+          </a:prstGeom>
+          <a:solidFill>
+            <a:srgbClr val="00FDFF"/>
+          </a:solidFill>
+        </p:spPr>
+        <p:txBody>
+          <a:bodyPr vert="horz" lIns="91440" tIns="45720" rIns="91440" bIns="45720" rtlCol="0" anchor="ctr">
+            <a:normAutofit fontScale="97500" lnSpcReduction="10000"/>
+          </a:bodyPr>
+          <a:lstStyle>
+            <a:lvl1pPr algn="l" defTabSz="914400" rtl="0" eaLnBrk="1" latinLnBrk="0" hangingPunct="1">
+              <a:lnSpc>
+                <a:spcPct val="90000"/>
+              </a:lnSpc>
+              <a:spcBef>
+                <a:spcPct val="0"/>
+              </a:spcBef>
+              <a:buNone/>
+              <a:defRPr sz="4400" kern="1200">
+                <a:solidFill>
+                  <a:schemeClr val="tx1"/>
+                </a:solidFill>
+                <a:latin typeface="+mj-lt"/>
+                <a:ea typeface="+mj-ea"/>
+                <a:cs typeface="+mj-cs"/>
+              </a:defRPr>
+            </a:lvl1pPr>
+          </a:lstStyle>
+          <a:p>
             <a:r>
               <a:rPr lang="fr-FR"/>
-              <a:t>AUTRES MÉTHODES DE VALIDATION CROISÉE</a:t>
-            </a:r>
-          </a:p>
-          <a:p>
-            <a:endParaRPr lang="fr-FR"/>
-          </a:p>
-          <a:p>
-            <a:r>
-              <a:rPr lang="fr-FR"/>
-              <a:t>Stratified K-Fold: (classification) Chaque subset conserve la distribution des classes. Utile lorsque la repartition des classes est déséquilibrée.</a:t>
-            </a:r>
-          </a:p>
-          <a:p>
-            <a:endParaRPr lang="fr-FR"/>
-          </a:p>
-          <a:p>
-            <a:r>
-              <a:rPr lang="fr-FR"/>
-              <a:t>Leave one out: Chaque échantillon est utilisé à son tour comme echantillon de test. Tous les autres sont laissé dans le set d'apprentissage.</a:t>
-            </a:r>
-          </a:p>
-          <a:p>
-            <a:endParaRPr lang="fr-FR"/>
-          </a:p>
-          <a:p>
-            <a:r>
-              <a:rPr lang="fr-FR"/>
-              <a:t>Shuffle cross validation: Decoupage aléatoire avec remise en place. rien n'oblige à fixer le découpage au début</a:t>
+              <a:t>k-fold cross validation</a:t>
             </a:r>
           </a:p>
         </p:txBody>
@@ -4717,7 +5328,7 @@
     </p:spTree>
     <p:extLst>
       <p:ext uri="{BB962C8B-B14F-4D97-AF65-F5344CB8AC3E}">
-        <p14:creationId xmlns:p14="http://schemas.microsoft.com/office/powerpoint/2010/main" val="429477267"/>
+        <p14:creationId xmlns:p14="http://schemas.microsoft.com/office/powerpoint/2010/main" val="1836928040"/>
       </p:ext>
     </p:extLst>
   </p:cSld>
@@ -4746,61 +5357,163 @@
       </p:grpSpPr>
       <p:sp>
         <p:nvSpPr>
-          <p:cNvPr id="2" name="Title 1">
-            <a:extLst>
-              <a:ext uri="{FF2B5EF4-FFF2-40B4-BE49-F238E27FC236}">
-                <a16:creationId xmlns:a16="http://schemas.microsoft.com/office/drawing/2014/main" id="{6BEE63FA-56FF-824F-95E9-42EF5BEC9F98}"/>
-              </a:ext>
-            </a:extLst>
-          </p:cNvPr>
-          <p:cNvSpPr>
-            <a:spLocks noGrp="1"/>
+          <p:cNvPr id="4" name="Rectangle 3">
+            <a:extLst>
+              <a:ext uri="{FF2B5EF4-FFF2-40B4-BE49-F238E27FC236}">
+                <a16:creationId xmlns:a16="http://schemas.microsoft.com/office/drawing/2014/main" id="{FE86A8EA-ADD3-7B4F-9680-9B02A9E48BD0}"/>
+              </a:ext>
+            </a:extLst>
+          </p:cNvPr>
+          <p:cNvSpPr/>
+          <p:nvPr/>
+        </p:nvSpPr>
+        <p:spPr>
+          <a:xfrm>
+            <a:off x="1839096" y="1350450"/>
+            <a:ext cx="8503534" cy="2862322"/>
+          </a:xfrm>
+          <a:prstGeom prst="rect">
+            <a:avLst/>
+          </a:prstGeom>
+          <a:ln w="28575">
+            <a:solidFill>
+              <a:srgbClr val="FF0000"/>
+            </a:solidFill>
+          </a:ln>
+        </p:spPr>
+        <p:txBody>
+          <a:bodyPr wrap="square">
+            <a:spAutoFit/>
+          </a:bodyPr>
+          <a:lstStyle/>
+          <a:p>
+            <a:r>
+              <a:rPr lang="fr-FR"/>
+              <a:t>AUTRES MÉTHODES DE VALIDATION CROISÉE</a:t>
+            </a:r>
+          </a:p>
+          <a:p>
+            <a:endParaRPr lang="fr-FR"/>
+          </a:p>
+          <a:p>
+            <a:pPr marL="285750" indent="-285750">
+              <a:buFont typeface="Arial" panose="020B0604020202020204" pitchFamily="34" charset="0"/>
+              <a:buChar char="•"/>
+            </a:pPr>
+            <a:r>
+              <a:rPr lang="fr-FR" b="1"/>
+              <a:t>Stratified K-Fold</a:t>
+            </a:r>
+            <a:r>
+              <a:rPr lang="fr-FR"/>
+              <a:t>: (classification) Chaque subset conserve la distribution des classes. Utile lorsque la repartition des classes est déséquilibrée.</a:t>
+            </a:r>
+          </a:p>
+          <a:p>
+            <a:endParaRPr lang="fr-FR"/>
+          </a:p>
+          <a:p>
+            <a:pPr marL="285750" indent="-285750">
+              <a:buFont typeface="Arial" panose="020B0604020202020204" pitchFamily="34" charset="0"/>
+              <a:buChar char="•"/>
+            </a:pPr>
+            <a:r>
+              <a:rPr lang="fr-FR" b="1"/>
+              <a:t>Leave one out</a:t>
+            </a:r>
+            <a:r>
+              <a:rPr lang="fr-FR"/>
+              <a:t>: Chaque échantillon est utilisé à son tour comme échantillon de test. Tous les autres sont laissé dans le set d'apprentissage.</a:t>
+            </a:r>
+          </a:p>
+          <a:p>
+            <a:endParaRPr lang="fr-FR"/>
+          </a:p>
+          <a:p>
+            <a:pPr marL="285750" indent="-285750">
+              <a:buFont typeface="Arial" panose="020B0604020202020204" pitchFamily="34" charset="0"/>
+              <a:buChar char="•"/>
+            </a:pPr>
+            <a:r>
+              <a:rPr lang="fr-FR" b="1"/>
+              <a:t>Shuffle cross validation</a:t>
+            </a:r>
+            <a:r>
+              <a:rPr lang="fr-FR"/>
+              <a:t>: Decoupage aléatoire avec remise en place. Rien n'oblige à fixer le découpage au début</a:t>
+            </a:r>
+          </a:p>
+        </p:txBody>
+      </p:sp>
+      <p:sp>
+        <p:nvSpPr>
+          <p:cNvPr id="5" name="Title 1">
+            <a:extLst>
+              <a:ext uri="{FF2B5EF4-FFF2-40B4-BE49-F238E27FC236}">
+                <a16:creationId xmlns:a16="http://schemas.microsoft.com/office/drawing/2014/main" id="{582E9B55-7935-E541-BDB8-BC4A609814C5}"/>
+              </a:ext>
+            </a:extLst>
+          </p:cNvPr>
+          <p:cNvSpPr txBox="1">
+            <a:spLocks/>
           </p:cNvSpPr>
-          <p:nvPr>
-            <p:ph type="title"/>
-          </p:nvPr>
-        </p:nvSpPr>
-        <p:spPr/>
-        <p:txBody>
-          <a:bodyPr/>
-          <a:lstStyle/>
+          <p:nvPr/>
+        </p:nvSpPr>
+        <p:spPr>
+          <a:xfrm>
+            <a:off x="-10274" y="-5170"/>
+            <a:ext cx="12202274" cy="646331"/>
+          </a:xfrm>
+          <a:prstGeom prst="rect">
+            <a:avLst/>
+          </a:prstGeom>
+          <a:solidFill>
+            <a:srgbClr val="00FDFF"/>
+          </a:solidFill>
+        </p:spPr>
+        <p:txBody>
+          <a:bodyPr vert="horz" lIns="91440" tIns="45720" rIns="91440" bIns="45720" rtlCol="0" anchor="ctr">
+            <a:normAutofit fontScale="97500" lnSpcReduction="10000"/>
+          </a:bodyPr>
+          <a:lstStyle>
+            <a:lvl1pPr algn="l" defTabSz="914400" rtl="0" eaLnBrk="1" latinLnBrk="0" hangingPunct="1">
+              <a:lnSpc>
+                <a:spcPct val="90000"/>
+              </a:lnSpc>
+              <a:spcBef>
+                <a:spcPct val="0"/>
+              </a:spcBef>
+              <a:buNone/>
+              <a:defRPr sz="4400" kern="1200">
+                <a:solidFill>
+                  <a:schemeClr val="tx1"/>
+                </a:solidFill>
+                <a:latin typeface="+mj-lt"/>
+                <a:ea typeface="+mj-ea"/>
+                <a:cs typeface="+mj-cs"/>
+              </a:defRPr>
+            </a:lvl1pPr>
+          </a:lstStyle>
           <a:p>
             <a:r>
               <a:rPr lang="fr-FR"/>
-              <a:t>scikit-learn</a:t>
-            </a:r>
-          </a:p>
-        </p:txBody>
-      </p:sp>
-      <p:sp>
-        <p:nvSpPr>
-          <p:cNvPr id="3" name="Text Placeholder 2">
-            <a:extLst>
-              <a:ext uri="{FF2B5EF4-FFF2-40B4-BE49-F238E27FC236}">
-                <a16:creationId xmlns:a16="http://schemas.microsoft.com/office/drawing/2014/main" id="{5337D3B5-99BA-7B40-87A5-A3AB59D20188}"/>
-              </a:ext>
-            </a:extLst>
-          </p:cNvPr>
-          <p:cNvSpPr>
-            <a:spLocks noGrp="1"/>
-          </p:cNvSpPr>
-          <p:nvPr>
-            <p:ph type="body" idx="1"/>
-          </p:nvPr>
-        </p:nvSpPr>
-        <p:spPr/>
-        <p:txBody>
-          <a:bodyPr/>
-          <a:lstStyle/>
-          <a:p>
-            <a:endParaRPr lang="fr-FR"/>
+              <a:t>Cross validation</a:t>
+            </a:r>
+            <a:r>
+              <a:rPr lang="fr-FR">
+                <a:solidFill>
+                  <a:srgbClr val="FF0000"/>
+                </a:solidFill>
+              </a:rPr>
+              <a:t>s</a:t>
+            </a:r>
           </a:p>
         </p:txBody>
       </p:sp>
     </p:spTree>
     <p:extLst>
       <p:ext uri="{BB962C8B-B14F-4D97-AF65-F5344CB8AC3E}">
-        <p14:creationId xmlns:p14="http://schemas.microsoft.com/office/powerpoint/2010/main" val="397920468"/>
+        <p14:creationId xmlns:p14="http://schemas.microsoft.com/office/powerpoint/2010/main" val="429477267"/>
       </p:ext>
     </p:extLst>
   </p:cSld>
@@ -4827,6 +5540,598 @@
           <a:chExt cx="0" cy="0"/>
         </a:xfrm>
       </p:grpSpPr>
+      <p:sp>
+        <p:nvSpPr>
+          <p:cNvPr id="5" name="Title 1">
+            <a:extLst>
+              <a:ext uri="{FF2B5EF4-FFF2-40B4-BE49-F238E27FC236}">
+                <a16:creationId xmlns:a16="http://schemas.microsoft.com/office/drawing/2014/main" id="{04FCA899-B32B-D047-A33B-CD63A4E3B0D7}"/>
+              </a:ext>
+            </a:extLst>
+          </p:cNvPr>
+          <p:cNvSpPr txBox="1">
+            <a:spLocks/>
+          </p:cNvSpPr>
+          <p:nvPr/>
+        </p:nvSpPr>
+        <p:spPr>
+          <a:xfrm>
+            <a:off x="0" y="0"/>
+            <a:ext cx="12202274" cy="646331"/>
+          </a:xfrm>
+          <a:prstGeom prst="rect">
+            <a:avLst/>
+          </a:prstGeom>
+          <a:solidFill>
+            <a:srgbClr val="FF0000"/>
+          </a:solidFill>
+        </p:spPr>
+        <p:txBody>
+          <a:bodyPr vert="horz" lIns="91440" tIns="45720" rIns="91440" bIns="45720" rtlCol="0" anchor="ctr">
+            <a:normAutofit fontScale="97500" lnSpcReduction="10000"/>
+          </a:bodyPr>
+          <a:lstStyle>
+            <a:lvl1pPr algn="l" defTabSz="914400" rtl="0" eaLnBrk="1" latinLnBrk="0" hangingPunct="1">
+              <a:lnSpc>
+                <a:spcPct val="90000"/>
+              </a:lnSpc>
+              <a:spcBef>
+                <a:spcPct val="0"/>
+              </a:spcBef>
+              <a:buNone/>
+              <a:defRPr sz="4400" kern="1200">
+                <a:solidFill>
+                  <a:schemeClr val="tx1"/>
+                </a:solidFill>
+                <a:latin typeface="+mj-lt"/>
+                <a:ea typeface="+mj-ea"/>
+                <a:cs typeface="+mj-cs"/>
+              </a:defRPr>
+            </a:lvl1pPr>
+          </a:lstStyle>
+          <a:p>
+            <a:r>
+              <a:rPr lang="fr-FR">
+                <a:solidFill>
+                  <a:schemeClr val="bg1"/>
+                </a:solidFill>
+              </a:rPr>
+              <a:t>A vous – Regression polynomiale – Cross validation</a:t>
+            </a:r>
+          </a:p>
+        </p:txBody>
+      </p:sp>
+      <p:sp>
+        <p:nvSpPr>
+          <p:cNvPr id="9" name="TextBox 8">
+            <a:extLst>
+              <a:ext uri="{FF2B5EF4-FFF2-40B4-BE49-F238E27FC236}">
+                <a16:creationId xmlns:a16="http://schemas.microsoft.com/office/drawing/2014/main" id="{D41C8745-9862-4048-913C-707FDB2A54A1}"/>
+              </a:ext>
+            </a:extLst>
+          </p:cNvPr>
+          <p:cNvSpPr txBox="1"/>
+          <p:nvPr/>
+        </p:nvSpPr>
+        <p:spPr>
+          <a:xfrm>
+            <a:off x="1206932" y="1597307"/>
+            <a:ext cx="9778135" cy="1200329"/>
+          </a:xfrm>
+          <a:prstGeom prst="rect">
+            <a:avLst/>
+          </a:prstGeom>
+          <a:noFill/>
+          <a:ln w="38100">
+            <a:solidFill>
+              <a:srgbClr val="0070C0"/>
+            </a:solidFill>
+          </a:ln>
+        </p:spPr>
+        <p:txBody>
+          <a:bodyPr wrap="square" rtlCol="0">
+            <a:spAutoFit/>
+          </a:bodyPr>
+          <a:lstStyle/>
+          <a:p>
+            <a:r>
+              <a:rPr lang="fr-FR"/>
+              <a:t>Sur le dataset Ozone,</a:t>
+            </a:r>
+          </a:p>
+          <a:p>
+            <a:endParaRPr lang="fr-FR"/>
+          </a:p>
+          <a:p>
+            <a:pPr marL="285750" indent="-285750">
+              <a:buFont typeface="Arial" panose="020B0604020202020204" pitchFamily="34" charset="0"/>
+              <a:buChar char="•"/>
+            </a:pPr>
+            <a:r>
+              <a:rPr lang="fr-FR"/>
+              <a:t>Selectionner le meilleur degré de la régression polynomiale</a:t>
+            </a:r>
+          </a:p>
+          <a:p>
+            <a:pPr marL="285750" indent="-285750">
+              <a:buFont typeface="Arial" panose="020B0604020202020204" pitchFamily="34" charset="0"/>
+              <a:buChar char="•"/>
+            </a:pPr>
+            <a:r>
+              <a:rPr lang="fr-FR"/>
+              <a:t>Implementer une 3 fold cross validation</a:t>
+            </a:r>
+          </a:p>
+        </p:txBody>
+      </p:sp>
+      <p:sp>
+        <p:nvSpPr>
+          <p:cNvPr id="2" name="TextBox 1">
+            <a:extLst>
+              <a:ext uri="{FF2B5EF4-FFF2-40B4-BE49-F238E27FC236}">
+                <a16:creationId xmlns:a16="http://schemas.microsoft.com/office/drawing/2014/main" id="{53D25E52-B420-9A4A-A0AF-6ED4FE7F985F}"/>
+              </a:ext>
+            </a:extLst>
+          </p:cNvPr>
+          <p:cNvSpPr txBox="1"/>
+          <p:nvPr/>
+        </p:nvSpPr>
+        <p:spPr>
+          <a:xfrm>
+            <a:off x="1206932" y="3137035"/>
+            <a:ext cx="6581869" cy="923330"/>
+          </a:xfrm>
+          <a:prstGeom prst="rect">
+            <a:avLst/>
+          </a:prstGeom>
+          <a:solidFill>
+            <a:schemeClr val="tx1"/>
+          </a:solidFill>
+        </p:spPr>
+        <p:txBody>
+          <a:bodyPr wrap="square" rtlCol="0">
+            <a:spAutoFit/>
+          </a:bodyPr>
+          <a:lstStyle/>
+          <a:p>
+            <a:r>
+              <a:rPr lang="fr-FR">
+                <a:solidFill>
+                  <a:schemeClr val="bg1"/>
+                </a:solidFill>
+                <a:latin typeface="Courier New" panose="02070309020205020404" pitchFamily="49" charset="0"/>
+                <a:cs typeface="Courier New" panose="02070309020205020404" pitchFamily="49" charset="0"/>
+              </a:rPr>
+              <a:t>test_idx = df.sample(frac = 0.3).index</a:t>
+            </a:r>
+          </a:p>
+          <a:p>
+            <a:r>
+              <a:rPr lang="fr-FR">
+                <a:solidFill>
+                  <a:schemeClr val="bg1"/>
+                </a:solidFill>
+                <a:latin typeface="Courier New" panose="02070309020205020404" pitchFamily="49" charset="0"/>
+                <a:cs typeface="Courier New" panose="02070309020205020404" pitchFamily="49" charset="0"/>
+              </a:rPr>
+              <a:t>test = df[df.index.isin(test_idx)]</a:t>
+            </a:r>
+          </a:p>
+          <a:p>
+            <a:r>
+              <a:rPr lang="fr-FR">
+                <a:solidFill>
+                  <a:schemeClr val="bg1"/>
+                </a:solidFill>
+                <a:latin typeface="Courier New" panose="02070309020205020404" pitchFamily="49" charset="0"/>
+                <a:cs typeface="Courier New" panose="02070309020205020404" pitchFamily="49" charset="0"/>
+              </a:rPr>
+              <a:t>train = df[~df.index.isin(test_idx)]</a:t>
+            </a:r>
+          </a:p>
+        </p:txBody>
+      </p:sp>
+    </p:spTree>
+    <p:extLst>
+      <p:ext uri="{BB962C8B-B14F-4D97-AF65-F5344CB8AC3E}">
+        <p14:creationId xmlns:p14="http://schemas.microsoft.com/office/powerpoint/2010/main" val="4100523015"/>
+      </p:ext>
+    </p:extLst>
+  </p:cSld>
+  <p:clrMapOvr>
+    <a:masterClrMapping/>
+  </p:clrMapOvr>
+</p:sld>
+</file>
+
+<file path=ppt/slides/slide19.xml><?xml version="1.0" encoding="utf-8"?>
+<p:sld xmlns:a="http://schemas.openxmlformats.org/drawingml/2006/main" xmlns:r="http://schemas.openxmlformats.org/officeDocument/2006/relationships" xmlns:p="http://schemas.openxmlformats.org/presentationml/2006/main">
+  <p:cSld>
+    <p:spTree>
+      <p:nvGrpSpPr>
+        <p:cNvPr id="1" name=""/>
+        <p:cNvGrpSpPr/>
+        <p:nvPr/>
+      </p:nvGrpSpPr>
+      <p:grpSpPr>
+        <a:xfrm>
+          <a:off x="0" y="0"/>
+          <a:ext cx="0" cy="0"/>
+          <a:chOff x="0" y="0"/>
+          <a:chExt cx="0" cy="0"/>
+        </a:xfrm>
+      </p:grpSpPr>
+      <p:sp>
+        <p:nvSpPr>
+          <p:cNvPr id="2" name="Title 1">
+            <a:extLst>
+              <a:ext uri="{FF2B5EF4-FFF2-40B4-BE49-F238E27FC236}">
+                <a16:creationId xmlns:a16="http://schemas.microsoft.com/office/drawing/2014/main" id="{6BEE63FA-56FF-824F-95E9-42EF5BEC9F98}"/>
+              </a:ext>
+            </a:extLst>
+          </p:cNvPr>
+          <p:cNvSpPr>
+            <a:spLocks noGrp="1"/>
+          </p:cNvSpPr>
+          <p:nvPr>
+            <p:ph type="title"/>
+          </p:nvPr>
+        </p:nvSpPr>
+        <p:spPr/>
+        <p:txBody>
+          <a:bodyPr/>
+          <a:lstStyle/>
+          <a:p>
+            <a:r>
+              <a:rPr lang="fr-FR"/>
+              <a:t>scikit-learn</a:t>
+            </a:r>
+          </a:p>
+        </p:txBody>
+      </p:sp>
+      <p:sp>
+        <p:nvSpPr>
+          <p:cNvPr id="3" name="Text Placeholder 2">
+            <a:extLst>
+              <a:ext uri="{FF2B5EF4-FFF2-40B4-BE49-F238E27FC236}">
+                <a16:creationId xmlns:a16="http://schemas.microsoft.com/office/drawing/2014/main" id="{5337D3B5-99BA-7B40-87A5-A3AB59D20188}"/>
+              </a:ext>
+            </a:extLst>
+          </p:cNvPr>
+          <p:cNvSpPr>
+            <a:spLocks noGrp="1"/>
+          </p:cNvSpPr>
+          <p:nvPr>
+            <p:ph type="body" idx="1"/>
+          </p:nvPr>
+        </p:nvSpPr>
+        <p:spPr/>
+        <p:txBody>
+          <a:bodyPr/>
+          <a:lstStyle/>
+          <a:p>
+            <a:endParaRPr lang="fr-FR"/>
+          </a:p>
+        </p:txBody>
+      </p:sp>
+    </p:spTree>
+    <p:extLst>
+      <p:ext uri="{BB962C8B-B14F-4D97-AF65-F5344CB8AC3E}">
+        <p14:creationId xmlns:p14="http://schemas.microsoft.com/office/powerpoint/2010/main" val="397920468"/>
+      </p:ext>
+    </p:extLst>
+  </p:cSld>
+  <p:clrMapOvr>
+    <a:masterClrMapping/>
+  </p:clrMapOvr>
+</p:sld>
+</file>
+
+<file path=ppt/slides/slide2.xml><?xml version="1.0" encoding="utf-8"?>
+<p:sld xmlns:a="http://schemas.openxmlformats.org/drawingml/2006/main" xmlns:r="http://schemas.openxmlformats.org/officeDocument/2006/relationships" xmlns:p="http://schemas.openxmlformats.org/presentationml/2006/main">
+  <p:cSld>
+    <p:spTree>
+      <p:nvGrpSpPr>
+        <p:cNvPr id="1" name=""/>
+        <p:cNvGrpSpPr/>
+        <p:nvPr/>
+      </p:nvGrpSpPr>
+      <p:grpSpPr>
+        <a:xfrm>
+          <a:off x="0" y="0"/>
+          <a:ext cx="0" cy="0"/>
+          <a:chOff x="0" y="0"/>
+          <a:chExt cx="0" cy="0"/>
+        </a:xfrm>
+      </p:grpSpPr>
+      <p:sp>
+        <p:nvSpPr>
+          <p:cNvPr id="3" name="TextBox 2">
+            <a:extLst>
+              <a:ext uri="{FF2B5EF4-FFF2-40B4-BE49-F238E27FC236}">
+                <a16:creationId xmlns:a16="http://schemas.microsoft.com/office/drawing/2014/main" id="{CF430F8E-AB2D-904F-9A03-E1BCC26C6FE1}"/>
+              </a:ext>
+            </a:extLst>
+          </p:cNvPr>
+          <p:cNvSpPr txBox="1"/>
+          <p:nvPr/>
+        </p:nvSpPr>
+        <p:spPr>
+          <a:xfrm>
+            <a:off x="1592495" y="2465798"/>
+            <a:ext cx="2799421" cy="1200329"/>
+          </a:xfrm>
+          <a:prstGeom prst="rect">
+            <a:avLst/>
+          </a:prstGeom>
+          <a:noFill/>
+        </p:spPr>
+        <p:txBody>
+          <a:bodyPr wrap="none" rtlCol="0">
+            <a:spAutoFit/>
+          </a:bodyPr>
+          <a:lstStyle/>
+          <a:p>
+            <a:r>
+              <a:rPr lang="fr-FR"/>
+              <a:t>Expliquer les données</a:t>
+            </a:r>
+          </a:p>
+          <a:p>
+            <a:pPr marL="285750" indent="-285750">
+              <a:buFont typeface="Arial" panose="020B0604020202020204" pitchFamily="34" charset="0"/>
+              <a:buChar char="•"/>
+            </a:pPr>
+            <a:r>
+              <a:rPr lang="fr-FR"/>
+              <a:t>régression linéaire</a:t>
+            </a:r>
+          </a:p>
+          <a:p>
+            <a:pPr marL="285750" indent="-285750">
+              <a:buFont typeface="Arial" panose="020B0604020202020204" pitchFamily="34" charset="0"/>
+              <a:buChar char="•"/>
+            </a:pPr>
+            <a:r>
+              <a:rPr lang="fr-FR"/>
+              <a:t>statsmodel</a:t>
+            </a:r>
+          </a:p>
+          <a:p>
+            <a:pPr marL="285750" indent="-285750">
+              <a:buFont typeface="Arial" panose="020B0604020202020204" pitchFamily="34" charset="0"/>
+              <a:buChar char="•"/>
+            </a:pPr>
+            <a:r>
+              <a:rPr lang="fr-FR"/>
+              <a:t>coefficients et R-squared</a:t>
+            </a:r>
+          </a:p>
+        </p:txBody>
+      </p:sp>
+      <p:sp>
+        <p:nvSpPr>
+          <p:cNvPr id="4" name="TextBox 3">
+            <a:extLst>
+              <a:ext uri="{FF2B5EF4-FFF2-40B4-BE49-F238E27FC236}">
+                <a16:creationId xmlns:a16="http://schemas.microsoft.com/office/drawing/2014/main" id="{C0AA3968-B30A-7C4A-8670-5300DFF75402}"/>
+              </a:ext>
+            </a:extLst>
+          </p:cNvPr>
+          <p:cNvSpPr txBox="1"/>
+          <p:nvPr/>
+        </p:nvSpPr>
+        <p:spPr>
+          <a:xfrm>
+            <a:off x="7500134" y="2465798"/>
+            <a:ext cx="2960811" cy="1754326"/>
+          </a:xfrm>
+          <a:prstGeom prst="rect">
+            <a:avLst/>
+          </a:prstGeom>
+          <a:noFill/>
+        </p:spPr>
+        <p:txBody>
+          <a:bodyPr wrap="none" rtlCol="0">
+            <a:spAutoFit/>
+          </a:bodyPr>
+          <a:lstStyle/>
+          <a:p>
+            <a:r>
+              <a:rPr lang="fr-FR"/>
+              <a:t>Prédire de nouvelles données</a:t>
+            </a:r>
+          </a:p>
+          <a:p>
+            <a:pPr marL="285750" indent="-285750">
+              <a:buFont typeface="Arial" panose="020B0604020202020204" pitchFamily="34" charset="0"/>
+              <a:buChar char="•"/>
+            </a:pPr>
+            <a:r>
+              <a:rPr lang="fr-FR"/>
+              <a:t>régression linéaire</a:t>
+            </a:r>
+          </a:p>
+          <a:p>
+            <a:pPr marL="285750" indent="-285750">
+              <a:buFont typeface="Arial" panose="020B0604020202020204" pitchFamily="34" charset="0"/>
+              <a:buChar char="•"/>
+            </a:pPr>
+            <a:r>
+              <a:rPr lang="fr-FR"/>
+              <a:t>scikit-learn</a:t>
+            </a:r>
+          </a:p>
+          <a:p>
+            <a:pPr marL="285750" indent="-285750">
+              <a:buFont typeface="Arial" panose="020B0604020202020204" pitchFamily="34" charset="0"/>
+              <a:buChar char="•"/>
+            </a:pPr>
+            <a:r>
+              <a:rPr lang="fr-FR"/>
+              <a:t>train, test, cross validation</a:t>
+            </a:r>
+          </a:p>
+          <a:p>
+            <a:pPr marL="285750" indent="-285750">
+              <a:buFont typeface="Arial" panose="020B0604020202020204" pitchFamily="34" charset="0"/>
+              <a:buChar char="•"/>
+            </a:pPr>
+            <a:r>
+              <a:rPr lang="fr-FR"/>
+              <a:t>AUC, RMSE</a:t>
+            </a:r>
+          </a:p>
+          <a:p>
+            <a:endParaRPr lang="fr-FR"/>
+          </a:p>
+        </p:txBody>
+      </p:sp>
+      <p:sp>
+        <p:nvSpPr>
+          <p:cNvPr id="5" name="Right Arrow 4">
+            <a:extLst>
+              <a:ext uri="{FF2B5EF4-FFF2-40B4-BE49-F238E27FC236}">
+                <a16:creationId xmlns:a16="http://schemas.microsoft.com/office/drawing/2014/main" id="{E375216C-D09C-144D-9BF7-3F1C87E9C8F5}"/>
+              </a:ext>
+            </a:extLst>
+          </p:cNvPr>
+          <p:cNvSpPr/>
+          <p:nvPr/>
+        </p:nvSpPr>
+        <p:spPr>
+          <a:xfrm>
+            <a:off x="4691867" y="2465799"/>
+            <a:ext cx="2424701" cy="369331"/>
+          </a:xfrm>
+          <a:prstGeom prst="rightArrow">
+            <a:avLst/>
+          </a:prstGeom>
+          <a:solidFill>
+            <a:srgbClr val="C00000"/>
+          </a:solidFill>
+          <a:ln>
+            <a:solidFill>
+              <a:srgbClr val="FF0000"/>
+            </a:solidFill>
+          </a:ln>
+        </p:spPr>
+        <p:style>
+          <a:lnRef idx="2">
+            <a:schemeClr val="accent1">
+              <a:shade val="50000"/>
+            </a:schemeClr>
+          </a:lnRef>
+          <a:fillRef idx="1">
+            <a:schemeClr val="accent1"/>
+          </a:fillRef>
+          <a:effectRef idx="0">
+            <a:schemeClr val="accent1"/>
+          </a:effectRef>
+          <a:fontRef idx="minor">
+            <a:schemeClr val="lt1"/>
+          </a:fontRef>
+        </p:style>
+        <p:txBody>
+          <a:bodyPr rtlCol="0" anchor="ctr"/>
+          <a:lstStyle/>
+          <a:p>
+            <a:pPr algn="ctr"/>
+            <a:endParaRPr lang="fr-FR"/>
+          </a:p>
+        </p:txBody>
+      </p:sp>
+      <p:sp>
+        <p:nvSpPr>
+          <p:cNvPr id="6" name="Title 1">
+            <a:extLst>
+              <a:ext uri="{FF2B5EF4-FFF2-40B4-BE49-F238E27FC236}">
+                <a16:creationId xmlns:a16="http://schemas.microsoft.com/office/drawing/2014/main" id="{2D844CAB-9821-7945-9FD5-EB569AC181C6}"/>
+              </a:ext>
+            </a:extLst>
+          </p:cNvPr>
+          <p:cNvSpPr txBox="1">
+            <a:spLocks/>
+          </p:cNvSpPr>
+          <p:nvPr/>
+        </p:nvSpPr>
+        <p:spPr>
+          <a:xfrm>
+            <a:off x="-10274" y="-5170"/>
+            <a:ext cx="12202274" cy="646331"/>
+          </a:xfrm>
+          <a:prstGeom prst="rect">
+            <a:avLst/>
+          </a:prstGeom>
+          <a:solidFill>
+            <a:srgbClr val="C04E00"/>
+          </a:solidFill>
+        </p:spPr>
+        <p:txBody>
+          <a:bodyPr vert="horz" lIns="91440" tIns="45720" rIns="91440" bIns="45720" rtlCol="0" anchor="ctr">
+            <a:normAutofit fontScale="97500" lnSpcReduction="10000"/>
+          </a:bodyPr>
+          <a:lstStyle>
+            <a:lvl1pPr algn="l" defTabSz="914400" rtl="0" eaLnBrk="1" latinLnBrk="0" hangingPunct="1">
+              <a:lnSpc>
+                <a:spcPct val="90000"/>
+              </a:lnSpc>
+              <a:spcBef>
+                <a:spcPct val="0"/>
+              </a:spcBef>
+              <a:buNone/>
+              <a:defRPr sz="4400" kern="1200">
+                <a:solidFill>
+                  <a:schemeClr val="tx1"/>
+                </a:solidFill>
+                <a:latin typeface="+mj-lt"/>
+                <a:ea typeface="+mj-ea"/>
+                <a:cs typeface="+mj-cs"/>
+              </a:defRPr>
+            </a:lvl1pPr>
+          </a:lstStyle>
+          <a:p>
+            <a:r>
+              <a:rPr lang="fr-FR">
+                <a:solidFill>
+                  <a:schemeClr val="bg1"/>
+                </a:solidFill>
+              </a:rPr>
+              <a:t>Modélisation vs Analyse Précictive</a:t>
+            </a:r>
+          </a:p>
+        </p:txBody>
+      </p:sp>
+    </p:spTree>
+    <p:extLst>
+      <p:ext uri="{BB962C8B-B14F-4D97-AF65-F5344CB8AC3E}">
+        <p14:creationId xmlns:p14="http://schemas.microsoft.com/office/powerpoint/2010/main" val="3039485398"/>
+      </p:ext>
+    </p:extLst>
+  </p:cSld>
+  <p:clrMapOvr>
+    <a:masterClrMapping/>
+  </p:clrMapOvr>
+</p:sld>
+</file>
+
+<file path=ppt/slides/slide20.xml><?xml version="1.0" encoding="utf-8"?>
+<p:sld xmlns:a="http://schemas.openxmlformats.org/drawingml/2006/main" xmlns:r="http://schemas.openxmlformats.org/officeDocument/2006/relationships" xmlns:p="http://schemas.openxmlformats.org/presentationml/2006/main">
+  <p:cSld>
+    <p:spTree>
+      <p:nvGrpSpPr>
+        <p:cNvPr id="1" name=""/>
+        <p:cNvGrpSpPr/>
+        <p:nvPr/>
+      </p:nvGrpSpPr>
+      <p:grpSpPr>
+        <a:xfrm>
+          <a:off x="0" y="0"/>
+          <a:ext cx="0" cy="0"/>
+          <a:chOff x="0" y="0"/>
+          <a:chExt cx="0" cy="0"/>
+        </a:xfrm>
+      </p:grpSpPr>
       <p:pic>
         <p:nvPicPr>
           <p:cNvPr id="3" name="Picture 2">
@@ -4849,8 +6154,8 @@
         </p:blipFill>
         <p:spPr>
           <a:xfrm>
-            <a:off x="0" y="172313"/>
-            <a:ext cx="12192000" cy="6513373"/>
+            <a:off x="1361449" y="715224"/>
+            <a:ext cx="10531785" cy="5626431"/>
           </a:xfrm>
           <a:prstGeom prst="rect">
             <a:avLst/>
@@ -4870,7 +6175,7 @@
 </p:sld>
 </file>
 
-<file path=ppt/slides/slide19.xml><?xml version="1.0" encoding="utf-8"?>
+<file path=ppt/slides/slide21.xml><?xml version="1.0" encoding="utf-8"?>
 <p:sld xmlns:a="http://schemas.openxmlformats.org/drawingml/2006/main" xmlns:r="http://schemas.openxmlformats.org/officeDocument/2006/relationships" xmlns:p="http://schemas.openxmlformats.org/presentationml/2006/main">
   <p:cSld>
     <p:spTree>
@@ -4930,7 +6235,7 @@
 </p:sld>
 </file>
 
-<file path=ppt/slides/slide2.xml><?xml version="1.0" encoding="utf-8"?>
+<file path=ppt/slides/slide22.xml><?xml version="1.0" encoding="utf-8"?>
 <p:sld xmlns:a="http://schemas.openxmlformats.org/drawingml/2006/main" xmlns:r="http://schemas.openxmlformats.org/officeDocument/2006/relationships" xmlns:p="http://schemas.openxmlformats.org/presentationml/2006/main">
   <p:cSld>
     <p:spTree>
@@ -4949,233 +6254,172 @@
       </p:grpSpPr>
       <p:sp>
         <p:nvSpPr>
-          <p:cNvPr id="2" name="Title 1">
-            <a:extLst>
-              <a:ext uri="{FF2B5EF4-FFF2-40B4-BE49-F238E27FC236}">
-                <a16:creationId xmlns:a16="http://schemas.microsoft.com/office/drawing/2014/main" id="{C4A6AF8E-3B4A-9D43-8270-EA8C3DDCAB05}"/>
-              </a:ext>
-            </a:extLst>
-          </p:cNvPr>
-          <p:cNvSpPr>
-            <a:spLocks noGrp="1"/>
-          </p:cNvSpPr>
-          <p:nvPr>
-            <p:ph type="title"/>
-          </p:nvPr>
-        </p:nvSpPr>
-        <p:spPr/>
-        <p:txBody>
-          <a:bodyPr/>
-          <a:lstStyle/>
-          <a:p>
-            <a:r>
-              <a:rPr lang="fr-FR"/>
-              <a:t>Modélisation vs Analyse Prédictive</a:t>
-            </a:r>
-          </a:p>
-        </p:txBody>
-      </p:sp>
-      <p:sp>
-        <p:nvSpPr>
-          <p:cNvPr id="3" name="TextBox 2">
-            <a:extLst>
-              <a:ext uri="{FF2B5EF4-FFF2-40B4-BE49-F238E27FC236}">
-                <a16:creationId xmlns:a16="http://schemas.microsoft.com/office/drawing/2014/main" id="{CF430F8E-AB2D-904F-9A03-E1BCC26C6FE1}"/>
-              </a:ext>
-            </a:extLst>
-          </p:cNvPr>
-          <p:cNvSpPr txBox="1"/>
+          <p:cNvPr id="2" name="Rectangle 1">
+            <a:extLst>
+              <a:ext uri="{FF2B5EF4-FFF2-40B4-BE49-F238E27FC236}">
+                <a16:creationId xmlns:a16="http://schemas.microsoft.com/office/drawing/2014/main" id="{FD77A1A8-C509-7240-9741-5AFFFE2DA7D0}"/>
+              </a:ext>
+            </a:extLst>
+          </p:cNvPr>
+          <p:cNvSpPr/>
           <p:nvPr/>
         </p:nvSpPr>
         <p:spPr>
           <a:xfrm>
-            <a:off x="1592495" y="2465798"/>
-            <a:ext cx="2799421" cy="1200329"/>
+            <a:off x="1965500" y="1139683"/>
+            <a:ext cx="8250725" cy="3970318"/>
           </a:xfrm>
           <a:prstGeom prst="rect">
             <a:avLst/>
           </a:prstGeom>
-          <a:noFill/>
         </p:spPr>
         <p:txBody>
-          <a:bodyPr wrap="none" rtlCol="0">
+          <a:bodyPr wrap="square">
             <a:spAutoFit/>
           </a:bodyPr>
           <a:lstStyle/>
           <a:p>
             <a:r>
               <a:rPr lang="fr-FR"/>
-              <a:t>Expliquer les données</a:t>
-            </a:r>
-          </a:p>
-          <a:p>
-            <a:pPr marL="285750" indent="-285750">
-              <a:buFont typeface="Arial" panose="020B0604020202020204" pitchFamily="34" charset="0"/>
-              <a:buChar char="•"/>
-            </a:pPr>
+              <a:t>On va avoir des meta parametres.</a:t>
+            </a:r>
+          </a:p>
+          <a:p>
             <a:r>
               <a:rPr lang="fr-FR"/>
-              <a:t>régression linéaire</a:t>
-            </a:r>
-          </a:p>
-          <a:p>
-            <a:pPr marL="285750" indent="-285750">
-              <a:buFont typeface="Arial" panose="020B0604020202020204" pitchFamily="34" charset="0"/>
-              <a:buChar char="•"/>
-            </a:pPr>
+              <a:t>Par exemple:</a:t>
+            </a:r>
+          </a:p>
+          <a:p>
             <a:r>
               <a:rPr lang="fr-FR"/>
-              <a:t>statsmodel</a:t>
-            </a:r>
-          </a:p>
-          <a:p>
-            <a:pPr marL="285750" indent="-285750">
-              <a:buFont typeface="Arial" panose="020B0604020202020204" pitchFamily="34" charset="0"/>
-              <a:buChar char="•"/>
-            </a:pPr>
+              <a:t>accès à differents algorithmes pour trouver les coefficients + un certain controle sur leur fonctionnement différentes façon de traiter le multi-class: ovr, multinomial</a:t>
+            </a:r>
+          </a:p>
+          <a:p>
             <a:r>
               <a:rPr lang="fr-FR"/>
-              <a:t>coefficients et R-squared</a:t>
-            </a:r>
-          </a:p>
-        </p:txBody>
-      </p:sp>
-      <p:sp>
-        <p:nvSpPr>
-          <p:cNvPr id="4" name="TextBox 3">
-            <a:extLst>
-              <a:ext uri="{FF2B5EF4-FFF2-40B4-BE49-F238E27FC236}">
-                <a16:creationId xmlns:a16="http://schemas.microsoft.com/office/drawing/2014/main" id="{C0AA3968-B30A-7C4A-8670-5300DFF75402}"/>
-              </a:ext>
-            </a:extLst>
-          </p:cNvPr>
-          <p:cNvSpPr txBox="1"/>
+              <a:t>différents mode de régularisation</a:t>
+            </a:r>
+          </a:p>
+          <a:p>
+            <a:r>
+              <a:rPr lang="fr-FR"/>
+              <a:t>et en output</a:t>
+            </a:r>
+          </a:p>
+          <a:p>
+            <a:r>
+              <a:rPr lang="fr-FR"/>
+              <a:t>un modele que l'on peut appliquer a de nouvelles donnees les intervals de confiance</a:t>
+            </a:r>
+          </a:p>
+          <a:p>
+            <a:r>
+              <a:rPr lang="fr-FR"/>
+              <a:t>la ou les categories prédites</a:t>
+            </a:r>
+          </a:p>
+          <a:p>
+            <a:r>
+              <a:rPr lang="fr-FR"/>
+              <a:t>les probabilités de prédiction (appartenance a la classe)</a:t>
+            </a:r>
+          </a:p>
+          <a:p>
+            <a:endParaRPr lang="fr-FR"/>
+          </a:p>
+          <a:p>
+            <a:r>
+              <a:rPr lang="fr-FR"/>
+              <a:t>On n'aura plus:</a:t>
+            </a:r>
+          </a:p>
+          <a:p>
+            <a:r>
+              <a:rPr lang="fr-FR"/>
+              <a:t>les p-value</a:t>
+            </a:r>
+          </a:p>
+          <a:p>
+            <a:r>
+              <a:rPr lang="fr-FR"/>
+              <a:t>les tests statistiques</a:t>
+            </a:r>
+          </a:p>
+          <a:p>
+            <a:r>
+              <a:rPr lang="fr-FR"/>
+              <a:t>le R^2 (pas directement en tout cas)</a:t>
+            </a:r>
+          </a:p>
+        </p:txBody>
+      </p:sp>
+      <p:sp>
+        <p:nvSpPr>
+          <p:cNvPr id="4" name="Title 1">
+            <a:extLst>
+              <a:ext uri="{FF2B5EF4-FFF2-40B4-BE49-F238E27FC236}">
+                <a16:creationId xmlns:a16="http://schemas.microsoft.com/office/drawing/2014/main" id="{70D231B2-3C56-2247-BBA0-FF51E7402726}"/>
+              </a:ext>
+            </a:extLst>
+          </p:cNvPr>
+          <p:cNvSpPr txBox="1">
+            <a:spLocks/>
+          </p:cNvSpPr>
           <p:nvPr/>
         </p:nvSpPr>
         <p:spPr>
           <a:xfrm>
-            <a:off x="7500134" y="2465798"/>
-            <a:ext cx="2960811" cy="1754326"/>
+            <a:off x="-10274" y="-5170"/>
+            <a:ext cx="12202274" cy="646331"/>
           </a:xfrm>
           <a:prstGeom prst="rect">
             <a:avLst/>
           </a:prstGeom>
-          <a:noFill/>
+          <a:solidFill>
+            <a:srgbClr val="9A00FB"/>
+          </a:solidFill>
         </p:spPr>
         <p:txBody>
-          <a:bodyPr wrap="none" rtlCol="0">
-            <a:spAutoFit/>
+          <a:bodyPr vert="horz" lIns="91440" tIns="45720" rIns="91440" bIns="45720" rtlCol="0" anchor="ctr">
+            <a:normAutofit fontScale="97500" lnSpcReduction="10000"/>
           </a:bodyPr>
-          <a:lstStyle/>
-          <a:p>
-            <a:r>
-              <a:rPr lang="fr-FR"/>
-              <a:t>Prédire de nouvelles données</a:t>
-            </a:r>
-          </a:p>
-          <a:p>
-            <a:pPr marL="285750" indent="-285750">
-              <a:buFont typeface="Arial" panose="020B0604020202020204" pitchFamily="34" charset="0"/>
-              <a:buChar char="•"/>
-            </a:pPr>
-            <a:r>
-              <a:rPr lang="fr-FR"/>
-              <a:t>régression linéaire</a:t>
-            </a:r>
-          </a:p>
-          <a:p>
-            <a:pPr marL="285750" indent="-285750">
-              <a:buFont typeface="Arial" panose="020B0604020202020204" pitchFamily="34" charset="0"/>
-              <a:buChar char="•"/>
-            </a:pPr>
-            <a:r>
-              <a:rPr lang="fr-FR"/>
-              <a:t>scikit-learn</a:t>
-            </a:r>
-          </a:p>
-          <a:p>
-            <a:pPr marL="285750" indent="-285750">
-              <a:buFont typeface="Arial" panose="020B0604020202020204" pitchFamily="34" charset="0"/>
-              <a:buChar char="•"/>
-            </a:pPr>
-            <a:r>
-              <a:rPr lang="fr-FR"/>
-              <a:t>train, test, cross validation</a:t>
-            </a:r>
-          </a:p>
-          <a:p>
-            <a:pPr marL="285750" indent="-285750">
-              <a:buFont typeface="Arial" panose="020B0604020202020204" pitchFamily="34" charset="0"/>
-              <a:buChar char="•"/>
-            </a:pPr>
-            <a:r>
-              <a:rPr lang="fr-FR"/>
-              <a:t>AUC, RMSE</a:t>
-            </a:r>
-          </a:p>
-          <a:p>
-            <a:endParaRPr lang="fr-FR"/>
-          </a:p>
-        </p:txBody>
-      </p:sp>
-      <p:sp>
-        <p:nvSpPr>
-          <p:cNvPr id="5" name="Right Arrow 4">
-            <a:extLst>
-              <a:ext uri="{FF2B5EF4-FFF2-40B4-BE49-F238E27FC236}">
-                <a16:creationId xmlns:a16="http://schemas.microsoft.com/office/drawing/2014/main" id="{E375216C-D09C-144D-9BF7-3F1C87E9C8F5}"/>
-              </a:ext>
-            </a:extLst>
-          </p:cNvPr>
-          <p:cNvSpPr/>
-          <p:nvPr/>
-        </p:nvSpPr>
-        <p:spPr>
-          <a:xfrm>
-            <a:off x="4691867" y="2465799"/>
-            <a:ext cx="2424701" cy="369331"/>
-          </a:xfrm>
-          <a:prstGeom prst="rightArrow">
-            <a:avLst/>
-          </a:prstGeom>
-          <a:solidFill>
-            <a:srgbClr val="C00000"/>
-          </a:solidFill>
-          <a:ln>
-            <a:solidFill>
-              <a:srgbClr val="FF0000"/>
-            </a:solidFill>
-          </a:ln>
-        </p:spPr>
-        <p:style>
-          <a:lnRef idx="2">
-            <a:schemeClr val="accent1">
-              <a:shade val="50000"/>
-            </a:schemeClr>
-          </a:lnRef>
-          <a:fillRef idx="1">
-            <a:schemeClr val="accent1"/>
-          </a:fillRef>
-          <a:effectRef idx="0">
-            <a:schemeClr val="accent1"/>
-          </a:effectRef>
-          <a:fontRef idx="minor">
-            <a:schemeClr val="lt1"/>
-          </a:fontRef>
-        </p:style>
-        <p:txBody>
-          <a:bodyPr rtlCol="0" anchor="ctr"/>
-          <a:lstStyle/>
-          <a:p>
-            <a:pPr algn="ctr"/>
-            <a:endParaRPr lang="fr-FR"/>
+          <a:lstStyle>
+            <a:lvl1pPr algn="l" defTabSz="914400" rtl="0" eaLnBrk="1" latinLnBrk="0" hangingPunct="1">
+              <a:lnSpc>
+                <a:spcPct val="90000"/>
+              </a:lnSpc>
+              <a:spcBef>
+                <a:spcPct val="0"/>
+              </a:spcBef>
+              <a:buNone/>
+              <a:defRPr sz="4400" kern="1200">
+                <a:solidFill>
+                  <a:schemeClr val="tx1"/>
+                </a:solidFill>
+                <a:latin typeface="+mj-lt"/>
+                <a:ea typeface="+mj-ea"/>
+                <a:cs typeface="+mj-cs"/>
+              </a:defRPr>
+            </a:lvl1pPr>
+          </a:lstStyle>
+          <a:p>
+            <a:r>
+              <a:rPr lang="fr-FR">
+                <a:solidFill>
+                  <a:schemeClr val="bg1"/>
+                </a:solidFill>
+              </a:rPr>
+              <a:t>Régression linéaire avec scikit-learn</a:t>
+            </a:r>
           </a:p>
         </p:txBody>
       </p:sp>
     </p:spTree>
     <p:extLst>
       <p:ext uri="{BB962C8B-B14F-4D97-AF65-F5344CB8AC3E}">
-        <p14:creationId xmlns:p14="http://schemas.microsoft.com/office/powerpoint/2010/main" val="3039485398"/>
+        <p14:creationId xmlns:p14="http://schemas.microsoft.com/office/powerpoint/2010/main" val="2097890508"/>
       </p:ext>
     </p:extLst>
   </p:cSld>
@@ -5185,7 +6429,7 @@
 </p:sld>
 </file>
 
-<file path=ppt/slides/slide20.xml><?xml version="1.0" encoding="utf-8"?>
+<file path=ppt/slides/slide23.xml><?xml version="1.0" encoding="utf-8"?>
 <p:sld xmlns:a="http://schemas.openxmlformats.org/drawingml/2006/main" xmlns:r="http://schemas.openxmlformats.org/officeDocument/2006/relationships" xmlns:p="http://schemas.openxmlformats.org/presentationml/2006/main">
   <p:cSld>
     <p:spTree>
@@ -5204,10 +6448,10 @@
       </p:grpSpPr>
       <p:sp>
         <p:nvSpPr>
-          <p:cNvPr id="2" name="Rectangle 1">
-            <a:extLst>
-              <a:ext uri="{FF2B5EF4-FFF2-40B4-BE49-F238E27FC236}">
-                <a16:creationId xmlns:a16="http://schemas.microsoft.com/office/drawing/2014/main" id="{FD77A1A8-C509-7240-9741-5AFFFE2DA7D0}"/>
+          <p:cNvPr id="5" name="Rectangle 4">
+            <a:extLst>
+              <a:ext uri="{FF2B5EF4-FFF2-40B4-BE49-F238E27FC236}">
+                <a16:creationId xmlns:a16="http://schemas.microsoft.com/office/drawing/2014/main" id="{6D1FB558-6B96-A140-972A-C1BE6A223380}"/>
               </a:ext>
             </a:extLst>
           </p:cNvPr>
@@ -5216,366 +6460,184 @@
         </p:nvSpPr>
         <p:spPr>
           <a:xfrm>
-            <a:off x="3048000" y="1166843"/>
-            <a:ext cx="6096000" cy="4524315"/>
+            <a:off x="1946495" y="1997839"/>
+            <a:ext cx="9198321" cy="4247317"/>
           </a:xfrm>
           <a:prstGeom prst="rect">
             <a:avLst/>
           </a:prstGeom>
         </p:spPr>
         <p:txBody>
-          <a:bodyPr>
+          <a:bodyPr wrap="square">
             <a:spAutoFit/>
           </a:bodyPr>
           <a:lstStyle/>
           <a:p>
             <a:r>
               <a:rPr lang="fr-FR"/>
-              <a:t>On va avoir des meta parametres.</a:t>
+              <a:t>Simple et cohérent</a:t>
             </a:r>
           </a:p>
           <a:p>
             <a:r>
               <a:rPr lang="fr-FR"/>
-              <a:t>Par exemple:</a:t>
-            </a:r>
-          </a:p>
-          <a:p>
-            <a:r>
+              <a:t>1. Instancier un modèle, par exemple une regression linéaire:</a:t>
+            </a:r>
+            <a:br>
               <a:rPr lang="fr-FR"/>
-              <a:t>accès à differents algorithmes pour trouver les coefficients + un certain controle sur leur fonctionnement différentes façon de traiter le multi-class: ovr, multinomial</a:t>
-            </a:r>
+            </a:br>
+            <a:endParaRPr lang="fr-FR"/>
+          </a:p>
+          <a:p>
+            <a:r>
+              <a:rPr lang="fr-FR">
+                <a:latin typeface="Courier New" panose="02070309020205020404" pitchFamily="49" charset="0"/>
+                <a:cs typeface="Courier New" panose="02070309020205020404" pitchFamily="49" charset="0"/>
+              </a:rPr>
+              <a:t>        from sklearn.Linear import LinearRegression</a:t>
+            </a:r>
+          </a:p>
+          <a:p>
+            <a:r>
+              <a:rPr lang="fr-FR">
+                <a:latin typeface="Courier New" panose="02070309020205020404" pitchFamily="49" charset="0"/>
+                <a:cs typeface="Courier New" panose="02070309020205020404" pitchFamily="49" charset="0"/>
+              </a:rPr>
+              <a:t>        mdl = LinearRegression( meta-params, loss function, ...)</a:t>
+            </a:r>
+            <a:br>
+              <a:rPr lang="fr-FR">
+                <a:latin typeface="Courier New" panose="02070309020205020404" pitchFamily="49" charset="0"/>
+                <a:cs typeface="Courier New" panose="02070309020205020404" pitchFamily="49" charset="0"/>
+              </a:rPr>
+            </a:br>
+            <a:endParaRPr lang="fr-FR">
+              <a:latin typeface="Courier New" panose="02070309020205020404" pitchFamily="49" charset="0"/>
+              <a:cs typeface="Courier New" panose="02070309020205020404" pitchFamily="49" charset="0"/>
+            </a:endParaRPr>
           </a:p>
           <a:p>
             <a:r>
               <a:rPr lang="fr-FR"/>
-              <a:t>différents mode de régularisation</a:t>
-            </a:r>
-          </a:p>
-          <a:p>
-            <a:r>
+              <a:t>2. Entrainer le modèle</a:t>
+            </a:r>
+            <a:br>
               <a:rPr lang="fr-FR"/>
-              <a:t>et en output</a:t>
-            </a:r>
+            </a:br>
+            <a:endParaRPr lang="fr-FR"/>
+          </a:p>
+          <a:p>
+            <a:r>
+              <a:rPr lang="fr-FR">
+                <a:latin typeface="Courier New" panose="02070309020205020404" pitchFamily="49" charset="0"/>
+                <a:cs typeface="Courier New" panose="02070309020205020404" pitchFamily="49" charset="0"/>
+              </a:rPr>
+              <a:t>        mdl.fit(X, y)</a:t>
+            </a:r>
+            <a:br>
+              <a:rPr lang="fr-FR">
+                <a:latin typeface="Courier New" panose="02070309020205020404" pitchFamily="49" charset="0"/>
+                <a:cs typeface="Courier New" panose="02070309020205020404" pitchFamily="49" charset="0"/>
+              </a:rPr>
+            </a:br>
+            <a:endParaRPr lang="fr-FR">
+              <a:latin typeface="Courier New" panose="02070309020205020404" pitchFamily="49" charset="0"/>
+              <a:cs typeface="Courier New" panose="02070309020205020404" pitchFamily="49" charset="0"/>
+            </a:endParaRPr>
           </a:p>
           <a:p>
             <a:r>
               <a:rPr lang="fr-FR"/>
-              <a:t>un modele que l'on peut appliquer a de nouvelles donnees les intervals de confiance</a:t>
-            </a:r>
-          </a:p>
-          <a:p>
-            <a:r>
+              <a:t>3. Obtenir des prédictions sur de nouvelles données</a:t>
+            </a:r>
+            <a:br>
               <a:rPr lang="fr-FR"/>
-              <a:t>la ou les categories prédites</a:t>
+            </a:br>
+            <a:endParaRPr lang="fr-FR"/>
+          </a:p>
+          <a:p>
+            <a:r>
+              <a:rPr lang="fr-FR">
+                <a:latin typeface="Courier New" panose="02070309020205020404" pitchFamily="49" charset="0"/>
+                <a:cs typeface="Courier New" panose="02070309020205020404" pitchFamily="49" charset="0"/>
+              </a:rPr>
+              <a:t>    y_hat = mdl.predict(Nouveaux échantillons}.</a:t>
+            </a:r>
+          </a:p>
+          <a:p>
+            <a:r>
+              <a:rPr lang="fr-FR">
+                <a:latin typeface="Courier New" panose="02070309020205020404" pitchFamily="49" charset="0"/>
+                <a:cs typeface="Courier New" panose="02070309020205020404" pitchFamily="49" charset="0"/>
+              </a:rPr>
+              <a:t>    y_hat = mdl.predict_proba(Nouveaux échantillons)</a:t>
             </a:r>
           </a:p>
           <a:p>
             <a:r>
               <a:rPr lang="fr-FR"/>
-              <a:t>les probabilités de prédiction (appartenance a la classe)</a:t>
-            </a:r>
-          </a:p>
-          <a:p>
-            <a:endParaRPr lang="fr-FR"/>
-          </a:p>
-          <a:p>
-            <a:r>
-              <a:rPr lang="fr-FR"/>
-              <a:t>On n'aura plus:</a:t>
-            </a:r>
-          </a:p>
-          <a:p>
-            <a:r>
-              <a:rPr lang="fr-FR"/>
-              <a:t>les p-value</a:t>
-            </a:r>
-          </a:p>
-          <a:p>
-            <a:r>
-              <a:rPr lang="fr-FR"/>
-              <a:t>les tests statistiques</a:t>
-            </a:r>
-          </a:p>
-          <a:p>
-            <a:r>
-              <a:rPr lang="fr-FR"/>
-              <a:t>le R^2 (pas directement en tout cas)</a:t>
-            </a:r>
-          </a:p>
-        </p:txBody>
-      </p:sp>
-      <p:sp>
-        <p:nvSpPr>
-          <p:cNvPr id="3" name="Rectangle 2">
-            <a:extLst>
-              <a:ext uri="{FF2B5EF4-FFF2-40B4-BE49-F238E27FC236}">
-                <a16:creationId xmlns:a16="http://schemas.microsoft.com/office/drawing/2014/main" id="{6488A14C-430B-9C44-BA4B-D9711505C04E}"/>
-              </a:ext>
-            </a:extLst>
-          </p:cNvPr>
-          <p:cNvSpPr/>
+              <a:t>        </a:t>
+            </a:r>
+          </a:p>
+        </p:txBody>
+      </p:sp>
+      <p:sp>
+        <p:nvSpPr>
+          <p:cNvPr id="6" name="Title 1">
+            <a:extLst>
+              <a:ext uri="{FF2B5EF4-FFF2-40B4-BE49-F238E27FC236}">
+                <a16:creationId xmlns:a16="http://schemas.microsoft.com/office/drawing/2014/main" id="{29C7D313-F6F7-8148-80EA-EB51CA919770}"/>
+              </a:ext>
+            </a:extLst>
+          </p:cNvPr>
+          <p:cNvSpPr txBox="1">
+            <a:spLocks/>
+          </p:cNvSpPr>
           <p:nvPr/>
         </p:nvSpPr>
         <p:spPr>
           <a:xfrm>
-            <a:off x="692642" y="449764"/>
-            <a:ext cx="3327129" cy="369332"/>
+            <a:off x="-10274" y="-5170"/>
+            <a:ext cx="12202274" cy="646331"/>
           </a:xfrm>
           <a:prstGeom prst="rect">
             <a:avLst/>
           </a:prstGeom>
+          <a:solidFill>
+            <a:srgbClr val="9A00FB"/>
+          </a:solidFill>
         </p:spPr>
         <p:txBody>
-          <a:bodyPr wrap="none">
-            <a:spAutoFit/>
+          <a:bodyPr vert="horz" lIns="91440" tIns="45720" rIns="91440" bIns="45720" rtlCol="0" anchor="ctr">
+            <a:normAutofit fontScale="97500" lnSpcReduction="10000"/>
           </a:bodyPr>
-          <a:lstStyle/>
-          <a:p>
-            <a:r>
-              <a:rPr lang="en-US" b="1">
-                <a:latin typeface="SourceSansPro"/>
+          <a:lstStyle>
+            <a:lvl1pPr algn="l" defTabSz="914400" rtl="0" eaLnBrk="1" latinLnBrk="0" hangingPunct="1">
+              <a:lnSpc>
+                <a:spcPct val="90000"/>
+              </a:lnSpc>
+              <a:spcBef>
+                <a:spcPct val="0"/>
+              </a:spcBef>
+              <a:buNone/>
+              <a:defRPr sz="4400" kern="1200">
+                <a:solidFill>
+                  <a:schemeClr val="tx1"/>
+                </a:solidFill>
+                <a:latin typeface="+mj-lt"/>
+                <a:ea typeface="+mj-ea"/>
+                <a:cs typeface="+mj-cs"/>
+              </a:defRPr>
+            </a:lvl1pPr>
+          </a:lstStyle>
+          <a:p>
+            <a:r>
+              <a:rPr lang="fr-FR">
+                <a:solidFill>
+                  <a:schemeClr val="bg1"/>
+                </a:solidFill>
               </a:rPr>
-              <a:t>REGRESS</a:t>
-            </a:r>
-            <a:r>
-              <a:rPr lang="en-US" b="1">
-                <a:solidFill>
-                  <a:srgbClr val="212121"/>
-                </a:solidFill>
-                <a:latin typeface="SourceSansPro"/>
-              </a:rPr>
-              <a:t>IO</a:t>
-            </a:r>
-            <a:r>
-              <a:rPr lang="en-US" b="1">
-                <a:latin typeface="SourceSansPro"/>
-              </a:rPr>
-              <a:t>N</a:t>
-            </a:r>
-            <a:r>
-              <a:rPr lang="en-US" b="1">
-                <a:solidFill>
-                  <a:srgbClr val="212121"/>
-                </a:solidFill>
-                <a:latin typeface="SourceSansPro"/>
-              </a:rPr>
-              <a:t> </a:t>
-            </a:r>
-            <a:r>
-              <a:rPr lang="en-US" b="1">
-                <a:latin typeface="SourceSansPro"/>
-              </a:rPr>
-              <a:t>AV</a:t>
-            </a:r>
-            <a:r>
-              <a:rPr lang="en-US" b="1">
-                <a:solidFill>
-                  <a:srgbClr val="212121"/>
-                </a:solidFill>
-                <a:latin typeface="SourceSansPro"/>
-              </a:rPr>
-              <a:t>EC</a:t>
-            </a:r>
-            <a:r>
-              <a:rPr lang="en-US" b="1">
-                <a:latin typeface="SourceSansPro"/>
-              </a:rPr>
-              <a:t> </a:t>
-            </a:r>
-            <a:r>
-              <a:rPr lang="en-US" b="1">
-                <a:solidFill>
-                  <a:srgbClr val="212121"/>
-                </a:solidFill>
-                <a:latin typeface="SourceSansPro"/>
-              </a:rPr>
-              <a:t>SCI</a:t>
-            </a:r>
-            <a:r>
-              <a:rPr lang="en-US" b="1">
-                <a:latin typeface="SourceSansPro"/>
-              </a:rPr>
-              <a:t>KI</a:t>
-            </a:r>
-            <a:r>
-              <a:rPr lang="en-US" b="1">
-                <a:solidFill>
-                  <a:srgbClr val="212121"/>
-                </a:solidFill>
-                <a:latin typeface="SourceSansPro"/>
-              </a:rPr>
-              <a:t>T-</a:t>
-            </a:r>
-            <a:r>
-              <a:rPr lang="en-US" b="1">
-                <a:latin typeface="SourceSansPro"/>
-              </a:rPr>
-              <a:t>LE</a:t>
-            </a:r>
-            <a:r>
-              <a:rPr lang="en-US" b="1">
-                <a:solidFill>
-                  <a:srgbClr val="212121"/>
-                </a:solidFill>
-                <a:latin typeface="SourceSansPro"/>
-              </a:rPr>
-              <a:t>AR</a:t>
-            </a:r>
-            <a:r>
-              <a:rPr lang="en-US" b="1">
-                <a:latin typeface="SourceSansPro"/>
-              </a:rPr>
-              <a:t>N </a:t>
-            </a:r>
-            <a:endParaRPr lang="en-US">
-              <a:effectLst/>
-            </a:endParaRPr>
-          </a:p>
-        </p:txBody>
-      </p:sp>
-    </p:spTree>
-    <p:extLst>
-      <p:ext uri="{BB962C8B-B14F-4D97-AF65-F5344CB8AC3E}">
-        <p14:creationId xmlns:p14="http://schemas.microsoft.com/office/powerpoint/2010/main" val="2097890508"/>
-      </p:ext>
-    </p:extLst>
-  </p:cSld>
-  <p:clrMapOvr>
-    <a:masterClrMapping/>
-  </p:clrMapOvr>
-</p:sld>
-</file>
-
-<file path=ppt/slides/slide21.xml><?xml version="1.0" encoding="utf-8"?>
-<p:sld xmlns:a="http://schemas.openxmlformats.org/drawingml/2006/main" xmlns:r="http://schemas.openxmlformats.org/officeDocument/2006/relationships" xmlns:p="http://schemas.openxmlformats.org/presentationml/2006/main">
-  <p:cSld>
-    <p:spTree>
-      <p:nvGrpSpPr>
-        <p:cNvPr id="1" name=""/>
-        <p:cNvGrpSpPr/>
-        <p:nvPr/>
-      </p:nvGrpSpPr>
-      <p:grpSpPr>
-        <a:xfrm>
-          <a:off x="0" y="0"/>
-          <a:ext cx="0" cy="0"/>
-          <a:chOff x="0" y="0"/>
-          <a:chExt cx="0" cy="0"/>
-        </a:xfrm>
-      </p:grpSpPr>
-      <p:sp>
-        <p:nvSpPr>
-          <p:cNvPr id="2" name="Title 1">
-            <a:extLst>
-              <a:ext uri="{FF2B5EF4-FFF2-40B4-BE49-F238E27FC236}">
-                <a16:creationId xmlns:a16="http://schemas.microsoft.com/office/drawing/2014/main" id="{78D23EA6-4106-BE40-AECE-C867563180BF}"/>
-              </a:ext>
-            </a:extLst>
-          </p:cNvPr>
-          <p:cNvSpPr>
-            <a:spLocks noGrp="1"/>
-          </p:cNvSpPr>
-          <p:nvPr>
-            <p:ph type="title"/>
-          </p:nvPr>
-        </p:nvSpPr>
-        <p:spPr/>
-        <p:txBody>
-          <a:bodyPr/>
-          <a:lstStyle/>
-          <a:p>
-            <a:r>
-              <a:rPr lang="fr-FR"/>
-              <a:t>Scikit-learn</a:t>
-            </a:r>
-          </a:p>
-        </p:txBody>
-      </p:sp>
-      <p:sp>
-        <p:nvSpPr>
-          <p:cNvPr id="5" name="Rectangle 4">
-            <a:extLst>
-              <a:ext uri="{FF2B5EF4-FFF2-40B4-BE49-F238E27FC236}">
-                <a16:creationId xmlns:a16="http://schemas.microsoft.com/office/drawing/2014/main" id="{6D1FB558-6B96-A140-972A-C1BE6A223380}"/>
-              </a:ext>
-            </a:extLst>
-          </p:cNvPr>
-          <p:cNvSpPr/>
-          <p:nvPr/>
-        </p:nvSpPr>
-        <p:spPr>
-          <a:xfrm>
-            <a:off x="3048000" y="1997839"/>
-            <a:ext cx="6096000" cy="2862322"/>
-          </a:xfrm>
-          <a:prstGeom prst="rect">
-            <a:avLst/>
-          </a:prstGeom>
-        </p:spPr>
-        <p:txBody>
-          <a:bodyPr>
-            <a:spAutoFit/>
-          </a:bodyPr>
-          <a:lstStyle/>
-          <a:p>
-            <a:r>
-              <a:rPr lang="fr-FR"/>
-              <a:t>Simple et cohérent</a:t>
-            </a:r>
-          </a:p>
-          <a:p>
-            <a:r>
-              <a:rPr lang="fr-FR"/>
-              <a:t>1. Instancier un modèle, par exemple une regression linéaire:</a:t>
-            </a:r>
-          </a:p>
-          <a:p>
-            <a:r>
-              <a:rPr lang="fr-FR"/>
-              <a:t>        from sklearn.Linear import LinearRegression</a:t>
-            </a:r>
-          </a:p>
-          <a:p>
-            <a:r>
-              <a:rPr lang="fr-FR"/>
-              <a:t>        mdl = LinearRegression( meta-params, loss function, ...)</a:t>
-            </a:r>
-          </a:p>
-          <a:p>
-            <a:r>
-              <a:rPr lang="fr-FR"/>
-              <a:t>2. Entrainer le modèle</a:t>
-            </a:r>
-          </a:p>
-          <a:p>
-            <a:r>
-              <a:rPr lang="fr-FR"/>
-              <a:t>        mdl.fit(X, y)</a:t>
-            </a:r>
-          </a:p>
-          <a:p>
-            <a:r>
-              <a:rPr lang="fr-FR"/>
-              <a:t>3. Obtenir des prédictions sur de nouvelles données</a:t>
-            </a:r>
-          </a:p>
-          <a:p>
-            <a:r>
-              <a:rPr lang="fr-FR"/>
-              <a:t>    y_hat = mdl.predict(Nouveaux échantillons}.</a:t>
-            </a:r>
-          </a:p>
-          <a:p>
-            <a:r>
-              <a:rPr lang="fr-FR"/>
-              <a:t>    y_hat = mdl.predict_proba(Nouveaux échantillons)</a:t>
-            </a:r>
-          </a:p>
-          <a:p>
-            <a:r>
-              <a:rPr lang="fr-FR"/>
-              <a:t>        </a:t>
+              <a:t>scikit-learn</a:t>
             </a:r>
           </a:p>
         </p:txBody>
@@ -5593,7 +6655,7 @@
 </p:sld>
 </file>
 
-<file path=ppt/slides/slide22.xml><?xml version="1.0" encoding="utf-8"?>
+<file path=ppt/slides/slide24.xml><?xml version="1.0" encoding="utf-8"?>
 <p:sld xmlns:a="http://schemas.openxmlformats.org/drawingml/2006/main" xmlns:r="http://schemas.openxmlformats.org/officeDocument/2006/relationships" xmlns:p="http://schemas.openxmlformats.org/presentationml/2006/main">
   <p:cSld>
     <p:spTree>
@@ -5681,7 +6743,7 @@
 </p:sld>
 </file>
 
-<file path=ppt/slides/slide23.xml><?xml version="1.0" encoding="utf-8"?>
+<file path=ppt/slides/slide25.xml><?xml version="1.0" encoding="utf-8"?>
 <p:sld xmlns:a="http://schemas.openxmlformats.org/drawingml/2006/main" xmlns:r="http://schemas.openxmlformats.org/officeDocument/2006/relationships" xmlns:p="http://schemas.openxmlformats.org/presentationml/2006/main">
   <p:cSld>
     <p:spTree>
@@ -5720,7 +6782,7 @@
         </p:blipFill>
         <p:spPr>
           <a:xfrm>
-            <a:off x="0" y="1889668"/>
+            <a:off x="0" y="241937"/>
             <a:ext cx="12192000" cy="3078664"/>
           </a:xfrm>
           <a:prstGeom prst="rect">
@@ -5732,210 +6794,6 @@
     <p:extLst>
       <p:ext uri="{BB962C8B-B14F-4D97-AF65-F5344CB8AC3E}">
         <p14:creationId xmlns:p14="http://schemas.microsoft.com/office/powerpoint/2010/main" val="3592371096"/>
-      </p:ext>
-    </p:extLst>
-  </p:cSld>
-  <p:clrMapOvr>
-    <a:masterClrMapping/>
-  </p:clrMapOvr>
-</p:sld>
-</file>
-
-<file path=ppt/slides/slide24.xml><?xml version="1.0" encoding="utf-8"?>
-<p:sld xmlns:a="http://schemas.openxmlformats.org/drawingml/2006/main" xmlns:r="http://schemas.openxmlformats.org/officeDocument/2006/relationships" xmlns:p="http://schemas.openxmlformats.org/presentationml/2006/main">
-  <p:cSld>
-    <p:spTree>
-      <p:nvGrpSpPr>
-        <p:cNvPr id="1" name=""/>
-        <p:cNvGrpSpPr/>
-        <p:nvPr/>
-      </p:nvGrpSpPr>
-      <p:grpSpPr>
-        <a:xfrm>
-          <a:off x="0" y="0"/>
-          <a:ext cx="0" cy="0"/>
-          <a:chOff x="0" y="0"/>
-          <a:chExt cx="0" cy="0"/>
-        </a:xfrm>
-      </p:grpSpPr>
-      <p:pic>
-        <p:nvPicPr>
-          <p:cNvPr id="3" name="Picture 2">
-            <a:extLst>
-              <a:ext uri="{FF2B5EF4-FFF2-40B4-BE49-F238E27FC236}">
-                <a16:creationId xmlns:a16="http://schemas.microsoft.com/office/drawing/2014/main" id="{F2766B61-A616-214D-A195-0577572F627B}"/>
-              </a:ext>
-            </a:extLst>
-          </p:cNvPr>
-          <p:cNvPicPr>
-            <a:picLocks noChangeAspect="1"/>
-          </p:cNvPicPr>
-          <p:nvPr/>
-        </p:nvPicPr>
-        <p:blipFill>
-          <a:blip r:embed="rId2"/>
-          <a:stretch>
-            <a:fillRect/>
-          </a:stretch>
-        </p:blipFill>
-        <p:spPr>
-          <a:xfrm>
-            <a:off x="0" y="1267016"/>
-            <a:ext cx="12192000" cy="1858171"/>
-          </a:xfrm>
-          <a:prstGeom prst="rect">
-            <a:avLst/>
-          </a:prstGeom>
-        </p:spPr>
-      </p:pic>
-      <p:sp>
-        <p:nvSpPr>
-          <p:cNvPr id="4" name="Rectangle 3">
-            <a:extLst>
-              <a:ext uri="{FF2B5EF4-FFF2-40B4-BE49-F238E27FC236}">
-                <a16:creationId xmlns:a16="http://schemas.microsoft.com/office/drawing/2014/main" id="{C07D1179-E0B9-384C-9451-50EB29FE5950}"/>
-              </a:ext>
-            </a:extLst>
-          </p:cNvPr>
-          <p:cNvSpPr/>
-          <p:nvPr/>
-        </p:nvSpPr>
-        <p:spPr>
-          <a:xfrm>
-            <a:off x="736315" y="3820090"/>
-            <a:ext cx="10822112" cy="369332"/>
-          </a:xfrm>
-          <a:prstGeom prst="rect">
-            <a:avLst/>
-          </a:prstGeom>
-        </p:spPr>
-        <p:txBody>
-          <a:bodyPr wrap="square">
-            <a:spAutoFit/>
-          </a:bodyPr>
-          <a:lstStyle/>
-          <a:p>
-            <a:r>
-              <a:rPr lang="en-US">
-                <a:hlinkClick r:id="rId3"/>
-              </a:rPr>
-              <a:t>https://scikit-learn.org/stable/modules/generated/sklearn.linear_model.LinearRegression.html</a:t>
-            </a:r>
-            <a:endParaRPr lang="fr-FR"/>
-          </a:p>
-        </p:txBody>
-      </p:sp>
-    </p:spTree>
-    <p:extLst>
-      <p:ext uri="{BB962C8B-B14F-4D97-AF65-F5344CB8AC3E}">
-        <p14:creationId xmlns:p14="http://schemas.microsoft.com/office/powerpoint/2010/main" val="3457665156"/>
-      </p:ext>
-    </p:extLst>
-  </p:cSld>
-  <p:clrMapOvr>
-    <a:masterClrMapping/>
-  </p:clrMapOvr>
-</p:sld>
-</file>
-
-<file path=ppt/slides/slide25.xml><?xml version="1.0" encoding="utf-8"?>
-<p:sld xmlns:a="http://schemas.openxmlformats.org/drawingml/2006/main" xmlns:r="http://schemas.openxmlformats.org/officeDocument/2006/relationships" xmlns:p="http://schemas.openxmlformats.org/presentationml/2006/main">
-  <p:cSld>
-    <p:spTree>
-      <p:nvGrpSpPr>
-        <p:cNvPr id="1" name=""/>
-        <p:cNvGrpSpPr/>
-        <p:nvPr/>
-      </p:nvGrpSpPr>
-      <p:grpSpPr>
-        <a:xfrm>
-          <a:off x="0" y="0"/>
-          <a:ext cx="0" cy="0"/>
-          <a:chOff x="0" y="0"/>
-          <a:chExt cx="0" cy="0"/>
-        </a:xfrm>
-      </p:grpSpPr>
-      <p:sp>
-        <p:nvSpPr>
-          <p:cNvPr id="2" name="Title 1">
-            <a:extLst>
-              <a:ext uri="{FF2B5EF4-FFF2-40B4-BE49-F238E27FC236}">
-                <a16:creationId xmlns:a16="http://schemas.microsoft.com/office/drawing/2014/main" id="{9180C320-A0F2-6249-97D5-3DAE12A44672}"/>
-              </a:ext>
-            </a:extLst>
-          </p:cNvPr>
-          <p:cNvSpPr>
-            <a:spLocks noGrp="1"/>
-          </p:cNvSpPr>
-          <p:nvPr>
-            <p:ph type="title"/>
-          </p:nvPr>
-        </p:nvSpPr>
-        <p:spPr/>
-        <p:txBody>
-          <a:bodyPr/>
-          <a:lstStyle/>
-          <a:p>
-            <a:r>
-              <a:rPr lang="fr-FR"/>
-              <a:t>A vous</a:t>
-            </a:r>
-          </a:p>
-        </p:txBody>
-      </p:sp>
-      <p:sp>
-        <p:nvSpPr>
-          <p:cNvPr id="3" name="TextBox 2">
-            <a:extLst>
-              <a:ext uri="{FF2B5EF4-FFF2-40B4-BE49-F238E27FC236}">
-                <a16:creationId xmlns:a16="http://schemas.microsoft.com/office/drawing/2014/main" id="{833C5E9F-1862-EF43-A3E3-7D46B3A0822F}"/>
-              </a:ext>
-            </a:extLst>
-          </p:cNvPr>
-          <p:cNvSpPr txBox="1"/>
-          <p:nvPr/>
-        </p:nvSpPr>
-        <p:spPr>
-          <a:xfrm>
-            <a:off x="955497" y="2260315"/>
-            <a:ext cx="9159880" cy="646331"/>
-          </a:xfrm>
-          <a:prstGeom prst="rect">
-            <a:avLst/>
-          </a:prstGeom>
-          <a:noFill/>
-        </p:spPr>
-        <p:txBody>
-          <a:bodyPr wrap="none" rtlCol="0">
-            <a:spAutoFit/>
-          </a:bodyPr>
-          <a:lstStyle/>
-          <a:p>
-            <a:r>
-              <a:rPr lang="fr-FR"/>
-              <a:t>Prendre l'exemple de </a:t>
-            </a:r>
-            <a:r>
-              <a:rPr lang="en-US">
-                <a:hlinkClick r:id="rId2"/>
-              </a:rPr>
-              <a:t>https://scikit-learn.org/stable/auto_examples/linear_model/plot_ols.html</a:t>
-            </a:r>
-            <a:endParaRPr lang="en-US"/>
-          </a:p>
-          <a:p>
-            <a:r>
-              <a:rPr lang="en-US"/>
-              <a:t>et l'adapter au dataset Ozone</a:t>
-            </a:r>
-            <a:endParaRPr lang="fr-FR"/>
-          </a:p>
-        </p:txBody>
-      </p:sp>
-    </p:spTree>
-    <p:extLst>
-      <p:ext uri="{BB962C8B-B14F-4D97-AF65-F5344CB8AC3E}">
-        <p14:creationId xmlns:p14="http://schemas.microsoft.com/office/powerpoint/2010/main" val="2942977552"/>
       </p:ext>
     </p:extLst>
   </p:cSld>
@@ -5962,160 +6820,69 @@
           <a:chExt cx="0" cy="0"/>
         </a:xfrm>
       </p:grpSpPr>
-      <p:sp>
-        <p:nvSpPr>
-          <p:cNvPr id="2" name="Title 1">
-            <a:extLst>
-              <a:ext uri="{FF2B5EF4-FFF2-40B4-BE49-F238E27FC236}">
-                <a16:creationId xmlns:a16="http://schemas.microsoft.com/office/drawing/2014/main" id="{11F80F8E-C6B9-7D4B-A20F-C6F933396A52}"/>
-              </a:ext>
-            </a:extLst>
-          </p:cNvPr>
-          <p:cNvSpPr>
-            <a:spLocks noGrp="1"/>
-          </p:cNvSpPr>
-          <p:nvPr>
-            <p:ph type="title"/>
-          </p:nvPr>
-        </p:nvSpPr>
-        <p:spPr/>
-        <p:txBody>
-          <a:bodyPr/>
-          <a:lstStyle/>
-          <a:p>
-            <a:r>
-              <a:rPr lang="fr-FR"/>
-              <a:t>A vous: ozone – cross validation – polynomial regression</a:t>
-            </a:r>
-          </a:p>
-        </p:txBody>
-      </p:sp>
-      <p:sp>
-        <p:nvSpPr>
-          <p:cNvPr id="3" name="TextBox 2">
-            <a:extLst>
-              <a:ext uri="{FF2B5EF4-FFF2-40B4-BE49-F238E27FC236}">
-                <a16:creationId xmlns:a16="http://schemas.microsoft.com/office/drawing/2014/main" id="{A65344D2-14EC-504C-8DC4-5F719F242FE0}"/>
-              </a:ext>
-            </a:extLst>
-          </p:cNvPr>
-          <p:cNvSpPr txBox="1"/>
+      <p:pic>
+        <p:nvPicPr>
+          <p:cNvPr id="3" name="Picture 2">
+            <a:extLst>
+              <a:ext uri="{FF2B5EF4-FFF2-40B4-BE49-F238E27FC236}">
+                <a16:creationId xmlns:a16="http://schemas.microsoft.com/office/drawing/2014/main" id="{F2766B61-A616-214D-A195-0577572F627B}"/>
+              </a:ext>
+            </a:extLst>
+          </p:cNvPr>
+          <p:cNvPicPr>
+            <a:picLocks noChangeAspect="1"/>
+          </p:cNvPicPr>
           <p:nvPr/>
-        </p:nvSpPr>
+        </p:nvPicPr>
+        <p:blipFill>
+          <a:blip r:embed="rId2"/>
+          <a:stretch>
+            <a:fillRect/>
+          </a:stretch>
+        </p:blipFill>
         <p:spPr>
           <a:xfrm>
-            <a:off x="1232899" y="2363056"/>
-            <a:ext cx="6931706" cy="3693319"/>
+            <a:off x="0" y="1267016"/>
+            <a:ext cx="12192000" cy="1858171"/>
           </a:xfrm>
           <a:prstGeom prst="rect">
             <a:avLst/>
           </a:prstGeom>
-          <a:noFill/>
         </p:spPr>
-        <p:txBody>
-          <a:bodyPr wrap="none" rtlCol="0">
+      </p:pic>
+      <p:sp>
+        <p:nvSpPr>
+          <p:cNvPr id="4" name="Rectangle 3">
+            <a:extLst>
+              <a:ext uri="{FF2B5EF4-FFF2-40B4-BE49-F238E27FC236}">
+                <a16:creationId xmlns:a16="http://schemas.microsoft.com/office/drawing/2014/main" id="{C07D1179-E0B9-384C-9451-50EB29FE5950}"/>
+              </a:ext>
+            </a:extLst>
+          </p:cNvPr>
+          <p:cNvSpPr/>
+          <p:nvPr/>
+        </p:nvSpPr>
+        <p:spPr>
+          <a:xfrm>
+            <a:off x="736315" y="3820090"/>
+            <a:ext cx="10822112" cy="369332"/>
+          </a:xfrm>
+          <a:prstGeom prst="rect">
+            <a:avLst/>
+          </a:prstGeom>
+        </p:spPr>
+        <p:txBody>
+          <a:bodyPr wrap="square">
             <a:spAutoFit/>
           </a:bodyPr>
           <a:lstStyle/>
           <a:p>
             <a:r>
-              <a:rPr lang="fr-FR"/>
-              <a:t>utiliser polynomial features pour generer des polynomes de degré elevé</a:t>
-            </a:r>
-          </a:p>
-          <a:p>
-            <a:pPr marL="285750" indent="-285750">
-              <a:buFont typeface="Arial" panose="020B0604020202020204" pitchFamily="34" charset="0"/>
-              <a:buChar char="•"/>
-            </a:pPr>
-            <a:r>
-              <a:rPr lang="fr-FR"/>
-              <a:t>regression lineaire univariée</a:t>
-            </a:r>
-          </a:p>
-          <a:p>
-            <a:pPr marL="285750" indent="-285750">
-              <a:buFont typeface="Arial" panose="020B0604020202020204" pitchFamily="34" charset="0"/>
-              <a:buChar char="•"/>
-            </a:pPr>
-            <a:r>
-              <a:rPr lang="fr-FR"/>
-              <a:t>split dataset train test</a:t>
-            </a:r>
-          </a:p>
-          <a:p>
-            <a:pPr marL="285750" indent="-285750">
-              <a:buFont typeface="Arial" panose="020B0604020202020204" pitchFamily="34" charset="0"/>
-              <a:buChar char="•"/>
-            </a:pPr>
-            <a:r>
-              <a:rPr lang="fr-FR"/>
-              <a:t>set ransom seed</a:t>
-            </a:r>
-          </a:p>
-          <a:p>
-            <a:pPr marL="285750" indent="-285750">
-              <a:buFont typeface="Arial" panose="020B0604020202020204" pitchFamily="34" charset="0"/>
-              <a:buChar char="•"/>
-            </a:pPr>
-            <a:r>
-              <a:rPr lang="fr-FR"/>
-              <a:t>pour les polynomes de plus en plus complexes</a:t>
-            </a:r>
-          </a:p>
-          <a:p>
-            <a:pPr marL="742950" lvl="1" indent="-285750">
-              <a:buFont typeface="Arial" panose="020B0604020202020204" pitchFamily="34" charset="0"/>
-              <a:buChar char="•"/>
-            </a:pPr>
-            <a:r>
-              <a:rPr lang="fr-FR"/>
-              <a:t>fit ols</a:t>
-            </a:r>
-          </a:p>
-          <a:p>
-            <a:pPr marL="742950" lvl="1" indent="-285750">
-              <a:buFont typeface="Arial" panose="020B0604020202020204" pitchFamily="34" charset="0"/>
-              <a:buChar char="•"/>
-            </a:pPr>
-            <a:r>
-              <a:rPr lang="fr-FR"/>
-              <a:t>calcul RMSE train et RMSE test</a:t>
-            </a:r>
-          </a:p>
-          <a:p>
-            <a:pPr marL="285750" indent="-285750">
-              <a:buFont typeface="Arial" panose="020B0604020202020204" pitchFamily="34" charset="0"/>
-              <a:buChar char="•"/>
-            </a:pPr>
-            <a:r>
-              <a:rPr lang="fr-FR"/>
-              <a:t>plot learning curve</a:t>
-            </a:r>
-          </a:p>
-          <a:p>
-            <a:pPr marL="285750" indent="-285750">
-              <a:buFont typeface="Arial" panose="020B0604020202020204" pitchFamily="34" charset="0"/>
-              <a:buChar char="•"/>
-            </a:pPr>
-            <a:endParaRPr lang="fr-FR"/>
-          </a:p>
-          <a:p>
-            <a:r>
-              <a:rPr lang="fr-FR"/>
-              <a:t>Quel ordre est meilleur ?</a:t>
-            </a:r>
-          </a:p>
-          <a:p>
-            <a:endParaRPr lang="fr-FR"/>
-          </a:p>
-          <a:p>
-            <a:r>
-              <a:rPr lang="fr-FR"/>
-              <a:t>Maintenant avec cross validation K = 4</a:t>
-            </a:r>
-          </a:p>
-          <a:p>
+              <a:rPr lang="en-US">
+                <a:hlinkClick r:id="rId3"/>
+              </a:rPr>
+              <a:t>https://scikit-learn.org/stable/modules/generated/sklearn.linear_model.LinearRegression.html</a:t>
+            </a:r>
             <a:endParaRPr lang="fr-FR"/>
           </a:p>
         </p:txBody>
@@ -6123,7 +6890,7 @@
     </p:spTree>
     <p:extLst>
       <p:ext uri="{BB962C8B-B14F-4D97-AF65-F5344CB8AC3E}">
-        <p14:creationId xmlns:p14="http://schemas.microsoft.com/office/powerpoint/2010/main" val="2219433703"/>
+        <p14:creationId xmlns:p14="http://schemas.microsoft.com/office/powerpoint/2010/main" val="3457665156"/>
       </p:ext>
     </p:extLst>
   </p:cSld>
@@ -6152,52 +6919,37 @@
       </p:grpSpPr>
       <p:sp>
         <p:nvSpPr>
-          <p:cNvPr id="2" name="Title 1">
-            <a:extLst>
-              <a:ext uri="{FF2B5EF4-FFF2-40B4-BE49-F238E27FC236}">
-                <a16:creationId xmlns:a16="http://schemas.microsoft.com/office/drawing/2014/main" id="{705210B7-D45A-774E-A7F2-1FA5EC79D512}"/>
-              </a:ext>
-            </a:extLst>
-          </p:cNvPr>
-          <p:cNvSpPr>
-            <a:spLocks noGrp="1"/>
-          </p:cNvSpPr>
-          <p:nvPr>
-            <p:ph type="title"/>
-          </p:nvPr>
-        </p:nvSpPr>
-        <p:spPr/>
-        <p:txBody>
-          <a:bodyPr/>
+          <p:cNvPr id="2" name="TextBox 1">
+            <a:extLst>
+              <a:ext uri="{FF2B5EF4-FFF2-40B4-BE49-F238E27FC236}">
+                <a16:creationId xmlns:a16="http://schemas.microsoft.com/office/drawing/2014/main" id="{C7662A0E-F6F4-8848-996F-EDD8B8AFD102}"/>
+              </a:ext>
+            </a:extLst>
+          </p:cNvPr>
+          <p:cNvSpPr txBox="1"/>
+          <p:nvPr/>
+        </p:nvSpPr>
+        <p:spPr>
+          <a:xfrm>
+            <a:off x="1747319" y="1828800"/>
+            <a:ext cx="1717137" cy="646331"/>
+          </a:xfrm>
+          <a:prstGeom prst="rect">
+            <a:avLst/>
+          </a:prstGeom>
+          <a:noFill/>
+        </p:spPr>
+        <p:txBody>
+          <a:bodyPr wrap="none" rtlCol="0">
+            <a:spAutoFit/>
+          </a:bodyPr>
           <a:lstStyle/>
           <a:p>
             <a:r>
               <a:rPr lang="fr-FR"/>
-              <a:t>Régularisation</a:t>
-            </a:r>
-          </a:p>
-        </p:txBody>
-      </p:sp>
-      <p:sp>
-        <p:nvSpPr>
-          <p:cNvPr id="3" name="Text Placeholder 2">
-            <a:extLst>
-              <a:ext uri="{FF2B5EF4-FFF2-40B4-BE49-F238E27FC236}">
-                <a16:creationId xmlns:a16="http://schemas.microsoft.com/office/drawing/2014/main" id="{0FBD93B3-12BB-0F43-9EDF-925F6B66BDDC}"/>
-              </a:ext>
-            </a:extLst>
-          </p:cNvPr>
-          <p:cNvSpPr>
-            <a:spLocks noGrp="1"/>
-          </p:cNvSpPr>
-          <p:nvPr>
-            <p:ph type="body" idx="1"/>
-          </p:nvPr>
-        </p:nvSpPr>
-        <p:spPr/>
-        <p:txBody>
-          <a:bodyPr/>
-          <a:lstStyle/>
+              <a:t>random seed!!!!</a:t>
+            </a:r>
+          </a:p>
           <a:p>
             <a:endParaRPr lang="fr-FR"/>
           </a:p>
@@ -6206,7 +6958,7 @@
     </p:spTree>
     <p:extLst>
       <p:ext uri="{BB962C8B-B14F-4D97-AF65-F5344CB8AC3E}">
-        <p14:creationId xmlns:p14="http://schemas.microsoft.com/office/powerpoint/2010/main" val="2815760654"/>
+        <p14:creationId xmlns:p14="http://schemas.microsoft.com/office/powerpoint/2010/main" val="3950563173"/>
       </p:ext>
     </p:extLst>
   </p:cSld>
@@ -6238,7 +6990,7 @@
           <p:cNvPr id="2" name="Title 1">
             <a:extLst>
               <a:ext uri="{FF2B5EF4-FFF2-40B4-BE49-F238E27FC236}">
-                <a16:creationId xmlns:a16="http://schemas.microsoft.com/office/drawing/2014/main" id="{360E5791-2708-3B4D-8025-5FDFEB2AC8F8}"/>
+                <a16:creationId xmlns:a16="http://schemas.microsoft.com/office/drawing/2014/main" id="{9180C320-A0F2-6249-97D5-3DAE12A44672}"/>
               </a:ext>
             </a:extLst>
           </p:cNvPr>
@@ -6256,7 +7008,7 @@
           <a:p>
             <a:r>
               <a:rPr lang="fr-FR"/>
-              <a:t>Fonction de cout</a:t>
+              <a:t>A vous</a:t>
             </a:r>
           </a:p>
         </p:txBody>
@@ -6266,7 +7018,7 @@
           <p:cNvPr id="3" name="TextBox 2">
             <a:extLst>
               <a:ext uri="{FF2B5EF4-FFF2-40B4-BE49-F238E27FC236}">
-                <a16:creationId xmlns:a16="http://schemas.microsoft.com/office/drawing/2014/main" id="{9E4EE802-F812-0F4A-B1EB-814627B26B99}"/>
+                <a16:creationId xmlns:a16="http://schemas.microsoft.com/office/drawing/2014/main" id="{833C5E9F-1862-EF43-A3E3-7D46B3A0822F}"/>
               </a:ext>
             </a:extLst>
           </p:cNvPr>
@@ -6275,8 +7027,8 @@
         </p:nvSpPr>
         <p:spPr>
           <a:xfrm>
-            <a:off x="1592494" y="2558265"/>
-            <a:ext cx="540533" cy="369332"/>
+            <a:off x="955497" y="2260315"/>
+            <a:ext cx="9159880" cy="646331"/>
           </a:xfrm>
           <a:prstGeom prst="rect">
             <a:avLst/>
@@ -6291,50 +7043,29 @@
           <a:p>
             <a:r>
               <a:rPr lang="fr-FR"/>
-              <a:t>OLS</a:t>
-            </a:r>
-          </a:p>
-        </p:txBody>
-      </p:sp>
-      <p:sp>
-        <p:nvSpPr>
-          <p:cNvPr id="4" name="TextBox 3">
-            <a:extLst>
-              <a:ext uri="{FF2B5EF4-FFF2-40B4-BE49-F238E27FC236}">
-                <a16:creationId xmlns:a16="http://schemas.microsoft.com/office/drawing/2014/main" id="{8307E2A9-D143-C048-84A8-0BF9FBFF0ED8}"/>
-              </a:ext>
-            </a:extLst>
-          </p:cNvPr>
-          <p:cNvSpPr txBox="1"/>
-          <p:nvPr/>
-        </p:nvSpPr>
-        <p:spPr>
-          <a:xfrm>
-            <a:off x="1674688" y="3750067"/>
-            <a:ext cx="706925" cy="369332"/>
-          </a:xfrm>
-          <a:prstGeom prst="rect">
-            <a:avLst/>
-          </a:prstGeom>
-          <a:noFill/>
-        </p:spPr>
-        <p:txBody>
-          <a:bodyPr wrap="none" rtlCol="0">
-            <a:spAutoFit/>
-          </a:bodyPr>
-          <a:lstStyle/>
-          <a:p>
-            <a:r>
-              <a:rPr lang="fr-FR"/>
-              <a:t>Ridge</a:t>
-            </a:r>
+              <a:t>Prendre l'exemple de </a:t>
+            </a:r>
+            <a:r>
+              <a:rPr lang="en-US">
+                <a:hlinkClick r:id="rId2"/>
+              </a:rPr>
+              <a:t>https://scikit-learn.org/stable/auto_examples/linear_model/plot_ols.html</a:t>
+            </a:r>
+            <a:endParaRPr lang="en-US"/>
+          </a:p>
+          <a:p>
+            <a:r>
+              <a:rPr lang="en-US"/>
+              <a:t>et l'adapter au dataset Ozone</a:t>
+            </a:r>
+            <a:endParaRPr lang="fr-FR"/>
           </a:p>
         </p:txBody>
       </p:sp>
     </p:spTree>
     <p:extLst>
       <p:ext uri="{BB962C8B-B14F-4D97-AF65-F5344CB8AC3E}">
-        <p14:creationId xmlns:p14="http://schemas.microsoft.com/office/powerpoint/2010/main" val="968872934"/>
+        <p14:creationId xmlns:p14="http://schemas.microsoft.com/office/powerpoint/2010/main" val="2942977552"/>
       </p:ext>
     </p:extLst>
   </p:cSld>
@@ -6366,7 +7097,7 @@
           <p:cNvPr id="2" name="Title 1">
             <a:extLst>
               <a:ext uri="{FF2B5EF4-FFF2-40B4-BE49-F238E27FC236}">
-                <a16:creationId xmlns:a16="http://schemas.microsoft.com/office/drawing/2014/main" id="{EA6D9563-190D-5344-B84A-E86E4D49F888}"/>
+                <a16:creationId xmlns:a16="http://schemas.microsoft.com/office/drawing/2014/main" id="{11F80F8E-C6B9-7D4B-A20F-C6F933396A52}"/>
               </a:ext>
             </a:extLst>
           </p:cNvPr>
@@ -6384,81 +7115,137 @@
           <a:p>
             <a:r>
               <a:rPr lang="fr-FR"/>
-              <a:t>Overfitting – ridge regression</a:t>
-            </a:r>
-          </a:p>
-        </p:txBody>
-      </p:sp>
-      <p:sp>
-        <p:nvSpPr>
-          <p:cNvPr id="3" name="Rectangle 2">
-            <a:extLst>
-              <a:ext uri="{FF2B5EF4-FFF2-40B4-BE49-F238E27FC236}">
-                <a16:creationId xmlns:a16="http://schemas.microsoft.com/office/drawing/2014/main" id="{80F0723C-46EE-0B4D-B69F-DEA4BF6BA559}"/>
-              </a:ext>
-            </a:extLst>
-          </p:cNvPr>
-          <p:cNvSpPr/>
+              <a:t>A vous: ozone – cross validation – polynomial regression</a:t>
+            </a:r>
+          </a:p>
+        </p:txBody>
+      </p:sp>
+      <p:sp>
+        <p:nvSpPr>
+          <p:cNvPr id="3" name="TextBox 2">
+            <a:extLst>
+              <a:ext uri="{FF2B5EF4-FFF2-40B4-BE49-F238E27FC236}">
+                <a16:creationId xmlns:a16="http://schemas.microsoft.com/office/drawing/2014/main" id="{A65344D2-14EC-504C-8DC4-5F719F242FE0}"/>
+              </a:ext>
+            </a:extLst>
+          </p:cNvPr>
+          <p:cNvSpPr txBox="1"/>
           <p:nvPr/>
         </p:nvSpPr>
         <p:spPr>
           <a:xfrm>
-            <a:off x="3048000" y="2828836"/>
-            <a:ext cx="6096000" cy="1200329"/>
+            <a:off x="1232899" y="2363056"/>
+            <a:ext cx="6931706" cy="3693319"/>
           </a:xfrm>
           <a:prstGeom prst="rect">
             <a:avLst/>
           </a:prstGeom>
+          <a:noFill/>
         </p:spPr>
         <p:txBody>
-          <a:bodyPr>
+          <a:bodyPr wrap="none" rtlCol="0">
             <a:spAutoFit/>
           </a:bodyPr>
           <a:lstStyle/>
           <a:p>
             <a:r>
-              <a:rPr lang="en-US">
-                <a:hlinkClick r:id="rId2"/>
-              </a:rPr>
-              <a:t>https://scikit-learn.org/stable/auto_examples/linear_model/plot_ols_ridge_variance.html#sphx-glr-auto-examples-linear-model-plot-ols-ridge-variance-py</a:t>
-            </a:r>
+              <a:rPr lang="fr-FR"/>
+              <a:t>utiliser polynomial features pour generer des polynomes de degré elevé</a:t>
+            </a:r>
+          </a:p>
+          <a:p>
+            <a:pPr marL="285750" indent="-285750">
+              <a:buFont typeface="Arial" panose="020B0604020202020204" pitchFamily="34" charset="0"/>
+              <a:buChar char="•"/>
+            </a:pPr>
+            <a:r>
+              <a:rPr lang="fr-FR"/>
+              <a:t>regression lineaire univariée</a:t>
+            </a:r>
+          </a:p>
+          <a:p>
+            <a:pPr marL="285750" indent="-285750">
+              <a:buFont typeface="Arial" panose="020B0604020202020204" pitchFamily="34" charset="0"/>
+              <a:buChar char="•"/>
+            </a:pPr>
+            <a:r>
+              <a:rPr lang="fr-FR"/>
+              <a:t>split dataset train test</a:t>
+            </a:r>
+          </a:p>
+          <a:p>
+            <a:pPr marL="285750" indent="-285750">
+              <a:buFont typeface="Arial" panose="020B0604020202020204" pitchFamily="34" charset="0"/>
+              <a:buChar char="•"/>
+            </a:pPr>
+            <a:r>
+              <a:rPr lang="fr-FR"/>
+              <a:t>set ransom seed</a:t>
+            </a:r>
+          </a:p>
+          <a:p>
+            <a:pPr marL="285750" indent="-285750">
+              <a:buFont typeface="Arial" panose="020B0604020202020204" pitchFamily="34" charset="0"/>
+              <a:buChar char="•"/>
+            </a:pPr>
+            <a:r>
+              <a:rPr lang="fr-FR"/>
+              <a:t>pour les polynomes de plus en plus complexes</a:t>
+            </a:r>
+          </a:p>
+          <a:p>
+            <a:pPr marL="742950" lvl="1" indent="-285750">
+              <a:buFont typeface="Arial" panose="020B0604020202020204" pitchFamily="34" charset="0"/>
+              <a:buChar char="•"/>
+            </a:pPr>
+            <a:r>
+              <a:rPr lang="fr-FR"/>
+              <a:t>fit ols</a:t>
+            </a:r>
+          </a:p>
+          <a:p>
+            <a:pPr marL="742950" lvl="1" indent="-285750">
+              <a:buFont typeface="Arial" panose="020B0604020202020204" pitchFamily="34" charset="0"/>
+              <a:buChar char="•"/>
+            </a:pPr>
+            <a:r>
+              <a:rPr lang="fr-FR"/>
+              <a:t>calcul RMSE train et RMSE test</a:t>
+            </a:r>
+          </a:p>
+          <a:p>
+            <a:pPr marL="285750" indent="-285750">
+              <a:buFont typeface="Arial" panose="020B0604020202020204" pitchFamily="34" charset="0"/>
+              <a:buChar char="•"/>
+            </a:pPr>
+            <a:r>
+              <a:rPr lang="fr-FR"/>
+              <a:t>plot learning curve</a:t>
+            </a:r>
+          </a:p>
+          <a:p>
+            <a:pPr marL="285750" indent="-285750">
+              <a:buFont typeface="Arial" panose="020B0604020202020204" pitchFamily="34" charset="0"/>
+              <a:buChar char="•"/>
+            </a:pPr>
             <a:endParaRPr lang="fr-FR"/>
           </a:p>
-        </p:txBody>
-      </p:sp>
-      <p:sp>
-        <p:nvSpPr>
-          <p:cNvPr id="4" name="Rectangle 3">
-            <a:extLst>
-              <a:ext uri="{FF2B5EF4-FFF2-40B4-BE49-F238E27FC236}">
-                <a16:creationId xmlns:a16="http://schemas.microsoft.com/office/drawing/2014/main" id="{F5D18FCA-4DF9-D747-9303-28F01C0B3393}"/>
-              </a:ext>
-            </a:extLst>
-          </p:cNvPr>
-          <p:cNvSpPr/>
-          <p:nvPr/>
-        </p:nvSpPr>
-        <p:spPr>
-          <a:xfrm>
-            <a:off x="2154149" y="1690688"/>
-            <a:ext cx="6096000" cy="923330"/>
-          </a:xfrm>
-          <a:prstGeom prst="rect">
-            <a:avLst/>
-          </a:prstGeom>
-        </p:spPr>
-        <p:txBody>
-          <a:bodyPr>
-            <a:spAutoFit/>
-          </a:bodyPr>
-          <a:lstStyle/>
-          <a:p>
-            <a:r>
-              <a:rPr lang="en-US">
-                <a:hlinkClick r:id="rId3"/>
-              </a:rPr>
-              <a:t>https://scikit-learn.org/stable/modules/generated/sklearn.linear_model.Ridge.html</a:t>
-            </a:r>
+          <a:p>
+            <a:r>
+              <a:rPr lang="fr-FR"/>
+              <a:t>Quel ordre est meilleur ?</a:t>
+            </a:r>
+          </a:p>
+          <a:p>
+            <a:endParaRPr lang="fr-FR"/>
+          </a:p>
+          <a:p>
+            <a:r>
+              <a:rPr lang="fr-FR"/>
+              <a:t>Maintenant avec cross validation K = 4</a:t>
+            </a:r>
+          </a:p>
+          <a:p>
             <a:endParaRPr lang="fr-FR"/>
           </a:p>
         </p:txBody>
@@ -6466,7 +7253,7 @@
     </p:spTree>
     <p:extLst>
       <p:ext uri="{BB962C8B-B14F-4D97-AF65-F5344CB8AC3E}">
-        <p14:creationId xmlns:p14="http://schemas.microsoft.com/office/powerpoint/2010/main" val="2297093814"/>
+        <p14:creationId xmlns:p14="http://schemas.microsoft.com/office/powerpoint/2010/main" val="2219433703"/>
       </p:ext>
     </p:extLst>
   </p:cSld>
@@ -6495,34 +7282,6 @@
       </p:grpSpPr>
       <p:sp>
         <p:nvSpPr>
-          <p:cNvPr id="2" name="Title 1">
-            <a:extLst>
-              <a:ext uri="{FF2B5EF4-FFF2-40B4-BE49-F238E27FC236}">
-                <a16:creationId xmlns:a16="http://schemas.microsoft.com/office/drawing/2014/main" id="{5C3E13D2-25D5-304C-A4D8-1863467852B5}"/>
-              </a:ext>
-            </a:extLst>
-          </p:cNvPr>
-          <p:cNvSpPr>
-            <a:spLocks noGrp="1"/>
-          </p:cNvSpPr>
-          <p:nvPr>
-            <p:ph type="title"/>
-          </p:nvPr>
-        </p:nvSpPr>
-        <p:spPr/>
-        <p:txBody>
-          <a:bodyPr/>
-          <a:lstStyle/>
-          <a:p>
-            <a:r>
-              <a:rPr lang="fr-FR"/>
-              <a:t>Programme</a:t>
-            </a:r>
-          </a:p>
-        </p:txBody>
-      </p:sp>
-      <p:sp>
-        <p:nvSpPr>
           <p:cNvPr id="3" name="TextBox 2">
             <a:extLst>
               <a:ext uri="{FF2B5EF4-FFF2-40B4-BE49-F238E27FC236}">
@@ -6535,13 +7294,18 @@
         </p:nvSpPr>
         <p:spPr>
           <a:xfrm>
-            <a:off x="1089061" y="1921267"/>
-            <a:ext cx="3196709" cy="3139321"/>
+            <a:off x="1098115" y="1513861"/>
+            <a:ext cx="3943708" cy="4524315"/>
           </a:xfrm>
           <a:prstGeom prst="rect">
             <a:avLst/>
           </a:prstGeom>
           <a:noFill/>
+          <a:ln>
+            <a:solidFill>
+              <a:srgbClr val="FF0000"/>
+            </a:solidFill>
+          </a:ln>
         </p:spPr>
         <p:txBody>
           <a:bodyPr wrap="none" rtlCol="0">
@@ -6554,8 +7318,8 @@
               <a:buChar char="•"/>
             </a:pPr>
             <a:r>
-              <a:rPr lang="fr-FR"/>
-              <a:t>Librairie scikit-learn</a:t>
+              <a:rPr lang="fr-FR" sz="2400"/>
+              <a:t>Biais - variance</a:t>
             </a:r>
           </a:p>
           <a:p>
@@ -6564,8 +7328,8 @@
               <a:buChar char="•"/>
             </a:pPr>
             <a:r>
-              <a:rPr lang="fr-FR"/>
-              <a:t>Régression polynomiale</a:t>
+              <a:rPr lang="fr-FR" sz="2400"/>
+              <a:t>Overfitting</a:t>
             </a:r>
           </a:p>
           <a:p>
@@ -6574,8 +7338,8 @@
               <a:buChar char="•"/>
             </a:pPr>
             <a:r>
-              <a:rPr lang="fr-FR"/>
-              <a:t>Train - test</a:t>
+              <a:rPr lang="fr-FR" sz="2400"/>
+              <a:t>Cross-validation</a:t>
             </a:r>
           </a:p>
           <a:p>
@@ -6584,8 +7348,8 @@
               <a:buChar char="•"/>
             </a:pPr>
             <a:r>
-              <a:rPr lang="fr-FR"/>
-              <a:t>Overfitting</a:t>
+              <a:rPr lang="fr-FR" sz="2400"/>
+              <a:t>Librairie scikit-learn</a:t>
             </a:r>
           </a:p>
           <a:p>
@@ -6594,8 +7358,8 @@
               <a:buChar char="•"/>
             </a:pPr>
             <a:r>
-              <a:rPr lang="fr-FR"/>
-              <a:t>Cross-validation</a:t>
+              <a:rPr lang="fr-FR" sz="2400"/>
+              <a:t>Régression polynomiale</a:t>
             </a:r>
           </a:p>
           <a:p>
@@ -6604,7 +7368,17 @@
               <a:buChar char="•"/>
             </a:pPr>
             <a:r>
-              <a:rPr lang="fr-FR"/>
+              <a:rPr lang="fr-FR" sz="2400"/>
+              <a:t>Train – test</a:t>
+            </a:r>
+          </a:p>
+          <a:p>
+            <a:pPr marL="285750" indent="-285750">
+              <a:buFont typeface="Arial" panose="020B0604020202020204" pitchFamily="34" charset="0"/>
+              <a:buChar char="•"/>
+            </a:pPr>
+            <a:r>
+              <a:rPr lang="fr-FR" sz="2400"/>
               <a:t>Régularisation</a:t>
             </a:r>
           </a:p>
@@ -6614,7 +7388,7 @@
               <a:buChar char="•"/>
             </a:pPr>
             <a:r>
-              <a:rPr lang="fr-FR"/>
+              <a:rPr lang="fr-FR" sz="2400"/>
               <a:t>modifier la loss function</a:t>
             </a:r>
           </a:p>
@@ -6624,7 +7398,7 @@
               <a:buChar char="•"/>
             </a:pPr>
             <a:r>
-              <a:rPr lang="fr-FR"/>
+              <a:rPr lang="fr-FR" sz="2400"/>
               <a:t>Ridge regression</a:t>
             </a:r>
           </a:p>
@@ -6634,7 +7408,7 @@
               <a:buChar char="•"/>
             </a:pPr>
             <a:r>
-              <a:rPr lang="fr-FR"/>
+              <a:rPr lang="fr-FR" sz="2400"/>
               <a:t>Lasso</a:t>
             </a:r>
           </a:p>
@@ -6643,10 +7417,71 @@
               <a:buFont typeface="Arial" panose="020B0604020202020204" pitchFamily="34" charset="0"/>
               <a:buChar char="•"/>
             </a:pPr>
-            <a:endParaRPr lang="fr-FR"/>
-          </a:p>
-          <a:p>
-            <a:endParaRPr lang="fr-FR"/>
+            <a:endParaRPr lang="fr-FR" sz="2400"/>
+          </a:p>
+          <a:p>
+            <a:endParaRPr lang="fr-FR" sz="2400"/>
+          </a:p>
+        </p:txBody>
+      </p:sp>
+      <p:sp>
+        <p:nvSpPr>
+          <p:cNvPr id="4" name="Title 1">
+            <a:extLst>
+              <a:ext uri="{FF2B5EF4-FFF2-40B4-BE49-F238E27FC236}">
+                <a16:creationId xmlns:a16="http://schemas.microsoft.com/office/drawing/2014/main" id="{86881021-56A8-0041-9DF1-76C87035ECA8}"/>
+              </a:ext>
+            </a:extLst>
+          </p:cNvPr>
+          <p:cNvSpPr txBox="1">
+            <a:spLocks/>
+          </p:cNvSpPr>
+          <p:nvPr/>
+        </p:nvSpPr>
+        <p:spPr>
+          <a:xfrm>
+            <a:off x="-10274" y="-5170"/>
+            <a:ext cx="12202274" cy="646331"/>
+          </a:xfrm>
+          <a:prstGeom prst="rect">
+            <a:avLst/>
+          </a:prstGeom>
+          <a:solidFill>
+            <a:srgbClr val="C04E00"/>
+          </a:solidFill>
+        </p:spPr>
+        <p:txBody>
+          <a:bodyPr vert="horz" lIns="91440" tIns="45720" rIns="91440" bIns="45720" rtlCol="0" anchor="ctr">
+            <a:normAutofit fontScale="97500" lnSpcReduction="10000"/>
+          </a:bodyPr>
+          <a:lstStyle>
+            <a:lvl1pPr algn="l" defTabSz="914400" rtl="0" eaLnBrk="1" latinLnBrk="0" hangingPunct="1">
+              <a:lnSpc>
+                <a:spcPct val="90000"/>
+              </a:lnSpc>
+              <a:spcBef>
+                <a:spcPct val="0"/>
+              </a:spcBef>
+              <a:buNone/>
+              <a:defRPr sz="4400" kern="1200">
+                <a:solidFill>
+                  <a:schemeClr val="tx1"/>
+                </a:solidFill>
+                <a:latin typeface="+mj-lt"/>
+                <a:ea typeface="+mj-ea"/>
+                <a:cs typeface="+mj-cs"/>
+              </a:defRPr>
+            </a:lvl1pPr>
+          </a:lstStyle>
+          <a:p>
+            <a:r>
+              <a:rPr lang="fr-FR">
+                <a:solidFill>
+                  <a:schemeClr val="bg1"/>
+                </a:solidFill>
+              </a:rPr>
+              <a:t>Aujourd'hui</a:t>
+            </a:r>
           </a:p>
         </p:txBody>
       </p:sp>
@@ -6685,7 +7520,7 @@
           <p:cNvPr id="2" name="Title 1">
             <a:extLst>
               <a:ext uri="{FF2B5EF4-FFF2-40B4-BE49-F238E27FC236}">
-                <a16:creationId xmlns:a16="http://schemas.microsoft.com/office/drawing/2014/main" id="{55568D82-7781-7044-9514-E405E2C98CEC}"/>
+                <a16:creationId xmlns:a16="http://schemas.microsoft.com/office/drawing/2014/main" id="{705210B7-D45A-774E-A7F2-1FA5EC79D512}"/>
               </a:ext>
             </a:extLst>
           </p:cNvPr>
@@ -6703,7 +7538,7 @@
           <a:p>
             <a:r>
               <a:rPr lang="fr-FR"/>
-              <a:t>Biais - variance</a:t>
+              <a:t>Régularisation</a:t>
             </a:r>
           </a:p>
         </p:txBody>
@@ -6713,7 +7548,7 @@
           <p:cNvPr id="3" name="Text Placeholder 2">
             <a:extLst>
               <a:ext uri="{FF2B5EF4-FFF2-40B4-BE49-F238E27FC236}">
-                <a16:creationId xmlns:a16="http://schemas.microsoft.com/office/drawing/2014/main" id="{BFA74CD5-3E3D-614D-BFEA-9BF421B7D917}"/>
+                <a16:creationId xmlns:a16="http://schemas.microsoft.com/office/drawing/2014/main" id="{0FBD93B3-12BB-0F43-9EDF-925F6B66BDDC}"/>
               </a:ext>
             </a:extLst>
           </p:cNvPr>
@@ -6736,7 +7571,7 @@
     </p:spTree>
     <p:extLst>
       <p:ext uri="{BB962C8B-B14F-4D97-AF65-F5344CB8AC3E}">
-        <p14:creationId xmlns:p14="http://schemas.microsoft.com/office/powerpoint/2010/main" val="2817803617"/>
+        <p14:creationId xmlns:p14="http://schemas.microsoft.com/office/powerpoint/2010/main" val="2815760654"/>
       </p:ext>
     </p:extLst>
   </p:cSld>
@@ -6765,6 +7600,349 @@
       </p:grpSpPr>
       <p:sp>
         <p:nvSpPr>
+          <p:cNvPr id="2" name="Title 1">
+            <a:extLst>
+              <a:ext uri="{FF2B5EF4-FFF2-40B4-BE49-F238E27FC236}">
+                <a16:creationId xmlns:a16="http://schemas.microsoft.com/office/drawing/2014/main" id="{360E5791-2708-3B4D-8025-5FDFEB2AC8F8}"/>
+              </a:ext>
+            </a:extLst>
+          </p:cNvPr>
+          <p:cNvSpPr>
+            <a:spLocks noGrp="1"/>
+          </p:cNvSpPr>
+          <p:nvPr>
+            <p:ph type="title"/>
+          </p:nvPr>
+        </p:nvSpPr>
+        <p:spPr/>
+        <p:txBody>
+          <a:bodyPr/>
+          <a:lstStyle/>
+          <a:p>
+            <a:r>
+              <a:rPr lang="fr-FR"/>
+              <a:t>Fonction de cout</a:t>
+            </a:r>
+          </a:p>
+        </p:txBody>
+      </p:sp>
+      <p:sp>
+        <p:nvSpPr>
+          <p:cNvPr id="3" name="TextBox 2">
+            <a:extLst>
+              <a:ext uri="{FF2B5EF4-FFF2-40B4-BE49-F238E27FC236}">
+                <a16:creationId xmlns:a16="http://schemas.microsoft.com/office/drawing/2014/main" id="{9E4EE802-F812-0F4A-B1EB-814627B26B99}"/>
+              </a:ext>
+            </a:extLst>
+          </p:cNvPr>
+          <p:cNvSpPr txBox="1"/>
+          <p:nvPr/>
+        </p:nvSpPr>
+        <p:spPr>
+          <a:xfrm>
+            <a:off x="1592494" y="2558265"/>
+            <a:ext cx="540533" cy="369332"/>
+          </a:xfrm>
+          <a:prstGeom prst="rect">
+            <a:avLst/>
+          </a:prstGeom>
+          <a:noFill/>
+        </p:spPr>
+        <p:txBody>
+          <a:bodyPr wrap="none" rtlCol="0">
+            <a:spAutoFit/>
+          </a:bodyPr>
+          <a:lstStyle/>
+          <a:p>
+            <a:r>
+              <a:rPr lang="fr-FR"/>
+              <a:t>OLS</a:t>
+            </a:r>
+          </a:p>
+        </p:txBody>
+      </p:sp>
+      <p:sp>
+        <p:nvSpPr>
+          <p:cNvPr id="4" name="TextBox 3">
+            <a:extLst>
+              <a:ext uri="{FF2B5EF4-FFF2-40B4-BE49-F238E27FC236}">
+                <a16:creationId xmlns:a16="http://schemas.microsoft.com/office/drawing/2014/main" id="{8307E2A9-D143-C048-84A8-0BF9FBFF0ED8}"/>
+              </a:ext>
+            </a:extLst>
+          </p:cNvPr>
+          <p:cNvSpPr txBox="1"/>
+          <p:nvPr/>
+        </p:nvSpPr>
+        <p:spPr>
+          <a:xfrm>
+            <a:off x="1674688" y="3750067"/>
+            <a:ext cx="706925" cy="369332"/>
+          </a:xfrm>
+          <a:prstGeom prst="rect">
+            <a:avLst/>
+          </a:prstGeom>
+          <a:noFill/>
+        </p:spPr>
+        <p:txBody>
+          <a:bodyPr wrap="none" rtlCol="0">
+            <a:spAutoFit/>
+          </a:bodyPr>
+          <a:lstStyle/>
+          <a:p>
+            <a:r>
+              <a:rPr lang="fr-FR"/>
+              <a:t>Ridge</a:t>
+            </a:r>
+          </a:p>
+        </p:txBody>
+      </p:sp>
+    </p:spTree>
+    <p:extLst>
+      <p:ext uri="{BB962C8B-B14F-4D97-AF65-F5344CB8AC3E}">
+        <p14:creationId xmlns:p14="http://schemas.microsoft.com/office/powerpoint/2010/main" val="968872934"/>
+      </p:ext>
+    </p:extLst>
+  </p:cSld>
+  <p:clrMapOvr>
+    <a:masterClrMapping/>
+  </p:clrMapOvr>
+</p:sld>
+</file>
+
+<file path=ppt/slides/slide32.xml><?xml version="1.0" encoding="utf-8"?>
+<p:sld xmlns:a="http://schemas.openxmlformats.org/drawingml/2006/main" xmlns:r="http://schemas.openxmlformats.org/officeDocument/2006/relationships" xmlns:p="http://schemas.openxmlformats.org/presentationml/2006/main">
+  <p:cSld>
+    <p:spTree>
+      <p:nvGrpSpPr>
+        <p:cNvPr id="1" name=""/>
+        <p:cNvGrpSpPr/>
+        <p:nvPr/>
+      </p:nvGrpSpPr>
+      <p:grpSpPr>
+        <a:xfrm>
+          <a:off x="0" y="0"/>
+          <a:ext cx="0" cy="0"/>
+          <a:chOff x="0" y="0"/>
+          <a:chExt cx="0" cy="0"/>
+        </a:xfrm>
+      </p:grpSpPr>
+      <p:sp>
+        <p:nvSpPr>
+          <p:cNvPr id="2" name="Title 1">
+            <a:extLst>
+              <a:ext uri="{FF2B5EF4-FFF2-40B4-BE49-F238E27FC236}">
+                <a16:creationId xmlns:a16="http://schemas.microsoft.com/office/drawing/2014/main" id="{EA6D9563-190D-5344-B84A-E86E4D49F888}"/>
+              </a:ext>
+            </a:extLst>
+          </p:cNvPr>
+          <p:cNvSpPr>
+            <a:spLocks noGrp="1"/>
+          </p:cNvSpPr>
+          <p:nvPr>
+            <p:ph type="title"/>
+          </p:nvPr>
+        </p:nvSpPr>
+        <p:spPr/>
+        <p:txBody>
+          <a:bodyPr/>
+          <a:lstStyle/>
+          <a:p>
+            <a:r>
+              <a:rPr lang="fr-FR"/>
+              <a:t>Overfitting – ridge regression</a:t>
+            </a:r>
+          </a:p>
+        </p:txBody>
+      </p:sp>
+      <p:sp>
+        <p:nvSpPr>
+          <p:cNvPr id="3" name="Rectangle 2">
+            <a:extLst>
+              <a:ext uri="{FF2B5EF4-FFF2-40B4-BE49-F238E27FC236}">
+                <a16:creationId xmlns:a16="http://schemas.microsoft.com/office/drawing/2014/main" id="{80F0723C-46EE-0B4D-B69F-DEA4BF6BA559}"/>
+              </a:ext>
+            </a:extLst>
+          </p:cNvPr>
+          <p:cNvSpPr/>
+          <p:nvPr/>
+        </p:nvSpPr>
+        <p:spPr>
+          <a:xfrm>
+            <a:off x="3048000" y="2828836"/>
+            <a:ext cx="6096000" cy="1200329"/>
+          </a:xfrm>
+          <a:prstGeom prst="rect">
+            <a:avLst/>
+          </a:prstGeom>
+        </p:spPr>
+        <p:txBody>
+          <a:bodyPr>
+            <a:spAutoFit/>
+          </a:bodyPr>
+          <a:lstStyle/>
+          <a:p>
+            <a:r>
+              <a:rPr lang="en-US">
+                <a:hlinkClick r:id="rId2"/>
+              </a:rPr>
+              <a:t>https://scikit-learn.org/stable/auto_examples/linear_model/plot_ols_ridge_variance.html#sphx-glr-auto-examples-linear-model-plot-ols-ridge-variance-py</a:t>
+            </a:r>
+            <a:endParaRPr lang="fr-FR"/>
+          </a:p>
+        </p:txBody>
+      </p:sp>
+      <p:sp>
+        <p:nvSpPr>
+          <p:cNvPr id="4" name="Rectangle 3">
+            <a:extLst>
+              <a:ext uri="{FF2B5EF4-FFF2-40B4-BE49-F238E27FC236}">
+                <a16:creationId xmlns:a16="http://schemas.microsoft.com/office/drawing/2014/main" id="{F5D18FCA-4DF9-D747-9303-28F01C0B3393}"/>
+              </a:ext>
+            </a:extLst>
+          </p:cNvPr>
+          <p:cNvSpPr/>
+          <p:nvPr/>
+        </p:nvSpPr>
+        <p:spPr>
+          <a:xfrm>
+            <a:off x="2154149" y="1690688"/>
+            <a:ext cx="6096000" cy="923330"/>
+          </a:xfrm>
+          <a:prstGeom prst="rect">
+            <a:avLst/>
+          </a:prstGeom>
+        </p:spPr>
+        <p:txBody>
+          <a:bodyPr>
+            <a:spAutoFit/>
+          </a:bodyPr>
+          <a:lstStyle/>
+          <a:p>
+            <a:r>
+              <a:rPr lang="en-US">
+                <a:hlinkClick r:id="rId3"/>
+              </a:rPr>
+              <a:t>https://scikit-learn.org/stable/modules/generated/sklearn.linear_model.Ridge.html</a:t>
+            </a:r>
+            <a:endParaRPr lang="fr-FR"/>
+          </a:p>
+        </p:txBody>
+      </p:sp>
+    </p:spTree>
+    <p:extLst>
+      <p:ext uri="{BB962C8B-B14F-4D97-AF65-F5344CB8AC3E}">
+        <p14:creationId xmlns:p14="http://schemas.microsoft.com/office/powerpoint/2010/main" val="2297093814"/>
+      </p:ext>
+    </p:extLst>
+  </p:cSld>
+  <p:clrMapOvr>
+    <a:masterClrMapping/>
+  </p:clrMapOvr>
+</p:sld>
+</file>
+
+<file path=ppt/slides/slide33.xml><?xml version="1.0" encoding="utf-8"?>
+<p:sld xmlns:a="http://schemas.openxmlformats.org/drawingml/2006/main" xmlns:r="http://schemas.openxmlformats.org/officeDocument/2006/relationships" xmlns:p="http://schemas.openxmlformats.org/presentationml/2006/main">
+  <p:cSld>
+    <p:spTree>
+      <p:nvGrpSpPr>
+        <p:cNvPr id="1" name=""/>
+        <p:cNvGrpSpPr/>
+        <p:nvPr/>
+      </p:nvGrpSpPr>
+      <p:grpSpPr>
+        <a:xfrm>
+          <a:off x="0" y="0"/>
+          <a:ext cx="0" cy="0"/>
+          <a:chOff x="0" y="0"/>
+          <a:chExt cx="0" cy="0"/>
+        </a:xfrm>
+      </p:grpSpPr>
+      <p:sp>
+        <p:nvSpPr>
+          <p:cNvPr id="2" name="Title 1">
+            <a:extLst>
+              <a:ext uri="{FF2B5EF4-FFF2-40B4-BE49-F238E27FC236}">
+                <a16:creationId xmlns:a16="http://schemas.microsoft.com/office/drawing/2014/main" id="{55568D82-7781-7044-9514-E405E2C98CEC}"/>
+              </a:ext>
+            </a:extLst>
+          </p:cNvPr>
+          <p:cNvSpPr>
+            <a:spLocks noGrp="1"/>
+          </p:cNvSpPr>
+          <p:nvPr>
+            <p:ph type="title"/>
+          </p:nvPr>
+        </p:nvSpPr>
+        <p:spPr/>
+        <p:txBody>
+          <a:bodyPr/>
+          <a:lstStyle/>
+          <a:p>
+            <a:r>
+              <a:rPr lang="fr-FR"/>
+              <a:t>Biais - variance</a:t>
+            </a:r>
+          </a:p>
+        </p:txBody>
+      </p:sp>
+      <p:sp>
+        <p:nvSpPr>
+          <p:cNvPr id="3" name="Text Placeholder 2">
+            <a:extLst>
+              <a:ext uri="{FF2B5EF4-FFF2-40B4-BE49-F238E27FC236}">
+                <a16:creationId xmlns:a16="http://schemas.microsoft.com/office/drawing/2014/main" id="{BFA74CD5-3E3D-614D-BFEA-9BF421B7D917}"/>
+              </a:ext>
+            </a:extLst>
+          </p:cNvPr>
+          <p:cNvSpPr>
+            <a:spLocks noGrp="1"/>
+          </p:cNvSpPr>
+          <p:nvPr>
+            <p:ph type="body" idx="1"/>
+          </p:nvPr>
+        </p:nvSpPr>
+        <p:spPr/>
+        <p:txBody>
+          <a:bodyPr/>
+          <a:lstStyle/>
+          <a:p>
+            <a:endParaRPr lang="fr-FR"/>
+          </a:p>
+        </p:txBody>
+      </p:sp>
+    </p:spTree>
+    <p:extLst>
+      <p:ext uri="{BB962C8B-B14F-4D97-AF65-F5344CB8AC3E}">
+        <p14:creationId xmlns:p14="http://schemas.microsoft.com/office/powerpoint/2010/main" val="2817803617"/>
+      </p:ext>
+    </p:extLst>
+  </p:cSld>
+  <p:clrMapOvr>
+    <a:masterClrMapping/>
+  </p:clrMapOvr>
+</p:sld>
+</file>
+
+<file path=ppt/slides/slide34.xml><?xml version="1.0" encoding="utf-8"?>
+<p:sld xmlns:a="http://schemas.openxmlformats.org/drawingml/2006/main" xmlns:r="http://schemas.openxmlformats.org/officeDocument/2006/relationships" xmlns:p="http://schemas.openxmlformats.org/presentationml/2006/main">
+  <p:cSld>
+    <p:spTree>
+      <p:nvGrpSpPr>
+        <p:cNvPr id="1" name=""/>
+        <p:cNvGrpSpPr/>
+        <p:nvPr/>
+      </p:nvGrpSpPr>
+      <p:grpSpPr>
+        <a:xfrm>
+          <a:off x="0" y="0"/>
+          <a:ext cx="0" cy="0"/>
+          <a:chOff x="0" y="0"/>
+          <a:chExt cx="0" cy="0"/>
+        </a:xfrm>
+      </p:grpSpPr>
+      <p:sp>
+        <p:nvSpPr>
           <p:cNvPr id="2" name="Rectangle 1">
             <a:extLst>
               <a:ext uri="{FF2B5EF4-FFF2-40B4-BE49-F238E27FC236}">
@@ -6840,7 +8018,7 @@
 </p:sld>
 </file>
 
-<file path=ppt/slides/slide32.xml><?xml version="1.0" encoding="utf-8"?>
+<file path=ppt/slides/slide35.xml><?xml version="1.0" encoding="utf-8"?>
 <p:sld xmlns:a="http://schemas.openxmlformats.org/drawingml/2006/main" xmlns:r="http://schemas.openxmlformats.org/officeDocument/2006/relationships" xmlns:p="http://schemas.openxmlformats.org/presentationml/2006/main">
   <p:cSld>
     <p:spTree>
@@ -6900,7 +8078,7 @@
 </p:sld>
 </file>
 
-<file path=ppt/slides/slide33.xml><?xml version="1.0" encoding="utf-8"?>
+<file path=ppt/slides/slide36.xml><?xml version="1.0" encoding="utf-8"?>
 <p:sld xmlns:a="http://schemas.openxmlformats.org/drawingml/2006/main" xmlns:r="http://schemas.openxmlformats.org/officeDocument/2006/relationships" xmlns:p="http://schemas.openxmlformats.org/presentationml/2006/main">
   <p:cSld>
     <p:spTree>
@@ -6960,7 +8138,7 @@
 </p:sld>
 </file>
 
-<file path=ppt/slides/slide34.xml><?xml version="1.0" encoding="utf-8"?>
+<file path=ppt/slides/slide37.xml><?xml version="1.0" encoding="utf-8"?>
 <p:sld xmlns:a="http://schemas.openxmlformats.org/drawingml/2006/main" xmlns:r="http://schemas.openxmlformats.org/officeDocument/2006/relationships" xmlns:p="http://schemas.openxmlformats.org/presentationml/2006/main">
   <p:cSld>
     <p:spTree>
@@ -7050,7 +8228,7 @@
 </p:sld>
 </file>
 
-<file path=ppt/slides/slide35.xml><?xml version="1.0" encoding="utf-8"?>
+<file path=ppt/slides/slide38.xml><?xml version="1.0" encoding="utf-8"?>
 <p:sld xmlns:a="http://schemas.openxmlformats.org/drawingml/2006/main" xmlns:r="http://schemas.openxmlformats.org/officeDocument/2006/relationships" xmlns:p="http://schemas.openxmlformats.org/presentationml/2006/main">
   <p:cSld>
     <p:spTree>
@@ -7110,7 +8288,7 @@
 </p:sld>
 </file>
 
-<file path=ppt/slides/slide36.xml><?xml version="1.0" encoding="utf-8"?>
+<file path=ppt/slides/slide39.xml><?xml version="1.0" encoding="utf-8"?>
 <p:sld xmlns:a="http://schemas.openxmlformats.org/drawingml/2006/main" xmlns:r="http://schemas.openxmlformats.org/officeDocument/2006/relationships" xmlns:p="http://schemas.openxmlformats.org/presentationml/2006/main">
   <p:cSld>
     <p:spTree>
@@ -7331,155 +8509,6 @@
     <p:extLst>
       <p:ext uri="{BB962C8B-B14F-4D97-AF65-F5344CB8AC3E}">
         <p14:creationId xmlns:p14="http://schemas.microsoft.com/office/powerpoint/2010/main" val="3030170597"/>
-      </p:ext>
-    </p:extLst>
-  </p:cSld>
-  <p:clrMapOvr>
-    <a:masterClrMapping/>
-  </p:clrMapOvr>
-</p:sld>
-</file>
-
-<file path=ppt/slides/slide37.xml><?xml version="1.0" encoding="utf-8"?>
-<p:sld xmlns:a="http://schemas.openxmlformats.org/drawingml/2006/main" xmlns:r="http://schemas.openxmlformats.org/officeDocument/2006/relationships" xmlns:p="http://schemas.openxmlformats.org/presentationml/2006/main">
-  <p:cSld>
-    <p:spTree>
-      <p:nvGrpSpPr>
-        <p:cNvPr id="1" name=""/>
-        <p:cNvGrpSpPr/>
-        <p:nvPr/>
-      </p:nvGrpSpPr>
-      <p:grpSpPr>
-        <a:xfrm>
-          <a:off x="0" y="0"/>
-          <a:ext cx="0" cy="0"/>
-          <a:chOff x="0" y="0"/>
-          <a:chExt cx="0" cy="0"/>
-        </a:xfrm>
-      </p:grpSpPr>
-      <p:sp>
-        <p:nvSpPr>
-          <p:cNvPr id="2" name="Title 1">
-            <a:extLst>
-              <a:ext uri="{FF2B5EF4-FFF2-40B4-BE49-F238E27FC236}">
-                <a16:creationId xmlns:a16="http://schemas.microsoft.com/office/drawing/2014/main" id="{FF2F346C-351E-6547-BB21-DB3F7CF34F47}"/>
-              </a:ext>
-            </a:extLst>
-          </p:cNvPr>
-          <p:cNvSpPr>
-            <a:spLocks noGrp="1"/>
-          </p:cNvSpPr>
-          <p:nvPr>
-            <p:ph type="title"/>
-          </p:nvPr>
-        </p:nvSpPr>
-        <p:spPr/>
-        <p:txBody>
-          <a:bodyPr/>
-          <a:lstStyle/>
-          <a:p>
-            <a:r>
-              <a:rPr lang="fr-FR"/>
-              <a:t>A vous: ridge regression</a:t>
-            </a:r>
-          </a:p>
-        </p:txBody>
-      </p:sp>
-      <p:sp>
-        <p:nvSpPr>
-          <p:cNvPr id="3" name="TextBox 2">
-            <a:extLst>
-              <a:ext uri="{FF2B5EF4-FFF2-40B4-BE49-F238E27FC236}">
-                <a16:creationId xmlns:a16="http://schemas.microsoft.com/office/drawing/2014/main" id="{753EF7A3-9655-1D4A-A909-AD3810773512}"/>
-              </a:ext>
-            </a:extLst>
-          </p:cNvPr>
-          <p:cNvSpPr txBox="1"/>
-          <p:nvPr/>
-        </p:nvSpPr>
-        <p:spPr>
-          <a:xfrm>
-            <a:off x="1047964" y="2404153"/>
-            <a:ext cx="4652236" cy="2031325"/>
-          </a:xfrm>
-          <a:prstGeom prst="rect">
-            <a:avLst/>
-          </a:prstGeom>
-          <a:noFill/>
-        </p:spPr>
-        <p:txBody>
-          <a:bodyPr wrap="none" rtlCol="0">
-            <a:spAutoFit/>
-          </a:bodyPr>
-          <a:lstStyle/>
-          <a:p>
-            <a:r>
-              <a:rPr lang="fr-FR"/>
-              <a:t>Utiliser </a:t>
-            </a:r>
-          </a:p>
-          <a:p>
-            <a:pPr marL="285750" indent="-285750">
-              <a:buFont typeface="Arial" panose="020B0604020202020204" pitchFamily="34" charset="0"/>
-              <a:buChar char="•"/>
-            </a:pPr>
-            <a:r>
-              <a:rPr lang="fr-FR"/>
-              <a:t>ridge regression </a:t>
-            </a:r>
-          </a:p>
-          <a:p>
-            <a:pPr marL="285750" indent="-285750">
-              <a:buFont typeface="Arial" panose="020B0604020202020204" pitchFamily="34" charset="0"/>
-              <a:buChar char="•"/>
-            </a:pPr>
-            <a:r>
-              <a:rPr lang="fr-FR"/>
-              <a:t>regression polynomiale (max n = 2) </a:t>
-            </a:r>
-          </a:p>
-          <a:p>
-            <a:pPr marL="285750" indent="-285750">
-              <a:buFont typeface="Arial" panose="020B0604020202020204" pitchFamily="34" charset="0"/>
-              <a:buChar char="•"/>
-            </a:pPr>
-            <a:r>
-              <a:rPr lang="fr-FR"/>
-              <a:t>cross validation</a:t>
-            </a:r>
-          </a:p>
-          <a:p>
-            <a:r>
-              <a:rPr lang="fr-FR"/>
-              <a:t>pour determiner le meilleur modele </a:t>
-            </a:r>
-          </a:p>
-          <a:p>
-            <a:pPr marL="285750" indent="-285750">
-              <a:buFont typeface="Arial" panose="020B0604020202020204" pitchFamily="34" charset="0"/>
-              <a:buChar char="•"/>
-            </a:pPr>
-            <a:r>
-              <a:rPr lang="fr-FR"/>
-              <a:t>variables predictives</a:t>
-            </a:r>
-          </a:p>
-          <a:p>
-            <a:pPr marL="285750" indent="-285750">
-              <a:buFont typeface="Arial" panose="020B0604020202020204" pitchFamily="34" charset="0"/>
-              <a:buChar char="•"/>
-            </a:pPr>
-            <a:r>
-              <a:rPr lang="fr-FR"/>
-              <a:t>tuning de alpha coefficient de regularization</a:t>
-            </a:r>
-          </a:p>
-        </p:txBody>
-      </p:sp>
-    </p:spTree>
-    <p:extLst>
-      <p:ext uri="{BB962C8B-B14F-4D97-AF65-F5344CB8AC3E}">
-        <p14:creationId xmlns:p14="http://schemas.microsoft.com/office/powerpoint/2010/main" val="1655408348"/>
       </p:ext>
     </p:extLst>
   </p:cSld>
@@ -7529,7 +8558,7 @@
           <a:p>
             <a:r>
               <a:rPr lang="fr-FR"/>
-              <a:t>Polynomial régression</a:t>
+              <a:t>Régression polynomiale</a:t>
             </a:r>
           </a:p>
         </p:txBody>
@@ -7563,6 +8592,155 @@
     <p:extLst>
       <p:ext uri="{BB962C8B-B14F-4D97-AF65-F5344CB8AC3E}">
         <p14:creationId xmlns:p14="http://schemas.microsoft.com/office/powerpoint/2010/main" val="504611500"/>
+      </p:ext>
+    </p:extLst>
+  </p:cSld>
+  <p:clrMapOvr>
+    <a:masterClrMapping/>
+  </p:clrMapOvr>
+</p:sld>
+</file>
+
+<file path=ppt/slides/slide40.xml><?xml version="1.0" encoding="utf-8"?>
+<p:sld xmlns:a="http://schemas.openxmlformats.org/drawingml/2006/main" xmlns:r="http://schemas.openxmlformats.org/officeDocument/2006/relationships" xmlns:p="http://schemas.openxmlformats.org/presentationml/2006/main">
+  <p:cSld>
+    <p:spTree>
+      <p:nvGrpSpPr>
+        <p:cNvPr id="1" name=""/>
+        <p:cNvGrpSpPr/>
+        <p:nvPr/>
+      </p:nvGrpSpPr>
+      <p:grpSpPr>
+        <a:xfrm>
+          <a:off x="0" y="0"/>
+          <a:ext cx="0" cy="0"/>
+          <a:chOff x="0" y="0"/>
+          <a:chExt cx="0" cy="0"/>
+        </a:xfrm>
+      </p:grpSpPr>
+      <p:sp>
+        <p:nvSpPr>
+          <p:cNvPr id="2" name="Title 1">
+            <a:extLst>
+              <a:ext uri="{FF2B5EF4-FFF2-40B4-BE49-F238E27FC236}">
+                <a16:creationId xmlns:a16="http://schemas.microsoft.com/office/drawing/2014/main" id="{FF2F346C-351E-6547-BB21-DB3F7CF34F47}"/>
+              </a:ext>
+            </a:extLst>
+          </p:cNvPr>
+          <p:cNvSpPr>
+            <a:spLocks noGrp="1"/>
+          </p:cNvSpPr>
+          <p:nvPr>
+            <p:ph type="title"/>
+          </p:nvPr>
+        </p:nvSpPr>
+        <p:spPr/>
+        <p:txBody>
+          <a:bodyPr/>
+          <a:lstStyle/>
+          <a:p>
+            <a:r>
+              <a:rPr lang="fr-FR"/>
+              <a:t>A vous: ridge regression</a:t>
+            </a:r>
+          </a:p>
+        </p:txBody>
+      </p:sp>
+      <p:sp>
+        <p:nvSpPr>
+          <p:cNvPr id="3" name="TextBox 2">
+            <a:extLst>
+              <a:ext uri="{FF2B5EF4-FFF2-40B4-BE49-F238E27FC236}">
+                <a16:creationId xmlns:a16="http://schemas.microsoft.com/office/drawing/2014/main" id="{753EF7A3-9655-1D4A-A909-AD3810773512}"/>
+              </a:ext>
+            </a:extLst>
+          </p:cNvPr>
+          <p:cNvSpPr txBox="1"/>
+          <p:nvPr/>
+        </p:nvSpPr>
+        <p:spPr>
+          <a:xfrm>
+            <a:off x="1047964" y="2404153"/>
+            <a:ext cx="4652236" cy="2031325"/>
+          </a:xfrm>
+          <a:prstGeom prst="rect">
+            <a:avLst/>
+          </a:prstGeom>
+          <a:noFill/>
+        </p:spPr>
+        <p:txBody>
+          <a:bodyPr wrap="none" rtlCol="0">
+            <a:spAutoFit/>
+          </a:bodyPr>
+          <a:lstStyle/>
+          <a:p>
+            <a:r>
+              <a:rPr lang="fr-FR"/>
+              <a:t>Utiliser </a:t>
+            </a:r>
+          </a:p>
+          <a:p>
+            <a:pPr marL="285750" indent="-285750">
+              <a:buFont typeface="Arial" panose="020B0604020202020204" pitchFamily="34" charset="0"/>
+              <a:buChar char="•"/>
+            </a:pPr>
+            <a:r>
+              <a:rPr lang="fr-FR"/>
+              <a:t>ridge regression </a:t>
+            </a:r>
+          </a:p>
+          <a:p>
+            <a:pPr marL="285750" indent="-285750">
+              <a:buFont typeface="Arial" panose="020B0604020202020204" pitchFamily="34" charset="0"/>
+              <a:buChar char="•"/>
+            </a:pPr>
+            <a:r>
+              <a:rPr lang="fr-FR"/>
+              <a:t>regression polynomiale (max n = 2) </a:t>
+            </a:r>
+          </a:p>
+          <a:p>
+            <a:pPr marL="285750" indent="-285750">
+              <a:buFont typeface="Arial" panose="020B0604020202020204" pitchFamily="34" charset="0"/>
+              <a:buChar char="•"/>
+            </a:pPr>
+            <a:r>
+              <a:rPr lang="fr-FR"/>
+              <a:t>cross validation</a:t>
+            </a:r>
+          </a:p>
+          <a:p>
+            <a:r>
+              <a:rPr lang="fr-FR"/>
+              <a:t>pour determiner le meilleur modele </a:t>
+            </a:r>
+          </a:p>
+          <a:p>
+            <a:pPr marL="285750" indent="-285750">
+              <a:buFont typeface="Arial" panose="020B0604020202020204" pitchFamily="34" charset="0"/>
+              <a:buChar char="•"/>
+            </a:pPr>
+            <a:r>
+              <a:rPr lang="fr-FR"/>
+              <a:t>variables predictives</a:t>
+            </a:r>
+          </a:p>
+          <a:p>
+            <a:pPr marL="285750" indent="-285750">
+              <a:buFont typeface="Arial" panose="020B0604020202020204" pitchFamily="34" charset="0"/>
+              <a:buChar char="•"/>
+            </a:pPr>
+            <a:r>
+              <a:rPr lang="fr-FR"/>
+              <a:t>tuning de alpha coefficient de regularization</a:t>
+            </a:r>
+          </a:p>
+        </p:txBody>
+      </p:sp>
+    </p:spTree>
+    <p:extLst>
+      <p:ext uri="{BB962C8B-B14F-4D97-AF65-F5344CB8AC3E}">
+        <p14:creationId xmlns:p14="http://schemas.microsoft.com/office/powerpoint/2010/main" val="1655408348"/>
       </p:ext>
     </p:extLst>
   </p:cSld>
@@ -7591,34 +8769,6 @@
       </p:grpSpPr>
       <p:sp>
         <p:nvSpPr>
-          <p:cNvPr id="2" name="Title 1">
-            <a:extLst>
-              <a:ext uri="{FF2B5EF4-FFF2-40B4-BE49-F238E27FC236}">
-                <a16:creationId xmlns:a16="http://schemas.microsoft.com/office/drawing/2014/main" id="{65953EF1-D966-7D4D-8C91-6052864A951F}"/>
-              </a:ext>
-            </a:extLst>
-          </p:cNvPr>
-          <p:cNvSpPr>
-            <a:spLocks noGrp="1"/>
-          </p:cNvSpPr>
-          <p:nvPr>
-            <p:ph type="title"/>
-          </p:nvPr>
-        </p:nvSpPr>
-        <p:spPr/>
-        <p:txBody>
-          <a:bodyPr/>
-          <a:lstStyle/>
-          <a:p>
-            <a:r>
-              <a:rPr lang="fr-FR"/>
-              <a:t>Régression polynomiale</a:t>
-            </a:r>
-          </a:p>
-        </p:txBody>
-      </p:sp>
-      <p:sp>
-        <p:nvSpPr>
           <p:cNvPr id="3" name="TextBox 2">
             <a:extLst>
               <a:ext uri="{FF2B5EF4-FFF2-40B4-BE49-F238E27FC236}">
@@ -7631,8 +8781,8 @@
         </p:nvSpPr>
         <p:spPr>
           <a:xfrm>
-            <a:off x="838200" y="1690688"/>
-            <a:ext cx="4154984" cy="923330"/>
+            <a:off x="865360" y="1177816"/>
+            <a:ext cx="4154984" cy="646331"/>
           </a:xfrm>
           <a:prstGeom prst="rect">
             <a:avLst/>
@@ -7661,17 +8811,7 @@
             </a:pPr>
             <a:r>
               <a:rPr lang="fr-FR"/>
-              <a:t>puissant, très puissant</a:t>
-            </a:r>
-          </a:p>
-          <a:p>
-            <a:pPr marL="285750" indent="-285750">
-              <a:buFont typeface="Arial" panose="020B0604020202020204" pitchFamily="34" charset="0"/>
-              <a:buChar char="•"/>
-            </a:pPr>
-            <a:r>
-              <a:rPr lang="fr-FR"/>
-              <a:t>dangereux</a:t>
+              <a:t>puissant</a:t>
             </a:r>
           </a:p>
         </p:txBody>
@@ -7690,7 +8830,7 @@
         </p:nvSpPr>
         <p:spPr>
           <a:xfrm>
-            <a:off x="6441591" y="1690688"/>
+            <a:off x="6514019" y="1177816"/>
             <a:ext cx="4426212" cy="1200329"/>
           </a:xfrm>
           <a:prstGeom prst="rect">
@@ -7738,10 +8878,10 @@
       </p:sp>
       <p:sp>
         <p:nvSpPr>
-          <p:cNvPr id="5" name="TextBox 4">
-            <a:extLst>
-              <a:ext uri="{FF2B5EF4-FFF2-40B4-BE49-F238E27FC236}">
-                <a16:creationId xmlns:a16="http://schemas.microsoft.com/office/drawing/2014/main" id="{C2336E84-C355-164B-BA1C-8ABE9492F33D}"/>
+          <p:cNvPr id="7" name="TextBox 6">
+            <a:extLst>
+              <a:ext uri="{FF2B5EF4-FFF2-40B4-BE49-F238E27FC236}">
+                <a16:creationId xmlns:a16="http://schemas.microsoft.com/office/drawing/2014/main" id="{66D42DB7-FD8E-C042-9654-FCAE0FB7B7E2}"/>
               </a:ext>
             </a:extLst>
           </p:cNvPr>
@@ -7750,8 +8890,8 @@
         </p:nvSpPr>
         <p:spPr>
           <a:xfrm>
-            <a:off x="1202076" y="3842535"/>
-            <a:ext cx="1217513" cy="369332"/>
+            <a:off x="943594" y="2841934"/>
+            <a:ext cx="3906839" cy="646331"/>
           </a:xfrm>
           <a:prstGeom prst="rect">
             <a:avLst/>
@@ -7766,17 +8906,26 @@
           <a:p>
             <a:r>
               <a:rPr lang="fr-FR"/>
-              <a:t>statsmodel</a:t>
-            </a:r>
-          </a:p>
-        </p:txBody>
-      </p:sp>
-      <p:sp>
-        <p:nvSpPr>
-          <p:cNvPr id="7" name="TextBox 6">
-            <a:extLst>
-              <a:ext uri="{FF2B5EF4-FFF2-40B4-BE49-F238E27FC236}">
-                <a16:creationId xmlns:a16="http://schemas.microsoft.com/office/drawing/2014/main" id="{66D42DB7-FD8E-C042-9654-FCAE0FB7B7E2}"/>
+              <a:t>Modèle définit avec: </a:t>
+            </a:r>
+          </a:p>
+          <a:p>
+            <a:r>
+              <a:rPr lang="fr-FR">
+                <a:latin typeface="Courier New" panose="02070309020205020404" pitchFamily="49" charset="0"/>
+                <a:cs typeface="Courier New" panose="02070309020205020404" pitchFamily="49" charset="0"/>
+              </a:rPr>
+              <a:t>y ~ x + x^2 + x^3 + … + x^p</a:t>
+            </a:r>
+          </a:p>
+        </p:txBody>
+      </p:sp>
+      <p:sp>
+        <p:nvSpPr>
+          <p:cNvPr id="8" name="TextBox 7">
+            <a:extLst>
+              <a:ext uri="{FF2B5EF4-FFF2-40B4-BE49-F238E27FC236}">
+                <a16:creationId xmlns:a16="http://schemas.microsoft.com/office/drawing/2014/main" id="{843E4605-5A29-E749-8F7C-546886D5F906}"/>
               </a:ext>
             </a:extLst>
           </p:cNvPr>
@@ -7785,42 +8934,7 @@
         </p:nvSpPr>
         <p:spPr>
           <a:xfrm>
-            <a:off x="1335640" y="4530903"/>
-            <a:ext cx="2653290" cy="369332"/>
-          </a:xfrm>
-          <a:prstGeom prst="rect">
-            <a:avLst/>
-          </a:prstGeom>
-          <a:noFill/>
-        </p:spPr>
-        <p:txBody>
-          <a:bodyPr wrap="none" rtlCol="0">
-            <a:spAutoFit/>
-          </a:bodyPr>
-          <a:lstStyle/>
-          <a:p>
-            <a:r>
-              <a:rPr lang="fr-FR"/>
-              <a:t>y ~ x + x^2 + x^3 + … + x^p</a:t>
-            </a:r>
-          </a:p>
-        </p:txBody>
-      </p:sp>
-      <p:sp>
-        <p:nvSpPr>
-          <p:cNvPr id="8" name="TextBox 7">
-            <a:extLst>
-              <a:ext uri="{FF2B5EF4-FFF2-40B4-BE49-F238E27FC236}">
-                <a16:creationId xmlns:a16="http://schemas.microsoft.com/office/drawing/2014/main" id="{843E4605-5A29-E749-8F7C-546886D5F906}"/>
-              </a:ext>
-            </a:extLst>
-          </p:cNvPr>
-          <p:cNvSpPr txBox="1"/>
-          <p:nvPr/>
-        </p:nvSpPr>
-        <p:spPr>
-          <a:xfrm>
-            <a:off x="1345915" y="5393933"/>
+            <a:off x="952552" y="4280357"/>
             <a:ext cx="4501938" cy="923330"/>
           </a:xfrm>
           <a:prstGeom prst="rect">
@@ -7846,7 +8960,7 @@
             </a:pPr>
             <a:r>
               <a:rPr lang="fr-FR"/>
-              <a:t>degré optimal du polynome</a:t>
+              <a:t>degré optimal du polynôme</a:t>
             </a:r>
           </a:p>
           <a:p>
@@ -7856,7 +8970,68 @@
             </a:pPr>
             <a:r>
               <a:rPr lang="fr-FR"/>
-              <a:t>que se passe t il si le degré est trop grand ?</a:t>
+              <a:t>que se passe-t-il si le degré est trop grand ?</a:t>
+            </a:r>
+          </a:p>
+        </p:txBody>
+      </p:sp>
+      <p:sp>
+        <p:nvSpPr>
+          <p:cNvPr id="9" name="Title 1">
+            <a:extLst>
+              <a:ext uri="{FF2B5EF4-FFF2-40B4-BE49-F238E27FC236}">
+                <a16:creationId xmlns:a16="http://schemas.microsoft.com/office/drawing/2014/main" id="{448FBF32-1D8C-1A4D-B33C-52293A7AD360}"/>
+              </a:ext>
+            </a:extLst>
+          </p:cNvPr>
+          <p:cNvSpPr txBox="1">
+            <a:spLocks/>
+          </p:cNvSpPr>
+          <p:nvPr/>
+        </p:nvSpPr>
+        <p:spPr>
+          <a:xfrm>
+            <a:off x="-10274" y="-5170"/>
+            <a:ext cx="12202274" cy="646331"/>
+          </a:xfrm>
+          <a:prstGeom prst="rect">
+            <a:avLst/>
+          </a:prstGeom>
+          <a:solidFill>
+            <a:srgbClr val="C04E00"/>
+          </a:solidFill>
+        </p:spPr>
+        <p:txBody>
+          <a:bodyPr vert="horz" lIns="91440" tIns="45720" rIns="91440" bIns="45720" rtlCol="0" anchor="ctr">
+            <a:normAutofit fontScale="97500" lnSpcReduction="10000"/>
+          </a:bodyPr>
+          <a:lstStyle>
+            <a:lvl1pPr algn="l" defTabSz="914400" rtl="0" eaLnBrk="1" latinLnBrk="0" hangingPunct="1">
+              <a:lnSpc>
+                <a:spcPct val="90000"/>
+              </a:lnSpc>
+              <a:spcBef>
+                <a:spcPct val="0"/>
+              </a:spcBef>
+              <a:buNone/>
+              <a:defRPr sz="4400" kern="1200">
+                <a:solidFill>
+                  <a:schemeClr val="tx1"/>
+                </a:solidFill>
+                <a:latin typeface="+mj-lt"/>
+                <a:ea typeface="+mj-ea"/>
+                <a:cs typeface="+mj-cs"/>
+              </a:defRPr>
+            </a:lvl1pPr>
+          </a:lstStyle>
+          <a:p>
+            <a:r>
+              <a:rPr lang="fr-FR">
+                <a:solidFill>
+                  <a:schemeClr val="bg1"/>
+                </a:solidFill>
+              </a:rPr>
+              <a:t>Régression polynomiale</a:t>
             </a:r>
           </a:p>
         </p:txBody>
@@ -7893,34 +9068,6 @@
       </p:grpSpPr>
       <p:sp>
         <p:nvSpPr>
-          <p:cNvPr id="2" name="Title 1">
-            <a:extLst>
-              <a:ext uri="{FF2B5EF4-FFF2-40B4-BE49-F238E27FC236}">
-                <a16:creationId xmlns:a16="http://schemas.microsoft.com/office/drawing/2014/main" id="{3C2DCA94-C284-3540-8FB4-276D732664E7}"/>
-              </a:ext>
-            </a:extLst>
-          </p:cNvPr>
-          <p:cNvSpPr>
-            <a:spLocks noGrp="1"/>
-          </p:cNvSpPr>
-          <p:nvPr>
-            <p:ph type="title"/>
-          </p:nvPr>
-        </p:nvSpPr>
-        <p:spPr/>
-        <p:txBody>
-          <a:bodyPr/>
-          <a:lstStyle/>
-          <a:p>
-            <a:r>
-              <a:rPr lang="fr-FR"/>
-              <a:t>Ozone</a:t>
-            </a:r>
-          </a:p>
-        </p:txBody>
-      </p:sp>
-      <p:sp>
-        <p:nvSpPr>
           <p:cNvPr id="3" name="Rectangle 2">
             <a:extLst>
               <a:ext uri="{FF2B5EF4-FFF2-40B4-BE49-F238E27FC236}">
@@ -7933,7 +9080,7 @@
         </p:nvSpPr>
         <p:spPr>
           <a:xfrm>
-            <a:off x="1866470" y="1690688"/>
+            <a:off x="1866470" y="1084106"/>
             <a:ext cx="8078913" cy="1200329"/>
           </a:xfrm>
           <a:prstGeom prst="rect">
@@ -9683,40 +10830,61 @@
       </p:graphicFrame>
       <p:sp>
         <p:nvSpPr>
-          <p:cNvPr id="5" name="Rectangle 4">
-            <a:extLst>
-              <a:ext uri="{FF2B5EF4-FFF2-40B4-BE49-F238E27FC236}">
-                <a16:creationId xmlns:a16="http://schemas.microsoft.com/office/drawing/2014/main" id="{4250B651-F1C4-8C45-BE4F-BB724B3A8FCC}"/>
-              </a:ext>
-            </a:extLst>
-          </p:cNvPr>
-          <p:cNvSpPr/>
+          <p:cNvPr id="6" name="Title 1">
+            <a:extLst>
+              <a:ext uri="{FF2B5EF4-FFF2-40B4-BE49-F238E27FC236}">
+                <a16:creationId xmlns:a16="http://schemas.microsoft.com/office/drawing/2014/main" id="{1EFF6248-BA2E-2C42-816C-53D3345C2FF6}"/>
+              </a:ext>
+            </a:extLst>
+          </p:cNvPr>
+          <p:cNvSpPr txBox="1">
+            <a:spLocks/>
+          </p:cNvSpPr>
           <p:nvPr/>
         </p:nvSpPr>
         <p:spPr>
           <a:xfrm>
-            <a:off x="1075362" y="5671325"/>
-            <a:ext cx="11116638" cy="646331"/>
+            <a:off x="-10274" y="-5170"/>
+            <a:ext cx="12202274" cy="646331"/>
           </a:xfrm>
           <a:prstGeom prst="rect">
             <a:avLst/>
           </a:prstGeom>
+          <a:solidFill>
+            <a:srgbClr val="C04E00"/>
+          </a:solidFill>
         </p:spPr>
         <p:txBody>
-          <a:bodyPr wrap="square">
-            <a:spAutoFit/>
+          <a:bodyPr vert="horz" lIns="91440" tIns="45720" rIns="91440" bIns="45720" rtlCol="0" anchor="ctr">
+            <a:normAutofit fontScale="97500" lnSpcReduction="10000"/>
           </a:bodyPr>
-          <a:lstStyle/>
+          <a:lstStyle>
+            <a:lvl1pPr algn="l" defTabSz="914400" rtl="0" eaLnBrk="1" latinLnBrk="0" hangingPunct="1">
+              <a:lnSpc>
+                <a:spcPct val="90000"/>
+              </a:lnSpc>
+              <a:spcBef>
+                <a:spcPct val="0"/>
+              </a:spcBef>
+              <a:buNone/>
+              <a:defRPr sz="4400" kern="1200">
+                <a:solidFill>
+                  <a:schemeClr val="tx1"/>
+                </a:solidFill>
+                <a:latin typeface="+mj-lt"/>
+                <a:ea typeface="+mj-ea"/>
+                <a:cs typeface="+mj-cs"/>
+              </a:defRPr>
+            </a:lvl1pPr>
+          </a:lstStyle>
           <a:p>
             <a:r>
               <a:rPr lang="fr-FR">
-                <a:hlinkClick r:id="rId2"/>
+                <a:solidFill>
+                  <a:schemeClr val="bg1"/>
+                </a:solidFill>
               </a:rPr>
-              <a:t>https://github.com/OpenClassrooms-Student-Center/Design-Statistical-Models/blob/master/P3CH3%20Polynomial%20Regression.ipynb</a:t>
-            </a:r>
-            <a:r>
-              <a:rPr lang="fr-FR"/>
-              <a:t> </a:t>
+              <a:t>Ozone dataset</a:t>
             </a:r>
           </a:p>
         </p:txBody>
@@ -9731,6 +10899,81 @@
   <p:clrMapOvr>
     <a:masterClrMapping/>
   </p:clrMapOvr>
+  <p:timing>
+    <p:tnLst>
+      <p:par>
+        <p:cTn id="1" dur="indefinite" restart="never" nodeType="tmRoot">
+          <p:childTnLst>
+            <p:seq concurrent="1" nextAc="seek">
+              <p:cTn id="2" dur="indefinite" nodeType="mainSeq">
+                <p:childTnLst>
+                  <p:par>
+                    <p:cTn id="3" fill="hold">
+                      <p:stCondLst>
+                        <p:cond delay="indefinite"/>
+                      </p:stCondLst>
+                      <p:childTnLst>
+                        <p:par>
+                          <p:cTn id="4" fill="hold">
+                            <p:stCondLst>
+                              <p:cond delay="0"/>
+                            </p:stCondLst>
+                            <p:childTnLst>
+                              <p:par>
+                                <p:cTn id="5" presetID="1" presetClass="entr" presetSubtype="0" fill="hold" nodeType="clickEffect">
+                                  <p:stCondLst>
+                                    <p:cond delay="0"/>
+                                  </p:stCondLst>
+                                  <p:childTnLst>
+                                    <p:set>
+                                      <p:cBhvr>
+                                        <p:cTn id="6" dur="1" fill="hold">
+                                          <p:stCondLst>
+                                            <p:cond delay="0"/>
+                                          </p:stCondLst>
+                                        </p:cTn>
+                                        <p:tgtEl>
+                                          <p:spTgt spid="4"/>
+                                        </p:tgtEl>
+                                        <p:attrNameLst>
+                                          <p:attrName>style.visibility</p:attrName>
+                                        </p:attrNameLst>
+                                      </p:cBhvr>
+                                      <p:to>
+                                        <p:strVal val="visible"/>
+                                      </p:to>
+                                    </p:set>
+                                  </p:childTnLst>
+                                </p:cTn>
+                              </p:par>
+                            </p:childTnLst>
+                          </p:cTn>
+                        </p:par>
+                      </p:childTnLst>
+                    </p:cTn>
+                  </p:par>
+                </p:childTnLst>
+              </p:cTn>
+              <p:prevCondLst>
+                <p:cond evt="onPrev" delay="0">
+                  <p:tgtEl>
+                    <p:sldTgt/>
+                  </p:tgtEl>
+                </p:cond>
+              </p:prevCondLst>
+              <p:nextCondLst>
+                <p:cond evt="onNext" delay="0">
+                  <p:tgtEl>
+                    <p:sldTgt/>
+                  </p:tgtEl>
+                </p:cond>
+              </p:nextCondLst>
+            </p:seq>
+          </p:childTnLst>
+        </p:cTn>
+      </p:par>
+    </p:tnLst>
+  </p:timing>
 </p:sld>
 </file>
 
@@ -9753,34 +10996,6 @@
       </p:grpSpPr>
       <p:sp>
         <p:nvSpPr>
-          <p:cNvPr id="2" name="Title 1">
-            <a:extLst>
-              <a:ext uri="{FF2B5EF4-FFF2-40B4-BE49-F238E27FC236}">
-                <a16:creationId xmlns:a16="http://schemas.microsoft.com/office/drawing/2014/main" id="{2EAA30CF-25A8-9941-98E4-064134F69FA3}"/>
-              </a:ext>
-            </a:extLst>
-          </p:cNvPr>
-          <p:cNvSpPr>
-            <a:spLocks noGrp="1"/>
-          </p:cNvSpPr>
-          <p:nvPr>
-            <p:ph type="title"/>
-          </p:nvPr>
-        </p:nvSpPr>
-        <p:spPr/>
-        <p:txBody>
-          <a:bodyPr/>
-          <a:lstStyle/>
-          <a:p>
-            <a:r>
-              <a:rPr lang="fr-FR"/>
-              <a:t>Overfitting</a:t>
-            </a:r>
-          </a:p>
-        </p:txBody>
-      </p:sp>
-      <p:sp>
-        <p:nvSpPr>
           <p:cNvPr id="3" name="TextBox 2">
             <a:extLst>
               <a:ext uri="{FF2B5EF4-FFF2-40B4-BE49-F238E27FC236}">
@@ -9793,13 +11008,18 @@
         </p:nvSpPr>
         <p:spPr>
           <a:xfrm>
-            <a:off x="986319" y="2208944"/>
-            <a:ext cx="3349375" cy="2585323"/>
+            <a:off x="3266532" y="1074625"/>
+            <a:ext cx="5842746" cy="1477328"/>
           </a:xfrm>
           <a:prstGeom prst="rect">
             <a:avLst/>
           </a:prstGeom>
           <a:noFill/>
+          <a:ln w="28575">
+            <a:solidFill>
+              <a:srgbClr val="0070C0"/>
+            </a:solidFill>
+          </a:ln>
         </p:spPr>
         <p:txBody>
           <a:bodyPr wrap="square" rtlCol="0">
@@ -9838,7 +11058,7 @@
           <a:p>
             <a:r>
               <a:rPr lang="fr-FR"/>
-              <a:t>Le modèle ne peut etre généralisé à des données nouvelles</a:t>
+              <a:t>Le modèle ne peut être généralisé à des données nouvelles</a:t>
             </a:r>
           </a:p>
         </p:txBody>
@@ -9865,7 +11085,7 @@
         </p:blipFill>
         <p:spPr>
           <a:xfrm>
-            <a:off x="4832423" y="1561672"/>
+            <a:off x="3049922" y="2819766"/>
             <a:ext cx="7268821" cy="4038234"/>
           </a:xfrm>
           <a:prstGeom prst="rect">
@@ -9873,6 +11093,67 @@
           </a:prstGeom>
         </p:spPr>
       </p:pic>
+      <p:sp>
+        <p:nvSpPr>
+          <p:cNvPr id="6" name="Title 1">
+            <a:extLst>
+              <a:ext uri="{FF2B5EF4-FFF2-40B4-BE49-F238E27FC236}">
+                <a16:creationId xmlns:a16="http://schemas.microsoft.com/office/drawing/2014/main" id="{E925C4EC-9914-0A42-98C6-9C589D941A93}"/>
+              </a:ext>
+            </a:extLst>
+          </p:cNvPr>
+          <p:cNvSpPr txBox="1">
+            <a:spLocks/>
+          </p:cNvSpPr>
+          <p:nvPr/>
+        </p:nvSpPr>
+        <p:spPr>
+          <a:xfrm>
+            <a:off x="-10274" y="-5170"/>
+            <a:ext cx="12202274" cy="646331"/>
+          </a:xfrm>
+          <a:prstGeom prst="rect">
+            <a:avLst/>
+          </a:prstGeom>
+          <a:solidFill>
+            <a:srgbClr val="C04E00"/>
+          </a:solidFill>
+        </p:spPr>
+        <p:txBody>
+          <a:bodyPr vert="horz" lIns="91440" tIns="45720" rIns="91440" bIns="45720" rtlCol="0" anchor="ctr">
+            <a:normAutofit fontScale="97500" lnSpcReduction="10000"/>
+          </a:bodyPr>
+          <a:lstStyle>
+            <a:lvl1pPr algn="l" defTabSz="914400" rtl="0" eaLnBrk="1" latinLnBrk="0" hangingPunct="1">
+              <a:lnSpc>
+                <a:spcPct val="90000"/>
+              </a:lnSpc>
+              <a:spcBef>
+                <a:spcPct val="0"/>
+              </a:spcBef>
+              <a:buNone/>
+              <a:defRPr sz="4400" kern="1200">
+                <a:solidFill>
+                  <a:schemeClr val="tx1"/>
+                </a:solidFill>
+                <a:latin typeface="+mj-lt"/>
+                <a:ea typeface="+mj-ea"/>
+                <a:cs typeface="+mj-cs"/>
+              </a:defRPr>
+            </a:lvl1pPr>
+          </a:lstStyle>
+          <a:p>
+            <a:r>
+              <a:rPr lang="fr-FR">
+                <a:solidFill>
+                  <a:schemeClr val="bg1"/>
+                </a:solidFill>
+              </a:rPr>
+              <a:t>Overfitting</a:t>
+            </a:r>
+          </a:p>
+        </p:txBody>
+      </p:sp>
     </p:spTree>
     <p:extLst>
       <p:ext uri="{BB962C8B-B14F-4D97-AF65-F5344CB8AC3E}">
@@ -9970,6 +11251,67 @@
           </a:prstGeom>
         </p:spPr>
       </p:pic>
+      <p:sp>
+        <p:nvSpPr>
+          <p:cNvPr id="5" name="Title 1">
+            <a:extLst>
+              <a:ext uri="{FF2B5EF4-FFF2-40B4-BE49-F238E27FC236}">
+                <a16:creationId xmlns:a16="http://schemas.microsoft.com/office/drawing/2014/main" id="{77B8D261-9F14-694B-9721-EED0E57EBCCA}"/>
+              </a:ext>
+            </a:extLst>
+          </p:cNvPr>
+          <p:cNvSpPr txBox="1">
+            <a:spLocks/>
+          </p:cNvSpPr>
+          <p:nvPr/>
+        </p:nvSpPr>
+        <p:spPr>
+          <a:xfrm>
+            <a:off x="-10274" y="-5170"/>
+            <a:ext cx="12202274" cy="646331"/>
+          </a:xfrm>
+          <a:prstGeom prst="rect">
+            <a:avLst/>
+          </a:prstGeom>
+          <a:solidFill>
+            <a:srgbClr val="C04E00"/>
+          </a:solidFill>
+        </p:spPr>
+        <p:txBody>
+          <a:bodyPr vert="horz" lIns="91440" tIns="45720" rIns="91440" bIns="45720" rtlCol="0" anchor="ctr">
+            <a:normAutofit fontScale="97500" lnSpcReduction="10000"/>
+          </a:bodyPr>
+          <a:lstStyle>
+            <a:lvl1pPr algn="l" defTabSz="914400" rtl="0" eaLnBrk="1" latinLnBrk="0" hangingPunct="1">
+              <a:lnSpc>
+                <a:spcPct val="90000"/>
+              </a:lnSpc>
+              <a:spcBef>
+                <a:spcPct val="0"/>
+              </a:spcBef>
+              <a:buNone/>
+              <a:defRPr sz="4400" kern="1200">
+                <a:solidFill>
+                  <a:schemeClr val="tx1"/>
+                </a:solidFill>
+                <a:latin typeface="+mj-lt"/>
+                <a:ea typeface="+mj-ea"/>
+                <a:cs typeface="+mj-cs"/>
+              </a:defRPr>
+            </a:lvl1pPr>
+          </a:lstStyle>
+          <a:p>
+            <a:r>
+              <a:rPr lang="fr-FR">
+                <a:solidFill>
+                  <a:schemeClr val="bg1"/>
+                </a:solidFill>
+              </a:rPr>
+              <a:t>Overfitting</a:t>
+            </a:r>
+          </a:p>
+        </p:txBody>
+      </p:sp>
     </p:spTree>
     <p:extLst>
       <p:ext uri="{BB962C8B-B14F-4D97-AF65-F5344CB8AC3E}">
@@ -10032,34 +11374,6 @@
       </p:pic>
       <p:sp>
         <p:nvSpPr>
-          <p:cNvPr id="2" name="Title 1">
-            <a:extLst>
-              <a:ext uri="{FF2B5EF4-FFF2-40B4-BE49-F238E27FC236}">
-                <a16:creationId xmlns:a16="http://schemas.microsoft.com/office/drawing/2014/main" id="{7541382B-1D7B-504D-91C4-2C80360B4ECF}"/>
-              </a:ext>
-            </a:extLst>
-          </p:cNvPr>
-          <p:cNvSpPr>
-            <a:spLocks noGrp="1"/>
-          </p:cNvSpPr>
-          <p:nvPr>
-            <p:ph type="title"/>
-          </p:nvPr>
-        </p:nvSpPr>
-        <p:spPr/>
-        <p:txBody>
-          <a:bodyPr/>
-          <a:lstStyle/>
-          <a:p>
-            <a:r>
-              <a:rPr lang="fr-FR"/>
-              <a:t>Détecter l'overfitting</a:t>
-            </a:r>
-          </a:p>
-        </p:txBody>
-      </p:sp>
-      <p:sp>
-        <p:nvSpPr>
           <p:cNvPr id="3" name="TextBox 2">
             <a:extLst>
               <a:ext uri="{FF2B5EF4-FFF2-40B4-BE49-F238E27FC236}">
@@ -10072,13 +11386,18 @@
         </p:nvSpPr>
         <p:spPr>
           <a:xfrm>
-            <a:off x="1047965" y="1438381"/>
-            <a:ext cx="6425670" cy="1754326"/>
+            <a:off x="1603550" y="975394"/>
+            <a:ext cx="8367932" cy="1938992"/>
           </a:xfrm>
           <a:prstGeom prst="rect">
             <a:avLst/>
           </a:prstGeom>
           <a:noFill/>
+          <a:ln w="28575">
+            <a:solidFill>
+              <a:srgbClr val="0070C0"/>
+            </a:solidFill>
+          </a:ln>
         </p:spPr>
         <p:txBody>
           <a:bodyPr wrap="none" rtlCol="0">
@@ -10090,7 +11409,7 @@
               <a:buAutoNum type="arabicPeriod"/>
             </a:pPr>
             <a:r>
-              <a:rPr lang="fr-FR"/>
+              <a:rPr lang="fr-FR" sz="2400"/>
               <a:t>split le dataset en 2 parties: train et test, 70% / 30%</a:t>
             </a:r>
           </a:p>
@@ -10099,7 +11418,7 @@
               <a:buAutoNum type="arabicPeriod"/>
             </a:pPr>
             <a:r>
-              <a:rPr lang="fr-FR"/>
+              <a:rPr lang="fr-FR" sz="2400"/>
               <a:t>calcul de l'erreur de prédiction sur le train et sur le test dataset</a:t>
             </a:r>
           </a:p>
@@ -10109,7 +11428,7 @@
               <a:buChar char="•"/>
             </a:pPr>
             <a:r>
-              <a:rPr lang="fr-FR"/>
+              <a:rPr lang="fr-FR" sz="2400"/>
               <a:t>en augmentant la taille  du training set</a:t>
             </a:r>
           </a:p>
@@ -10119,7 +11438,7 @@
               <a:buChar char="•"/>
             </a:pPr>
             <a:r>
-              <a:rPr lang="fr-FR"/>
+              <a:rPr lang="fr-FR" sz="2400"/>
               <a:t>en augmentant la complexité du modèle</a:t>
             </a:r>
           </a:p>
@@ -10129,15 +11448,70 @@
               <a:buAutoNum type="arabicPeriod"/>
             </a:pPr>
             <a:r>
-              <a:rPr lang="fr-FR"/>
+              <a:rPr lang="fr-FR" sz="2400"/>
               <a:t>Learning curves: plot training error vs testing error</a:t>
             </a:r>
           </a:p>
-          <a:p>
-            <a:pPr marL="342900" indent="-342900">
-              <a:buAutoNum type="arabicPeriod"/>
-            </a:pPr>
-            <a:endParaRPr lang="fr-FR"/>
+        </p:txBody>
+      </p:sp>
+      <p:sp>
+        <p:nvSpPr>
+          <p:cNvPr id="6" name="Title 1">
+            <a:extLst>
+              <a:ext uri="{FF2B5EF4-FFF2-40B4-BE49-F238E27FC236}">
+                <a16:creationId xmlns:a16="http://schemas.microsoft.com/office/drawing/2014/main" id="{EB4CCEF2-EFC8-8642-8605-F73F20F6A431}"/>
+              </a:ext>
+            </a:extLst>
+          </p:cNvPr>
+          <p:cNvSpPr txBox="1">
+            <a:spLocks/>
+          </p:cNvSpPr>
+          <p:nvPr/>
+        </p:nvSpPr>
+        <p:spPr>
+          <a:xfrm>
+            <a:off x="-10274" y="-5170"/>
+            <a:ext cx="12202274" cy="646331"/>
+          </a:xfrm>
+          <a:prstGeom prst="rect">
+            <a:avLst/>
+          </a:prstGeom>
+          <a:solidFill>
+            <a:srgbClr val="C04E00"/>
+          </a:solidFill>
+        </p:spPr>
+        <p:txBody>
+          <a:bodyPr vert="horz" lIns="91440" tIns="45720" rIns="91440" bIns="45720" rtlCol="0" anchor="ctr">
+            <a:normAutofit fontScale="97500" lnSpcReduction="10000"/>
+          </a:bodyPr>
+          <a:lstStyle>
+            <a:lvl1pPr algn="l" defTabSz="914400" rtl="0" eaLnBrk="1" latinLnBrk="0" hangingPunct="1">
+              <a:lnSpc>
+                <a:spcPct val="90000"/>
+              </a:lnSpc>
+              <a:spcBef>
+                <a:spcPct val="0"/>
+              </a:spcBef>
+              <a:buNone/>
+              <a:defRPr sz="4400" kern="1200">
+                <a:solidFill>
+                  <a:schemeClr val="tx1"/>
+                </a:solidFill>
+                <a:latin typeface="+mj-lt"/>
+                <a:ea typeface="+mj-ea"/>
+                <a:cs typeface="+mj-cs"/>
+              </a:defRPr>
+            </a:lvl1pPr>
+          </a:lstStyle>
+          <a:p>
+            <a:r>
+              <a:rPr lang="fr-FR">
+                <a:solidFill>
+                  <a:schemeClr val="bg1"/>
+                </a:solidFill>
+              </a:rPr>
+              <a:t>Detecter l'overfitting</a:t>
+            </a:r>
           </a:p>
         </p:txBody>
       </p:sp>

--- a/slides/XEM20_S1D5_biais_variance.pptx
+++ b/slides/XEM20_S1D5_biais_variance.pptx
@@ -6,13 +6,13 @@
   </p:sldMasterIdLst>
   <p:sldIdLst>
     <p:sldId id="256" r:id="rId2"/>
-    <p:sldId id="257" r:id="rId3"/>
-    <p:sldId id="259" r:id="rId4"/>
+    <p:sldId id="259" r:id="rId3"/>
+    <p:sldId id="257" r:id="rId4"/>
     <p:sldId id="258" r:id="rId5"/>
     <p:sldId id="260" r:id="rId6"/>
     <p:sldId id="261" r:id="rId7"/>
-    <p:sldId id="262" r:id="rId8"/>
-    <p:sldId id="265" r:id="rId9"/>
+    <p:sldId id="265" r:id="rId8"/>
+    <p:sldId id="262" r:id="rId9"/>
     <p:sldId id="263" r:id="rId10"/>
     <p:sldId id="290" r:id="rId11"/>
     <p:sldId id="264" r:id="rId12"/>
@@ -310,7 +310,7 @@
           <a:lstStyle/>
           <a:p>
             <a:fld id="{D785A21B-934E-6B41-B960-2BFB0ADA1ACB}" type="datetimeFigureOut">
-              <a:t>9/29/19</a:t>
+              <a:t>10/1/19</a:t>
             </a:fld>
             <a:endParaRPr lang="fr-FR"/>
           </a:p>
@@ -508,7 +508,7 @@
           <a:lstStyle/>
           <a:p>
             <a:fld id="{D785A21B-934E-6B41-B960-2BFB0ADA1ACB}" type="datetimeFigureOut">
-              <a:t>9/29/19</a:t>
+              <a:t>10/1/19</a:t>
             </a:fld>
             <a:endParaRPr lang="fr-FR"/>
           </a:p>
@@ -716,7 +716,7 @@
           <a:lstStyle/>
           <a:p>
             <a:fld id="{D785A21B-934E-6B41-B960-2BFB0ADA1ACB}" type="datetimeFigureOut">
-              <a:t>9/29/19</a:t>
+              <a:t>10/1/19</a:t>
             </a:fld>
             <a:endParaRPr lang="fr-FR"/>
           </a:p>
@@ -914,7 +914,7 @@
           <a:lstStyle/>
           <a:p>
             <a:fld id="{D785A21B-934E-6B41-B960-2BFB0ADA1ACB}" type="datetimeFigureOut">
-              <a:t>9/29/19</a:t>
+              <a:t>10/1/19</a:t>
             </a:fld>
             <a:endParaRPr lang="fr-FR"/>
           </a:p>
@@ -1188,7 +1188,7 @@
           <a:lstStyle/>
           <a:p>
             <a:fld id="{D785A21B-934E-6B41-B960-2BFB0ADA1ACB}" type="datetimeFigureOut">
-              <a:t>9/29/19</a:t>
+              <a:t>10/1/19</a:t>
             </a:fld>
             <a:endParaRPr lang="fr-FR"/>
           </a:p>
@@ -1454,7 +1454,7 @@
           <a:lstStyle/>
           <a:p>
             <a:fld id="{D785A21B-934E-6B41-B960-2BFB0ADA1ACB}" type="datetimeFigureOut">
-              <a:t>9/29/19</a:t>
+              <a:t>10/1/19</a:t>
             </a:fld>
             <a:endParaRPr lang="fr-FR"/>
           </a:p>
@@ -1867,7 +1867,7 @@
           <a:lstStyle/>
           <a:p>
             <a:fld id="{D785A21B-934E-6B41-B960-2BFB0ADA1ACB}" type="datetimeFigureOut">
-              <a:t>9/29/19</a:t>
+              <a:t>10/1/19</a:t>
             </a:fld>
             <a:endParaRPr lang="fr-FR"/>
           </a:p>
@@ -2007,7 +2007,7 @@
           <a:lstStyle/>
           <a:p>
             <a:fld id="{D785A21B-934E-6B41-B960-2BFB0ADA1ACB}" type="datetimeFigureOut">
-              <a:t>9/29/19</a:t>
+              <a:t>10/1/19</a:t>
             </a:fld>
             <a:endParaRPr lang="fr-FR"/>
           </a:p>
@@ -2118,7 +2118,7 @@
           <a:lstStyle/>
           <a:p>
             <a:fld id="{D785A21B-934E-6B41-B960-2BFB0ADA1ACB}" type="datetimeFigureOut">
-              <a:t>9/29/19</a:t>
+              <a:t>10/1/19</a:t>
             </a:fld>
             <a:endParaRPr lang="fr-FR"/>
           </a:p>
@@ -2429,7 +2429,7 @@
           <a:lstStyle/>
           <a:p>
             <a:fld id="{D785A21B-934E-6B41-B960-2BFB0ADA1ACB}" type="datetimeFigureOut">
-              <a:t>9/29/19</a:t>
+              <a:t>10/1/19</a:t>
             </a:fld>
             <a:endParaRPr lang="fr-FR"/>
           </a:p>
@@ -2716,7 +2716,7 @@
           <a:lstStyle/>
           <a:p>
             <a:fld id="{D785A21B-934E-6B41-B960-2BFB0ADA1ACB}" type="datetimeFigureOut">
-              <a:t>9/29/19</a:t>
+              <a:t>10/1/19</a:t>
             </a:fld>
             <a:endParaRPr lang="fr-FR"/>
           </a:p>
@@ -2957,7 +2957,7 @@
           </a:lstStyle>
           <a:p>
             <a:fld id="{D785A21B-934E-6B41-B960-2BFB0ADA1ACB}" type="datetimeFigureOut">
-              <a:t>9/29/19</a:t>
+              <a:t>10/1/19</a:t>
             </a:fld>
             <a:endParaRPr lang="fr-FR"/>
           </a:p>
@@ -3422,9 +3422,10 @@
           <a:bodyPr/>
           <a:lstStyle/>
           <a:p>
+            <a:pPr algn="l"/>
             <a:r>
               <a:rPr lang="fr-FR"/>
-              <a:t>bye bye stats :)) </a:t>
+              <a:t>good stuff!</a:t>
             </a:r>
           </a:p>
         </p:txBody>
@@ -4156,7 +4157,7 @@
         <p:spPr>
           <a:xfrm>
             <a:off x="1111170" y="3013530"/>
-            <a:ext cx="8436925" cy="369332"/>
+            <a:ext cx="7509043" cy="646331"/>
           </a:xfrm>
           <a:prstGeom prst="rect">
             <a:avLst/>
@@ -4174,7 +4175,21 @@
           <a:p>
             <a:r>
               <a:rPr lang="fr-FR"/>
-              <a:t>Dans le cas de la régression polynomiale, l'unique paramètre est le degré du polynôme.</a:t>
+              <a:t>Dans la régression non polynomiale, il n'y a pas de paramètres du modèle</a:t>
+            </a:r>
+          </a:p>
+          <a:p>
+            <a:r>
+              <a:rPr lang="fr-FR"/>
+              <a:t>Dans la régression polynomiale, </a:t>
+            </a:r>
+            <a:r>
+              <a:rPr lang="fr-FR">
+                <a:highlight>
+                  <a:srgbClr val="FFFF00"/>
+                </a:highlight>
+              </a:rPr>
+              <a:t>l'unique paramètre est le degré du polynôme.</a:t>
             </a:r>
           </a:p>
         </p:txBody>
@@ -4295,6 +4310,36 @@
           <a:chExt cx="0" cy="0"/>
         </a:xfrm>
       </p:grpSpPr>
+      <p:pic>
+        <p:nvPicPr>
+          <p:cNvPr id="5" name="Picture 4">
+            <a:extLst>
+              <a:ext uri="{FF2B5EF4-FFF2-40B4-BE49-F238E27FC236}">
+                <a16:creationId xmlns:a16="http://schemas.microsoft.com/office/drawing/2014/main" id="{BA7E913B-A303-8341-9A55-9B788E6701A3}"/>
+              </a:ext>
+            </a:extLst>
+          </p:cNvPr>
+          <p:cNvPicPr>
+            <a:picLocks noChangeAspect="1"/>
+          </p:cNvPicPr>
+          <p:nvPr/>
+        </p:nvPicPr>
+        <p:blipFill>
+          <a:blip r:embed="rId2"/>
+          <a:stretch>
+            <a:fillRect/>
+          </a:stretch>
+        </p:blipFill>
+        <p:spPr>
+          <a:xfrm>
+            <a:off x="4057891" y="1435260"/>
+            <a:ext cx="8134109" cy="5422739"/>
+          </a:xfrm>
+          <a:prstGeom prst="rect">
+            <a:avLst/>
+          </a:prstGeom>
+        </p:spPr>
+      </p:pic>
       <p:sp>
         <p:nvSpPr>
           <p:cNvPr id="2" name="Title 1">
@@ -4373,6 +4418,11 @@
             <a:avLst/>
           </a:prstGeom>
           <a:noFill/>
+          <a:ln w="28575">
+            <a:solidFill>
+              <a:srgbClr val="FF0000"/>
+            </a:solidFill>
+          </a:ln>
         </p:spPr>
         <p:txBody>
           <a:bodyPr wrap="square" rtlCol="0">
@@ -4382,7 +4432,31 @@
           <a:p>
             <a:r>
               <a:rPr lang="fr-FR"/>
-              <a:t>Spliter le dataset en un subset d'apprentissage et un subset de test. </a:t>
+              <a:t>Spliter le dataset en un subset </a:t>
+            </a:r>
+            <a:r>
+              <a:rPr lang="fr-FR">
+                <a:highlight>
+                  <a:srgbClr val="FFFF00"/>
+                </a:highlight>
+              </a:rPr>
+              <a:t>d'apprentissage</a:t>
+            </a:r>
+            <a:r>
+              <a:rPr lang="fr-FR"/>
+              <a:t> et un subset de </a:t>
+            </a:r>
+            <a:r>
+              <a:rPr lang="fr-FR">
+                <a:highlight>
+                  <a:srgbClr val="FFFF00"/>
+                </a:highlight>
+              </a:rPr>
+              <a:t>test</a:t>
+            </a:r>
+            <a:r>
+              <a:rPr lang="fr-FR"/>
+              <a:t>. </a:t>
             </a:r>
           </a:p>
           <a:p>
@@ -4413,42 +4487,16 @@
               <a:buChar char="•"/>
             </a:pPr>
             <a:r>
-              <a:rPr lang="fr-FR"/>
+              <a:rPr lang="fr-FR">
+                <a:highlight>
+                  <a:srgbClr val="FFFF00"/>
+                </a:highlight>
+              </a:rPr>
               <a:t>Le test subset est il distribué de la même façon que le training set ?</a:t>
             </a:r>
           </a:p>
         </p:txBody>
       </p:sp>
-      <p:pic>
-        <p:nvPicPr>
-          <p:cNvPr id="5" name="Picture 4">
-            <a:extLst>
-              <a:ext uri="{FF2B5EF4-FFF2-40B4-BE49-F238E27FC236}">
-                <a16:creationId xmlns:a16="http://schemas.microsoft.com/office/drawing/2014/main" id="{BA7E913B-A303-8341-9A55-9B788E6701A3}"/>
-              </a:ext>
-            </a:extLst>
-          </p:cNvPr>
-          <p:cNvPicPr>
-            <a:picLocks noChangeAspect="1"/>
-          </p:cNvPicPr>
-          <p:nvPr/>
-        </p:nvPicPr>
-        <p:blipFill>
-          <a:blip r:embed="rId2"/>
-          <a:stretch>
-            <a:fillRect/>
-          </a:stretch>
-        </p:blipFill>
-        <p:spPr>
-          <a:xfrm>
-            <a:off x="4057891" y="1435260"/>
-            <a:ext cx="8134109" cy="5422739"/>
-          </a:xfrm>
-          <a:prstGeom prst="rect">
-            <a:avLst/>
-          </a:prstGeom>
-        </p:spPr>
-      </p:pic>
       <p:cxnSp>
         <p:nvCxnSpPr>
           <p:cNvPr id="7" name="Straight Arrow Connector 6">
@@ -5678,7 +5726,7 @@
         </p:nvSpPr>
         <p:spPr>
           <a:xfrm>
-            <a:off x="1206932" y="3137035"/>
+            <a:off x="1206932" y="3748612"/>
             <a:ext cx="6581869" cy="923330"/>
           </a:xfrm>
           <a:prstGeom prst="rect">
@@ -5849,7 +5897,7 @@
           <p:cNvPr id="3" name="TextBox 2">
             <a:extLst>
               <a:ext uri="{FF2B5EF4-FFF2-40B4-BE49-F238E27FC236}">
-                <a16:creationId xmlns:a16="http://schemas.microsoft.com/office/drawing/2014/main" id="{CF430F8E-AB2D-904F-9A03-E1BCC26C6FE1}"/>
+                <a16:creationId xmlns:a16="http://schemas.microsoft.com/office/drawing/2014/main" id="{B213B654-00AB-114F-9980-20FE4FEE3E48}"/>
               </a:ext>
             </a:extLst>
           </p:cNvPr>
@@ -5858,195 +5906,158 @@
         </p:nvSpPr>
         <p:spPr>
           <a:xfrm>
-            <a:off x="1592495" y="2465798"/>
-            <a:ext cx="2799421" cy="1200329"/>
+            <a:off x="1098115" y="1406284"/>
+            <a:ext cx="4402744" cy="3416320"/>
           </a:xfrm>
           <a:prstGeom prst="rect">
             <a:avLst/>
           </a:prstGeom>
           <a:noFill/>
-        </p:spPr>
-        <p:txBody>
-          <a:bodyPr wrap="none" rtlCol="0">
-            <a:spAutoFit/>
-          </a:bodyPr>
-          <a:lstStyle/>
-          <a:p>
-            <a:r>
-              <a:rPr lang="fr-FR"/>
-              <a:t>Expliquer les données</a:t>
-            </a:r>
-          </a:p>
-          <a:p>
-            <a:pPr marL="285750" indent="-285750">
-              <a:buFont typeface="Arial" panose="020B0604020202020204" pitchFamily="34" charset="0"/>
-              <a:buChar char="•"/>
-            </a:pPr>
-            <a:r>
-              <a:rPr lang="fr-FR"/>
-              <a:t>régression linéaire</a:t>
-            </a:r>
-          </a:p>
-          <a:p>
-            <a:pPr marL="285750" indent="-285750">
-              <a:buFont typeface="Arial" panose="020B0604020202020204" pitchFamily="34" charset="0"/>
-              <a:buChar char="•"/>
-            </a:pPr>
-            <a:r>
-              <a:rPr lang="fr-FR"/>
-              <a:t>statsmodel</a:t>
-            </a:r>
-          </a:p>
-          <a:p>
-            <a:pPr marL="285750" indent="-285750">
-              <a:buFont typeface="Arial" panose="020B0604020202020204" pitchFamily="34" charset="0"/>
-              <a:buChar char="•"/>
-            </a:pPr>
-            <a:r>
-              <a:rPr lang="fr-FR"/>
-              <a:t>coefficients et R-squared</a:t>
-            </a:r>
-          </a:p>
-        </p:txBody>
-      </p:sp>
-      <p:sp>
-        <p:nvSpPr>
-          <p:cNvPr id="4" name="TextBox 3">
-            <a:extLst>
-              <a:ext uri="{FF2B5EF4-FFF2-40B4-BE49-F238E27FC236}">
-                <a16:creationId xmlns:a16="http://schemas.microsoft.com/office/drawing/2014/main" id="{C0AA3968-B30A-7C4A-8670-5300DFF75402}"/>
-              </a:ext>
-            </a:extLst>
-          </p:cNvPr>
-          <p:cNvSpPr txBox="1"/>
-          <p:nvPr/>
-        </p:nvSpPr>
-        <p:spPr>
-          <a:xfrm>
-            <a:off x="7500134" y="2465798"/>
-            <a:ext cx="2960811" cy="1754326"/>
-          </a:xfrm>
-          <a:prstGeom prst="rect">
-            <a:avLst/>
-          </a:prstGeom>
-          <a:noFill/>
-        </p:spPr>
-        <p:txBody>
-          <a:bodyPr wrap="none" rtlCol="0">
-            <a:spAutoFit/>
-          </a:bodyPr>
-          <a:lstStyle/>
-          <a:p>
-            <a:r>
-              <a:rPr lang="fr-FR"/>
-              <a:t>Prédire de nouvelles données</a:t>
-            </a:r>
-          </a:p>
-          <a:p>
-            <a:pPr marL="285750" indent="-285750">
-              <a:buFont typeface="Arial" panose="020B0604020202020204" pitchFamily="34" charset="0"/>
-              <a:buChar char="•"/>
-            </a:pPr>
-            <a:r>
-              <a:rPr lang="fr-FR"/>
-              <a:t>régression linéaire</a:t>
-            </a:r>
-          </a:p>
-          <a:p>
-            <a:pPr marL="285750" indent="-285750">
-              <a:buFont typeface="Arial" panose="020B0604020202020204" pitchFamily="34" charset="0"/>
-              <a:buChar char="•"/>
-            </a:pPr>
-            <a:r>
-              <a:rPr lang="fr-FR"/>
-              <a:t>scikit-learn</a:t>
-            </a:r>
-          </a:p>
-          <a:p>
-            <a:pPr marL="285750" indent="-285750">
-              <a:buFont typeface="Arial" panose="020B0604020202020204" pitchFamily="34" charset="0"/>
-              <a:buChar char="•"/>
-            </a:pPr>
-            <a:r>
-              <a:rPr lang="fr-FR"/>
-              <a:t>train, test, cross validation</a:t>
-            </a:r>
-          </a:p>
-          <a:p>
-            <a:pPr marL="285750" indent="-285750">
-              <a:buFont typeface="Arial" panose="020B0604020202020204" pitchFamily="34" charset="0"/>
-              <a:buChar char="•"/>
-            </a:pPr>
-            <a:r>
-              <a:rPr lang="fr-FR"/>
-              <a:t>AUC, RMSE</a:t>
-            </a:r>
-          </a:p>
-          <a:p>
-            <a:endParaRPr lang="fr-FR"/>
-          </a:p>
-        </p:txBody>
-      </p:sp>
-      <p:sp>
-        <p:nvSpPr>
-          <p:cNvPr id="5" name="Right Arrow 4">
-            <a:extLst>
-              <a:ext uri="{FF2B5EF4-FFF2-40B4-BE49-F238E27FC236}">
-                <a16:creationId xmlns:a16="http://schemas.microsoft.com/office/drawing/2014/main" id="{E375216C-D09C-144D-9BF7-3F1C87E9C8F5}"/>
-              </a:ext>
-            </a:extLst>
-          </p:cNvPr>
-          <p:cNvSpPr/>
-          <p:nvPr/>
-        </p:nvSpPr>
-        <p:spPr>
-          <a:xfrm>
-            <a:off x="4691867" y="2465799"/>
-            <a:ext cx="2424701" cy="369331"/>
-          </a:xfrm>
-          <a:prstGeom prst="rightArrow">
-            <a:avLst/>
-          </a:prstGeom>
-          <a:solidFill>
-            <a:srgbClr val="C00000"/>
-          </a:solidFill>
           <a:ln>
             <a:solidFill>
               <a:srgbClr val="FF0000"/>
             </a:solidFill>
           </a:ln>
         </p:spPr>
-        <p:style>
-          <a:lnRef idx="2">
-            <a:schemeClr val="accent1">
-              <a:shade val="50000"/>
-            </a:schemeClr>
-          </a:lnRef>
-          <a:fillRef idx="1">
-            <a:schemeClr val="accent1"/>
-          </a:fillRef>
-          <a:effectRef idx="0">
-            <a:schemeClr val="accent1"/>
-          </a:effectRef>
-          <a:fontRef idx="minor">
-            <a:schemeClr val="lt1"/>
-          </a:fontRef>
-        </p:style>
-        <p:txBody>
-          <a:bodyPr rtlCol="0" anchor="ctr"/>
+        <p:txBody>
+          <a:bodyPr wrap="none" rtlCol="0">
+            <a:spAutoFit/>
+          </a:bodyPr>
           <a:lstStyle/>
           <a:p>
-            <a:pPr algn="ctr"/>
-            <a:endParaRPr lang="fr-FR"/>
-          </a:p>
-        </p:txBody>
-      </p:sp>
-      <p:sp>
-        <p:nvSpPr>
-          <p:cNvPr id="6" name="Title 1">
-            <a:extLst>
-              <a:ext uri="{FF2B5EF4-FFF2-40B4-BE49-F238E27FC236}">
-                <a16:creationId xmlns:a16="http://schemas.microsoft.com/office/drawing/2014/main" id="{2D844CAB-9821-7945-9FD5-EB569AC181C6}"/>
+            <a:pPr marL="285750" indent="-285750">
+              <a:buFont typeface="Arial" panose="020B0604020202020204" pitchFamily="34" charset="0"/>
+              <a:buChar char="•"/>
+            </a:pPr>
+            <a:r>
+              <a:rPr lang="fr-FR" sz="2400">
+                <a:solidFill>
+                  <a:srgbClr val="002060"/>
+                </a:solidFill>
+              </a:rPr>
+              <a:t>Biais - variance</a:t>
+            </a:r>
+          </a:p>
+          <a:p>
+            <a:pPr marL="285750" indent="-285750">
+              <a:buFont typeface="Arial" panose="020B0604020202020204" pitchFamily="34" charset="0"/>
+              <a:buChar char="•"/>
+            </a:pPr>
+            <a:r>
+              <a:rPr lang="fr-FR" sz="2400">
+                <a:solidFill>
+                  <a:srgbClr val="002060"/>
+                </a:solidFill>
+              </a:rPr>
+              <a:t>Overfitting</a:t>
+            </a:r>
+          </a:p>
+          <a:p>
+            <a:pPr marL="285750" indent="-285750">
+              <a:buFont typeface="Arial" panose="020B0604020202020204" pitchFamily="34" charset="0"/>
+              <a:buChar char="•"/>
+            </a:pPr>
+            <a:r>
+              <a:rPr lang="fr-FR" sz="2400">
+                <a:solidFill>
+                  <a:srgbClr val="002060"/>
+                </a:solidFill>
+              </a:rPr>
+              <a:t>Librairie scikit-learn</a:t>
+            </a:r>
+          </a:p>
+          <a:p>
+            <a:pPr marL="285750" indent="-285750">
+              <a:buFont typeface="Arial" panose="020B0604020202020204" pitchFamily="34" charset="0"/>
+              <a:buChar char="•"/>
+            </a:pPr>
+            <a:r>
+              <a:rPr lang="fr-FR" sz="2400">
+                <a:solidFill>
+                  <a:srgbClr val="002060"/>
+                </a:solidFill>
+              </a:rPr>
+              <a:t>Régression polynomiale</a:t>
+            </a:r>
+          </a:p>
+          <a:p>
+            <a:pPr marL="285750" indent="-285750">
+              <a:buFont typeface="Arial" panose="020B0604020202020204" pitchFamily="34" charset="0"/>
+              <a:buChar char="•"/>
+            </a:pPr>
+            <a:r>
+              <a:rPr lang="fr-FR" sz="2400">
+                <a:solidFill>
+                  <a:srgbClr val="002060"/>
+                </a:solidFill>
+              </a:rPr>
+              <a:t>Train – test et Cross-validation</a:t>
+            </a:r>
+          </a:p>
+          <a:p>
+            <a:pPr marL="285750" indent="-285750">
+              <a:buFont typeface="Arial" panose="020B0604020202020204" pitchFamily="34" charset="0"/>
+              <a:buChar char="•"/>
+            </a:pPr>
+            <a:r>
+              <a:rPr lang="fr-FR" sz="2400">
+                <a:solidFill>
+                  <a:srgbClr val="002060"/>
+                </a:solidFill>
+              </a:rPr>
+              <a:t>Régularisation</a:t>
+            </a:r>
+          </a:p>
+          <a:p>
+            <a:pPr marL="742950" lvl="1" indent="-285750">
+              <a:buFont typeface="Arial" panose="020B0604020202020204" pitchFamily="34" charset="0"/>
+              <a:buChar char="•"/>
+            </a:pPr>
+            <a:r>
+              <a:rPr lang="fr-FR" sz="2400">
+                <a:solidFill>
+                  <a:srgbClr val="002060"/>
+                </a:solidFill>
+              </a:rPr>
+              <a:t>modifier la fonction de coût</a:t>
+            </a:r>
+          </a:p>
+          <a:p>
+            <a:pPr marL="742950" lvl="1" indent="-285750">
+              <a:buFont typeface="Arial" panose="020B0604020202020204" pitchFamily="34" charset="0"/>
+              <a:buChar char="•"/>
+            </a:pPr>
+            <a:r>
+              <a:rPr lang="fr-FR" sz="2400">
+                <a:solidFill>
+                  <a:srgbClr val="002060"/>
+                </a:solidFill>
+              </a:rPr>
+              <a:t>Ridge regression</a:t>
+            </a:r>
+          </a:p>
+          <a:p>
+            <a:pPr marL="742950" lvl="1" indent="-285750">
+              <a:buFont typeface="Arial" panose="020B0604020202020204" pitchFamily="34" charset="0"/>
+              <a:buChar char="•"/>
+            </a:pPr>
+            <a:r>
+              <a:rPr lang="fr-FR" sz="2400">
+                <a:solidFill>
+                  <a:srgbClr val="002060"/>
+                </a:solidFill>
+              </a:rPr>
+              <a:t>Lasso</a:t>
+            </a:r>
+          </a:p>
+        </p:txBody>
+      </p:sp>
+      <p:sp>
+        <p:nvSpPr>
+          <p:cNvPr id="4" name="Title 1">
+            <a:extLst>
+              <a:ext uri="{FF2B5EF4-FFF2-40B4-BE49-F238E27FC236}">
+                <a16:creationId xmlns:a16="http://schemas.microsoft.com/office/drawing/2014/main" id="{86881021-56A8-0041-9DF1-76C87035ECA8}"/>
               </a:ext>
             </a:extLst>
           </p:cNvPr>
@@ -6097,15 +6108,195 @@
                   <a:schemeClr val="bg1"/>
                 </a:solidFill>
               </a:rPr>
-              <a:t>Modélisation vs Analyse Précictive</a:t>
-            </a:r>
+              <a:t>Aujourd'hui</a:t>
+            </a:r>
+          </a:p>
+        </p:txBody>
+      </p:sp>
+      <p:sp>
+        <p:nvSpPr>
+          <p:cNvPr id="2" name="TextBox 1">
+            <a:extLst>
+              <a:ext uri="{FF2B5EF4-FFF2-40B4-BE49-F238E27FC236}">
+                <a16:creationId xmlns:a16="http://schemas.microsoft.com/office/drawing/2014/main" id="{3DAEC6BC-8892-6E43-B297-C45E017C611B}"/>
+              </a:ext>
+            </a:extLst>
+          </p:cNvPr>
+          <p:cNvSpPr txBox="1"/>
+          <p:nvPr/>
+        </p:nvSpPr>
+        <p:spPr>
+          <a:xfrm>
+            <a:off x="6624918" y="1452282"/>
+            <a:ext cx="3984809" cy="3416320"/>
+          </a:xfrm>
+          <a:prstGeom prst="rect">
+            <a:avLst/>
+          </a:prstGeom>
+          <a:solidFill>
+            <a:schemeClr val="bg2"/>
+          </a:solidFill>
+          <a:ln w="19050">
+            <a:solidFill>
+              <a:srgbClr val="00B0F0"/>
+            </a:solidFill>
+          </a:ln>
+        </p:spPr>
+        <p:txBody>
+          <a:bodyPr wrap="none" rtlCol="0">
+            <a:spAutoFit/>
+          </a:bodyPr>
+          <a:lstStyle/>
+          <a:p>
+            <a:r>
+              <a:rPr lang="fr-FR">
+                <a:solidFill>
+                  <a:srgbClr val="002060"/>
+                </a:solidFill>
+              </a:rPr>
+              <a:t>In other news</a:t>
+            </a:r>
+          </a:p>
+          <a:p>
+            <a:pPr marL="285750" indent="-285750">
+              <a:buFont typeface="Arial" panose="020B0604020202020204" pitchFamily="34" charset="0"/>
+              <a:buChar char="•"/>
+            </a:pPr>
+            <a:endParaRPr lang="fr-FR">
+              <a:solidFill>
+                <a:srgbClr val="002060"/>
+              </a:solidFill>
+            </a:endParaRPr>
+          </a:p>
+          <a:p>
+            <a:pPr marL="285750" indent="-285750">
+              <a:buFont typeface="Arial" panose="020B0604020202020204" pitchFamily="34" charset="0"/>
+              <a:buChar char="•"/>
+            </a:pPr>
+            <a:r>
+              <a:rPr lang="fr-FR">
+                <a:solidFill>
+                  <a:srgbClr val="002060"/>
+                </a:solidFill>
+              </a:rPr>
+              <a:t>TF 2.0</a:t>
+            </a:r>
+          </a:p>
+          <a:p>
+            <a:pPr marL="285750" indent="-285750">
+              <a:buFont typeface="Arial" panose="020B0604020202020204" pitchFamily="34" charset="0"/>
+              <a:buChar char="•"/>
+            </a:pPr>
+            <a:r>
+              <a:rPr lang="fr-FR">
+                <a:solidFill>
+                  <a:srgbClr val="002060"/>
+                </a:solidFill>
+              </a:rPr>
+              <a:t>feedback on assignement </a:t>
+            </a:r>
+          </a:p>
+          <a:p>
+            <a:pPr marL="742950" lvl="1" indent="-285750">
+              <a:buFont typeface="Arial" panose="020B0604020202020204" pitchFamily="34" charset="0"/>
+              <a:buChar char="•"/>
+            </a:pPr>
+            <a:r>
+              <a:rPr lang="fr-FR">
+                <a:solidFill>
+                  <a:srgbClr val="002060"/>
+                </a:solidFill>
+              </a:rPr>
+              <a:t>avoid loops</a:t>
+            </a:r>
+          </a:p>
+          <a:p>
+            <a:pPr marL="742950" lvl="1" indent="-285750">
+              <a:buFont typeface="Arial" panose="020B0604020202020204" pitchFamily="34" charset="0"/>
+              <a:buChar char="•"/>
+            </a:pPr>
+            <a:r>
+              <a:rPr lang="fr-FR">
+                <a:solidFill>
+                  <a:srgbClr val="002060"/>
+                </a:solidFill>
+              </a:rPr>
+              <a:t>real answers, no guessing please</a:t>
+            </a:r>
+          </a:p>
+          <a:p>
+            <a:pPr marL="285750" indent="-285750">
+              <a:buFont typeface="Arial" panose="020B0604020202020204" pitchFamily="34" charset="0"/>
+              <a:buChar char="•"/>
+            </a:pPr>
+            <a:r>
+              <a:rPr lang="fr-FR">
+                <a:solidFill>
+                  <a:srgbClr val="002060"/>
+                </a:solidFill>
+              </a:rPr>
+              <a:t>ML books</a:t>
+            </a:r>
+          </a:p>
+          <a:p>
+            <a:pPr marL="285750" indent="-285750">
+              <a:buFont typeface="Arial" panose="020B0604020202020204" pitchFamily="34" charset="0"/>
+              <a:buChar char="•"/>
+            </a:pPr>
+            <a:r>
+              <a:rPr lang="fr-FR">
+                <a:solidFill>
+                  <a:srgbClr val="002060"/>
+                </a:solidFill>
+              </a:rPr>
+              <a:t>portfolio</a:t>
+            </a:r>
+          </a:p>
+          <a:p>
+            <a:pPr marL="285750" indent="-285750">
+              <a:buFont typeface="Arial" panose="020B0604020202020204" pitchFamily="34" charset="0"/>
+              <a:buChar char="•"/>
+            </a:pPr>
+            <a:r>
+              <a:rPr lang="fr-FR">
+                <a:solidFill>
+                  <a:srgbClr val="002060"/>
+                </a:solidFill>
+              </a:rPr>
+              <a:t>dummy encoding</a:t>
+            </a:r>
+          </a:p>
+          <a:p>
+            <a:endParaRPr lang="fr-FR">
+              <a:solidFill>
+                <a:srgbClr val="002060"/>
+              </a:solidFill>
+            </a:endParaRPr>
+          </a:p>
+          <a:p>
+            <a:pPr marL="285750" indent="-285750">
+              <a:buFont typeface="Arial" panose="020B0604020202020204" pitchFamily="34" charset="0"/>
+              <a:buChar char="•"/>
+            </a:pPr>
+            <a:endParaRPr lang="fr-FR">
+              <a:solidFill>
+                <a:srgbClr val="002060"/>
+              </a:solidFill>
+            </a:endParaRPr>
+          </a:p>
+          <a:p>
+            <a:endParaRPr lang="fr-FR">
+              <a:solidFill>
+                <a:srgbClr val="002060"/>
+              </a:solidFill>
+            </a:endParaRPr>
           </a:p>
         </p:txBody>
       </p:sp>
     </p:spTree>
     <p:extLst>
       <p:ext uri="{BB962C8B-B14F-4D97-AF65-F5344CB8AC3E}">
-        <p14:creationId xmlns:p14="http://schemas.microsoft.com/office/powerpoint/2010/main" val="3039485398"/>
+        <p14:creationId xmlns:p14="http://schemas.microsoft.com/office/powerpoint/2010/main" val="1995414703"/>
       </p:ext>
     </p:extLst>
   </p:cSld>
@@ -6267,7 +6458,7 @@
         <p:spPr>
           <a:xfrm>
             <a:off x="1965500" y="1139683"/>
-            <a:ext cx="8250725" cy="3970318"/>
+            <a:ext cx="8250725" cy="4801314"/>
           </a:xfrm>
           <a:prstGeom prst="rect">
             <a:avLst/>
@@ -6281,22 +6472,44 @@
           <a:p>
             <a:r>
               <a:rPr lang="fr-FR"/>
-              <a:t>On va avoir des meta parametres.</a:t>
-            </a:r>
-          </a:p>
-          <a:p>
+              <a:t>On va avoir </a:t>
+            </a:r>
+          </a:p>
+          <a:p>
+            <a:pPr marL="285750" indent="-285750">
+              <a:buFont typeface="Arial" panose="020B0604020202020204" pitchFamily="34" charset="0"/>
+              <a:buChar char="•"/>
+            </a:pPr>
             <a:r>
               <a:rPr lang="fr-FR"/>
-              <a:t>Par exemple:</a:t>
-            </a:r>
-          </a:p>
-          <a:p>
+              <a:t>des meta parametres des algorithmes</a:t>
+            </a:r>
+          </a:p>
+          <a:p>
+            <a:pPr marL="285750" indent="-285750">
+              <a:buFont typeface="Arial" panose="020B0604020202020204" pitchFamily="34" charset="0"/>
+              <a:buChar char="•"/>
+            </a:pPr>
             <a:r>
               <a:rPr lang="fr-FR"/>
-              <a:t>accès à differents algorithmes pour trouver les coefficients + un certain controle sur leur fonctionnement différentes façon de traiter le multi-class: ovr, multinomial</a:t>
-            </a:r>
-          </a:p>
-          <a:p>
+              <a:t>accès à differents algorithmes pour trouver les coefficients + un certain controle sur leur fonctionnement </a:t>
+            </a:r>
+          </a:p>
+          <a:p>
+            <a:pPr marL="285750" indent="-285750">
+              <a:buFont typeface="Arial" panose="020B0604020202020204" pitchFamily="34" charset="0"/>
+              <a:buChar char="•"/>
+            </a:pPr>
+            <a:r>
+              <a:rPr lang="fr-FR"/>
+              <a:t>différentes façon de traiter le multi-class: ovr, multinomial</a:t>
+            </a:r>
+          </a:p>
+          <a:p>
+            <a:pPr marL="285750" indent="-285750">
+              <a:buFont typeface="Arial" panose="020B0604020202020204" pitchFamily="34" charset="0"/>
+              <a:buChar char="•"/>
+            </a:pPr>
             <a:r>
               <a:rPr lang="fr-FR"/>
               <a:t>différents mode de régularisation</a:t>
@@ -6309,22 +6522,51 @@
             </a:r>
           </a:p>
           <a:p>
+            <a:pPr marL="285750" indent="-285750">
+              <a:buFont typeface="Arial" panose="020B0604020202020204" pitchFamily="34" charset="0"/>
+              <a:buChar char="•"/>
+            </a:pPr>
             <a:r>
               <a:rPr lang="fr-FR"/>
-              <a:t>un modele que l'on peut appliquer a de nouvelles donnees les intervals de confiance</a:t>
-            </a:r>
-          </a:p>
-          <a:p>
+              <a:t>un modele que l'on peut appliquer sur de nouvelles donnees </a:t>
+            </a:r>
+          </a:p>
+          <a:p>
+            <a:pPr marL="285750" indent="-285750">
+              <a:buFont typeface="Arial" panose="020B0604020202020204" pitchFamily="34" charset="0"/>
+              <a:buChar char="•"/>
+            </a:pPr>
+            <a:r>
+              <a:rPr lang="fr-FR"/>
+              <a:t>des intervals de confiance</a:t>
+            </a:r>
+          </a:p>
+          <a:p>
+            <a:pPr marL="285750" indent="-285750">
+              <a:buFont typeface="Arial" panose="020B0604020202020204" pitchFamily="34" charset="0"/>
+              <a:buChar char="•"/>
+            </a:pPr>
             <a:r>
               <a:rPr lang="fr-FR"/>
               <a:t>la ou les categories prédites</a:t>
             </a:r>
           </a:p>
           <a:p>
+            <a:pPr marL="285750" indent="-285750">
+              <a:buFont typeface="Arial" panose="020B0604020202020204" pitchFamily="34" charset="0"/>
+              <a:buChar char="•"/>
+            </a:pPr>
             <a:r>
               <a:rPr lang="fr-FR"/>
-              <a:t>les probabilités de prédiction (appartenance a la classe)</a:t>
-            </a:r>
+              <a:t>les probabilités de prédiction</a:t>
+            </a:r>
+          </a:p>
+          <a:p>
+            <a:pPr marL="285750" indent="-285750">
+              <a:buFont typeface="Arial" panose="020B0604020202020204" pitchFamily="34" charset="0"/>
+              <a:buChar char="•"/>
+            </a:pPr>
+            <a:endParaRPr lang="fr-FR"/>
           </a:p>
           <a:p>
             <a:endParaRPr lang="fr-FR"/>
@@ -6336,18 +6578,30 @@
             </a:r>
           </a:p>
           <a:p>
+            <a:pPr marL="285750" indent="-285750">
+              <a:buFont typeface="Arial" panose="020B0604020202020204" pitchFamily="34" charset="0"/>
+              <a:buChar char="•"/>
+            </a:pPr>
             <a:r>
               <a:rPr lang="fr-FR"/>
               <a:t>les p-value</a:t>
             </a:r>
           </a:p>
           <a:p>
+            <a:pPr marL="285750" indent="-285750">
+              <a:buFont typeface="Arial" panose="020B0604020202020204" pitchFamily="34" charset="0"/>
+              <a:buChar char="•"/>
+            </a:pPr>
             <a:r>
               <a:rPr lang="fr-FR"/>
               <a:t>les tests statistiques</a:t>
             </a:r>
           </a:p>
           <a:p>
+            <a:pPr marL="285750" indent="-285750">
+              <a:buFont typeface="Arial" panose="020B0604020202020204" pitchFamily="34" charset="0"/>
+              <a:buChar char="•"/>
+            </a:pPr>
             <a:r>
               <a:rPr lang="fr-FR"/>
               <a:t>le R^2 (pas directement en tout cas)</a:t>
@@ -7285,7 +7539,7 @@
           <p:cNvPr id="3" name="TextBox 2">
             <a:extLst>
               <a:ext uri="{FF2B5EF4-FFF2-40B4-BE49-F238E27FC236}">
-                <a16:creationId xmlns:a16="http://schemas.microsoft.com/office/drawing/2014/main" id="{B213B654-00AB-114F-9980-20FE4FEE3E48}"/>
+                <a16:creationId xmlns:a16="http://schemas.microsoft.com/office/drawing/2014/main" id="{CF430F8E-AB2D-904F-9A03-E1BCC26C6FE1}"/>
               </a:ext>
             </a:extLst>
           </p:cNvPr>
@@ -7294,142 +7548,195 @@
         </p:nvSpPr>
         <p:spPr>
           <a:xfrm>
-            <a:off x="1098115" y="1513861"/>
-            <a:ext cx="3943708" cy="4524315"/>
+            <a:off x="1592495" y="2465798"/>
+            <a:ext cx="2799421" cy="1200329"/>
           </a:xfrm>
           <a:prstGeom prst="rect">
             <a:avLst/>
           </a:prstGeom>
           <a:noFill/>
+        </p:spPr>
+        <p:txBody>
+          <a:bodyPr wrap="none" rtlCol="0">
+            <a:spAutoFit/>
+          </a:bodyPr>
+          <a:lstStyle/>
+          <a:p>
+            <a:r>
+              <a:rPr lang="fr-FR"/>
+              <a:t>Expliquer les données</a:t>
+            </a:r>
+          </a:p>
+          <a:p>
+            <a:pPr marL="285750" indent="-285750">
+              <a:buFont typeface="Arial" panose="020B0604020202020204" pitchFamily="34" charset="0"/>
+              <a:buChar char="•"/>
+            </a:pPr>
+            <a:r>
+              <a:rPr lang="fr-FR"/>
+              <a:t>régression linéaire</a:t>
+            </a:r>
+          </a:p>
+          <a:p>
+            <a:pPr marL="285750" indent="-285750">
+              <a:buFont typeface="Arial" panose="020B0604020202020204" pitchFamily="34" charset="0"/>
+              <a:buChar char="•"/>
+            </a:pPr>
+            <a:r>
+              <a:rPr lang="fr-FR"/>
+              <a:t>statsmodel</a:t>
+            </a:r>
+          </a:p>
+          <a:p>
+            <a:pPr marL="285750" indent="-285750">
+              <a:buFont typeface="Arial" panose="020B0604020202020204" pitchFamily="34" charset="0"/>
+              <a:buChar char="•"/>
+            </a:pPr>
+            <a:r>
+              <a:rPr lang="fr-FR"/>
+              <a:t>coefficients et R-squared</a:t>
+            </a:r>
+          </a:p>
+        </p:txBody>
+      </p:sp>
+      <p:sp>
+        <p:nvSpPr>
+          <p:cNvPr id="4" name="TextBox 3">
+            <a:extLst>
+              <a:ext uri="{FF2B5EF4-FFF2-40B4-BE49-F238E27FC236}">
+                <a16:creationId xmlns:a16="http://schemas.microsoft.com/office/drawing/2014/main" id="{C0AA3968-B30A-7C4A-8670-5300DFF75402}"/>
+              </a:ext>
+            </a:extLst>
+          </p:cNvPr>
+          <p:cNvSpPr txBox="1"/>
+          <p:nvPr/>
+        </p:nvSpPr>
+        <p:spPr>
+          <a:xfrm>
+            <a:off x="7500134" y="2465798"/>
+            <a:ext cx="2960811" cy="1754326"/>
+          </a:xfrm>
+          <a:prstGeom prst="rect">
+            <a:avLst/>
+          </a:prstGeom>
+          <a:noFill/>
+        </p:spPr>
+        <p:txBody>
+          <a:bodyPr wrap="none" rtlCol="0">
+            <a:spAutoFit/>
+          </a:bodyPr>
+          <a:lstStyle/>
+          <a:p>
+            <a:r>
+              <a:rPr lang="fr-FR"/>
+              <a:t>Prédire de nouvelles données</a:t>
+            </a:r>
+          </a:p>
+          <a:p>
+            <a:pPr marL="285750" indent="-285750">
+              <a:buFont typeface="Arial" panose="020B0604020202020204" pitchFamily="34" charset="0"/>
+              <a:buChar char="•"/>
+            </a:pPr>
+            <a:r>
+              <a:rPr lang="fr-FR"/>
+              <a:t>régression linéaire</a:t>
+            </a:r>
+          </a:p>
+          <a:p>
+            <a:pPr marL="285750" indent="-285750">
+              <a:buFont typeface="Arial" panose="020B0604020202020204" pitchFamily="34" charset="0"/>
+              <a:buChar char="•"/>
+            </a:pPr>
+            <a:r>
+              <a:rPr lang="fr-FR"/>
+              <a:t>scikit-learn</a:t>
+            </a:r>
+          </a:p>
+          <a:p>
+            <a:pPr marL="285750" indent="-285750">
+              <a:buFont typeface="Arial" panose="020B0604020202020204" pitchFamily="34" charset="0"/>
+              <a:buChar char="•"/>
+            </a:pPr>
+            <a:r>
+              <a:rPr lang="fr-FR"/>
+              <a:t>train, test, cross validation</a:t>
+            </a:r>
+          </a:p>
+          <a:p>
+            <a:pPr marL="285750" indent="-285750">
+              <a:buFont typeface="Arial" panose="020B0604020202020204" pitchFamily="34" charset="0"/>
+              <a:buChar char="•"/>
+            </a:pPr>
+            <a:r>
+              <a:rPr lang="fr-FR"/>
+              <a:t>AUC, RMSE</a:t>
+            </a:r>
+          </a:p>
+          <a:p>
+            <a:endParaRPr lang="fr-FR"/>
+          </a:p>
+        </p:txBody>
+      </p:sp>
+      <p:sp>
+        <p:nvSpPr>
+          <p:cNvPr id="5" name="Right Arrow 4">
+            <a:extLst>
+              <a:ext uri="{FF2B5EF4-FFF2-40B4-BE49-F238E27FC236}">
+                <a16:creationId xmlns:a16="http://schemas.microsoft.com/office/drawing/2014/main" id="{E375216C-D09C-144D-9BF7-3F1C87E9C8F5}"/>
+              </a:ext>
+            </a:extLst>
+          </p:cNvPr>
+          <p:cNvSpPr/>
+          <p:nvPr/>
+        </p:nvSpPr>
+        <p:spPr>
+          <a:xfrm>
+            <a:off x="4691867" y="2465799"/>
+            <a:ext cx="2424701" cy="369331"/>
+          </a:xfrm>
+          <a:prstGeom prst="rightArrow">
+            <a:avLst/>
+          </a:prstGeom>
+          <a:solidFill>
+            <a:srgbClr val="C00000"/>
+          </a:solidFill>
           <a:ln>
             <a:solidFill>
               <a:srgbClr val="FF0000"/>
             </a:solidFill>
           </a:ln>
         </p:spPr>
-        <p:txBody>
-          <a:bodyPr wrap="none" rtlCol="0">
-            <a:spAutoFit/>
-          </a:bodyPr>
+        <p:style>
+          <a:lnRef idx="2">
+            <a:schemeClr val="accent1">
+              <a:shade val="50000"/>
+            </a:schemeClr>
+          </a:lnRef>
+          <a:fillRef idx="1">
+            <a:schemeClr val="accent1"/>
+          </a:fillRef>
+          <a:effectRef idx="0">
+            <a:schemeClr val="accent1"/>
+          </a:effectRef>
+          <a:fontRef idx="minor">
+            <a:schemeClr val="lt1"/>
+          </a:fontRef>
+        </p:style>
+        <p:txBody>
+          <a:bodyPr rtlCol="0" anchor="ctr"/>
           <a:lstStyle/>
           <a:p>
-            <a:pPr marL="285750" indent="-285750">
-              <a:buFont typeface="Arial" panose="020B0604020202020204" pitchFamily="34" charset="0"/>
-              <a:buChar char="•"/>
-            </a:pPr>
-            <a:r>
-              <a:rPr lang="fr-FR" sz="2400"/>
-              <a:t>Biais - variance</a:t>
-            </a:r>
-          </a:p>
-          <a:p>
-            <a:pPr marL="285750" indent="-285750">
-              <a:buFont typeface="Arial" panose="020B0604020202020204" pitchFamily="34" charset="0"/>
-              <a:buChar char="•"/>
-            </a:pPr>
-            <a:r>
-              <a:rPr lang="fr-FR" sz="2400"/>
-              <a:t>Overfitting</a:t>
-            </a:r>
-          </a:p>
-          <a:p>
-            <a:pPr marL="285750" indent="-285750">
-              <a:buFont typeface="Arial" panose="020B0604020202020204" pitchFamily="34" charset="0"/>
-              <a:buChar char="•"/>
-            </a:pPr>
-            <a:r>
-              <a:rPr lang="fr-FR" sz="2400"/>
-              <a:t>Cross-validation</a:t>
-            </a:r>
-          </a:p>
-          <a:p>
-            <a:pPr marL="285750" indent="-285750">
-              <a:buFont typeface="Arial" panose="020B0604020202020204" pitchFamily="34" charset="0"/>
-              <a:buChar char="•"/>
-            </a:pPr>
-            <a:r>
-              <a:rPr lang="fr-FR" sz="2400"/>
-              <a:t>Librairie scikit-learn</a:t>
-            </a:r>
-          </a:p>
-          <a:p>
-            <a:pPr marL="285750" indent="-285750">
-              <a:buFont typeface="Arial" panose="020B0604020202020204" pitchFamily="34" charset="0"/>
-              <a:buChar char="•"/>
-            </a:pPr>
-            <a:r>
-              <a:rPr lang="fr-FR" sz="2400"/>
-              <a:t>Régression polynomiale</a:t>
-            </a:r>
-          </a:p>
-          <a:p>
-            <a:pPr marL="285750" indent="-285750">
-              <a:buFont typeface="Arial" panose="020B0604020202020204" pitchFamily="34" charset="0"/>
-              <a:buChar char="•"/>
-            </a:pPr>
-            <a:r>
-              <a:rPr lang="fr-FR" sz="2400"/>
-              <a:t>Train – test</a:t>
-            </a:r>
-          </a:p>
-          <a:p>
-            <a:pPr marL="285750" indent="-285750">
-              <a:buFont typeface="Arial" panose="020B0604020202020204" pitchFamily="34" charset="0"/>
-              <a:buChar char="•"/>
-            </a:pPr>
-            <a:r>
-              <a:rPr lang="fr-FR" sz="2400"/>
-              <a:t>Régularisation</a:t>
-            </a:r>
-          </a:p>
-          <a:p>
-            <a:pPr marL="742950" lvl="1" indent="-285750">
-              <a:buFont typeface="Arial" panose="020B0604020202020204" pitchFamily="34" charset="0"/>
-              <a:buChar char="•"/>
-            </a:pPr>
-            <a:r>
-              <a:rPr lang="fr-FR" sz="2400"/>
-              <a:t>modifier la loss function</a:t>
-            </a:r>
-          </a:p>
-          <a:p>
-            <a:pPr marL="742950" lvl="1" indent="-285750">
-              <a:buFont typeface="Arial" panose="020B0604020202020204" pitchFamily="34" charset="0"/>
-              <a:buChar char="•"/>
-            </a:pPr>
-            <a:r>
-              <a:rPr lang="fr-FR" sz="2400"/>
-              <a:t>Ridge regression</a:t>
-            </a:r>
-          </a:p>
-          <a:p>
-            <a:pPr marL="742950" lvl="1" indent="-285750">
-              <a:buFont typeface="Arial" panose="020B0604020202020204" pitchFamily="34" charset="0"/>
-              <a:buChar char="•"/>
-            </a:pPr>
-            <a:r>
-              <a:rPr lang="fr-FR" sz="2400"/>
-              <a:t>Lasso</a:t>
-            </a:r>
-          </a:p>
-          <a:p>
-            <a:pPr marL="285750" indent="-285750">
-              <a:buFont typeface="Arial" panose="020B0604020202020204" pitchFamily="34" charset="0"/>
-              <a:buChar char="•"/>
-            </a:pPr>
-            <a:endParaRPr lang="fr-FR" sz="2400"/>
-          </a:p>
-          <a:p>
-            <a:endParaRPr lang="fr-FR" sz="2400"/>
-          </a:p>
-        </p:txBody>
-      </p:sp>
-      <p:sp>
-        <p:nvSpPr>
-          <p:cNvPr id="4" name="Title 1">
-            <a:extLst>
-              <a:ext uri="{FF2B5EF4-FFF2-40B4-BE49-F238E27FC236}">
-                <a16:creationId xmlns:a16="http://schemas.microsoft.com/office/drawing/2014/main" id="{86881021-56A8-0041-9DF1-76C87035ECA8}"/>
+            <a:pPr algn="ctr"/>
+            <a:endParaRPr lang="fr-FR"/>
+          </a:p>
+        </p:txBody>
+      </p:sp>
+      <p:sp>
+        <p:nvSpPr>
+          <p:cNvPr id="6" name="Title 1">
+            <a:extLst>
+              <a:ext uri="{FF2B5EF4-FFF2-40B4-BE49-F238E27FC236}">
+                <a16:creationId xmlns:a16="http://schemas.microsoft.com/office/drawing/2014/main" id="{2D844CAB-9821-7945-9FD5-EB569AC181C6}"/>
               </a:ext>
             </a:extLst>
           </p:cNvPr>
@@ -7480,7 +7787,7 @@
                   <a:schemeClr val="bg1"/>
                 </a:solidFill>
               </a:rPr>
-              <a:t>Aujourd'hui</a:t>
+              <a:t>Modélisation vs Analyse Précictive</a:t>
             </a:r>
           </a:p>
         </p:txBody>
@@ -7488,7 +7795,7 @@
     </p:spTree>
     <p:extLst>
       <p:ext uri="{BB962C8B-B14F-4D97-AF65-F5344CB8AC3E}">
-        <p14:creationId xmlns:p14="http://schemas.microsoft.com/office/powerpoint/2010/main" val="1995414703"/>
+        <p14:creationId xmlns:p14="http://schemas.microsoft.com/office/powerpoint/2010/main" val="3039485398"/>
       </p:ext>
     </p:extLst>
   </p:cSld>
@@ -9160,59 +9467,66 @@
           <p:nvPr>
             <p:extLst>
               <p:ext uri="{D42A27DB-BD31-4B8C-83A1-F6EECF244321}">
-                <p14:modId xmlns:p14="http://schemas.microsoft.com/office/powerpoint/2010/main" val="3880072506"/>
+                <p14:modId xmlns:p14="http://schemas.microsoft.com/office/powerpoint/2010/main" val="2332602340"/>
               </p:ext>
             </p:extLst>
           </p:nvPr>
         </p:nvGraphicFramePr>
         <p:xfrm>
-          <a:off x="648126" y="3016251"/>
-          <a:ext cx="11444557" cy="2529840"/>
+          <a:off x="289538" y="2969734"/>
+          <a:ext cx="11444558" cy="2804160"/>
         </p:xfrm>
         <a:graphic>
           <a:graphicData uri="http://schemas.openxmlformats.org/drawingml/2006/table">
             <a:tbl>
               <a:tblPr/>
               <a:tblGrid>
-                <a:gridCol w="1752600">
+                <a:gridCol w="1479071">
                   <a:extLst>
                     <a:ext uri="{9D8B030D-6E8A-4147-A177-3AD203B41FA5}">
                       <a16:colId xmlns:a16="http://schemas.microsoft.com/office/drawing/2014/main" val="46236023"/>
                     </a:ext>
                   </a:extLst>
                 </a:gridCol>
-                <a:gridCol w="1752600">
+                <a:gridCol w="1479071">
                   <a:extLst>
                     <a:ext uri="{9D8B030D-6E8A-4147-A177-3AD203B41FA5}">
                       <a16:colId xmlns:a16="http://schemas.microsoft.com/office/drawing/2014/main" val="1579753007"/>
                     </a:ext>
                   </a:extLst>
                 </a:gridCol>
-                <a:gridCol w="1752600">
+                <a:gridCol w="1479071">
                   <a:extLst>
                     <a:ext uri="{9D8B030D-6E8A-4147-A177-3AD203B41FA5}">
                       <a16:colId xmlns:a16="http://schemas.microsoft.com/office/drawing/2014/main" val="4052287960"/>
                     </a:ext>
                   </a:extLst>
                 </a:gridCol>
-                <a:gridCol w="1752600">
+                <a:gridCol w="1479071">
                   <a:extLst>
                     <a:ext uri="{9D8B030D-6E8A-4147-A177-3AD203B41FA5}">
                       <a16:colId xmlns:a16="http://schemas.microsoft.com/office/drawing/2014/main" val="3967657183"/>
                     </a:ext>
                   </a:extLst>
                 </a:gridCol>
-                <a:gridCol w="2317681">
+                <a:gridCol w="1955960">
                   <a:extLst>
                     <a:ext uri="{9D8B030D-6E8A-4147-A177-3AD203B41FA5}">
                       <a16:colId xmlns:a16="http://schemas.microsoft.com/office/drawing/2014/main" val="3870830700"/>
                     </a:ext>
                   </a:extLst>
                 </a:gridCol>
-                <a:gridCol w="2116476">
+                <a:gridCol w="1786157">
                   <a:extLst>
                     <a:ext uri="{9D8B030D-6E8A-4147-A177-3AD203B41FA5}">
                       <a16:colId xmlns:a16="http://schemas.microsoft.com/office/drawing/2014/main" val="3942308173"/>
+                    </a:ext>
+                  </a:extLst>
+                </a:gridCol>
+                <a:gridCol w="1786157">
+                  <a:extLst>
+                    <a:ext uri="{9D8B030D-6E8A-4147-A177-3AD203B41FA5}">
+                      <a16:colId xmlns:a16="http://schemas.microsoft.com/office/drawing/2014/main" val="4126355848"/>
                     </a:ext>
                   </a:extLst>
                 </a:gridCol>
@@ -9515,6 +9829,63 @@
                           <a:latin typeface="Verdana" panose="020B0604030504040204" pitchFamily="34" charset="0"/>
                         </a:rPr>
                         <a:t>p-values</a:t>
+                      </a:r>
+                    </a:p>
+                  </a:txBody>
+                  <a:tcPr marL="76200" marR="76200" marT="76200" marB="76200">
+                    <a:lnL w="9525" cap="flat" cmpd="sng" algn="ctr">
+                      <a:solidFill>
+                        <a:srgbClr val="BBBBBB"/>
+                      </a:solidFill>
+                      <a:prstDash val="dash"/>
+                      <a:round/>
+                      <a:headEnd type="none" w="med" len="med"/>
+                      <a:tailEnd type="none" w="med" len="med"/>
+                    </a:lnL>
+                    <a:lnR w="9525" cap="flat" cmpd="sng" algn="ctr">
+                      <a:solidFill>
+                        <a:srgbClr val="BBBBBB"/>
+                      </a:solidFill>
+                      <a:prstDash val="dash"/>
+                      <a:round/>
+                      <a:headEnd type="none" w="med" len="med"/>
+                      <a:tailEnd type="none" w="med" len="med"/>
+                    </a:lnR>
+                    <a:lnT w="9525" cap="flat" cmpd="sng" algn="ctr">
+                      <a:solidFill>
+                        <a:srgbClr val="BBBBBB"/>
+                      </a:solidFill>
+                      <a:prstDash val="dash"/>
+                      <a:round/>
+                      <a:headEnd type="none" w="med" len="med"/>
+                      <a:tailEnd type="none" w="med" len="med"/>
+                    </a:lnT>
+                    <a:lnB w="9525" cap="flat" cmpd="sng" algn="ctr">
+                      <a:solidFill>
+                        <a:srgbClr val="BBBBBB"/>
+                      </a:solidFill>
+                      <a:prstDash val="dash"/>
+                      <a:round/>
+                      <a:headEnd type="none" w="med" len="med"/>
+                      <a:tailEnd type="none" w="med" len="med"/>
+                    </a:lnB>
+                    <a:solidFill>
+                      <a:srgbClr val="F0F0F0"/>
+                    </a:solidFill>
+                  </a:tcPr>
+                </a:tc>
+                <a:tc>
+                  <a:txBody>
+                    <a:bodyPr/>
+                    <a:lstStyle/>
+                    <a:p>
+                      <a:pPr fontAlgn="t"/>
+                      <a:r>
+                        <a:rPr lang="en-US">
+                          <a:effectLst/>
+                          <a:latin typeface="Verdana" panose="020B0604030504040204" pitchFamily="34" charset="0"/>
+                        </a:rPr>
+                        <a:t>MSE?</a:t>
                       </a:r>
                     </a:p>
                   </a:txBody>
@@ -9884,6 +10255,66 @@
                           <a:latin typeface="Verdana" panose="020B0604030504040204" pitchFamily="34" charset="0"/>
                         </a:rPr>
                         <a:t>9.2e-13</a:t>
+                      </a:r>
+                    </a:p>
+                  </a:txBody>
+                  <a:tcPr marL="76200" marR="76200" marT="76200" marB="76200">
+                    <a:lnL w="9525" cap="flat" cmpd="sng" algn="ctr">
+                      <a:solidFill>
+                        <a:srgbClr val="BBBBBB"/>
+                      </a:solidFill>
+                      <a:prstDash val="dash"/>
+                      <a:round/>
+                      <a:headEnd type="none" w="med" len="med"/>
+                      <a:tailEnd type="none" w="med" len="med"/>
+                    </a:lnL>
+                    <a:lnR w="9525" cap="flat" cmpd="sng" algn="ctr">
+                      <a:solidFill>
+                        <a:srgbClr val="BBBBBB"/>
+                      </a:solidFill>
+                      <a:prstDash val="dash"/>
+                      <a:round/>
+                      <a:headEnd type="none" w="med" len="med"/>
+                      <a:tailEnd type="none" w="med" len="med"/>
+                    </a:lnR>
+                    <a:lnT w="9525" cap="flat" cmpd="sng" algn="ctr">
+                      <a:solidFill>
+                        <a:srgbClr val="BBBBBB"/>
+                      </a:solidFill>
+                      <a:prstDash val="dash"/>
+                      <a:round/>
+                      <a:headEnd type="none" w="med" len="med"/>
+                      <a:tailEnd type="none" w="med" len="med"/>
+                    </a:lnT>
+                    <a:lnB w="9525" cap="flat" cmpd="sng" algn="ctr">
+                      <a:solidFill>
+                        <a:srgbClr val="BBBBBB"/>
+                      </a:solidFill>
+                      <a:prstDash val="dash"/>
+                      <a:round/>
+                      <a:headEnd type="none" w="med" len="med"/>
+                      <a:tailEnd type="none" w="med" len="med"/>
+                    </a:lnB>
+                    <a:solidFill>
+                      <a:srgbClr val="FFFFFF"/>
+                    </a:solidFill>
+                  </a:tcPr>
+                </a:tc>
+                <a:tc>
+                  <a:txBody>
+                    <a:bodyPr/>
+                    <a:lstStyle/>
+                    <a:p>
+                      <a:pPr fontAlgn="t">
+                        <a:buFont typeface="Arial" panose="020B0604020202020204" pitchFamily="34" charset="0"/>
+                        <a:buChar char="•"/>
+                      </a:pPr>
+                      <a:r>
+                        <a:rPr lang="en-US">
+                          <a:effectLst/>
+                          <a:latin typeface="Verdana" panose="020B0604030504040204" pitchFamily="34" charset="0"/>
+                        </a:rPr>
+                        <a:t>688</a:t>
                       </a:r>
                     </a:p>
                   </a:txBody>
@@ -10300,6 +10731,66 @@
                           <a:latin typeface="Verdana" panose="020B0604030504040204" pitchFamily="34" charset="0"/>
                         </a:rPr>
                         <a:t>8.3e-07</a:t>
+                      </a:r>
+                    </a:p>
+                  </a:txBody>
+                  <a:tcPr marL="76200" marR="76200" marT="76200" marB="76200">
+                    <a:lnL w="9525" cap="flat" cmpd="sng" algn="ctr">
+                      <a:solidFill>
+                        <a:srgbClr val="BBBBBB"/>
+                      </a:solidFill>
+                      <a:prstDash val="dash"/>
+                      <a:round/>
+                      <a:headEnd type="none" w="med" len="med"/>
+                      <a:tailEnd type="none" w="med" len="med"/>
+                    </a:lnL>
+                    <a:lnR w="9525" cap="flat" cmpd="sng" algn="ctr">
+                      <a:solidFill>
+                        <a:srgbClr val="BBBBBB"/>
+                      </a:solidFill>
+                      <a:prstDash val="dash"/>
+                      <a:round/>
+                      <a:headEnd type="none" w="med" len="med"/>
+                      <a:tailEnd type="none" w="med" len="med"/>
+                    </a:lnR>
+                    <a:lnT w="9525" cap="flat" cmpd="sng" algn="ctr">
+                      <a:solidFill>
+                        <a:srgbClr val="BBBBBB"/>
+                      </a:solidFill>
+                      <a:prstDash val="dash"/>
+                      <a:round/>
+                      <a:headEnd type="none" w="med" len="med"/>
+                      <a:tailEnd type="none" w="med" len="med"/>
+                    </a:lnT>
+                    <a:lnB w="9525" cap="flat" cmpd="sng" algn="ctr">
+                      <a:solidFill>
+                        <a:srgbClr val="BBBBBB"/>
+                      </a:solidFill>
+                      <a:prstDash val="dash"/>
+                      <a:round/>
+                      <a:headEnd type="none" w="med" len="med"/>
+                      <a:tailEnd type="none" w="med" len="med"/>
+                    </a:lnB>
+                    <a:solidFill>
+                      <a:srgbClr val="F0F0F0"/>
+                    </a:solidFill>
+                  </a:tcPr>
+                </a:tc>
+                <a:tc>
+                  <a:txBody>
+                    <a:bodyPr/>
+                    <a:lstStyle/>
+                    <a:p>
+                      <a:pPr fontAlgn="t">
+                        <a:buFont typeface="Arial" panose="020B0604020202020204" pitchFamily="34" charset="0"/>
+                        <a:buChar char="•"/>
+                      </a:pPr>
+                      <a:r>
+                        <a:rPr lang="en-US">
+                          <a:effectLst/>
+                          <a:latin typeface="Verdana" panose="020B0604030504040204" pitchFamily="34" charset="0"/>
+                        </a:rPr>
+                        <a:t>554</a:t>
                       </a:r>
                     </a:p>
                   </a:txBody>
@@ -10818,6 +11309,69 @@
                     </a:solidFill>
                   </a:tcPr>
                 </a:tc>
+                <a:tc>
+                  <a:txBody>
+                    <a:bodyPr/>
+                    <a:lstStyle/>
+                    <a:p>
+                      <a:pPr fontAlgn="t">
+                        <a:buFont typeface="Arial" panose="020B0604020202020204" pitchFamily="34" charset="0"/>
+                        <a:buChar char="•"/>
+                      </a:pPr>
+                      <a:r>
+                        <a:rPr lang="en-US">
+                          <a:solidFill>
+                            <a:srgbClr val="C00000"/>
+                          </a:solidFill>
+                          <a:effectLst/>
+                          <a:latin typeface="Verdana" panose="020B0604030504040204" pitchFamily="34" charset="0"/>
+                        </a:rPr>
+                        <a:t>541</a:t>
+                      </a:r>
+                    </a:p>
+                  </a:txBody>
+                  <a:tcPr marL="76200" marR="76200" marT="76200" marB="76200">
+                    <a:lnL w="9525" cap="flat" cmpd="sng" algn="ctr">
+                      <a:solidFill>
+                        <a:srgbClr val="BBBBBB"/>
+                      </a:solidFill>
+                      <a:prstDash val="dash"/>
+                      <a:round/>
+                      <a:headEnd type="none" w="med" len="med"/>
+                      <a:tailEnd type="none" w="med" len="med"/>
+                    </a:lnL>
+                    <a:lnR w="9525" cap="flat" cmpd="sng" algn="ctr">
+                      <a:solidFill>
+                        <a:srgbClr val="BBBBBB"/>
+                      </a:solidFill>
+                      <a:prstDash val="dash"/>
+                      <a:round/>
+                      <a:headEnd type="none" w="med" len="med"/>
+                      <a:tailEnd type="none" w="med" len="med"/>
+                    </a:lnR>
+                    <a:lnT w="9525" cap="flat" cmpd="sng" algn="ctr">
+                      <a:solidFill>
+                        <a:srgbClr val="BBBBBB"/>
+                      </a:solidFill>
+                      <a:prstDash val="dash"/>
+                      <a:round/>
+                      <a:headEnd type="none" w="med" len="med"/>
+                      <a:tailEnd type="none" w="med" len="med"/>
+                    </a:lnT>
+                    <a:lnB w="9525" cap="flat" cmpd="sng" algn="ctr">
+                      <a:solidFill>
+                        <a:srgbClr val="BBBBBB"/>
+                      </a:solidFill>
+                      <a:prstDash val="dash"/>
+                      <a:round/>
+                      <a:headEnd type="none" w="med" len="med"/>
+                      <a:tailEnd type="none" w="med" len="med"/>
+                    </a:lnB>
+                    <a:solidFill>
+                      <a:srgbClr val="FFFFFF"/>
+                    </a:solidFill>
+                  </a:tcPr>
+                </a:tc>
                 <a:extLst>
                   <a:ext uri="{0D108BD9-81ED-4DB2-BD59-A6C34878D82A}">
                     <a16:rowId xmlns:a16="http://schemas.microsoft.com/office/drawing/2014/main" val="817996854"/>
@@ -10884,7 +11438,68 @@
                   <a:schemeClr val="bg1"/>
                 </a:solidFill>
               </a:rPr>
-              <a:t>Ozone dataset</a:t>
+              <a:t>A vous: Ozone dataset</a:t>
+            </a:r>
+          </a:p>
+        </p:txBody>
+      </p:sp>
+      <p:sp>
+        <p:nvSpPr>
+          <p:cNvPr id="5" name="Title 1">
+            <a:extLst>
+              <a:ext uri="{FF2B5EF4-FFF2-40B4-BE49-F238E27FC236}">
+                <a16:creationId xmlns:a16="http://schemas.microsoft.com/office/drawing/2014/main" id="{F8BFBFD8-3AAC-CF49-940D-F139CA2AA998}"/>
+              </a:ext>
+            </a:extLst>
+          </p:cNvPr>
+          <p:cNvSpPr txBox="1">
+            <a:spLocks/>
+          </p:cNvSpPr>
+          <p:nvPr/>
+        </p:nvSpPr>
+        <p:spPr>
+          <a:xfrm>
+            <a:off x="0" y="0"/>
+            <a:ext cx="12202274" cy="646331"/>
+          </a:xfrm>
+          <a:prstGeom prst="rect">
+            <a:avLst/>
+          </a:prstGeom>
+          <a:solidFill>
+            <a:srgbClr val="FF0000"/>
+          </a:solidFill>
+        </p:spPr>
+        <p:txBody>
+          <a:bodyPr vert="horz" lIns="91440" tIns="45720" rIns="91440" bIns="45720" rtlCol="0" anchor="ctr">
+            <a:normAutofit fontScale="97500" lnSpcReduction="10000"/>
+          </a:bodyPr>
+          <a:lstStyle>
+            <a:lvl1pPr algn="l" defTabSz="914400" rtl="0" eaLnBrk="1" latinLnBrk="0" hangingPunct="1">
+              <a:lnSpc>
+                <a:spcPct val="90000"/>
+              </a:lnSpc>
+              <a:spcBef>
+                <a:spcPct val="0"/>
+              </a:spcBef>
+              <a:buNone/>
+              <a:defRPr sz="4400" kern="1200">
+                <a:solidFill>
+                  <a:schemeClr val="tx1"/>
+                </a:solidFill>
+                <a:latin typeface="+mj-lt"/>
+                <a:ea typeface="+mj-ea"/>
+                <a:cs typeface="+mj-cs"/>
+              </a:defRPr>
+            </a:lvl1pPr>
+          </a:lstStyle>
+          <a:p>
+            <a:r>
+              <a:rPr lang="fr-FR">
+                <a:solidFill>
+                  <a:schemeClr val="bg1"/>
+                </a:solidFill>
+              </a:rPr>
+              <a:t>A vous – Ozone</a:t>
             </a:r>
           </a:p>
         </p:txBody>
@@ -10996,79 +11611,47 @@
       </p:grpSpPr>
       <p:sp>
         <p:nvSpPr>
-          <p:cNvPr id="3" name="TextBox 2">
-            <a:extLst>
-              <a:ext uri="{FF2B5EF4-FFF2-40B4-BE49-F238E27FC236}">
-                <a16:creationId xmlns:a16="http://schemas.microsoft.com/office/drawing/2014/main" id="{6248A475-9657-804B-8300-B9C083D40FA9}"/>
-              </a:ext>
-            </a:extLst>
-          </p:cNvPr>
-          <p:cNvSpPr txBox="1"/>
+          <p:cNvPr id="2" name="Rectangle 1">
+            <a:extLst>
+              <a:ext uri="{FF2B5EF4-FFF2-40B4-BE49-F238E27FC236}">
+                <a16:creationId xmlns:a16="http://schemas.microsoft.com/office/drawing/2014/main" id="{CD530EE3-A99A-0446-ABB8-ABFC1BF01624}"/>
+              </a:ext>
+            </a:extLst>
+          </p:cNvPr>
+          <p:cNvSpPr/>
           <p:nvPr/>
         </p:nvSpPr>
         <p:spPr>
           <a:xfrm>
-            <a:off x="3266532" y="1074625"/>
-            <a:ext cx="5842746" cy="1477328"/>
+            <a:off x="1496601" y="5977664"/>
+            <a:ext cx="11027596" cy="369332"/>
           </a:xfrm>
           <a:prstGeom prst="rect">
             <a:avLst/>
           </a:prstGeom>
-          <a:noFill/>
-          <a:ln w="28575">
-            <a:solidFill>
-              <a:srgbClr val="0070C0"/>
-            </a:solidFill>
-          </a:ln>
         </p:spPr>
         <p:txBody>
-          <a:bodyPr wrap="square" rtlCol="0">
+          <a:bodyPr wrap="square">
             <a:spAutoFit/>
           </a:bodyPr>
           <a:lstStyle/>
           <a:p>
             <a:r>
-              <a:rPr lang="fr-FR"/>
-              <a:t>Quand le modèle </a:t>
-            </a:r>
-          </a:p>
-          <a:p>
-            <a:pPr marL="285750" indent="-285750">
-              <a:buFont typeface="Arial" panose="020B0604020202020204" pitchFamily="34" charset="0"/>
-              <a:buChar char="•"/>
-            </a:pPr>
-            <a:r>
-              <a:rPr lang="fr-FR"/>
-              <a:t>modèlise le bruit dans le dataset</a:t>
-            </a:r>
-          </a:p>
-          <a:p>
-            <a:pPr marL="285750" indent="-285750">
-              <a:buFont typeface="Arial" panose="020B0604020202020204" pitchFamily="34" charset="0"/>
-              <a:buChar char="•"/>
-            </a:pPr>
-            <a:r>
-              <a:rPr lang="fr-FR"/>
-              <a:t>colle trop aux données de training</a:t>
-            </a:r>
-          </a:p>
-          <a:p>
+              <a:rPr lang="en-US">
+                <a:hlinkClick r:id="rId2"/>
+              </a:rPr>
+              <a:t>https://scikit-learn.org/stable/auto_examples/model_selection/plot_underfitting_overfitting.html</a:t>
+            </a:r>
             <a:endParaRPr lang="fr-FR"/>
-          </a:p>
-          <a:p>
-            <a:r>
-              <a:rPr lang="fr-FR"/>
-              <a:t>Le modèle ne peut être généralisé à des données nouvelles</a:t>
-            </a:r>
           </a:p>
         </p:txBody>
       </p:sp>
       <p:pic>
         <p:nvPicPr>
-          <p:cNvPr id="5" name="Picture 4">
-            <a:extLst>
-              <a:ext uri="{FF2B5EF4-FFF2-40B4-BE49-F238E27FC236}">
-                <a16:creationId xmlns:a16="http://schemas.microsoft.com/office/drawing/2014/main" id="{771B65A3-10C1-1A4E-A219-190F59F67F09}"/>
+          <p:cNvPr id="4" name="Picture 3">
+            <a:extLst>
+              <a:ext uri="{FF2B5EF4-FFF2-40B4-BE49-F238E27FC236}">
+                <a16:creationId xmlns:a16="http://schemas.microsoft.com/office/drawing/2014/main" id="{B286B777-D573-EF42-B074-4258317BD622}"/>
               </a:ext>
             </a:extLst>
           </p:cNvPr>
@@ -11078,15 +11661,15 @@
           <p:nvPr/>
         </p:nvPicPr>
         <p:blipFill>
-          <a:blip r:embed="rId2"/>
+          <a:blip r:embed="rId3"/>
           <a:stretch>
             <a:fillRect/>
           </a:stretch>
         </p:blipFill>
         <p:spPr>
           <a:xfrm>
-            <a:off x="3049922" y="2819766"/>
-            <a:ext cx="7268821" cy="4038234"/>
+            <a:off x="0" y="1056916"/>
+            <a:ext cx="12192000" cy="4744167"/>
           </a:xfrm>
           <a:prstGeom prst="rect">
             <a:avLst/>
@@ -11095,10 +11678,10 @@
       </p:pic>
       <p:sp>
         <p:nvSpPr>
-          <p:cNvPr id="6" name="Title 1">
-            <a:extLst>
-              <a:ext uri="{FF2B5EF4-FFF2-40B4-BE49-F238E27FC236}">
-                <a16:creationId xmlns:a16="http://schemas.microsoft.com/office/drawing/2014/main" id="{E925C4EC-9914-0A42-98C6-9C589D941A93}"/>
+          <p:cNvPr id="5" name="Title 1">
+            <a:extLst>
+              <a:ext uri="{FF2B5EF4-FFF2-40B4-BE49-F238E27FC236}">
+                <a16:creationId xmlns:a16="http://schemas.microsoft.com/office/drawing/2014/main" id="{77B8D261-9F14-694B-9721-EED0E57EBCCA}"/>
               </a:ext>
             </a:extLst>
           </p:cNvPr>
@@ -11157,7 +11740,7 @@
     </p:spTree>
     <p:extLst>
       <p:ext uri="{BB962C8B-B14F-4D97-AF65-F5344CB8AC3E}">
-        <p14:creationId xmlns:p14="http://schemas.microsoft.com/office/powerpoint/2010/main" val="521477589"/>
+        <p14:creationId xmlns:p14="http://schemas.microsoft.com/office/powerpoint/2010/main" val="1304912994"/>
       </p:ext>
     </p:extLst>
   </p:cSld>
@@ -11186,47 +11769,79 @@
       </p:grpSpPr>
       <p:sp>
         <p:nvSpPr>
-          <p:cNvPr id="2" name="Rectangle 1">
-            <a:extLst>
-              <a:ext uri="{FF2B5EF4-FFF2-40B4-BE49-F238E27FC236}">
-                <a16:creationId xmlns:a16="http://schemas.microsoft.com/office/drawing/2014/main" id="{CD530EE3-A99A-0446-ABB8-ABFC1BF01624}"/>
-              </a:ext>
-            </a:extLst>
-          </p:cNvPr>
-          <p:cNvSpPr/>
+          <p:cNvPr id="3" name="TextBox 2">
+            <a:extLst>
+              <a:ext uri="{FF2B5EF4-FFF2-40B4-BE49-F238E27FC236}">
+                <a16:creationId xmlns:a16="http://schemas.microsoft.com/office/drawing/2014/main" id="{6248A475-9657-804B-8300-B9C083D40FA9}"/>
+              </a:ext>
+            </a:extLst>
+          </p:cNvPr>
+          <p:cNvSpPr txBox="1"/>
           <p:nvPr/>
         </p:nvSpPr>
         <p:spPr>
           <a:xfrm>
-            <a:off x="1496601" y="5977664"/>
-            <a:ext cx="11027596" cy="369332"/>
+            <a:off x="3266532" y="1074625"/>
+            <a:ext cx="5842746" cy="1477328"/>
           </a:xfrm>
           <a:prstGeom prst="rect">
             <a:avLst/>
           </a:prstGeom>
+          <a:noFill/>
+          <a:ln w="28575">
+            <a:solidFill>
+              <a:srgbClr val="0070C0"/>
+            </a:solidFill>
+          </a:ln>
         </p:spPr>
         <p:txBody>
-          <a:bodyPr wrap="square">
+          <a:bodyPr wrap="square" rtlCol="0">
             <a:spAutoFit/>
           </a:bodyPr>
           <a:lstStyle/>
           <a:p>
             <a:r>
-              <a:rPr lang="en-US">
-                <a:hlinkClick r:id="rId2"/>
-              </a:rPr>
-              <a:t>https://scikit-learn.org/stable/auto_examples/model_selection/plot_underfitting_overfitting.html</a:t>
-            </a:r>
+              <a:rPr lang="fr-FR"/>
+              <a:t>Quand le modèle </a:t>
+            </a:r>
+          </a:p>
+          <a:p>
+            <a:pPr marL="285750" indent="-285750">
+              <a:buFont typeface="Arial" panose="020B0604020202020204" pitchFamily="34" charset="0"/>
+              <a:buChar char="•"/>
+            </a:pPr>
+            <a:r>
+              <a:rPr lang="fr-FR"/>
+              <a:t>modèlise le bruit dans le dataset</a:t>
+            </a:r>
+          </a:p>
+          <a:p>
+            <a:pPr marL="285750" indent="-285750">
+              <a:buFont typeface="Arial" panose="020B0604020202020204" pitchFamily="34" charset="0"/>
+              <a:buChar char="•"/>
+            </a:pPr>
+            <a:r>
+              <a:rPr lang="fr-FR"/>
+              <a:t>colle trop aux données de training</a:t>
+            </a:r>
+          </a:p>
+          <a:p>
             <a:endParaRPr lang="fr-FR"/>
+          </a:p>
+          <a:p>
+            <a:r>
+              <a:rPr lang="fr-FR"/>
+              <a:t>Le modèle ne peut être généralisé à des données nouvelles</a:t>
+            </a:r>
           </a:p>
         </p:txBody>
       </p:sp>
       <p:pic>
         <p:nvPicPr>
-          <p:cNvPr id="4" name="Picture 3">
-            <a:extLst>
-              <a:ext uri="{FF2B5EF4-FFF2-40B4-BE49-F238E27FC236}">
-                <a16:creationId xmlns:a16="http://schemas.microsoft.com/office/drawing/2014/main" id="{B286B777-D573-EF42-B074-4258317BD622}"/>
+          <p:cNvPr id="5" name="Picture 4">
+            <a:extLst>
+              <a:ext uri="{FF2B5EF4-FFF2-40B4-BE49-F238E27FC236}">
+                <a16:creationId xmlns:a16="http://schemas.microsoft.com/office/drawing/2014/main" id="{771B65A3-10C1-1A4E-A219-190F59F67F09}"/>
               </a:ext>
             </a:extLst>
           </p:cNvPr>
@@ -11236,15 +11851,15 @@
           <p:nvPr/>
         </p:nvPicPr>
         <p:blipFill>
-          <a:blip r:embed="rId3"/>
+          <a:blip r:embed="rId2"/>
           <a:stretch>
             <a:fillRect/>
           </a:stretch>
         </p:blipFill>
         <p:spPr>
           <a:xfrm>
-            <a:off x="0" y="1056916"/>
-            <a:ext cx="12192000" cy="4744167"/>
+            <a:off x="3049922" y="2819766"/>
+            <a:ext cx="7268821" cy="4038234"/>
           </a:xfrm>
           <a:prstGeom prst="rect">
             <a:avLst/>
@@ -11253,10 +11868,10 @@
       </p:pic>
       <p:sp>
         <p:nvSpPr>
-          <p:cNvPr id="5" name="Title 1">
-            <a:extLst>
-              <a:ext uri="{FF2B5EF4-FFF2-40B4-BE49-F238E27FC236}">
-                <a16:creationId xmlns:a16="http://schemas.microsoft.com/office/drawing/2014/main" id="{77B8D261-9F14-694B-9721-EED0E57EBCCA}"/>
+          <p:cNvPr id="6" name="Title 1">
+            <a:extLst>
+              <a:ext uri="{FF2B5EF4-FFF2-40B4-BE49-F238E27FC236}">
+                <a16:creationId xmlns:a16="http://schemas.microsoft.com/office/drawing/2014/main" id="{E925C4EC-9914-0A42-98C6-9C589D941A93}"/>
               </a:ext>
             </a:extLst>
           </p:cNvPr>
@@ -11315,7 +11930,7 @@
     </p:spTree>
     <p:extLst>
       <p:ext uri="{BB962C8B-B14F-4D97-AF65-F5344CB8AC3E}">
-        <p14:creationId xmlns:p14="http://schemas.microsoft.com/office/powerpoint/2010/main" val="1304912994"/>
+        <p14:creationId xmlns:p14="http://schemas.microsoft.com/office/powerpoint/2010/main" val="521477589"/>
       </p:ext>
     </p:extLst>
   </p:cSld>
@@ -11510,7 +12125,7 @@
                   <a:schemeClr val="bg1"/>
                 </a:solidFill>
               </a:rPr>
-              <a:t>Detecter l'overfitting</a:t>
+              <a:t>Detecter l'overfitting: Learning curve</a:t>
             </a:r>
           </a:p>
         </p:txBody>

--- a/slides/XEM20_S1D5_biais_variance.pptx
+++ b/slides/XEM20_S1D5_biais_variance.pptx
@@ -23,28 +23,26 @@
     <p:sldId id="291" r:id="rId17"/>
     <p:sldId id="292" r:id="rId18"/>
     <p:sldId id="294" r:id="rId19"/>
-    <p:sldId id="271" r:id="rId20"/>
-    <p:sldId id="273" r:id="rId21"/>
-    <p:sldId id="274" r:id="rId22"/>
-    <p:sldId id="272" r:id="rId23"/>
-    <p:sldId id="270" r:id="rId24"/>
-    <p:sldId id="276" r:id="rId25"/>
-    <p:sldId id="277" r:id="rId26"/>
-    <p:sldId id="278" r:id="rId27"/>
-    <p:sldId id="296" r:id="rId28"/>
-    <p:sldId id="279" r:id="rId29"/>
-    <p:sldId id="275" r:id="rId30"/>
-    <p:sldId id="281" r:id="rId31"/>
-    <p:sldId id="282" r:id="rId32"/>
-    <p:sldId id="280" r:id="rId33"/>
-    <p:sldId id="283" r:id="rId34"/>
-    <p:sldId id="284" r:id="rId35"/>
-    <p:sldId id="286" r:id="rId36"/>
-    <p:sldId id="287" r:id="rId37"/>
-    <p:sldId id="285" r:id="rId38"/>
-    <p:sldId id="288" r:id="rId39"/>
-    <p:sldId id="289" r:id="rId40"/>
-    <p:sldId id="293" r:id="rId41"/>
+    <p:sldId id="283" r:id="rId20"/>
+    <p:sldId id="286" r:id="rId21"/>
+    <p:sldId id="287" r:id="rId22"/>
+    <p:sldId id="285" r:id="rId23"/>
+    <p:sldId id="288" r:id="rId24"/>
+    <p:sldId id="289" r:id="rId25"/>
+    <p:sldId id="271" r:id="rId26"/>
+    <p:sldId id="273" r:id="rId27"/>
+    <p:sldId id="274" r:id="rId28"/>
+    <p:sldId id="272" r:id="rId29"/>
+    <p:sldId id="270" r:id="rId30"/>
+    <p:sldId id="278" r:id="rId31"/>
+    <p:sldId id="276" r:id="rId32"/>
+    <p:sldId id="277" r:id="rId33"/>
+    <p:sldId id="279" r:id="rId34"/>
+    <p:sldId id="275" r:id="rId35"/>
+    <p:sldId id="281" r:id="rId36"/>
+    <p:sldId id="282" r:id="rId37"/>
+    <p:sldId id="280" r:id="rId38"/>
+    <p:sldId id="293" r:id="rId39"/>
   </p:sldIdLst>
   <p:sldSz cx="12192000" cy="6858000"/>
   <p:notesSz cx="6858000" cy="9144000"/>
@@ -5814,7 +5812,7 @@
           <p:cNvPr id="2" name="Title 1">
             <a:extLst>
               <a:ext uri="{FF2B5EF4-FFF2-40B4-BE49-F238E27FC236}">
-                <a16:creationId xmlns:a16="http://schemas.microsoft.com/office/drawing/2014/main" id="{6BEE63FA-56FF-824F-95E9-42EF5BEC9F98}"/>
+                <a16:creationId xmlns:a16="http://schemas.microsoft.com/office/drawing/2014/main" id="{55568D82-7781-7044-9514-E405E2C98CEC}"/>
               </a:ext>
             </a:extLst>
           </p:cNvPr>
@@ -5832,7 +5830,7 @@
           <a:p>
             <a:r>
               <a:rPr lang="fr-FR"/>
-              <a:t>scikit-learn</a:t>
+              <a:t>Biais - variance</a:t>
             </a:r>
           </a:p>
         </p:txBody>
@@ -5842,7 +5840,7 @@
           <p:cNvPr id="3" name="Text Placeholder 2">
             <a:extLst>
               <a:ext uri="{FF2B5EF4-FFF2-40B4-BE49-F238E27FC236}">
-                <a16:creationId xmlns:a16="http://schemas.microsoft.com/office/drawing/2014/main" id="{5337D3B5-99BA-7B40-87A5-A3AB59D20188}"/>
+                <a16:creationId xmlns:a16="http://schemas.microsoft.com/office/drawing/2014/main" id="{BFA74CD5-3E3D-614D-BFEA-9BF421B7D917}"/>
               </a:ext>
             </a:extLst>
           </p:cNvPr>
@@ -5865,7 +5863,7 @@
     </p:spTree>
     <p:extLst>
       <p:ext uri="{BB962C8B-B14F-4D97-AF65-F5344CB8AC3E}">
-        <p14:creationId xmlns:p14="http://schemas.microsoft.com/office/powerpoint/2010/main" val="397920468"/>
+        <p14:creationId xmlns:p14="http://schemas.microsoft.com/office/powerpoint/2010/main" val="2817803617"/>
       </p:ext>
     </p:extLst>
   </p:cSld>
@@ -6307,6 +6305,698 @@
 </file>
 
 <file path=ppt/slides/slide20.xml><?xml version="1.0" encoding="utf-8"?>
+<p:sld xmlns:a="http://schemas.openxmlformats.org/drawingml/2006/main" xmlns:r="http://schemas.openxmlformats.org/officeDocument/2006/relationships" xmlns:p="http://schemas.openxmlformats.org/presentationml/2006/main">
+  <p:cSld>
+    <p:spTree>
+      <p:nvGrpSpPr>
+        <p:cNvPr id="1" name=""/>
+        <p:cNvGrpSpPr/>
+        <p:nvPr/>
+      </p:nvGrpSpPr>
+      <p:grpSpPr>
+        <a:xfrm>
+          <a:off x="0" y="0"/>
+          <a:ext cx="0" cy="0"/>
+          <a:chOff x="0" y="0"/>
+          <a:chExt cx="0" cy="0"/>
+        </a:xfrm>
+      </p:grpSpPr>
+      <p:pic>
+        <p:nvPicPr>
+          <p:cNvPr id="5" name="Picture 4">
+            <a:extLst>
+              <a:ext uri="{FF2B5EF4-FFF2-40B4-BE49-F238E27FC236}">
+                <a16:creationId xmlns:a16="http://schemas.microsoft.com/office/drawing/2014/main" id="{ABC1BE34-949B-7548-A138-E536BFD1B548}"/>
+              </a:ext>
+            </a:extLst>
+          </p:cNvPr>
+          <p:cNvPicPr>
+            <a:picLocks noChangeAspect="1"/>
+          </p:cNvPicPr>
+          <p:nvPr/>
+        </p:nvPicPr>
+        <p:blipFill>
+          <a:blip r:embed="rId2"/>
+          <a:stretch>
+            <a:fillRect/>
+          </a:stretch>
+        </p:blipFill>
+        <p:spPr>
+          <a:xfrm>
+            <a:off x="0" y="407412"/>
+            <a:ext cx="12192000" cy="6450588"/>
+          </a:xfrm>
+          <a:prstGeom prst="rect">
+            <a:avLst/>
+          </a:prstGeom>
+        </p:spPr>
+      </p:pic>
+      <p:sp>
+        <p:nvSpPr>
+          <p:cNvPr id="3" name="Rectangle 2">
+            <a:extLst>
+              <a:ext uri="{FF2B5EF4-FFF2-40B4-BE49-F238E27FC236}">
+                <a16:creationId xmlns:a16="http://schemas.microsoft.com/office/drawing/2014/main" id="{0FED082D-1840-D24C-8529-EC84115E7AE8}"/>
+              </a:ext>
+            </a:extLst>
+          </p:cNvPr>
+          <p:cNvSpPr/>
+          <p:nvPr/>
+        </p:nvSpPr>
+        <p:spPr>
+          <a:xfrm>
+            <a:off x="6096000" y="2012647"/>
+            <a:ext cx="5593976" cy="4524315"/>
+          </a:xfrm>
+          <a:prstGeom prst="rect">
+            <a:avLst/>
+          </a:prstGeom>
+        </p:spPr>
+        <p:txBody>
+          <a:bodyPr wrap="square">
+            <a:spAutoFit/>
+          </a:bodyPr>
+          <a:lstStyle/>
+          <a:p>
+            <a:r>
+              <a:rPr lang="fr-FR"/>
+              <a:t>L'erreur de prédiction peut etre décomposée en 2 termes</a:t>
+            </a:r>
+          </a:p>
+          <a:p>
+            <a:pPr marL="342900" indent="-342900">
+              <a:buFont typeface="+mj-lt"/>
+              <a:buAutoNum type="arabicPeriod"/>
+            </a:pPr>
+            <a:r>
+              <a:rPr lang="fr-FR" b="1"/>
+              <a:t>Biais</a:t>
+            </a:r>
+            <a:r>
+              <a:rPr lang="fr-FR"/>
+              <a:t>: la différence entre les predictions du modele et la valeur cible. Le biais mesure la performance du modèle, la distance entre les predictions et les valeurs cibles.</a:t>
+            </a:r>
+          </a:p>
+          <a:p>
+            <a:pPr marL="800100" lvl="1" indent="-342900">
+              <a:buFont typeface="Arial" panose="020B0604020202020204" pitchFamily="34" charset="0"/>
+              <a:buChar char="•"/>
+            </a:pPr>
+            <a:r>
+              <a:rPr lang="fr-FR" b="1"/>
+              <a:t>Underfitting</a:t>
+            </a:r>
+            <a:r>
+              <a:rPr lang="fr-FR"/>
+              <a:t>: Un biais important indique que le modele n'arrive pas à comprendre les données qui lui sont fournies</a:t>
+            </a:r>
+          </a:p>
+          <a:p>
+            <a:pPr marL="342900" indent="-342900">
+              <a:buFont typeface="+mj-lt"/>
+              <a:buAutoNum type="arabicPeriod"/>
+            </a:pPr>
+            <a:r>
+              <a:rPr lang="fr-FR" b="1"/>
+              <a:t>Variance</a:t>
+            </a:r>
+            <a:r>
+              <a:rPr lang="fr-FR"/>
+              <a:t>: Il s'agit là de la variabilité des prédictions entre différentes réalisations du modèle pour un échantillon donné.</a:t>
+            </a:r>
+            <a:br>
+              <a:rPr lang="fr-FR"/>
+            </a:br>
+            <a:r>
+              <a:rPr lang="fr-FR"/>
+              <a:t>La variance mesure la sensibilité du modèle aux données d'apprentissages</a:t>
+            </a:r>
+          </a:p>
+          <a:p>
+            <a:pPr marL="800100" lvl="1" indent="-342900">
+              <a:buFont typeface="Arial" panose="020B0604020202020204" pitchFamily="34" charset="0"/>
+              <a:buChar char="•"/>
+            </a:pPr>
+            <a:r>
+              <a:rPr lang="fr-FR" b="1"/>
+              <a:t>Overfitting</a:t>
+            </a:r>
+            <a:r>
+              <a:rPr lang="fr-FR"/>
+              <a:t>: Une forte erreur de variance indique que le modèle ne pourra pas extrapoler ses prédictions sur des nouvelles données</a:t>
+            </a:r>
+          </a:p>
+        </p:txBody>
+      </p:sp>
+    </p:spTree>
+    <p:extLst>
+      <p:ext uri="{BB962C8B-B14F-4D97-AF65-F5344CB8AC3E}">
+        <p14:creationId xmlns:p14="http://schemas.microsoft.com/office/powerpoint/2010/main" val="1341798663"/>
+      </p:ext>
+    </p:extLst>
+  </p:cSld>
+  <p:clrMapOvr>
+    <a:masterClrMapping/>
+  </p:clrMapOvr>
+</p:sld>
+</file>
+
+<file path=ppt/slides/slide21.xml><?xml version="1.0" encoding="utf-8"?>
+<p:sld xmlns:a="http://schemas.openxmlformats.org/drawingml/2006/main" xmlns:r="http://schemas.openxmlformats.org/officeDocument/2006/relationships" xmlns:p="http://schemas.openxmlformats.org/presentationml/2006/main">
+  <p:cSld>
+    <p:spTree>
+      <p:nvGrpSpPr>
+        <p:cNvPr id="1" name=""/>
+        <p:cNvGrpSpPr/>
+        <p:nvPr/>
+      </p:nvGrpSpPr>
+      <p:grpSpPr>
+        <a:xfrm>
+          <a:off x="0" y="0"/>
+          <a:ext cx="0" cy="0"/>
+          <a:chOff x="0" y="0"/>
+          <a:chExt cx="0" cy="0"/>
+        </a:xfrm>
+      </p:grpSpPr>
+      <p:pic>
+        <p:nvPicPr>
+          <p:cNvPr id="2" name="Picture 1">
+            <a:extLst>
+              <a:ext uri="{FF2B5EF4-FFF2-40B4-BE49-F238E27FC236}">
+                <a16:creationId xmlns:a16="http://schemas.microsoft.com/office/drawing/2014/main" id="{3D3890FB-18F3-184D-9B2F-8A5A9BD9911A}"/>
+              </a:ext>
+            </a:extLst>
+          </p:cNvPr>
+          <p:cNvPicPr>
+            <a:picLocks noChangeAspect="1"/>
+          </p:cNvPicPr>
+          <p:nvPr/>
+        </p:nvPicPr>
+        <p:blipFill>
+          <a:blip r:embed="rId2"/>
+          <a:stretch>
+            <a:fillRect/>
+          </a:stretch>
+        </p:blipFill>
+        <p:spPr>
+          <a:xfrm>
+            <a:off x="0" y="158828"/>
+            <a:ext cx="12192000" cy="6540344"/>
+          </a:xfrm>
+          <a:prstGeom prst="rect">
+            <a:avLst/>
+          </a:prstGeom>
+        </p:spPr>
+      </p:pic>
+    </p:spTree>
+    <p:extLst>
+      <p:ext uri="{BB962C8B-B14F-4D97-AF65-F5344CB8AC3E}">
+        <p14:creationId xmlns:p14="http://schemas.microsoft.com/office/powerpoint/2010/main" val="3845788295"/>
+      </p:ext>
+    </p:extLst>
+  </p:cSld>
+  <p:clrMapOvr>
+    <a:masterClrMapping/>
+  </p:clrMapOvr>
+</p:sld>
+</file>
+
+<file path=ppt/slides/slide22.xml><?xml version="1.0" encoding="utf-8"?>
+<p:sld xmlns:a="http://schemas.openxmlformats.org/drawingml/2006/main" xmlns:r="http://schemas.openxmlformats.org/officeDocument/2006/relationships" xmlns:p="http://schemas.openxmlformats.org/presentationml/2006/main">
+  <p:cSld>
+    <p:spTree>
+      <p:nvGrpSpPr>
+        <p:cNvPr id="1" name=""/>
+        <p:cNvGrpSpPr/>
+        <p:nvPr/>
+      </p:nvGrpSpPr>
+      <p:grpSpPr>
+        <a:xfrm>
+          <a:off x="0" y="0"/>
+          <a:ext cx="0" cy="0"/>
+          <a:chOff x="0" y="0"/>
+          <a:chExt cx="0" cy="0"/>
+        </a:xfrm>
+      </p:grpSpPr>
+      <p:pic>
+        <p:nvPicPr>
+          <p:cNvPr id="3" name="Picture 2">
+            <a:extLst>
+              <a:ext uri="{FF2B5EF4-FFF2-40B4-BE49-F238E27FC236}">
+                <a16:creationId xmlns:a16="http://schemas.microsoft.com/office/drawing/2014/main" id="{5033C66B-CFA5-B04B-9EC2-595C6D4BCE10}"/>
+              </a:ext>
+            </a:extLst>
+          </p:cNvPr>
+          <p:cNvPicPr>
+            <a:picLocks noChangeAspect="1"/>
+          </p:cNvPicPr>
+          <p:nvPr/>
+        </p:nvPicPr>
+        <p:blipFill>
+          <a:blip r:embed="rId2"/>
+          <a:stretch>
+            <a:fillRect/>
+          </a:stretch>
+        </p:blipFill>
+        <p:spPr>
+          <a:xfrm>
+            <a:off x="421240" y="222144"/>
+            <a:ext cx="5989834" cy="5764864"/>
+          </a:xfrm>
+          <a:prstGeom prst="rect">
+            <a:avLst/>
+          </a:prstGeom>
+        </p:spPr>
+      </p:pic>
+      <p:sp>
+        <p:nvSpPr>
+          <p:cNvPr id="2" name="TextBox 1">
+            <a:extLst>
+              <a:ext uri="{FF2B5EF4-FFF2-40B4-BE49-F238E27FC236}">
+                <a16:creationId xmlns:a16="http://schemas.microsoft.com/office/drawing/2014/main" id="{B37C31EB-268C-1A45-9859-3CE12DD6F69C}"/>
+              </a:ext>
+            </a:extLst>
+          </p:cNvPr>
+          <p:cNvSpPr txBox="1"/>
+          <p:nvPr/>
+        </p:nvSpPr>
+        <p:spPr>
+          <a:xfrm>
+            <a:off x="4186518" y="5987008"/>
+            <a:ext cx="5917004" cy="646331"/>
+          </a:xfrm>
+          <a:prstGeom prst="rect">
+            <a:avLst/>
+          </a:prstGeom>
+          <a:noFill/>
+        </p:spPr>
+        <p:txBody>
+          <a:bodyPr wrap="none" rtlCol="0">
+            <a:spAutoFit/>
+          </a:bodyPr>
+          <a:lstStyle/>
+          <a:p>
+            <a:r>
+              <a:rPr lang="fr-FR"/>
+              <a:t>overfitting: forte dépendance aux données de training. </a:t>
+            </a:r>
+            <a:br>
+              <a:rPr lang="fr-FR"/>
+            </a:br>
+            <a:r>
+              <a:rPr lang="fr-FR"/>
+              <a:t>Une légère modification entraîne des resultats très différents</a:t>
+            </a:r>
+          </a:p>
+        </p:txBody>
+      </p:sp>
+    </p:spTree>
+    <p:extLst>
+      <p:ext uri="{BB962C8B-B14F-4D97-AF65-F5344CB8AC3E}">
+        <p14:creationId xmlns:p14="http://schemas.microsoft.com/office/powerpoint/2010/main" val="2750615704"/>
+      </p:ext>
+    </p:extLst>
+  </p:cSld>
+  <p:clrMapOvr>
+    <a:masterClrMapping/>
+  </p:clrMapOvr>
+</p:sld>
+</file>
+
+<file path=ppt/slides/slide23.xml><?xml version="1.0" encoding="utf-8"?>
+<p:sld xmlns:a="http://schemas.openxmlformats.org/drawingml/2006/main" xmlns:r="http://schemas.openxmlformats.org/officeDocument/2006/relationships" xmlns:p="http://schemas.openxmlformats.org/presentationml/2006/main">
+  <p:cSld>
+    <p:spTree>
+      <p:nvGrpSpPr>
+        <p:cNvPr id="1" name=""/>
+        <p:cNvGrpSpPr/>
+        <p:nvPr/>
+      </p:nvGrpSpPr>
+      <p:grpSpPr>
+        <a:xfrm>
+          <a:off x="0" y="0"/>
+          <a:ext cx="0" cy="0"/>
+          <a:chOff x="0" y="0"/>
+          <a:chExt cx="0" cy="0"/>
+        </a:xfrm>
+      </p:grpSpPr>
+      <p:pic>
+        <p:nvPicPr>
+          <p:cNvPr id="3" name="Picture 2">
+            <a:extLst>
+              <a:ext uri="{FF2B5EF4-FFF2-40B4-BE49-F238E27FC236}">
+                <a16:creationId xmlns:a16="http://schemas.microsoft.com/office/drawing/2014/main" id="{31F6F6EF-5F02-0E4A-A57B-2A0C01965E43}"/>
+              </a:ext>
+            </a:extLst>
+          </p:cNvPr>
+          <p:cNvPicPr>
+            <a:picLocks noChangeAspect="1"/>
+          </p:cNvPicPr>
+          <p:nvPr/>
+        </p:nvPicPr>
+        <p:blipFill>
+          <a:blip r:embed="rId2"/>
+          <a:stretch>
+            <a:fillRect/>
+          </a:stretch>
+        </p:blipFill>
+        <p:spPr>
+          <a:xfrm>
+            <a:off x="655045" y="1541124"/>
+            <a:ext cx="11047220" cy="3833110"/>
+          </a:xfrm>
+          <a:prstGeom prst="rect">
+            <a:avLst/>
+          </a:prstGeom>
+        </p:spPr>
+      </p:pic>
+    </p:spTree>
+    <p:extLst>
+      <p:ext uri="{BB962C8B-B14F-4D97-AF65-F5344CB8AC3E}">
+        <p14:creationId xmlns:p14="http://schemas.microsoft.com/office/powerpoint/2010/main" val="2940884637"/>
+      </p:ext>
+    </p:extLst>
+  </p:cSld>
+  <p:clrMapOvr>
+    <a:masterClrMapping/>
+  </p:clrMapOvr>
+</p:sld>
+</file>
+
+<file path=ppt/slides/slide24.xml><?xml version="1.0" encoding="utf-8"?>
+<p:sld xmlns:a="http://schemas.openxmlformats.org/drawingml/2006/main" xmlns:r="http://schemas.openxmlformats.org/officeDocument/2006/relationships" xmlns:p="http://schemas.openxmlformats.org/presentationml/2006/main">
+  <p:cSld>
+    <p:spTree>
+      <p:nvGrpSpPr>
+        <p:cNvPr id="1" name=""/>
+        <p:cNvGrpSpPr/>
+        <p:nvPr/>
+      </p:nvGrpSpPr>
+      <p:grpSpPr>
+        <a:xfrm>
+          <a:off x="0" y="0"/>
+          <a:ext cx="0" cy="0"/>
+          <a:chOff x="0" y="0"/>
+          <a:chExt cx="0" cy="0"/>
+        </a:xfrm>
+      </p:grpSpPr>
+      <p:sp>
+        <p:nvSpPr>
+          <p:cNvPr id="2" name="Rectangle 1">
+            <a:extLst>
+              <a:ext uri="{FF2B5EF4-FFF2-40B4-BE49-F238E27FC236}">
+                <a16:creationId xmlns:a16="http://schemas.microsoft.com/office/drawing/2014/main" id="{BE86001D-0412-754D-9A89-A4DD58F3609C}"/>
+              </a:ext>
+            </a:extLst>
+          </p:cNvPr>
+          <p:cNvSpPr/>
+          <p:nvPr/>
+        </p:nvSpPr>
+        <p:spPr>
+          <a:xfrm>
+            <a:off x="3048000" y="1997839"/>
+            <a:ext cx="6096000" cy="2862322"/>
+          </a:xfrm>
+          <a:prstGeom prst="rect">
+            <a:avLst/>
+          </a:prstGeom>
+        </p:spPr>
+        <p:txBody>
+          <a:bodyPr>
+            <a:spAutoFit/>
+          </a:bodyPr>
+          <a:lstStyle/>
+          <a:p>
+            <a:r>
+              <a:rPr lang="en-US">
+                <a:solidFill>
+                  <a:srgbClr val="212121"/>
+                </a:solidFill>
+                <a:latin typeface="SourceSansPro"/>
+              </a:rPr>
+              <a:t>Pour réduire l'erreur quadratique, il faut minimiser à la fois le </a:t>
+            </a:r>
+            <a:r>
+              <a:rPr lang="en-US" b="1">
+                <a:solidFill>
+                  <a:srgbClr val="212121"/>
+                </a:solidFill>
+                <a:latin typeface="SourceSansPro"/>
+              </a:rPr>
+              <a:t>biais </a:t>
+            </a:r>
+            <a:r>
+              <a:rPr lang="en-US">
+                <a:solidFill>
+                  <a:srgbClr val="212121"/>
+                </a:solidFill>
+                <a:latin typeface="SourceSansPro"/>
+              </a:rPr>
+              <a:t>et la </a:t>
+            </a:r>
+            <a:r>
+              <a:rPr lang="en-US" b="1">
+                <a:solidFill>
+                  <a:srgbClr val="212121"/>
+                </a:solidFill>
+                <a:latin typeface="SourceSansPro"/>
+              </a:rPr>
+              <a:t>variance</a:t>
+            </a:r>
+            <a:r>
+              <a:rPr lang="en-US">
+                <a:solidFill>
+                  <a:srgbClr val="212121"/>
+                </a:solidFill>
+                <a:latin typeface="SourceSansPro"/>
+              </a:rPr>
+              <a:t>. </a:t>
+            </a:r>
+            <a:endParaRPr lang="en-US">
+              <a:effectLst/>
+            </a:endParaRPr>
+          </a:p>
+          <a:p>
+            <a:r>
+              <a:rPr lang="en-US">
+                <a:solidFill>
+                  <a:srgbClr val="212121"/>
+                </a:solidFill>
+                <a:latin typeface="SourceSansPro"/>
+              </a:rPr>
+              <a:t>Biais important &lt;-&gt; sous estimation - Underfitting </a:t>
+            </a:r>
+            <a:endParaRPr lang="en-US">
+              <a:effectLst/>
+            </a:endParaRPr>
+          </a:p>
+          <a:p>
+            <a:r>
+              <a:rPr lang="en-US">
+                <a:solidFill>
+                  <a:srgbClr val="212121"/>
+                </a:solidFill>
+                <a:latin typeface="SourceSansPro"/>
+              </a:rPr>
+              <a:t>le modele n'est pas bon</a:t>
+            </a:r>
+            <a:br>
+              <a:rPr lang="en-US">
+                <a:solidFill>
+                  <a:srgbClr val="212121"/>
+                </a:solidFill>
+                <a:latin typeface="SourceSansPro"/>
+              </a:rPr>
+            </a:br>
+            <a:r>
+              <a:rPr lang="en-US">
+                <a:solidFill>
+                  <a:srgbClr val="212121"/>
+                </a:solidFill>
+                <a:latin typeface="SourceSansPro"/>
+              </a:rPr>
+              <a:t>On obtient de mauvais score </a:t>
+            </a:r>
+            <a:endParaRPr lang="en-US">
+              <a:effectLst/>
+            </a:endParaRPr>
+          </a:p>
+          <a:p>
+            <a:r>
+              <a:rPr lang="en-US">
+                <a:solidFill>
+                  <a:srgbClr val="212121"/>
+                </a:solidFill>
+                <a:latin typeface="SourceSansPro"/>
+              </a:rPr>
+              <a:t>Variance importante &lt;-&gt; Overfitting </a:t>
+            </a:r>
+            <a:endParaRPr lang="en-US">
+              <a:effectLst/>
+            </a:endParaRPr>
+          </a:p>
+          <a:p>
+            <a:r>
+              <a:rPr lang="en-US">
+                <a:solidFill>
+                  <a:srgbClr val="212121"/>
+                </a:solidFill>
+                <a:latin typeface="SourceSansPro"/>
+              </a:rPr>
+              <a:t>Le modele est trop </a:t>
+            </a:r>
+            <a:r>
+              <a:rPr lang="en-US" b="1">
+                <a:solidFill>
+                  <a:srgbClr val="212121"/>
+                </a:solidFill>
+                <a:latin typeface="SourceSansPro"/>
+              </a:rPr>
+              <a:t>sensible </a:t>
+            </a:r>
+            <a:r>
+              <a:rPr lang="en-US">
+                <a:solidFill>
+                  <a:srgbClr val="212121"/>
+                </a:solidFill>
+                <a:latin typeface="SourceSansPro"/>
+              </a:rPr>
+              <a:t>au training dataset</a:t>
+            </a:r>
+            <a:br>
+              <a:rPr lang="en-US">
+                <a:solidFill>
+                  <a:srgbClr val="212121"/>
+                </a:solidFill>
+                <a:latin typeface="SourceSansPro"/>
+              </a:rPr>
+            </a:br>
+            <a:r>
+              <a:rPr lang="en-US">
+                <a:solidFill>
+                  <a:srgbClr val="212121"/>
+                </a:solidFill>
+                <a:latin typeface="SourceSansPro"/>
+              </a:rPr>
+              <a:t>pouvoir d'extrapolation faible, mauvaises performances sur des nouvelles données. </a:t>
+            </a:r>
+            <a:endParaRPr lang="en-US">
+              <a:effectLst/>
+            </a:endParaRPr>
+          </a:p>
+          <a:p>
+            <a:r>
+              <a:rPr lang="en-US">
+                <a:solidFill>
+                  <a:srgbClr val="212121"/>
+                </a:solidFill>
+                <a:latin typeface="SourceSansPro"/>
+              </a:rPr>
+              <a:t>Mais comment détecter l'overfit </a:t>
+            </a:r>
+            <a:endParaRPr lang="en-US">
+              <a:effectLst/>
+            </a:endParaRPr>
+          </a:p>
+        </p:txBody>
+      </p:sp>
+    </p:spTree>
+    <p:extLst>
+      <p:ext uri="{BB962C8B-B14F-4D97-AF65-F5344CB8AC3E}">
+        <p14:creationId xmlns:p14="http://schemas.microsoft.com/office/powerpoint/2010/main" val="3030170597"/>
+      </p:ext>
+    </p:extLst>
+  </p:cSld>
+  <p:clrMapOvr>
+    <a:masterClrMapping/>
+  </p:clrMapOvr>
+</p:sld>
+</file>
+
+<file path=ppt/slides/slide25.xml><?xml version="1.0" encoding="utf-8"?>
+<p:sld xmlns:a="http://schemas.openxmlformats.org/drawingml/2006/main" xmlns:r="http://schemas.openxmlformats.org/officeDocument/2006/relationships" xmlns:p="http://schemas.openxmlformats.org/presentationml/2006/main">
+  <p:cSld>
+    <p:spTree>
+      <p:nvGrpSpPr>
+        <p:cNvPr id="1" name=""/>
+        <p:cNvGrpSpPr/>
+        <p:nvPr/>
+      </p:nvGrpSpPr>
+      <p:grpSpPr>
+        <a:xfrm>
+          <a:off x="0" y="0"/>
+          <a:ext cx="0" cy="0"/>
+          <a:chOff x="0" y="0"/>
+          <a:chExt cx="0" cy="0"/>
+        </a:xfrm>
+      </p:grpSpPr>
+      <p:sp>
+        <p:nvSpPr>
+          <p:cNvPr id="2" name="Title 1">
+            <a:extLst>
+              <a:ext uri="{FF2B5EF4-FFF2-40B4-BE49-F238E27FC236}">
+                <a16:creationId xmlns:a16="http://schemas.microsoft.com/office/drawing/2014/main" id="{6BEE63FA-56FF-824F-95E9-42EF5BEC9F98}"/>
+              </a:ext>
+            </a:extLst>
+          </p:cNvPr>
+          <p:cNvSpPr>
+            <a:spLocks noGrp="1"/>
+          </p:cNvSpPr>
+          <p:nvPr>
+            <p:ph type="title"/>
+          </p:nvPr>
+        </p:nvSpPr>
+        <p:spPr/>
+        <p:txBody>
+          <a:bodyPr/>
+          <a:lstStyle/>
+          <a:p>
+            <a:r>
+              <a:rPr lang="fr-FR"/>
+              <a:t>scikit-learn</a:t>
+            </a:r>
+          </a:p>
+        </p:txBody>
+      </p:sp>
+      <p:sp>
+        <p:nvSpPr>
+          <p:cNvPr id="3" name="Text Placeholder 2">
+            <a:extLst>
+              <a:ext uri="{FF2B5EF4-FFF2-40B4-BE49-F238E27FC236}">
+                <a16:creationId xmlns:a16="http://schemas.microsoft.com/office/drawing/2014/main" id="{5337D3B5-99BA-7B40-87A5-A3AB59D20188}"/>
+              </a:ext>
+            </a:extLst>
+          </p:cNvPr>
+          <p:cNvSpPr>
+            <a:spLocks noGrp="1"/>
+          </p:cNvSpPr>
+          <p:nvPr>
+            <p:ph type="body" idx="1"/>
+          </p:nvPr>
+        </p:nvSpPr>
+        <p:spPr/>
+        <p:txBody>
+          <a:bodyPr/>
+          <a:lstStyle/>
+          <a:p>
+            <a:endParaRPr lang="fr-FR"/>
+          </a:p>
+        </p:txBody>
+      </p:sp>
+    </p:spTree>
+    <p:extLst>
+      <p:ext uri="{BB962C8B-B14F-4D97-AF65-F5344CB8AC3E}">
+        <p14:creationId xmlns:p14="http://schemas.microsoft.com/office/powerpoint/2010/main" val="397920468"/>
+      </p:ext>
+    </p:extLst>
+  </p:cSld>
+  <p:clrMapOvr>
+    <a:masterClrMapping/>
+  </p:clrMapOvr>
+</p:sld>
+</file>
+
+<file path=ppt/slides/slide26.xml><?xml version="1.0" encoding="utf-8"?>
 <p:sld xmlns:a="http://schemas.openxmlformats.org/drawingml/2006/main" xmlns:r="http://schemas.openxmlformats.org/officeDocument/2006/relationships" xmlns:p="http://schemas.openxmlformats.org/presentationml/2006/main">
   <p:cSld>
     <p:spTree>
@@ -6366,7 +7056,7 @@
 </p:sld>
 </file>
 
-<file path=ppt/slides/slide21.xml><?xml version="1.0" encoding="utf-8"?>
+<file path=ppt/slides/slide27.xml><?xml version="1.0" encoding="utf-8"?>
 <p:sld xmlns:a="http://schemas.openxmlformats.org/drawingml/2006/main" xmlns:r="http://schemas.openxmlformats.org/officeDocument/2006/relationships" xmlns:p="http://schemas.openxmlformats.org/presentationml/2006/main">
   <p:cSld>
     <p:spTree>
@@ -6426,7 +7116,7 @@
 </p:sld>
 </file>
 
-<file path=ppt/slides/slide22.xml><?xml version="1.0" encoding="utf-8"?>
+<file path=ppt/slides/slide28.xml><?xml version="1.0" encoding="utf-8"?>
 <p:sld xmlns:a="http://schemas.openxmlformats.org/drawingml/2006/main" xmlns:r="http://schemas.openxmlformats.org/officeDocument/2006/relationships" xmlns:p="http://schemas.openxmlformats.org/presentationml/2006/main">
   <p:cSld>
     <p:spTree>
@@ -6683,7 +7373,7 @@
 </p:sld>
 </file>
 
-<file path=ppt/slides/slide23.xml><?xml version="1.0" encoding="utf-8"?>
+<file path=ppt/slides/slide29.xml><?xml version="1.0" encoding="utf-8"?>
 <p:sld xmlns:a="http://schemas.openxmlformats.org/drawingml/2006/main" xmlns:r="http://schemas.openxmlformats.org/officeDocument/2006/relationships" xmlns:p="http://schemas.openxmlformats.org/presentationml/2006/main">
   <p:cSld>
     <p:spTree>
@@ -6909,7 +7599,392 @@
 </p:sld>
 </file>
 
-<file path=ppt/slides/slide24.xml><?xml version="1.0" encoding="utf-8"?>
+<file path=ppt/slides/slide3.xml><?xml version="1.0" encoding="utf-8"?>
+<p:sld xmlns:a="http://schemas.openxmlformats.org/drawingml/2006/main" xmlns:r="http://schemas.openxmlformats.org/officeDocument/2006/relationships" xmlns:p="http://schemas.openxmlformats.org/presentationml/2006/main">
+  <p:cSld>
+    <p:spTree>
+      <p:nvGrpSpPr>
+        <p:cNvPr id="1" name=""/>
+        <p:cNvGrpSpPr/>
+        <p:nvPr/>
+      </p:nvGrpSpPr>
+      <p:grpSpPr>
+        <a:xfrm>
+          <a:off x="0" y="0"/>
+          <a:ext cx="0" cy="0"/>
+          <a:chOff x="0" y="0"/>
+          <a:chExt cx="0" cy="0"/>
+        </a:xfrm>
+      </p:grpSpPr>
+      <p:sp>
+        <p:nvSpPr>
+          <p:cNvPr id="3" name="TextBox 2">
+            <a:extLst>
+              <a:ext uri="{FF2B5EF4-FFF2-40B4-BE49-F238E27FC236}">
+                <a16:creationId xmlns:a16="http://schemas.microsoft.com/office/drawing/2014/main" id="{CF430F8E-AB2D-904F-9A03-E1BCC26C6FE1}"/>
+              </a:ext>
+            </a:extLst>
+          </p:cNvPr>
+          <p:cNvSpPr txBox="1"/>
+          <p:nvPr/>
+        </p:nvSpPr>
+        <p:spPr>
+          <a:xfrm>
+            <a:off x="1592495" y="2465798"/>
+            <a:ext cx="2799421" cy="1200329"/>
+          </a:xfrm>
+          <a:prstGeom prst="rect">
+            <a:avLst/>
+          </a:prstGeom>
+          <a:noFill/>
+        </p:spPr>
+        <p:txBody>
+          <a:bodyPr wrap="none" rtlCol="0">
+            <a:spAutoFit/>
+          </a:bodyPr>
+          <a:lstStyle/>
+          <a:p>
+            <a:r>
+              <a:rPr lang="fr-FR"/>
+              <a:t>Expliquer les données</a:t>
+            </a:r>
+          </a:p>
+          <a:p>
+            <a:pPr marL="285750" indent="-285750">
+              <a:buFont typeface="Arial" panose="020B0604020202020204" pitchFamily="34" charset="0"/>
+              <a:buChar char="•"/>
+            </a:pPr>
+            <a:r>
+              <a:rPr lang="fr-FR"/>
+              <a:t>régression linéaire</a:t>
+            </a:r>
+          </a:p>
+          <a:p>
+            <a:pPr marL="285750" indent="-285750">
+              <a:buFont typeface="Arial" panose="020B0604020202020204" pitchFamily="34" charset="0"/>
+              <a:buChar char="•"/>
+            </a:pPr>
+            <a:r>
+              <a:rPr lang="fr-FR"/>
+              <a:t>statsmodel</a:t>
+            </a:r>
+          </a:p>
+          <a:p>
+            <a:pPr marL="285750" indent="-285750">
+              <a:buFont typeface="Arial" panose="020B0604020202020204" pitchFamily="34" charset="0"/>
+              <a:buChar char="•"/>
+            </a:pPr>
+            <a:r>
+              <a:rPr lang="fr-FR"/>
+              <a:t>coefficients et R-squared</a:t>
+            </a:r>
+          </a:p>
+        </p:txBody>
+      </p:sp>
+      <p:sp>
+        <p:nvSpPr>
+          <p:cNvPr id="4" name="TextBox 3">
+            <a:extLst>
+              <a:ext uri="{FF2B5EF4-FFF2-40B4-BE49-F238E27FC236}">
+                <a16:creationId xmlns:a16="http://schemas.microsoft.com/office/drawing/2014/main" id="{C0AA3968-B30A-7C4A-8670-5300DFF75402}"/>
+              </a:ext>
+            </a:extLst>
+          </p:cNvPr>
+          <p:cNvSpPr txBox="1"/>
+          <p:nvPr/>
+        </p:nvSpPr>
+        <p:spPr>
+          <a:xfrm>
+            <a:off x="7500134" y="2465798"/>
+            <a:ext cx="2960811" cy="1754326"/>
+          </a:xfrm>
+          <a:prstGeom prst="rect">
+            <a:avLst/>
+          </a:prstGeom>
+          <a:noFill/>
+        </p:spPr>
+        <p:txBody>
+          <a:bodyPr wrap="none" rtlCol="0">
+            <a:spAutoFit/>
+          </a:bodyPr>
+          <a:lstStyle/>
+          <a:p>
+            <a:r>
+              <a:rPr lang="fr-FR"/>
+              <a:t>Prédire de nouvelles données</a:t>
+            </a:r>
+          </a:p>
+          <a:p>
+            <a:pPr marL="285750" indent="-285750">
+              <a:buFont typeface="Arial" panose="020B0604020202020204" pitchFamily="34" charset="0"/>
+              <a:buChar char="•"/>
+            </a:pPr>
+            <a:r>
+              <a:rPr lang="fr-FR"/>
+              <a:t>régression linéaire</a:t>
+            </a:r>
+          </a:p>
+          <a:p>
+            <a:pPr marL="285750" indent="-285750">
+              <a:buFont typeface="Arial" panose="020B0604020202020204" pitchFamily="34" charset="0"/>
+              <a:buChar char="•"/>
+            </a:pPr>
+            <a:r>
+              <a:rPr lang="fr-FR"/>
+              <a:t>scikit-learn</a:t>
+            </a:r>
+          </a:p>
+          <a:p>
+            <a:pPr marL="285750" indent="-285750">
+              <a:buFont typeface="Arial" panose="020B0604020202020204" pitchFamily="34" charset="0"/>
+              <a:buChar char="•"/>
+            </a:pPr>
+            <a:r>
+              <a:rPr lang="fr-FR"/>
+              <a:t>train, test, cross validation</a:t>
+            </a:r>
+          </a:p>
+          <a:p>
+            <a:pPr marL="285750" indent="-285750">
+              <a:buFont typeface="Arial" panose="020B0604020202020204" pitchFamily="34" charset="0"/>
+              <a:buChar char="•"/>
+            </a:pPr>
+            <a:r>
+              <a:rPr lang="fr-FR"/>
+              <a:t>AUC, RMSE</a:t>
+            </a:r>
+          </a:p>
+          <a:p>
+            <a:endParaRPr lang="fr-FR"/>
+          </a:p>
+        </p:txBody>
+      </p:sp>
+      <p:sp>
+        <p:nvSpPr>
+          <p:cNvPr id="5" name="Right Arrow 4">
+            <a:extLst>
+              <a:ext uri="{FF2B5EF4-FFF2-40B4-BE49-F238E27FC236}">
+                <a16:creationId xmlns:a16="http://schemas.microsoft.com/office/drawing/2014/main" id="{E375216C-D09C-144D-9BF7-3F1C87E9C8F5}"/>
+              </a:ext>
+            </a:extLst>
+          </p:cNvPr>
+          <p:cNvSpPr/>
+          <p:nvPr/>
+        </p:nvSpPr>
+        <p:spPr>
+          <a:xfrm>
+            <a:off x="4691867" y="2465799"/>
+            <a:ext cx="2424701" cy="369331"/>
+          </a:xfrm>
+          <a:prstGeom prst="rightArrow">
+            <a:avLst/>
+          </a:prstGeom>
+          <a:solidFill>
+            <a:srgbClr val="C00000"/>
+          </a:solidFill>
+          <a:ln>
+            <a:solidFill>
+              <a:srgbClr val="FF0000"/>
+            </a:solidFill>
+          </a:ln>
+        </p:spPr>
+        <p:style>
+          <a:lnRef idx="2">
+            <a:schemeClr val="accent1">
+              <a:shade val="50000"/>
+            </a:schemeClr>
+          </a:lnRef>
+          <a:fillRef idx="1">
+            <a:schemeClr val="accent1"/>
+          </a:fillRef>
+          <a:effectRef idx="0">
+            <a:schemeClr val="accent1"/>
+          </a:effectRef>
+          <a:fontRef idx="minor">
+            <a:schemeClr val="lt1"/>
+          </a:fontRef>
+        </p:style>
+        <p:txBody>
+          <a:bodyPr rtlCol="0" anchor="ctr"/>
+          <a:lstStyle/>
+          <a:p>
+            <a:pPr algn="ctr"/>
+            <a:endParaRPr lang="fr-FR"/>
+          </a:p>
+        </p:txBody>
+      </p:sp>
+      <p:sp>
+        <p:nvSpPr>
+          <p:cNvPr id="6" name="Title 1">
+            <a:extLst>
+              <a:ext uri="{FF2B5EF4-FFF2-40B4-BE49-F238E27FC236}">
+                <a16:creationId xmlns:a16="http://schemas.microsoft.com/office/drawing/2014/main" id="{2D844CAB-9821-7945-9FD5-EB569AC181C6}"/>
+              </a:ext>
+            </a:extLst>
+          </p:cNvPr>
+          <p:cNvSpPr txBox="1">
+            <a:spLocks/>
+          </p:cNvSpPr>
+          <p:nvPr/>
+        </p:nvSpPr>
+        <p:spPr>
+          <a:xfrm>
+            <a:off x="-10274" y="-5170"/>
+            <a:ext cx="12202274" cy="646331"/>
+          </a:xfrm>
+          <a:prstGeom prst="rect">
+            <a:avLst/>
+          </a:prstGeom>
+          <a:solidFill>
+            <a:srgbClr val="C04E00"/>
+          </a:solidFill>
+        </p:spPr>
+        <p:txBody>
+          <a:bodyPr vert="horz" lIns="91440" tIns="45720" rIns="91440" bIns="45720" rtlCol="0" anchor="ctr">
+            <a:normAutofit fontScale="97500" lnSpcReduction="10000"/>
+          </a:bodyPr>
+          <a:lstStyle>
+            <a:lvl1pPr algn="l" defTabSz="914400" rtl="0" eaLnBrk="1" latinLnBrk="0" hangingPunct="1">
+              <a:lnSpc>
+                <a:spcPct val="90000"/>
+              </a:lnSpc>
+              <a:spcBef>
+                <a:spcPct val="0"/>
+              </a:spcBef>
+              <a:buNone/>
+              <a:defRPr sz="4400" kern="1200">
+                <a:solidFill>
+                  <a:schemeClr val="tx1"/>
+                </a:solidFill>
+                <a:latin typeface="+mj-lt"/>
+                <a:ea typeface="+mj-ea"/>
+                <a:cs typeface="+mj-cs"/>
+              </a:defRPr>
+            </a:lvl1pPr>
+          </a:lstStyle>
+          <a:p>
+            <a:r>
+              <a:rPr lang="fr-FR">
+                <a:solidFill>
+                  <a:schemeClr val="bg1"/>
+                </a:solidFill>
+              </a:rPr>
+              <a:t>Modélisation vs Analyse Précictive</a:t>
+            </a:r>
+          </a:p>
+        </p:txBody>
+      </p:sp>
+    </p:spTree>
+    <p:extLst>
+      <p:ext uri="{BB962C8B-B14F-4D97-AF65-F5344CB8AC3E}">
+        <p14:creationId xmlns:p14="http://schemas.microsoft.com/office/powerpoint/2010/main" val="3039485398"/>
+      </p:ext>
+    </p:extLst>
+  </p:cSld>
+  <p:clrMapOvr>
+    <a:masterClrMapping/>
+  </p:clrMapOvr>
+</p:sld>
+</file>
+
+<file path=ppt/slides/slide30.xml><?xml version="1.0" encoding="utf-8"?>
+<p:sld xmlns:a="http://schemas.openxmlformats.org/drawingml/2006/main" xmlns:r="http://schemas.openxmlformats.org/officeDocument/2006/relationships" xmlns:p="http://schemas.openxmlformats.org/presentationml/2006/main">
+  <p:cSld>
+    <p:spTree>
+      <p:nvGrpSpPr>
+        <p:cNvPr id="1" name=""/>
+        <p:cNvGrpSpPr/>
+        <p:nvPr/>
+      </p:nvGrpSpPr>
+      <p:grpSpPr>
+        <a:xfrm>
+          <a:off x="0" y="0"/>
+          <a:ext cx="0" cy="0"/>
+          <a:chOff x="0" y="0"/>
+          <a:chExt cx="0" cy="0"/>
+        </a:xfrm>
+      </p:grpSpPr>
+      <p:pic>
+        <p:nvPicPr>
+          <p:cNvPr id="3" name="Picture 2">
+            <a:extLst>
+              <a:ext uri="{FF2B5EF4-FFF2-40B4-BE49-F238E27FC236}">
+                <a16:creationId xmlns:a16="http://schemas.microsoft.com/office/drawing/2014/main" id="{F2766B61-A616-214D-A195-0577572F627B}"/>
+              </a:ext>
+            </a:extLst>
+          </p:cNvPr>
+          <p:cNvPicPr>
+            <a:picLocks noChangeAspect="1"/>
+          </p:cNvPicPr>
+          <p:nvPr/>
+        </p:nvPicPr>
+        <p:blipFill>
+          <a:blip r:embed="rId2"/>
+          <a:stretch>
+            <a:fillRect/>
+          </a:stretch>
+        </p:blipFill>
+        <p:spPr>
+          <a:xfrm>
+            <a:off x="0" y="1267016"/>
+            <a:ext cx="12192000" cy="1858171"/>
+          </a:xfrm>
+          <a:prstGeom prst="rect">
+            <a:avLst/>
+          </a:prstGeom>
+        </p:spPr>
+      </p:pic>
+      <p:sp>
+        <p:nvSpPr>
+          <p:cNvPr id="4" name="Rectangle 3">
+            <a:extLst>
+              <a:ext uri="{FF2B5EF4-FFF2-40B4-BE49-F238E27FC236}">
+                <a16:creationId xmlns:a16="http://schemas.microsoft.com/office/drawing/2014/main" id="{C07D1179-E0B9-384C-9451-50EB29FE5950}"/>
+              </a:ext>
+            </a:extLst>
+          </p:cNvPr>
+          <p:cNvSpPr/>
+          <p:nvPr/>
+        </p:nvSpPr>
+        <p:spPr>
+          <a:xfrm>
+            <a:off x="736315" y="3820090"/>
+            <a:ext cx="10822112" cy="369332"/>
+          </a:xfrm>
+          <a:prstGeom prst="rect">
+            <a:avLst/>
+          </a:prstGeom>
+        </p:spPr>
+        <p:txBody>
+          <a:bodyPr wrap="square">
+            <a:spAutoFit/>
+          </a:bodyPr>
+          <a:lstStyle/>
+          <a:p>
+            <a:r>
+              <a:rPr lang="en-US">
+                <a:hlinkClick r:id="rId3"/>
+              </a:rPr>
+              <a:t>https://scikit-learn.org/stable/modules/generated/sklearn.linear_model.LinearRegression.html</a:t>
+            </a:r>
+            <a:endParaRPr lang="fr-FR"/>
+          </a:p>
+        </p:txBody>
+      </p:sp>
+    </p:spTree>
+    <p:extLst>
+      <p:ext uri="{BB962C8B-B14F-4D97-AF65-F5344CB8AC3E}">
+        <p14:creationId xmlns:p14="http://schemas.microsoft.com/office/powerpoint/2010/main" val="3457665156"/>
+      </p:ext>
+    </p:extLst>
+  </p:cSld>
+  <p:clrMapOvr>
+    <a:masterClrMapping/>
+  </p:clrMapOvr>
+</p:sld>
+</file>
+
+<file path=ppt/slides/slide31.xml><?xml version="1.0" encoding="utf-8"?>
 <p:sld xmlns:a="http://schemas.openxmlformats.org/drawingml/2006/main" xmlns:r="http://schemas.openxmlformats.org/officeDocument/2006/relationships" xmlns:p="http://schemas.openxmlformats.org/presentationml/2006/main">
   <p:cSld>
     <p:spTree>
@@ -6997,7 +8072,7 @@
 </p:sld>
 </file>
 
-<file path=ppt/slides/slide25.xml><?xml version="1.0" encoding="utf-8"?>
+<file path=ppt/slides/slide32.xml><?xml version="1.0" encoding="utf-8"?>
 <p:sld xmlns:a="http://schemas.openxmlformats.org/drawingml/2006/main" xmlns:r="http://schemas.openxmlformats.org/officeDocument/2006/relationships" xmlns:p="http://schemas.openxmlformats.org/presentationml/2006/main">
   <p:cSld>
     <p:spTree>
@@ -7057,1097 +8132,6 @@
 </p:sld>
 </file>
 
-<file path=ppt/slides/slide26.xml><?xml version="1.0" encoding="utf-8"?>
-<p:sld xmlns:a="http://schemas.openxmlformats.org/drawingml/2006/main" xmlns:r="http://schemas.openxmlformats.org/officeDocument/2006/relationships" xmlns:p="http://schemas.openxmlformats.org/presentationml/2006/main">
-  <p:cSld>
-    <p:spTree>
-      <p:nvGrpSpPr>
-        <p:cNvPr id="1" name=""/>
-        <p:cNvGrpSpPr/>
-        <p:nvPr/>
-      </p:nvGrpSpPr>
-      <p:grpSpPr>
-        <a:xfrm>
-          <a:off x="0" y="0"/>
-          <a:ext cx="0" cy="0"/>
-          <a:chOff x="0" y="0"/>
-          <a:chExt cx="0" cy="0"/>
-        </a:xfrm>
-      </p:grpSpPr>
-      <p:pic>
-        <p:nvPicPr>
-          <p:cNvPr id="3" name="Picture 2">
-            <a:extLst>
-              <a:ext uri="{FF2B5EF4-FFF2-40B4-BE49-F238E27FC236}">
-                <a16:creationId xmlns:a16="http://schemas.microsoft.com/office/drawing/2014/main" id="{F2766B61-A616-214D-A195-0577572F627B}"/>
-              </a:ext>
-            </a:extLst>
-          </p:cNvPr>
-          <p:cNvPicPr>
-            <a:picLocks noChangeAspect="1"/>
-          </p:cNvPicPr>
-          <p:nvPr/>
-        </p:nvPicPr>
-        <p:blipFill>
-          <a:blip r:embed="rId2"/>
-          <a:stretch>
-            <a:fillRect/>
-          </a:stretch>
-        </p:blipFill>
-        <p:spPr>
-          <a:xfrm>
-            <a:off x="0" y="1267016"/>
-            <a:ext cx="12192000" cy="1858171"/>
-          </a:xfrm>
-          <a:prstGeom prst="rect">
-            <a:avLst/>
-          </a:prstGeom>
-        </p:spPr>
-      </p:pic>
-      <p:sp>
-        <p:nvSpPr>
-          <p:cNvPr id="4" name="Rectangle 3">
-            <a:extLst>
-              <a:ext uri="{FF2B5EF4-FFF2-40B4-BE49-F238E27FC236}">
-                <a16:creationId xmlns:a16="http://schemas.microsoft.com/office/drawing/2014/main" id="{C07D1179-E0B9-384C-9451-50EB29FE5950}"/>
-              </a:ext>
-            </a:extLst>
-          </p:cNvPr>
-          <p:cNvSpPr/>
-          <p:nvPr/>
-        </p:nvSpPr>
-        <p:spPr>
-          <a:xfrm>
-            <a:off x="736315" y="3820090"/>
-            <a:ext cx="10822112" cy="369332"/>
-          </a:xfrm>
-          <a:prstGeom prst="rect">
-            <a:avLst/>
-          </a:prstGeom>
-        </p:spPr>
-        <p:txBody>
-          <a:bodyPr wrap="square">
-            <a:spAutoFit/>
-          </a:bodyPr>
-          <a:lstStyle/>
-          <a:p>
-            <a:r>
-              <a:rPr lang="en-US">
-                <a:hlinkClick r:id="rId3"/>
-              </a:rPr>
-              <a:t>https://scikit-learn.org/stable/modules/generated/sklearn.linear_model.LinearRegression.html</a:t>
-            </a:r>
-            <a:endParaRPr lang="fr-FR"/>
-          </a:p>
-        </p:txBody>
-      </p:sp>
-    </p:spTree>
-    <p:extLst>
-      <p:ext uri="{BB962C8B-B14F-4D97-AF65-F5344CB8AC3E}">
-        <p14:creationId xmlns:p14="http://schemas.microsoft.com/office/powerpoint/2010/main" val="3457665156"/>
-      </p:ext>
-    </p:extLst>
-  </p:cSld>
-  <p:clrMapOvr>
-    <a:masterClrMapping/>
-  </p:clrMapOvr>
-</p:sld>
-</file>
-
-<file path=ppt/slides/slide27.xml><?xml version="1.0" encoding="utf-8"?>
-<p:sld xmlns:a="http://schemas.openxmlformats.org/drawingml/2006/main" xmlns:r="http://schemas.openxmlformats.org/officeDocument/2006/relationships" xmlns:p="http://schemas.openxmlformats.org/presentationml/2006/main">
-  <p:cSld>
-    <p:spTree>
-      <p:nvGrpSpPr>
-        <p:cNvPr id="1" name=""/>
-        <p:cNvGrpSpPr/>
-        <p:nvPr/>
-      </p:nvGrpSpPr>
-      <p:grpSpPr>
-        <a:xfrm>
-          <a:off x="0" y="0"/>
-          <a:ext cx="0" cy="0"/>
-          <a:chOff x="0" y="0"/>
-          <a:chExt cx="0" cy="0"/>
-        </a:xfrm>
-      </p:grpSpPr>
-      <p:sp>
-        <p:nvSpPr>
-          <p:cNvPr id="2" name="TextBox 1">
-            <a:extLst>
-              <a:ext uri="{FF2B5EF4-FFF2-40B4-BE49-F238E27FC236}">
-                <a16:creationId xmlns:a16="http://schemas.microsoft.com/office/drawing/2014/main" id="{C7662A0E-F6F4-8848-996F-EDD8B8AFD102}"/>
-              </a:ext>
-            </a:extLst>
-          </p:cNvPr>
-          <p:cNvSpPr txBox="1"/>
-          <p:nvPr/>
-        </p:nvSpPr>
-        <p:spPr>
-          <a:xfrm>
-            <a:off x="1747319" y="1828800"/>
-            <a:ext cx="1717137" cy="646331"/>
-          </a:xfrm>
-          <a:prstGeom prst="rect">
-            <a:avLst/>
-          </a:prstGeom>
-          <a:noFill/>
-        </p:spPr>
-        <p:txBody>
-          <a:bodyPr wrap="none" rtlCol="0">
-            <a:spAutoFit/>
-          </a:bodyPr>
-          <a:lstStyle/>
-          <a:p>
-            <a:r>
-              <a:rPr lang="fr-FR"/>
-              <a:t>random seed!!!!</a:t>
-            </a:r>
-          </a:p>
-          <a:p>
-            <a:endParaRPr lang="fr-FR"/>
-          </a:p>
-        </p:txBody>
-      </p:sp>
-    </p:spTree>
-    <p:extLst>
-      <p:ext uri="{BB962C8B-B14F-4D97-AF65-F5344CB8AC3E}">
-        <p14:creationId xmlns:p14="http://schemas.microsoft.com/office/powerpoint/2010/main" val="3950563173"/>
-      </p:ext>
-    </p:extLst>
-  </p:cSld>
-  <p:clrMapOvr>
-    <a:masterClrMapping/>
-  </p:clrMapOvr>
-</p:sld>
-</file>
-
-<file path=ppt/slides/slide28.xml><?xml version="1.0" encoding="utf-8"?>
-<p:sld xmlns:a="http://schemas.openxmlformats.org/drawingml/2006/main" xmlns:r="http://schemas.openxmlformats.org/officeDocument/2006/relationships" xmlns:p="http://schemas.openxmlformats.org/presentationml/2006/main">
-  <p:cSld>
-    <p:spTree>
-      <p:nvGrpSpPr>
-        <p:cNvPr id="1" name=""/>
-        <p:cNvGrpSpPr/>
-        <p:nvPr/>
-      </p:nvGrpSpPr>
-      <p:grpSpPr>
-        <a:xfrm>
-          <a:off x="0" y="0"/>
-          <a:ext cx="0" cy="0"/>
-          <a:chOff x="0" y="0"/>
-          <a:chExt cx="0" cy="0"/>
-        </a:xfrm>
-      </p:grpSpPr>
-      <p:sp>
-        <p:nvSpPr>
-          <p:cNvPr id="2" name="Title 1">
-            <a:extLst>
-              <a:ext uri="{FF2B5EF4-FFF2-40B4-BE49-F238E27FC236}">
-                <a16:creationId xmlns:a16="http://schemas.microsoft.com/office/drawing/2014/main" id="{9180C320-A0F2-6249-97D5-3DAE12A44672}"/>
-              </a:ext>
-            </a:extLst>
-          </p:cNvPr>
-          <p:cNvSpPr>
-            <a:spLocks noGrp="1"/>
-          </p:cNvSpPr>
-          <p:nvPr>
-            <p:ph type="title"/>
-          </p:nvPr>
-        </p:nvSpPr>
-        <p:spPr/>
-        <p:txBody>
-          <a:bodyPr/>
-          <a:lstStyle/>
-          <a:p>
-            <a:r>
-              <a:rPr lang="fr-FR"/>
-              <a:t>A vous</a:t>
-            </a:r>
-          </a:p>
-        </p:txBody>
-      </p:sp>
-      <p:sp>
-        <p:nvSpPr>
-          <p:cNvPr id="3" name="TextBox 2">
-            <a:extLst>
-              <a:ext uri="{FF2B5EF4-FFF2-40B4-BE49-F238E27FC236}">
-                <a16:creationId xmlns:a16="http://schemas.microsoft.com/office/drawing/2014/main" id="{833C5E9F-1862-EF43-A3E3-7D46B3A0822F}"/>
-              </a:ext>
-            </a:extLst>
-          </p:cNvPr>
-          <p:cNvSpPr txBox="1"/>
-          <p:nvPr/>
-        </p:nvSpPr>
-        <p:spPr>
-          <a:xfrm>
-            <a:off x="955497" y="2260315"/>
-            <a:ext cx="9159880" cy="646331"/>
-          </a:xfrm>
-          <a:prstGeom prst="rect">
-            <a:avLst/>
-          </a:prstGeom>
-          <a:noFill/>
-        </p:spPr>
-        <p:txBody>
-          <a:bodyPr wrap="none" rtlCol="0">
-            <a:spAutoFit/>
-          </a:bodyPr>
-          <a:lstStyle/>
-          <a:p>
-            <a:r>
-              <a:rPr lang="fr-FR"/>
-              <a:t>Prendre l'exemple de </a:t>
-            </a:r>
-            <a:r>
-              <a:rPr lang="en-US">
-                <a:hlinkClick r:id="rId2"/>
-              </a:rPr>
-              <a:t>https://scikit-learn.org/stable/auto_examples/linear_model/plot_ols.html</a:t>
-            </a:r>
-            <a:endParaRPr lang="en-US"/>
-          </a:p>
-          <a:p>
-            <a:r>
-              <a:rPr lang="en-US"/>
-              <a:t>et l'adapter au dataset Ozone</a:t>
-            </a:r>
-            <a:endParaRPr lang="fr-FR"/>
-          </a:p>
-        </p:txBody>
-      </p:sp>
-    </p:spTree>
-    <p:extLst>
-      <p:ext uri="{BB962C8B-B14F-4D97-AF65-F5344CB8AC3E}">
-        <p14:creationId xmlns:p14="http://schemas.microsoft.com/office/powerpoint/2010/main" val="2942977552"/>
-      </p:ext>
-    </p:extLst>
-  </p:cSld>
-  <p:clrMapOvr>
-    <a:masterClrMapping/>
-  </p:clrMapOvr>
-</p:sld>
-</file>
-
-<file path=ppt/slides/slide29.xml><?xml version="1.0" encoding="utf-8"?>
-<p:sld xmlns:a="http://schemas.openxmlformats.org/drawingml/2006/main" xmlns:r="http://schemas.openxmlformats.org/officeDocument/2006/relationships" xmlns:p="http://schemas.openxmlformats.org/presentationml/2006/main">
-  <p:cSld>
-    <p:spTree>
-      <p:nvGrpSpPr>
-        <p:cNvPr id="1" name=""/>
-        <p:cNvGrpSpPr/>
-        <p:nvPr/>
-      </p:nvGrpSpPr>
-      <p:grpSpPr>
-        <a:xfrm>
-          <a:off x="0" y="0"/>
-          <a:ext cx="0" cy="0"/>
-          <a:chOff x="0" y="0"/>
-          <a:chExt cx="0" cy="0"/>
-        </a:xfrm>
-      </p:grpSpPr>
-      <p:sp>
-        <p:nvSpPr>
-          <p:cNvPr id="2" name="Title 1">
-            <a:extLst>
-              <a:ext uri="{FF2B5EF4-FFF2-40B4-BE49-F238E27FC236}">
-                <a16:creationId xmlns:a16="http://schemas.microsoft.com/office/drawing/2014/main" id="{11F80F8E-C6B9-7D4B-A20F-C6F933396A52}"/>
-              </a:ext>
-            </a:extLst>
-          </p:cNvPr>
-          <p:cNvSpPr>
-            <a:spLocks noGrp="1"/>
-          </p:cNvSpPr>
-          <p:nvPr>
-            <p:ph type="title"/>
-          </p:nvPr>
-        </p:nvSpPr>
-        <p:spPr/>
-        <p:txBody>
-          <a:bodyPr/>
-          <a:lstStyle/>
-          <a:p>
-            <a:r>
-              <a:rPr lang="fr-FR"/>
-              <a:t>A vous: ozone – cross validation – polynomial regression</a:t>
-            </a:r>
-          </a:p>
-        </p:txBody>
-      </p:sp>
-      <p:sp>
-        <p:nvSpPr>
-          <p:cNvPr id="3" name="TextBox 2">
-            <a:extLst>
-              <a:ext uri="{FF2B5EF4-FFF2-40B4-BE49-F238E27FC236}">
-                <a16:creationId xmlns:a16="http://schemas.microsoft.com/office/drawing/2014/main" id="{A65344D2-14EC-504C-8DC4-5F719F242FE0}"/>
-              </a:ext>
-            </a:extLst>
-          </p:cNvPr>
-          <p:cNvSpPr txBox="1"/>
-          <p:nvPr/>
-        </p:nvSpPr>
-        <p:spPr>
-          <a:xfrm>
-            <a:off x="1232899" y="2363056"/>
-            <a:ext cx="6931706" cy="3693319"/>
-          </a:xfrm>
-          <a:prstGeom prst="rect">
-            <a:avLst/>
-          </a:prstGeom>
-          <a:noFill/>
-        </p:spPr>
-        <p:txBody>
-          <a:bodyPr wrap="none" rtlCol="0">
-            <a:spAutoFit/>
-          </a:bodyPr>
-          <a:lstStyle/>
-          <a:p>
-            <a:r>
-              <a:rPr lang="fr-FR"/>
-              <a:t>utiliser polynomial features pour generer des polynomes de degré elevé</a:t>
-            </a:r>
-          </a:p>
-          <a:p>
-            <a:pPr marL="285750" indent="-285750">
-              <a:buFont typeface="Arial" panose="020B0604020202020204" pitchFamily="34" charset="0"/>
-              <a:buChar char="•"/>
-            </a:pPr>
-            <a:r>
-              <a:rPr lang="fr-FR"/>
-              <a:t>regression lineaire univariée</a:t>
-            </a:r>
-          </a:p>
-          <a:p>
-            <a:pPr marL="285750" indent="-285750">
-              <a:buFont typeface="Arial" panose="020B0604020202020204" pitchFamily="34" charset="0"/>
-              <a:buChar char="•"/>
-            </a:pPr>
-            <a:r>
-              <a:rPr lang="fr-FR"/>
-              <a:t>split dataset train test</a:t>
-            </a:r>
-          </a:p>
-          <a:p>
-            <a:pPr marL="285750" indent="-285750">
-              <a:buFont typeface="Arial" panose="020B0604020202020204" pitchFamily="34" charset="0"/>
-              <a:buChar char="•"/>
-            </a:pPr>
-            <a:r>
-              <a:rPr lang="fr-FR"/>
-              <a:t>set ransom seed</a:t>
-            </a:r>
-          </a:p>
-          <a:p>
-            <a:pPr marL="285750" indent="-285750">
-              <a:buFont typeface="Arial" panose="020B0604020202020204" pitchFamily="34" charset="0"/>
-              <a:buChar char="•"/>
-            </a:pPr>
-            <a:r>
-              <a:rPr lang="fr-FR"/>
-              <a:t>pour les polynomes de plus en plus complexes</a:t>
-            </a:r>
-          </a:p>
-          <a:p>
-            <a:pPr marL="742950" lvl="1" indent="-285750">
-              <a:buFont typeface="Arial" panose="020B0604020202020204" pitchFamily="34" charset="0"/>
-              <a:buChar char="•"/>
-            </a:pPr>
-            <a:r>
-              <a:rPr lang="fr-FR"/>
-              <a:t>fit ols</a:t>
-            </a:r>
-          </a:p>
-          <a:p>
-            <a:pPr marL="742950" lvl="1" indent="-285750">
-              <a:buFont typeface="Arial" panose="020B0604020202020204" pitchFamily="34" charset="0"/>
-              <a:buChar char="•"/>
-            </a:pPr>
-            <a:r>
-              <a:rPr lang="fr-FR"/>
-              <a:t>calcul RMSE train et RMSE test</a:t>
-            </a:r>
-          </a:p>
-          <a:p>
-            <a:pPr marL="285750" indent="-285750">
-              <a:buFont typeface="Arial" panose="020B0604020202020204" pitchFamily="34" charset="0"/>
-              <a:buChar char="•"/>
-            </a:pPr>
-            <a:r>
-              <a:rPr lang="fr-FR"/>
-              <a:t>plot learning curve</a:t>
-            </a:r>
-          </a:p>
-          <a:p>
-            <a:pPr marL="285750" indent="-285750">
-              <a:buFont typeface="Arial" panose="020B0604020202020204" pitchFamily="34" charset="0"/>
-              <a:buChar char="•"/>
-            </a:pPr>
-            <a:endParaRPr lang="fr-FR"/>
-          </a:p>
-          <a:p>
-            <a:r>
-              <a:rPr lang="fr-FR"/>
-              <a:t>Quel ordre est meilleur ?</a:t>
-            </a:r>
-          </a:p>
-          <a:p>
-            <a:endParaRPr lang="fr-FR"/>
-          </a:p>
-          <a:p>
-            <a:r>
-              <a:rPr lang="fr-FR"/>
-              <a:t>Maintenant avec cross validation K = 4</a:t>
-            </a:r>
-          </a:p>
-          <a:p>
-            <a:endParaRPr lang="fr-FR"/>
-          </a:p>
-        </p:txBody>
-      </p:sp>
-    </p:spTree>
-    <p:extLst>
-      <p:ext uri="{BB962C8B-B14F-4D97-AF65-F5344CB8AC3E}">
-        <p14:creationId xmlns:p14="http://schemas.microsoft.com/office/powerpoint/2010/main" val="2219433703"/>
-      </p:ext>
-    </p:extLst>
-  </p:cSld>
-  <p:clrMapOvr>
-    <a:masterClrMapping/>
-  </p:clrMapOvr>
-</p:sld>
-</file>
-
-<file path=ppt/slides/slide3.xml><?xml version="1.0" encoding="utf-8"?>
-<p:sld xmlns:a="http://schemas.openxmlformats.org/drawingml/2006/main" xmlns:r="http://schemas.openxmlformats.org/officeDocument/2006/relationships" xmlns:p="http://schemas.openxmlformats.org/presentationml/2006/main">
-  <p:cSld>
-    <p:spTree>
-      <p:nvGrpSpPr>
-        <p:cNvPr id="1" name=""/>
-        <p:cNvGrpSpPr/>
-        <p:nvPr/>
-      </p:nvGrpSpPr>
-      <p:grpSpPr>
-        <a:xfrm>
-          <a:off x="0" y="0"/>
-          <a:ext cx="0" cy="0"/>
-          <a:chOff x="0" y="0"/>
-          <a:chExt cx="0" cy="0"/>
-        </a:xfrm>
-      </p:grpSpPr>
-      <p:sp>
-        <p:nvSpPr>
-          <p:cNvPr id="3" name="TextBox 2">
-            <a:extLst>
-              <a:ext uri="{FF2B5EF4-FFF2-40B4-BE49-F238E27FC236}">
-                <a16:creationId xmlns:a16="http://schemas.microsoft.com/office/drawing/2014/main" id="{CF430F8E-AB2D-904F-9A03-E1BCC26C6FE1}"/>
-              </a:ext>
-            </a:extLst>
-          </p:cNvPr>
-          <p:cNvSpPr txBox="1"/>
-          <p:nvPr/>
-        </p:nvSpPr>
-        <p:spPr>
-          <a:xfrm>
-            <a:off x="1592495" y="2465798"/>
-            <a:ext cx="2799421" cy="1200329"/>
-          </a:xfrm>
-          <a:prstGeom prst="rect">
-            <a:avLst/>
-          </a:prstGeom>
-          <a:noFill/>
-        </p:spPr>
-        <p:txBody>
-          <a:bodyPr wrap="none" rtlCol="0">
-            <a:spAutoFit/>
-          </a:bodyPr>
-          <a:lstStyle/>
-          <a:p>
-            <a:r>
-              <a:rPr lang="fr-FR"/>
-              <a:t>Expliquer les données</a:t>
-            </a:r>
-          </a:p>
-          <a:p>
-            <a:pPr marL="285750" indent="-285750">
-              <a:buFont typeface="Arial" panose="020B0604020202020204" pitchFamily="34" charset="0"/>
-              <a:buChar char="•"/>
-            </a:pPr>
-            <a:r>
-              <a:rPr lang="fr-FR"/>
-              <a:t>régression linéaire</a:t>
-            </a:r>
-          </a:p>
-          <a:p>
-            <a:pPr marL="285750" indent="-285750">
-              <a:buFont typeface="Arial" panose="020B0604020202020204" pitchFamily="34" charset="0"/>
-              <a:buChar char="•"/>
-            </a:pPr>
-            <a:r>
-              <a:rPr lang="fr-FR"/>
-              <a:t>statsmodel</a:t>
-            </a:r>
-          </a:p>
-          <a:p>
-            <a:pPr marL="285750" indent="-285750">
-              <a:buFont typeface="Arial" panose="020B0604020202020204" pitchFamily="34" charset="0"/>
-              <a:buChar char="•"/>
-            </a:pPr>
-            <a:r>
-              <a:rPr lang="fr-FR"/>
-              <a:t>coefficients et R-squared</a:t>
-            </a:r>
-          </a:p>
-        </p:txBody>
-      </p:sp>
-      <p:sp>
-        <p:nvSpPr>
-          <p:cNvPr id="4" name="TextBox 3">
-            <a:extLst>
-              <a:ext uri="{FF2B5EF4-FFF2-40B4-BE49-F238E27FC236}">
-                <a16:creationId xmlns:a16="http://schemas.microsoft.com/office/drawing/2014/main" id="{C0AA3968-B30A-7C4A-8670-5300DFF75402}"/>
-              </a:ext>
-            </a:extLst>
-          </p:cNvPr>
-          <p:cNvSpPr txBox="1"/>
-          <p:nvPr/>
-        </p:nvSpPr>
-        <p:spPr>
-          <a:xfrm>
-            <a:off x="7500134" y="2465798"/>
-            <a:ext cx="2960811" cy="1754326"/>
-          </a:xfrm>
-          <a:prstGeom prst="rect">
-            <a:avLst/>
-          </a:prstGeom>
-          <a:noFill/>
-        </p:spPr>
-        <p:txBody>
-          <a:bodyPr wrap="none" rtlCol="0">
-            <a:spAutoFit/>
-          </a:bodyPr>
-          <a:lstStyle/>
-          <a:p>
-            <a:r>
-              <a:rPr lang="fr-FR"/>
-              <a:t>Prédire de nouvelles données</a:t>
-            </a:r>
-          </a:p>
-          <a:p>
-            <a:pPr marL="285750" indent="-285750">
-              <a:buFont typeface="Arial" panose="020B0604020202020204" pitchFamily="34" charset="0"/>
-              <a:buChar char="•"/>
-            </a:pPr>
-            <a:r>
-              <a:rPr lang="fr-FR"/>
-              <a:t>régression linéaire</a:t>
-            </a:r>
-          </a:p>
-          <a:p>
-            <a:pPr marL="285750" indent="-285750">
-              <a:buFont typeface="Arial" panose="020B0604020202020204" pitchFamily="34" charset="0"/>
-              <a:buChar char="•"/>
-            </a:pPr>
-            <a:r>
-              <a:rPr lang="fr-FR"/>
-              <a:t>scikit-learn</a:t>
-            </a:r>
-          </a:p>
-          <a:p>
-            <a:pPr marL="285750" indent="-285750">
-              <a:buFont typeface="Arial" panose="020B0604020202020204" pitchFamily="34" charset="0"/>
-              <a:buChar char="•"/>
-            </a:pPr>
-            <a:r>
-              <a:rPr lang="fr-FR"/>
-              <a:t>train, test, cross validation</a:t>
-            </a:r>
-          </a:p>
-          <a:p>
-            <a:pPr marL="285750" indent="-285750">
-              <a:buFont typeface="Arial" panose="020B0604020202020204" pitchFamily="34" charset="0"/>
-              <a:buChar char="•"/>
-            </a:pPr>
-            <a:r>
-              <a:rPr lang="fr-FR"/>
-              <a:t>AUC, RMSE</a:t>
-            </a:r>
-          </a:p>
-          <a:p>
-            <a:endParaRPr lang="fr-FR"/>
-          </a:p>
-        </p:txBody>
-      </p:sp>
-      <p:sp>
-        <p:nvSpPr>
-          <p:cNvPr id="5" name="Right Arrow 4">
-            <a:extLst>
-              <a:ext uri="{FF2B5EF4-FFF2-40B4-BE49-F238E27FC236}">
-                <a16:creationId xmlns:a16="http://schemas.microsoft.com/office/drawing/2014/main" id="{E375216C-D09C-144D-9BF7-3F1C87E9C8F5}"/>
-              </a:ext>
-            </a:extLst>
-          </p:cNvPr>
-          <p:cNvSpPr/>
-          <p:nvPr/>
-        </p:nvSpPr>
-        <p:spPr>
-          <a:xfrm>
-            <a:off x="4691867" y="2465799"/>
-            <a:ext cx="2424701" cy="369331"/>
-          </a:xfrm>
-          <a:prstGeom prst="rightArrow">
-            <a:avLst/>
-          </a:prstGeom>
-          <a:solidFill>
-            <a:srgbClr val="C00000"/>
-          </a:solidFill>
-          <a:ln>
-            <a:solidFill>
-              <a:srgbClr val="FF0000"/>
-            </a:solidFill>
-          </a:ln>
-        </p:spPr>
-        <p:style>
-          <a:lnRef idx="2">
-            <a:schemeClr val="accent1">
-              <a:shade val="50000"/>
-            </a:schemeClr>
-          </a:lnRef>
-          <a:fillRef idx="1">
-            <a:schemeClr val="accent1"/>
-          </a:fillRef>
-          <a:effectRef idx="0">
-            <a:schemeClr val="accent1"/>
-          </a:effectRef>
-          <a:fontRef idx="minor">
-            <a:schemeClr val="lt1"/>
-          </a:fontRef>
-        </p:style>
-        <p:txBody>
-          <a:bodyPr rtlCol="0" anchor="ctr"/>
-          <a:lstStyle/>
-          <a:p>
-            <a:pPr algn="ctr"/>
-            <a:endParaRPr lang="fr-FR"/>
-          </a:p>
-        </p:txBody>
-      </p:sp>
-      <p:sp>
-        <p:nvSpPr>
-          <p:cNvPr id="6" name="Title 1">
-            <a:extLst>
-              <a:ext uri="{FF2B5EF4-FFF2-40B4-BE49-F238E27FC236}">
-                <a16:creationId xmlns:a16="http://schemas.microsoft.com/office/drawing/2014/main" id="{2D844CAB-9821-7945-9FD5-EB569AC181C6}"/>
-              </a:ext>
-            </a:extLst>
-          </p:cNvPr>
-          <p:cNvSpPr txBox="1">
-            <a:spLocks/>
-          </p:cNvSpPr>
-          <p:nvPr/>
-        </p:nvSpPr>
-        <p:spPr>
-          <a:xfrm>
-            <a:off x="-10274" y="-5170"/>
-            <a:ext cx="12202274" cy="646331"/>
-          </a:xfrm>
-          <a:prstGeom prst="rect">
-            <a:avLst/>
-          </a:prstGeom>
-          <a:solidFill>
-            <a:srgbClr val="C04E00"/>
-          </a:solidFill>
-        </p:spPr>
-        <p:txBody>
-          <a:bodyPr vert="horz" lIns="91440" tIns="45720" rIns="91440" bIns="45720" rtlCol="0" anchor="ctr">
-            <a:normAutofit fontScale="97500" lnSpcReduction="10000"/>
-          </a:bodyPr>
-          <a:lstStyle>
-            <a:lvl1pPr algn="l" defTabSz="914400" rtl="0" eaLnBrk="1" latinLnBrk="0" hangingPunct="1">
-              <a:lnSpc>
-                <a:spcPct val="90000"/>
-              </a:lnSpc>
-              <a:spcBef>
-                <a:spcPct val="0"/>
-              </a:spcBef>
-              <a:buNone/>
-              <a:defRPr sz="4400" kern="1200">
-                <a:solidFill>
-                  <a:schemeClr val="tx1"/>
-                </a:solidFill>
-                <a:latin typeface="+mj-lt"/>
-                <a:ea typeface="+mj-ea"/>
-                <a:cs typeface="+mj-cs"/>
-              </a:defRPr>
-            </a:lvl1pPr>
-          </a:lstStyle>
-          <a:p>
-            <a:r>
-              <a:rPr lang="fr-FR">
-                <a:solidFill>
-                  <a:schemeClr val="bg1"/>
-                </a:solidFill>
-              </a:rPr>
-              <a:t>Modélisation vs Analyse Précictive</a:t>
-            </a:r>
-          </a:p>
-        </p:txBody>
-      </p:sp>
-    </p:spTree>
-    <p:extLst>
-      <p:ext uri="{BB962C8B-B14F-4D97-AF65-F5344CB8AC3E}">
-        <p14:creationId xmlns:p14="http://schemas.microsoft.com/office/powerpoint/2010/main" val="3039485398"/>
-      </p:ext>
-    </p:extLst>
-  </p:cSld>
-  <p:clrMapOvr>
-    <a:masterClrMapping/>
-  </p:clrMapOvr>
-</p:sld>
-</file>
-
-<file path=ppt/slides/slide30.xml><?xml version="1.0" encoding="utf-8"?>
-<p:sld xmlns:a="http://schemas.openxmlformats.org/drawingml/2006/main" xmlns:r="http://schemas.openxmlformats.org/officeDocument/2006/relationships" xmlns:p="http://schemas.openxmlformats.org/presentationml/2006/main">
-  <p:cSld>
-    <p:spTree>
-      <p:nvGrpSpPr>
-        <p:cNvPr id="1" name=""/>
-        <p:cNvGrpSpPr/>
-        <p:nvPr/>
-      </p:nvGrpSpPr>
-      <p:grpSpPr>
-        <a:xfrm>
-          <a:off x="0" y="0"/>
-          <a:ext cx="0" cy="0"/>
-          <a:chOff x="0" y="0"/>
-          <a:chExt cx="0" cy="0"/>
-        </a:xfrm>
-      </p:grpSpPr>
-      <p:sp>
-        <p:nvSpPr>
-          <p:cNvPr id="2" name="Title 1">
-            <a:extLst>
-              <a:ext uri="{FF2B5EF4-FFF2-40B4-BE49-F238E27FC236}">
-                <a16:creationId xmlns:a16="http://schemas.microsoft.com/office/drawing/2014/main" id="{705210B7-D45A-774E-A7F2-1FA5EC79D512}"/>
-              </a:ext>
-            </a:extLst>
-          </p:cNvPr>
-          <p:cNvSpPr>
-            <a:spLocks noGrp="1"/>
-          </p:cNvSpPr>
-          <p:nvPr>
-            <p:ph type="title"/>
-          </p:nvPr>
-        </p:nvSpPr>
-        <p:spPr/>
-        <p:txBody>
-          <a:bodyPr/>
-          <a:lstStyle/>
-          <a:p>
-            <a:r>
-              <a:rPr lang="fr-FR"/>
-              <a:t>Régularisation</a:t>
-            </a:r>
-          </a:p>
-        </p:txBody>
-      </p:sp>
-      <p:sp>
-        <p:nvSpPr>
-          <p:cNvPr id="3" name="Text Placeholder 2">
-            <a:extLst>
-              <a:ext uri="{FF2B5EF4-FFF2-40B4-BE49-F238E27FC236}">
-                <a16:creationId xmlns:a16="http://schemas.microsoft.com/office/drawing/2014/main" id="{0FBD93B3-12BB-0F43-9EDF-925F6B66BDDC}"/>
-              </a:ext>
-            </a:extLst>
-          </p:cNvPr>
-          <p:cNvSpPr>
-            <a:spLocks noGrp="1"/>
-          </p:cNvSpPr>
-          <p:nvPr>
-            <p:ph type="body" idx="1"/>
-          </p:nvPr>
-        </p:nvSpPr>
-        <p:spPr/>
-        <p:txBody>
-          <a:bodyPr/>
-          <a:lstStyle/>
-          <a:p>
-            <a:endParaRPr lang="fr-FR"/>
-          </a:p>
-        </p:txBody>
-      </p:sp>
-    </p:spTree>
-    <p:extLst>
-      <p:ext uri="{BB962C8B-B14F-4D97-AF65-F5344CB8AC3E}">
-        <p14:creationId xmlns:p14="http://schemas.microsoft.com/office/powerpoint/2010/main" val="2815760654"/>
-      </p:ext>
-    </p:extLst>
-  </p:cSld>
-  <p:clrMapOvr>
-    <a:masterClrMapping/>
-  </p:clrMapOvr>
-</p:sld>
-</file>
-
-<file path=ppt/slides/slide31.xml><?xml version="1.0" encoding="utf-8"?>
-<p:sld xmlns:a="http://schemas.openxmlformats.org/drawingml/2006/main" xmlns:r="http://schemas.openxmlformats.org/officeDocument/2006/relationships" xmlns:p="http://schemas.openxmlformats.org/presentationml/2006/main">
-  <p:cSld>
-    <p:spTree>
-      <p:nvGrpSpPr>
-        <p:cNvPr id="1" name=""/>
-        <p:cNvGrpSpPr/>
-        <p:nvPr/>
-      </p:nvGrpSpPr>
-      <p:grpSpPr>
-        <a:xfrm>
-          <a:off x="0" y="0"/>
-          <a:ext cx="0" cy="0"/>
-          <a:chOff x="0" y="0"/>
-          <a:chExt cx="0" cy="0"/>
-        </a:xfrm>
-      </p:grpSpPr>
-      <p:sp>
-        <p:nvSpPr>
-          <p:cNvPr id="2" name="Title 1">
-            <a:extLst>
-              <a:ext uri="{FF2B5EF4-FFF2-40B4-BE49-F238E27FC236}">
-                <a16:creationId xmlns:a16="http://schemas.microsoft.com/office/drawing/2014/main" id="{360E5791-2708-3B4D-8025-5FDFEB2AC8F8}"/>
-              </a:ext>
-            </a:extLst>
-          </p:cNvPr>
-          <p:cNvSpPr>
-            <a:spLocks noGrp="1"/>
-          </p:cNvSpPr>
-          <p:nvPr>
-            <p:ph type="title"/>
-          </p:nvPr>
-        </p:nvSpPr>
-        <p:spPr/>
-        <p:txBody>
-          <a:bodyPr/>
-          <a:lstStyle/>
-          <a:p>
-            <a:r>
-              <a:rPr lang="fr-FR"/>
-              <a:t>Fonction de cout</a:t>
-            </a:r>
-          </a:p>
-        </p:txBody>
-      </p:sp>
-      <p:sp>
-        <p:nvSpPr>
-          <p:cNvPr id="3" name="TextBox 2">
-            <a:extLst>
-              <a:ext uri="{FF2B5EF4-FFF2-40B4-BE49-F238E27FC236}">
-                <a16:creationId xmlns:a16="http://schemas.microsoft.com/office/drawing/2014/main" id="{9E4EE802-F812-0F4A-B1EB-814627B26B99}"/>
-              </a:ext>
-            </a:extLst>
-          </p:cNvPr>
-          <p:cNvSpPr txBox="1"/>
-          <p:nvPr/>
-        </p:nvSpPr>
-        <p:spPr>
-          <a:xfrm>
-            <a:off x="1592494" y="2558265"/>
-            <a:ext cx="540533" cy="369332"/>
-          </a:xfrm>
-          <a:prstGeom prst="rect">
-            <a:avLst/>
-          </a:prstGeom>
-          <a:noFill/>
-        </p:spPr>
-        <p:txBody>
-          <a:bodyPr wrap="none" rtlCol="0">
-            <a:spAutoFit/>
-          </a:bodyPr>
-          <a:lstStyle/>
-          <a:p>
-            <a:r>
-              <a:rPr lang="fr-FR"/>
-              <a:t>OLS</a:t>
-            </a:r>
-          </a:p>
-        </p:txBody>
-      </p:sp>
-      <p:sp>
-        <p:nvSpPr>
-          <p:cNvPr id="4" name="TextBox 3">
-            <a:extLst>
-              <a:ext uri="{FF2B5EF4-FFF2-40B4-BE49-F238E27FC236}">
-                <a16:creationId xmlns:a16="http://schemas.microsoft.com/office/drawing/2014/main" id="{8307E2A9-D143-C048-84A8-0BF9FBFF0ED8}"/>
-              </a:ext>
-            </a:extLst>
-          </p:cNvPr>
-          <p:cNvSpPr txBox="1"/>
-          <p:nvPr/>
-        </p:nvSpPr>
-        <p:spPr>
-          <a:xfrm>
-            <a:off x="1674688" y="3750067"/>
-            <a:ext cx="706925" cy="369332"/>
-          </a:xfrm>
-          <a:prstGeom prst="rect">
-            <a:avLst/>
-          </a:prstGeom>
-          <a:noFill/>
-        </p:spPr>
-        <p:txBody>
-          <a:bodyPr wrap="none" rtlCol="0">
-            <a:spAutoFit/>
-          </a:bodyPr>
-          <a:lstStyle/>
-          <a:p>
-            <a:r>
-              <a:rPr lang="fr-FR"/>
-              <a:t>Ridge</a:t>
-            </a:r>
-          </a:p>
-        </p:txBody>
-      </p:sp>
-    </p:spTree>
-    <p:extLst>
-      <p:ext uri="{BB962C8B-B14F-4D97-AF65-F5344CB8AC3E}">
-        <p14:creationId xmlns:p14="http://schemas.microsoft.com/office/powerpoint/2010/main" val="968872934"/>
-      </p:ext>
-    </p:extLst>
-  </p:cSld>
-  <p:clrMapOvr>
-    <a:masterClrMapping/>
-  </p:clrMapOvr>
-</p:sld>
-</file>
-
-<file path=ppt/slides/slide32.xml><?xml version="1.0" encoding="utf-8"?>
-<p:sld xmlns:a="http://schemas.openxmlformats.org/drawingml/2006/main" xmlns:r="http://schemas.openxmlformats.org/officeDocument/2006/relationships" xmlns:p="http://schemas.openxmlformats.org/presentationml/2006/main">
-  <p:cSld>
-    <p:spTree>
-      <p:nvGrpSpPr>
-        <p:cNvPr id="1" name=""/>
-        <p:cNvGrpSpPr/>
-        <p:nvPr/>
-      </p:nvGrpSpPr>
-      <p:grpSpPr>
-        <a:xfrm>
-          <a:off x="0" y="0"/>
-          <a:ext cx="0" cy="0"/>
-          <a:chOff x="0" y="0"/>
-          <a:chExt cx="0" cy="0"/>
-        </a:xfrm>
-      </p:grpSpPr>
-      <p:sp>
-        <p:nvSpPr>
-          <p:cNvPr id="2" name="Title 1">
-            <a:extLst>
-              <a:ext uri="{FF2B5EF4-FFF2-40B4-BE49-F238E27FC236}">
-                <a16:creationId xmlns:a16="http://schemas.microsoft.com/office/drawing/2014/main" id="{EA6D9563-190D-5344-B84A-E86E4D49F888}"/>
-              </a:ext>
-            </a:extLst>
-          </p:cNvPr>
-          <p:cNvSpPr>
-            <a:spLocks noGrp="1"/>
-          </p:cNvSpPr>
-          <p:nvPr>
-            <p:ph type="title"/>
-          </p:nvPr>
-        </p:nvSpPr>
-        <p:spPr/>
-        <p:txBody>
-          <a:bodyPr/>
-          <a:lstStyle/>
-          <a:p>
-            <a:r>
-              <a:rPr lang="fr-FR"/>
-              <a:t>Overfitting – ridge regression</a:t>
-            </a:r>
-          </a:p>
-        </p:txBody>
-      </p:sp>
-      <p:sp>
-        <p:nvSpPr>
-          <p:cNvPr id="3" name="Rectangle 2">
-            <a:extLst>
-              <a:ext uri="{FF2B5EF4-FFF2-40B4-BE49-F238E27FC236}">
-                <a16:creationId xmlns:a16="http://schemas.microsoft.com/office/drawing/2014/main" id="{80F0723C-46EE-0B4D-B69F-DEA4BF6BA559}"/>
-              </a:ext>
-            </a:extLst>
-          </p:cNvPr>
-          <p:cNvSpPr/>
-          <p:nvPr/>
-        </p:nvSpPr>
-        <p:spPr>
-          <a:xfrm>
-            <a:off x="3048000" y="2828836"/>
-            <a:ext cx="6096000" cy="1200329"/>
-          </a:xfrm>
-          <a:prstGeom prst="rect">
-            <a:avLst/>
-          </a:prstGeom>
-        </p:spPr>
-        <p:txBody>
-          <a:bodyPr>
-            <a:spAutoFit/>
-          </a:bodyPr>
-          <a:lstStyle/>
-          <a:p>
-            <a:r>
-              <a:rPr lang="en-US">
-                <a:hlinkClick r:id="rId2"/>
-              </a:rPr>
-              <a:t>https://scikit-learn.org/stable/auto_examples/linear_model/plot_ols_ridge_variance.html#sphx-glr-auto-examples-linear-model-plot-ols-ridge-variance-py</a:t>
-            </a:r>
-            <a:endParaRPr lang="fr-FR"/>
-          </a:p>
-        </p:txBody>
-      </p:sp>
-      <p:sp>
-        <p:nvSpPr>
-          <p:cNvPr id="4" name="Rectangle 3">
-            <a:extLst>
-              <a:ext uri="{FF2B5EF4-FFF2-40B4-BE49-F238E27FC236}">
-                <a16:creationId xmlns:a16="http://schemas.microsoft.com/office/drawing/2014/main" id="{F5D18FCA-4DF9-D747-9303-28F01C0B3393}"/>
-              </a:ext>
-            </a:extLst>
-          </p:cNvPr>
-          <p:cNvSpPr/>
-          <p:nvPr/>
-        </p:nvSpPr>
-        <p:spPr>
-          <a:xfrm>
-            <a:off x="2154149" y="1690688"/>
-            <a:ext cx="6096000" cy="923330"/>
-          </a:xfrm>
-          <a:prstGeom prst="rect">
-            <a:avLst/>
-          </a:prstGeom>
-        </p:spPr>
-        <p:txBody>
-          <a:bodyPr>
-            <a:spAutoFit/>
-          </a:bodyPr>
-          <a:lstStyle/>
-          <a:p>
-            <a:r>
-              <a:rPr lang="en-US">
-                <a:hlinkClick r:id="rId3"/>
-              </a:rPr>
-              <a:t>https://scikit-learn.org/stable/modules/generated/sklearn.linear_model.Ridge.html</a:t>
-            </a:r>
-            <a:endParaRPr lang="fr-FR"/>
-          </a:p>
-        </p:txBody>
-      </p:sp>
-    </p:spTree>
-    <p:extLst>
-      <p:ext uri="{BB962C8B-B14F-4D97-AF65-F5344CB8AC3E}">
-        <p14:creationId xmlns:p14="http://schemas.microsoft.com/office/powerpoint/2010/main" val="2297093814"/>
-      </p:ext>
-    </p:extLst>
-  </p:cSld>
-  <p:clrMapOvr>
-    <a:masterClrMapping/>
-  </p:clrMapOvr>
-</p:sld>
-</file>
-
 <file path=ppt/slides/slide33.xml><?xml version="1.0" encoding="utf-8"?>
 <p:sld xmlns:a="http://schemas.openxmlformats.org/drawingml/2006/main" xmlns:r="http://schemas.openxmlformats.org/officeDocument/2006/relationships" xmlns:p="http://schemas.openxmlformats.org/presentationml/2006/main">
   <p:cSld>
@@ -8170,7 +8154,7 @@
           <p:cNvPr id="2" name="Title 1">
             <a:extLst>
               <a:ext uri="{FF2B5EF4-FFF2-40B4-BE49-F238E27FC236}">
-                <a16:creationId xmlns:a16="http://schemas.microsoft.com/office/drawing/2014/main" id="{55568D82-7781-7044-9514-E405E2C98CEC}"/>
+                <a16:creationId xmlns:a16="http://schemas.microsoft.com/office/drawing/2014/main" id="{9180C320-A0F2-6249-97D5-3DAE12A44672}"/>
               </a:ext>
             </a:extLst>
           </p:cNvPr>
@@ -8188,32 +8172,92 @@
           <a:p>
             <a:r>
               <a:rPr lang="fr-FR"/>
-              <a:t>Biais - variance</a:t>
-            </a:r>
-          </a:p>
-        </p:txBody>
-      </p:sp>
-      <p:sp>
-        <p:nvSpPr>
-          <p:cNvPr id="3" name="Text Placeholder 2">
-            <a:extLst>
-              <a:ext uri="{FF2B5EF4-FFF2-40B4-BE49-F238E27FC236}">
-                <a16:creationId xmlns:a16="http://schemas.microsoft.com/office/drawing/2014/main" id="{BFA74CD5-3E3D-614D-BFEA-9BF421B7D917}"/>
-              </a:ext>
-            </a:extLst>
-          </p:cNvPr>
-          <p:cNvSpPr>
-            <a:spLocks noGrp="1"/>
-          </p:cNvSpPr>
-          <p:nvPr>
-            <p:ph type="body" idx="1"/>
-          </p:nvPr>
-        </p:nvSpPr>
-        <p:spPr/>
-        <p:txBody>
-          <a:bodyPr/>
+              <a:t>A vous</a:t>
+            </a:r>
+          </a:p>
+        </p:txBody>
+      </p:sp>
+      <p:sp>
+        <p:nvSpPr>
+          <p:cNvPr id="3" name="TextBox 2">
+            <a:extLst>
+              <a:ext uri="{FF2B5EF4-FFF2-40B4-BE49-F238E27FC236}">
+                <a16:creationId xmlns:a16="http://schemas.microsoft.com/office/drawing/2014/main" id="{833C5E9F-1862-EF43-A3E3-7D46B3A0822F}"/>
+              </a:ext>
+            </a:extLst>
+          </p:cNvPr>
+          <p:cNvSpPr txBox="1"/>
+          <p:nvPr/>
+        </p:nvSpPr>
+        <p:spPr>
+          <a:xfrm>
+            <a:off x="955497" y="2260315"/>
+            <a:ext cx="9808711" cy="1754326"/>
+          </a:xfrm>
+          <a:prstGeom prst="rect">
+            <a:avLst/>
+          </a:prstGeom>
+          <a:noFill/>
+        </p:spPr>
+        <p:txBody>
+          <a:bodyPr wrap="none" rtlCol="0">
+            <a:spAutoFit/>
+          </a:bodyPr>
           <a:lstStyle/>
           <a:p>
+            <a:r>
+              <a:rPr lang="fr-FR"/>
+              <a:t>Utiliser </a:t>
+            </a:r>
+            <a:r>
+              <a:rPr lang="en-US">
+                <a:hlinkClick r:id="rId2"/>
+              </a:rPr>
+              <a:t>https://scikit-learn.org/stable/modules/generated/sklearn.linear_model.LinearRegression.html</a:t>
+            </a:r>
+            <a:endParaRPr lang="fr-FR"/>
+          </a:p>
+          <a:p>
+            <a:endParaRPr lang="fr-FR"/>
+          </a:p>
+          <a:p>
+            <a:pPr marL="285750" indent="-285750">
+              <a:buFont typeface="Arial" panose="020B0604020202020204" pitchFamily="34" charset="0"/>
+              <a:buChar char="•"/>
+            </a:pPr>
+            <a:r>
+              <a:rPr lang="fr-FR"/>
+              <a:t> </a:t>
+            </a:r>
+            <a:r>
+              <a:rPr lang="en-US">
+                <a:hlinkClick r:id="rId3"/>
+              </a:rPr>
+              <a:t>https://scikit-learn.org/stable/auto_examples/linear_model/plot_ols.html</a:t>
+            </a:r>
+            <a:endParaRPr lang="en-US"/>
+          </a:p>
+          <a:p>
+            <a:pPr marL="285750" indent="-285750">
+              <a:buFont typeface="Arial" panose="020B0604020202020204" pitchFamily="34" charset="0"/>
+              <a:buChar char="•"/>
+            </a:pPr>
+            <a:r>
+              <a:rPr lang="en-US">
+                <a:hlinkClick r:id="rId4"/>
+              </a:rPr>
+              <a:t>https://scikit-learn.org/stable/auto_examples/model_selection/plot_cv_predict.html</a:t>
+            </a:r>
+            <a:endParaRPr lang="en-US"/>
+          </a:p>
+          <a:p>
+            <a:endParaRPr lang="en-US"/>
+          </a:p>
+          <a:p>
+            <a:r>
+              <a:rPr lang="en-US"/>
+              <a:t>et l'adapter au dataset Ozone</a:t>
+            </a:r>
             <a:endParaRPr lang="fr-FR"/>
           </a:p>
         </p:txBody>
@@ -8221,7 +8265,7 @@
     </p:spTree>
     <p:extLst>
       <p:ext uri="{BB962C8B-B14F-4D97-AF65-F5344CB8AC3E}">
-        <p14:creationId xmlns:p14="http://schemas.microsoft.com/office/powerpoint/2010/main" val="2817803617"/>
+        <p14:creationId xmlns:p14="http://schemas.microsoft.com/office/powerpoint/2010/main" val="2942977552"/>
       </p:ext>
     </p:extLst>
   </p:cSld>
@@ -8250,72 +8294,166 @@
       </p:grpSpPr>
       <p:sp>
         <p:nvSpPr>
-          <p:cNvPr id="2" name="Rectangle 1">
-            <a:extLst>
-              <a:ext uri="{FF2B5EF4-FFF2-40B4-BE49-F238E27FC236}">
-                <a16:creationId xmlns:a16="http://schemas.microsoft.com/office/drawing/2014/main" id="{E6C2EBFE-0949-8F49-BCFB-10367713AF7F}"/>
-              </a:ext>
-            </a:extLst>
-          </p:cNvPr>
-          <p:cNvSpPr/>
+          <p:cNvPr id="2" name="Title 1">
+            <a:extLst>
+              <a:ext uri="{FF2B5EF4-FFF2-40B4-BE49-F238E27FC236}">
+                <a16:creationId xmlns:a16="http://schemas.microsoft.com/office/drawing/2014/main" id="{11F80F8E-C6B9-7D4B-A20F-C6F933396A52}"/>
+              </a:ext>
+            </a:extLst>
+          </p:cNvPr>
+          <p:cNvSpPr>
+            <a:spLocks noGrp="1"/>
+          </p:cNvSpPr>
+          <p:nvPr>
+            <p:ph type="title"/>
+          </p:nvPr>
+        </p:nvSpPr>
+        <p:spPr/>
+        <p:txBody>
+          <a:bodyPr/>
+          <a:lstStyle/>
+          <a:p>
+            <a:r>
+              <a:rPr lang="fr-FR"/>
+              <a:t>A vous: ozone – cross validation – polynomial regression</a:t>
+            </a:r>
+          </a:p>
+        </p:txBody>
+      </p:sp>
+      <p:sp>
+        <p:nvSpPr>
+          <p:cNvPr id="3" name="TextBox 2">
+            <a:extLst>
+              <a:ext uri="{FF2B5EF4-FFF2-40B4-BE49-F238E27FC236}">
+                <a16:creationId xmlns:a16="http://schemas.microsoft.com/office/drawing/2014/main" id="{A65344D2-14EC-504C-8DC4-5F719F242FE0}"/>
+              </a:ext>
+            </a:extLst>
+          </p:cNvPr>
+          <p:cNvSpPr txBox="1"/>
           <p:nvPr/>
         </p:nvSpPr>
         <p:spPr>
           <a:xfrm>
-            <a:off x="3048000" y="1582341"/>
-            <a:ext cx="6096000" cy="3693319"/>
+            <a:off x="1232899" y="2363056"/>
+            <a:ext cx="6931706" cy="3693319"/>
           </a:xfrm>
           <a:prstGeom prst="rect">
             <a:avLst/>
           </a:prstGeom>
+          <a:noFill/>
         </p:spPr>
         <p:txBody>
-          <a:bodyPr>
+          <a:bodyPr wrap="none" rtlCol="0">
             <a:spAutoFit/>
           </a:bodyPr>
           <a:lstStyle/>
           <a:p>
             <a:r>
               <a:rPr lang="fr-FR"/>
-              <a:t>L'erreur de prédiction peut etre décomposée en 2 termes</a:t>
-            </a:r>
-          </a:p>
-          <a:p>
+              <a:t>utiliser polynomial features pour generer des polynomes de degré elevé</a:t>
+            </a:r>
+          </a:p>
+          <a:p>
+            <a:pPr marL="285750" indent="-285750">
+              <a:buFont typeface="Arial" panose="020B0604020202020204" pitchFamily="34" charset="0"/>
+              <a:buChar char="•"/>
+            </a:pPr>
             <a:r>
               <a:rPr lang="fr-FR"/>
-              <a:t>Biais: la différence entre les predictions du modele et la valeur cible. Le biais mesure la performance du modèle, la distance entre les predictions et les valeurs cibles.</a:t>
-            </a:r>
-          </a:p>
-          <a:p>
+              <a:t>regression lineaire univariée</a:t>
+            </a:r>
+          </a:p>
+          <a:p>
+            <a:pPr marL="285750" indent="-285750">
+              <a:buFont typeface="Arial" panose="020B0604020202020204" pitchFamily="34" charset="0"/>
+              <a:buChar char="•"/>
+            </a:pPr>
             <a:r>
               <a:rPr lang="fr-FR"/>
-              <a:t>Underfitting: Un biais important indique que le modele n'arrive pas à comprendre les données qui lui sont fournies</a:t>
-            </a:r>
-          </a:p>
-          <a:p>
+              <a:t>split dataset train test</a:t>
+            </a:r>
+          </a:p>
+          <a:p>
+            <a:pPr marL="285750" indent="-285750">
+              <a:buFont typeface="Arial" panose="020B0604020202020204" pitchFamily="34" charset="0"/>
+              <a:buChar char="•"/>
+            </a:pPr>
             <a:r>
               <a:rPr lang="fr-FR"/>
-              <a:t>Variance: Il s'agit là de la variabilité des prédictions entre différentes réalisations du modèle pour un échantillon donné.</a:t>
-            </a:r>
-          </a:p>
-          <a:p>
+              <a:t>set ransom seed</a:t>
+            </a:r>
+          </a:p>
+          <a:p>
+            <a:pPr marL="285750" indent="-285750">
+              <a:buFont typeface="Arial" panose="020B0604020202020204" pitchFamily="34" charset="0"/>
+              <a:buChar char="•"/>
+            </a:pPr>
             <a:r>
               <a:rPr lang="fr-FR"/>
-              <a:t>La variance mesure la sensibilité du modèle aux données d'apprentissages</a:t>
-            </a:r>
-          </a:p>
-          <a:p>
+              <a:t>pour les polynomes de plus en plus complexes</a:t>
+            </a:r>
+          </a:p>
+          <a:p>
+            <a:pPr marL="742950" lvl="1" indent="-285750">
+              <a:buFont typeface="Arial" panose="020B0604020202020204" pitchFamily="34" charset="0"/>
+              <a:buChar char="•"/>
+            </a:pPr>
             <a:r>
               <a:rPr lang="fr-FR"/>
-              <a:t>Overfitting: Une forte erreur de variance indique que le modèle ne pourra pas extrapoler ses prédictions sur des nouvelles données</a:t>
-            </a:r>
+              <a:t>fit ols</a:t>
+            </a:r>
+          </a:p>
+          <a:p>
+            <a:pPr marL="742950" lvl="1" indent="-285750">
+              <a:buFont typeface="Arial" panose="020B0604020202020204" pitchFamily="34" charset="0"/>
+              <a:buChar char="•"/>
+            </a:pPr>
+            <a:r>
+              <a:rPr lang="fr-FR"/>
+              <a:t>calcul RMSE train et RMSE test</a:t>
+            </a:r>
+          </a:p>
+          <a:p>
+            <a:pPr marL="285750" indent="-285750">
+              <a:buFont typeface="Arial" panose="020B0604020202020204" pitchFamily="34" charset="0"/>
+              <a:buChar char="•"/>
+            </a:pPr>
+            <a:r>
+              <a:rPr lang="fr-FR"/>
+              <a:t>plot learning curve</a:t>
+            </a:r>
+          </a:p>
+          <a:p>
+            <a:pPr marL="285750" indent="-285750">
+              <a:buFont typeface="Arial" panose="020B0604020202020204" pitchFamily="34" charset="0"/>
+              <a:buChar char="•"/>
+            </a:pPr>
+            <a:endParaRPr lang="fr-FR"/>
+          </a:p>
+          <a:p>
+            <a:r>
+              <a:rPr lang="fr-FR"/>
+              <a:t>Quel ordre est meilleur ?</a:t>
+            </a:r>
+          </a:p>
+          <a:p>
+            <a:endParaRPr lang="fr-FR"/>
+          </a:p>
+          <a:p>
+            <a:r>
+              <a:rPr lang="fr-FR"/>
+              <a:t>Maintenant avec cross validation K = 4</a:t>
+            </a:r>
+          </a:p>
+          <a:p>
+            <a:endParaRPr lang="fr-FR"/>
           </a:p>
         </p:txBody>
       </p:sp>
     </p:spTree>
     <p:extLst>
       <p:ext uri="{BB962C8B-B14F-4D97-AF65-F5344CB8AC3E}">
-        <p14:creationId xmlns:p14="http://schemas.microsoft.com/office/powerpoint/2010/main" val="4100950194"/>
+        <p14:creationId xmlns:p14="http://schemas.microsoft.com/office/powerpoint/2010/main" val="2219433703"/>
       </p:ext>
     </p:extLst>
   </p:cSld>
@@ -8342,40 +8480,63 @@
           <a:chExt cx="0" cy="0"/>
         </a:xfrm>
       </p:grpSpPr>
-      <p:pic>
-        <p:nvPicPr>
-          <p:cNvPr id="5" name="Picture 4">
-            <a:extLst>
-              <a:ext uri="{FF2B5EF4-FFF2-40B4-BE49-F238E27FC236}">
-                <a16:creationId xmlns:a16="http://schemas.microsoft.com/office/drawing/2014/main" id="{ABC1BE34-949B-7548-A138-E536BFD1B548}"/>
-              </a:ext>
-            </a:extLst>
-          </p:cNvPr>
-          <p:cNvPicPr>
-            <a:picLocks noChangeAspect="1"/>
-          </p:cNvPicPr>
-          <p:nvPr/>
-        </p:nvPicPr>
-        <p:blipFill>
-          <a:blip r:embed="rId2"/>
-          <a:stretch>
-            <a:fillRect/>
-          </a:stretch>
-        </p:blipFill>
-        <p:spPr>
-          <a:xfrm>
-            <a:off x="0" y="407412"/>
-            <a:ext cx="12192000" cy="6450588"/>
-          </a:xfrm>
-          <a:prstGeom prst="rect">
-            <a:avLst/>
-          </a:prstGeom>
-        </p:spPr>
-      </p:pic>
+      <p:sp>
+        <p:nvSpPr>
+          <p:cNvPr id="2" name="Title 1">
+            <a:extLst>
+              <a:ext uri="{FF2B5EF4-FFF2-40B4-BE49-F238E27FC236}">
+                <a16:creationId xmlns:a16="http://schemas.microsoft.com/office/drawing/2014/main" id="{705210B7-D45A-774E-A7F2-1FA5EC79D512}"/>
+              </a:ext>
+            </a:extLst>
+          </p:cNvPr>
+          <p:cNvSpPr>
+            <a:spLocks noGrp="1"/>
+          </p:cNvSpPr>
+          <p:nvPr>
+            <p:ph type="title"/>
+          </p:nvPr>
+        </p:nvSpPr>
+        <p:spPr/>
+        <p:txBody>
+          <a:bodyPr/>
+          <a:lstStyle/>
+          <a:p>
+            <a:r>
+              <a:rPr lang="fr-FR"/>
+              <a:t>Régularisation</a:t>
+            </a:r>
+          </a:p>
+        </p:txBody>
+      </p:sp>
+      <p:sp>
+        <p:nvSpPr>
+          <p:cNvPr id="3" name="Text Placeholder 2">
+            <a:extLst>
+              <a:ext uri="{FF2B5EF4-FFF2-40B4-BE49-F238E27FC236}">
+                <a16:creationId xmlns:a16="http://schemas.microsoft.com/office/drawing/2014/main" id="{0FBD93B3-12BB-0F43-9EDF-925F6B66BDDC}"/>
+              </a:ext>
+            </a:extLst>
+          </p:cNvPr>
+          <p:cNvSpPr>
+            <a:spLocks noGrp="1"/>
+          </p:cNvSpPr>
+          <p:nvPr>
+            <p:ph type="body" idx="1"/>
+          </p:nvPr>
+        </p:nvSpPr>
+        <p:spPr/>
+        <p:txBody>
+          <a:bodyPr/>
+          <a:lstStyle/>
+          <a:p>
+            <a:endParaRPr lang="fr-FR"/>
+          </a:p>
+        </p:txBody>
+      </p:sp>
     </p:spTree>
     <p:extLst>
       <p:ext uri="{BB962C8B-B14F-4D97-AF65-F5344CB8AC3E}">
-        <p14:creationId xmlns:p14="http://schemas.microsoft.com/office/powerpoint/2010/main" val="1341798663"/>
+        <p14:creationId xmlns:p14="http://schemas.microsoft.com/office/powerpoint/2010/main" val="2815760654"/>
       </p:ext>
     </p:extLst>
   </p:cSld>
@@ -8402,40 +8563,108 @@
           <a:chExt cx="0" cy="0"/>
         </a:xfrm>
       </p:grpSpPr>
-      <p:pic>
-        <p:nvPicPr>
-          <p:cNvPr id="2" name="Picture 1">
-            <a:extLst>
-              <a:ext uri="{FF2B5EF4-FFF2-40B4-BE49-F238E27FC236}">
-                <a16:creationId xmlns:a16="http://schemas.microsoft.com/office/drawing/2014/main" id="{3D3890FB-18F3-184D-9B2F-8A5A9BD9911A}"/>
-              </a:ext>
-            </a:extLst>
-          </p:cNvPr>
-          <p:cNvPicPr>
-            <a:picLocks noChangeAspect="1"/>
-          </p:cNvPicPr>
+      <p:sp>
+        <p:nvSpPr>
+          <p:cNvPr id="2" name="Title 1">
+            <a:extLst>
+              <a:ext uri="{FF2B5EF4-FFF2-40B4-BE49-F238E27FC236}">
+                <a16:creationId xmlns:a16="http://schemas.microsoft.com/office/drawing/2014/main" id="{360E5791-2708-3B4D-8025-5FDFEB2AC8F8}"/>
+              </a:ext>
+            </a:extLst>
+          </p:cNvPr>
+          <p:cNvSpPr>
+            <a:spLocks noGrp="1"/>
+          </p:cNvSpPr>
+          <p:nvPr>
+            <p:ph type="title"/>
+          </p:nvPr>
+        </p:nvSpPr>
+        <p:spPr/>
+        <p:txBody>
+          <a:bodyPr/>
+          <a:lstStyle/>
+          <a:p>
+            <a:r>
+              <a:rPr lang="fr-FR"/>
+              <a:t>Fonction de cout</a:t>
+            </a:r>
+          </a:p>
+        </p:txBody>
+      </p:sp>
+      <p:sp>
+        <p:nvSpPr>
+          <p:cNvPr id="3" name="TextBox 2">
+            <a:extLst>
+              <a:ext uri="{FF2B5EF4-FFF2-40B4-BE49-F238E27FC236}">
+                <a16:creationId xmlns:a16="http://schemas.microsoft.com/office/drawing/2014/main" id="{9E4EE802-F812-0F4A-B1EB-814627B26B99}"/>
+              </a:ext>
+            </a:extLst>
+          </p:cNvPr>
+          <p:cNvSpPr txBox="1"/>
           <p:nvPr/>
-        </p:nvPicPr>
-        <p:blipFill>
-          <a:blip r:embed="rId2"/>
-          <a:stretch>
-            <a:fillRect/>
-          </a:stretch>
-        </p:blipFill>
+        </p:nvSpPr>
         <p:spPr>
           <a:xfrm>
-            <a:off x="0" y="158828"/>
-            <a:ext cx="12192000" cy="6540344"/>
+            <a:off x="1592494" y="2558265"/>
+            <a:ext cx="540533" cy="369332"/>
           </a:xfrm>
           <a:prstGeom prst="rect">
             <a:avLst/>
           </a:prstGeom>
+          <a:noFill/>
         </p:spPr>
-      </p:pic>
+        <p:txBody>
+          <a:bodyPr wrap="none" rtlCol="0">
+            <a:spAutoFit/>
+          </a:bodyPr>
+          <a:lstStyle/>
+          <a:p>
+            <a:r>
+              <a:rPr lang="fr-FR"/>
+              <a:t>OLS</a:t>
+            </a:r>
+          </a:p>
+        </p:txBody>
+      </p:sp>
+      <p:sp>
+        <p:nvSpPr>
+          <p:cNvPr id="4" name="TextBox 3">
+            <a:extLst>
+              <a:ext uri="{FF2B5EF4-FFF2-40B4-BE49-F238E27FC236}">
+                <a16:creationId xmlns:a16="http://schemas.microsoft.com/office/drawing/2014/main" id="{8307E2A9-D143-C048-84A8-0BF9FBFF0ED8}"/>
+              </a:ext>
+            </a:extLst>
+          </p:cNvPr>
+          <p:cNvSpPr txBox="1"/>
+          <p:nvPr/>
+        </p:nvSpPr>
+        <p:spPr>
+          <a:xfrm>
+            <a:off x="1674688" y="3750067"/>
+            <a:ext cx="706925" cy="369332"/>
+          </a:xfrm>
+          <a:prstGeom prst="rect">
+            <a:avLst/>
+          </a:prstGeom>
+          <a:noFill/>
+        </p:spPr>
+        <p:txBody>
+          <a:bodyPr wrap="none" rtlCol="0">
+            <a:spAutoFit/>
+          </a:bodyPr>
+          <a:lstStyle/>
+          <a:p>
+            <a:r>
+              <a:rPr lang="fr-FR"/>
+              <a:t>Ridge</a:t>
+            </a:r>
+          </a:p>
+        </p:txBody>
+      </p:sp>
     </p:spTree>
     <p:extLst>
       <p:ext uri="{BB962C8B-B14F-4D97-AF65-F5344CB8AC3E}">
-        <p14:creationId xmlns:p14="http://schemas.microsoft.com/office/powerpoint/2010/main" val="3845788295"/>
+        <p14:creationId xmlns:p14="http://schemas.microsoft.com/office/powerpoint/2010/main" val="968872934"/>
       </p:ext>
     </p:extLst>
   </p:cSld>
@@ -8462,70 +8691,112 @@
           <a:chExt cx="0" cy="0"/>
         </a:xfrm>
       </p:grpSpPr>
-      <p:pic>
-        <p:nvPicPr>
-          <p:cNvPr id="3" name="Picture 2">
-            <a:extLst>
-              <a:ext uri="{FF2B5EF4-FFF2-40B4-BE49-F238E27FC236}">
-                <a16:creationId xmlns:a16="http://schemas.microsoft.com/office/drawing/2014/main" id="{5033C66B-CFA5-B04B-9EC2-595C6D4BCE10}"/>
-              </a:ext>
-            </a:extLst>
-          </p:cNvPr>
-          <p:cNvPicPr>
-            <a:picLocks noChangeAspect="1"/>
-          </p:cNvPicPr>
+      <p:sp>
+        <p:nvSpPr>
+          <p:cNvPr id="2" name="Title 1">
+            <a:extLst>
+              <a:ext uri="{FF2B5EF4-FFF2-40B4-BE49-F238E27FC236}">
+                <a16:creationId xmlns:a16="http://schemas.microsoft.com/office/drawing/2014/main" id="{EA6D9563-190D-5344-B84A-E86E4D49F888}"/>
+              </a:ext>
+            </a:extLst>
+          </p:cNvPr>
+          <p:cNvSpPr>
+            <a:spLocks noGrp="1"/>
+          </p:cNvSpPr>
+          <p:nvPr>
+            <p:ph type="title"/>
+          </p:nvPr>
+        </p:nvSpPr>
+        <p:spPr/>
+        <p:txBody>
+          <a:bodyPr/>
+          <a:lstStyle/>
+          <a:p>
+            <a:r>
+              <a:rPr lang="fr-FR"/>
+              <a:t>Overfitting – ridge regression</a:t>
+            </a:r>
+          </a:p>
+        </p:txBody>
+      </p:sp>
+      <p:sp>
+        <p:nvSpPr>
+          <p:cNvPr id="3" name="Rectangle 2">
+            <a:extLst>
+              <a:ext uri="{FF2B5EF4-FFF2-40B4-BE49-F238E27FC236}">
+                <a16:creationId xmlns:a16="http://schemas.microsoft.com/office/drawing/2014/main" id="{80F0723C-46EE-0B4D-B69F-DEA4BF6BA559}"/>
+              </a:ext>
+            </a:extLst>
+          </p:cNvPr>
+          <p:cNvSpPr/>
           <p:nvPr/>
-        </p:nvPicPr>
-        <p:blipFill>
-          <a:blip r:embed="rId2"/>
-          <a:stretch>
-            <a:fillRect/>
-          </a:stretch>
-        </p:blipFill>
+        </p:nvSpPr>
         <p:spPr>
           <a:xfrm>
-            <a:off x="421240" y="222144"/>
-            <a:ext cx="5989834" cy="5764864"/>
+            <a:off x="3048000" y="2828836"/>
+            <a:ext cx="6096000" cy="1200329"/>
           </a:xfrm>
           <a:prstGeom prst="rect">
             <a:avLst/>
           </a:prstGeom>
         </p:spPr>
-      </p:pic>
-      <p:pic>
-        <p:nvPicPr>
-          <p:cNvPr id="7" name="Picture 6">
-            <a:extLst>
-              <a:ext uri="{FF2B5EF4-FFF2-40B4-BE49-F238E27FC236}">
-                <a16:creationId xmlns:a16="http://schemas.microsoft.com/office/drawing/2014/main" id="{F9D42D1E-8EEB-694E-9444-D465326226FB}"/>
-              </a:ext>
-            </a:extLst>
-          </p:cNvPr>
-          <p:cNvPicPr>
-            <a:picLocks noChangeAspect="1"/>
-          </p:cNvPicPr>
+        <p:txBody>
+          <a:bodyPr>
+            <a:spAutoFit/>
+          </a:bodyPr>
+          <a:lstStyle/>
+          <a:p>
+            <a:r>
+              <a:rPr lang="en-US">
+                <a:hlinkClick r:id="rId2"/>
+              </a:rPr>
+              <a:t>https://scikit-learn.org/stable/auto_examples/linear_model/plot_ols_ridge_variance.html#sphx-glr-auto-examples-linear-model-plot-ols-ridge-variance-py</a:t>
+            </a:r>
+            <a:endParaRPr lang="fr-FR"/>
+          </a:p>
+        </p:txBody>
+      </p:sp>
+      <p:sp>
+        <p:nvSpPr>
+          <p:cNvPr id="4" name="Rectangle 3">
+            <a:extLst>
+              <a:ext uri="{FF2B5EF4-FFF2-40B4-BE49-F238E27FC236}">
+                <a16:creationId xmlns:a16="http://schemas.microsoft.com/office/drawing/2014/main" id="{F5D18FCA-4DF9-D747-9303-28F01C0B3393}"/>
+              </a:ext>
+            </a:extLst>
+          </p:cNvPr>
+          <p:cNvSpPr/>
           <p:nvPr/>
-        </p:nvPicPr>
-        <p:blipFill>
-          <a:blip r:embed="rId3"/>
-          <a:stretch>
-            <a:fillRect/>
-          </a:stretch>
-        </p:blipFill>
+        </p:nvSpPr>
         <p:spPr>
           <a:xfrm>
-            <a:off x="7331253" y="1189730"/>
-            <a:ext cx="4762500" cy="4343400"/>
+            <a:off x="2154149" y="1690688"/>
+            <a:ext cx="6096000" cy="923330"/>
           </a:xfrm>
           <a:prstGeom prst="rect">
             <a:avLst/>
           </a:prstGeom>
         </p:spPr>
-      </p:pic>
+        <p:txBody>
+          <a:bodyPr>
+            <a:spAutoFit/>
+          </a:bodyPr>
+          <a:lstStyle/>
+          <a:p>
+            <a:r>
+              <a:rPr lang="en-US">
+                <a:hlinkClick r:id="rId3"/>
+              </a:rPr>
+              <a:t>https://scikit-learn.org/stable/modules/generated/sklearn.linear_model.Ridge.html</a:t>
+            </a:r>
+            <a:endParaRPr lang="fr-FR"/>
+          </a:p>
+        </p:txBody>
+      </p:sp>
     </p:spTree>
     <p:extLst>
       <p:ext uri="{BB962C8B-B14F-4D97-AF65-F5344CB8AC3E}">
-        <p14:creationId xmlns:p14="http://schemas.microsoft.com/office/powerpoint/2010/main" val="2750615704"/>
+        <p14:creationId xmlns:p14="http://schemas.microsoft.com/office/powerpoint/2010/main" val="2297093814"/>
       </p:ext>
     </p:extLst>
   </p:cSld>
@@ -8552,270 +8823,129 @@
           <a:chExt cx="0" cy="0"/>
         </a:xfrm>
       </p:grpSpPr>
-      <p:pic>
-        <p:nvPicPr>
-          <p:cNvPr id="3" name="Picture 2">
-            <a:extLst>
-              <a:ext uri="{FF2B5EF4-FFF2-40B4-BE49-F238E27FC236}">
-                <a16:creationId xmlns:a16="http://schemas.microsoft.com/office/drawing/2014/main" id="{31F6F6EF-5F02-0E4A-A57B-2A0C01965E43}"/>
-              </a:ext>
-            </a:extLst>
-          </p:cNvPr>
-          <p:cNvPicPr>
-            <a:picLocks noChangeAspect="1"/>
-          </p:cNvPicPr>
+      <p:sp>
+        <p:nvSpPr>
+          <p:cNvPr id="2" name="Title 1">
+            <a:extLst>
+              <a:ext uri="{FF2B5EF4-FFF2-40B4-BE49-F238E27FC236}">
+                <a16:creationId xmlns:a16="http://schemas.microsoft.com/office/drawing/2014/main" id="{FF2F346C-351E-6547-BB21-DB3F7CF34F47}"/>
+              </a:ext>
+            </a:extLst>
+          </p:cNvPr>
+          <p:cNvSpPr>
+            <a:spLocks noGrp="1"/>
+          </p:cNvSpPr>
+          <p:nvPr>
+            <p:ph type="title"/>
+          </p:nvPr>
+        </p:nvSpPr>
+        <p:spPr/>
+        <p:txBody>
+          <a:bodyPr/>
+          <a:lstStyle/>
+          <a:p>
+            <a:r>
+              <a:rPr lang="fr-FR"/>
+              <a:t>A vous: ridge regression</a:t>
+            </a:r>
+          </a:p>
+        </p:txBody>
+      </p:sp>
+      <p:sp>
+        <p:nvSpPr>
+          <p:cNvPr id="3" name="TextBox 2">
+            <a:extLst>
+              <a:ext uri="{FF2B5EF4-FFF2-40B4-BE49-F238E27FC236}">
+                <a16:creationId xmlns:a16="http://schemas.microsoft.com/office/drawing/2014/main" id="{753EF7A3-9655-1D4A-A909-AD3810773512}"/>
+              </a:ext>
+            </a:extLst>
+          </p:cNvPr>
+          <p:cNvSpPr txBox="1"/>
           <p:nvPr/>
-        </p:nvPicPr>
-        <p:blipFill>
-          <a:blip r:embed="rId2"/>
-          <a:stretch>
-            <a:fillRect/>
-          </a:stretch>
-        </p:blipFill>
+        </p:nvSpPr>
         <p:spPr>
           <a:xfrm>
-            <a:off x="655045" y="1541124"/>
-            <a:ext cx="11047220" cy="3833110"/>
+            <a:off x="1047964" y="2404153"/>
+            <a:ext cx="4652236" cy="2031325"/>
           </a:xfrm>
           <a:prstGeom prst="rect">
             <a:avLst/>
           </a:prstGeom>
+          <a:noFill/>
         </p:spPr>
-      </p:pic>
+        <p:txBody>
+          <a:bodyPr wrap="none" rtlCol="0">
+            <a:spAutoFit/>
+          </a:bodyPr>
+          <a:lstStyle/>
+          <a:p>
+            <a:r>
+              <a:rPr lang="fr-FR"/>
+              <a:t>Utiliser </a:t>
+            </a:r>
+          </a:p>
+          <a:p>
+            <a:pPr marL="285750" indent="-285750">
+              <a:buFont typeface="Arial" panose="020B0604020202020204" pitchFamily="34" charset="0"/>
+              <a:buChar char="•"/>
+            </a:pPr>
+            <a:r>
+              <a:rPr lang="fr-FR"/>
+              <a:t>ridge regression </a:t>
+            </a:r>
+          </a:p>
+          <a:p>
+            <a:pPr marL="285750" indent="-285750">
+              <a:buFont typeface="Arial" panose="020B0604020202020204" pitchFamily="34" charset="0"/>
+              <a:buChar char="•"/>
+            </a:pPr>
+            <a:r>
+              <a:rPr lang="fr-FR"/>
+              <a:t>regression polynomiale (max n = 2) </a:t>
+            </a:r>
+          </a:p>
+          <a:p>
+            <a:pPr marL="285750" indent="-285750">
+              <a:buFont typeface="Arial" panose="020B0604020202020204" pitchFamily="34" charset="0"/>
+              <a:buChar char="•"/>
+            </a:pPr>
+            <a:r>
+              <a:rPr lang="fr-FR"/>
+              <a:t>cross validation</a:t>
+            </a:r>
+          </a:p>
+          <a:p>
+            <a:r>
+              <a:rPr lang="fr-FR"/>
+              <a:t>pour determiner le meilleur modele </a:t>
+            </a:r>
+          </a:p>
+          <a:p>
+            <a:pPr marL="285750" indent="-285750">
+              <a:buFont typeface="Arial" panose="020B0604020202020204" pitchFamily="34" charset="0"/>
+              <a:buChar char="•"/>
+            </a:pPr>
+            <a:r>
+              <a:rPr lang="fr-FR"/>
+              <a:t>variables predictives</a:t>
+            </a:r>
+          </a:p>
+          <a:p>
+            <a:pPr marL="285750" indent="-285750">
+              <a:buFont typeface="Arial" panose="020B0604020202020204" pitchFamily="34" charset="0"/>
+              <a:buChar char="•"/>
+            </a:pPr>
+            <a:r>
+              <a:rPr lang="fr-FR"/>
+              <a:t>tuning de alpha coefficient de regularization</a:t>
+            </a:r>
+          </a:p>
+        </p:txBody>
+      </p:sp>
     </p:spTree>
     <p:extLst>
       <p:ext uri="{BB962C8B-B14F-4D97-AF65-F5344CB8AC3E}">
-        <p14:creationId xmlns:p14="http://schemas.microsoft.com/office/powerpoint/2010/main" val="2940884637"/>
-      </p:ext>
-    </p:extLst>
-  </p:cSld>
-  <p:clrMapOvr>
-    <a:masterClrMapping/>
-  </p:clrMapOvr>
-</p:sld>
-</file>
-
-<file path=ppt/slides/slide39.xml><?xml version="1.0" encoding="utf-8"?>
-<p:sld xmlns:a="http://schemas.openxmlformats.org/drawingml/2006/main" xmlns:r="http://schemas.openxmlformats.org/officeDocument/2006/relationships" xmlns:p="http://schemas.openxmlformats.org/presentationml/2006/main">
-  <p:cSld>
-    <p:spTree>
-      <p:nvGrpSpPr>
-        <p:cNvPr id="1" name=""/>
-        <p:cNvGrpSpPr/>
-        <p:nvPr/>
-      </p:nvGrpSpPr>
-      <p:grpSpPr>
-        <a:xfrm>
-          <a:off x="0" y="0"/>
-          <a:ext cx="0" cy="0"/>
-          <a:chOff x="0" y="0"/>
-          <a:chExt cx="0" cy="0"/>
-        </a:xfrm>
-      </p:grpSpPr>
-      <p:sp>
-        <p:nvSpPr>
-          <p:cNvPr id="2" name="Rectangle 1">
-            <a:extLst>
-              <a:ext uri="{FF2B5EF4-FFF2-40B4-BE49-F238E27FC236}">
-                <a16:creationId xmlns:a16="http://schemas.microsoft.com/office/drawing/2014/main" id="{BE86001D-0412-754D-9A89-A4DD58F3609C}"/>
-              </a:ext>
-            </a:extLst>
-          </p:cNvPr>
-          <p:cNvSpPr/>
-          <p:nvPr/>
-        </p:nvSpPr>
-        <p:spPr>
-          <a:xfrm>
-            <a:off x="3048000" y="1997839"/>
-            <a:ext cx="6096000" cy="2862322"/>
-          </a:xfrm>
-          <a:prstGeom prst="rect">
-            <a:avLst/>
-          </a:prstGeom>
-        </p:spPr>
-        <p:txBody>
-          <a:bodyPr>
-            <a:spAutoFit/>
-          </a:bodyPr>
-          <a:lstStyle/>
-          <a:p>
-            <a:r>
-              <a:rPr lang="en-US">
-                <a:solidFill>
-                  <a:srgbClr val="212121"/>
-                </a:solidFill>
-                <a:latin typeface="SourceSansPro"/>
-              </a:rPr>
-              <a:t>Pour réduire l'erreur quadratique, il faut minimiser à la fois le </a:t>
-            </a:r>
-            <a:r>
-              <a:rPr lang="en-US" b="1">
-                <a:solidFill>
-                  <a:srgbClr val="212121"/>
-                </a:solidFill>
-                <a:latin typeface="SourceSansPro"/>
-              </a:rPr>
-              <a:t>biais </a:t>
-            </a:r>
-            <a:r>
-              <a:rPr lang="en-US">
-                <a:solidFill>
-                  <a:srgbClr val="212121"/>
-                </a:solidFill>
-                <a:latin typeface="SourceSansPro"/>
-              </a:rPr>
-              <a:t>et la </a:t>
-            </a:r>
-            <a:r>
-              <a:rPr lang="en-US" b="1">
-                <a:solidFill>
-                  <a:srgbClr val="212121"/>
-                </a:solidFill>
-                <a:latin typeface="SourceSansPro"/>
-              </a:rPr>
-              <a:t>variance</a:t>
-            </a:r>
-            <a:r>
-              <a:rPr lang="en-US">
-                <a:solidFill>
-                  <a:srgbClr val="212121"/>
-                </a:solidFill>
-                <a:latin typeface="SourceSansPro"/>
-              </a:rPr>
-              <a:t>. </a:t>
-            </a:r>
-            <a:endParaRPr lang="en-US">
-              <a:effectLst/>
-            </a:endParaRPr>
-          </a:p>
-          <a:p>
-            <a:r>
-              <a:rPr lang="en-US">
-                <a:solidFill>
-                  <a:srgbClr val="212121"/>
-                </a:solidFill>
-                <a:latin typeface="SourceSansPro"/>
-              </a:rPr>
-              <a:t>Biais important &lt;-&gt; sous estimation - Underfitting </a:t>
-            </a:r>
-            <a:endParaRPr lang="en-US">
-              <a:effectLst/>
-            </a:endParaRPr>
-          </a:p>
-          <a:p>
-            <a:r>
-              <a:rPr lang="en-US">
-                <a:solidFill>
-                  <a:srgbClr val="212121"/>
-                </a:solidFill>
-                <a:latin typeface="SourceSansPro"/>
-              </a:rPr>
-              <a:t>le modele n'est pas bon</a:t>
-            </a:r>
-            <a:br>
-              <a:rPr lang="en-US">
-                <a:solidFill>
-                  <a:srgbClr val="212121"/>
-                </a:solidFill>
-                <a:latin typeface="SourceSansPro"/>
-              </a:rPr>
-            </a:br>
-            <a:r>
-              <a:rPr lang="en-US">
-                <a:solidFill>
-                  <a:srgbClr val="212121"/>
-                </a:solidFill>
-                <a:latin typeface="SourceSansPro"/>
-              </a:rPr>
-              <a:t>On obtient de mauvais score </a:t>
-            </a:r>
-            <a:endParaRPr lang="en-US">
-              <a:effectLst/>
-            </a:endParaRPr>
-          </a:p>
-          <a:p>
-            <a:r>
-              <a:rPr lang="en-US">
-                <a:solidFill>
-                  <a:srgbClr val="212121"/>
-                </a:solidFill>
-                <a:latin typeface="SourceSansPro"/>
-              </a:rPr>
-              <a:t>Variance importante &lt;-&gt; Overfitting </a:t>
-            </a:r>
-            <a:endParaRPr lang="en-US">
-              <a:effectLst/>
-            </a:endParaRPr>
-          </a:p>
-          <a:p>
-            <a:r>
-              <a:rPr lang="en-US">
-                <a:solidFill>
-                  <a:srgbClr val="212121"/>
-                </a:solidFill>
-                <a:latin typeface="SourceSansPro"/>
-              </a:rPr>
-              <a:t>Le modele est trop </a:t>
-            </a:r>
-            <a:r>
-              <a:rPr lang="en-US" b="1">
-                <a:solidFill>
-                  <a:srgbClr val="212121"/>
-                </a:solidFill>
-                <a:latin typeface="SourceSansPro"/>
-              </a:rPr>
-              <a:t>sensible </a:t>
-            </a:r>
-            <a:r>
-              <a:rPr lang="en-US">
-                <a:solidFill>
-                  <a:srgbClr val="212121"/>
-                </a:solidFill>
-                <a:latin typeface="SourceSansPro"/>
-              </a:rPr>
-              <a:t>au training dataset</a:t>
-            </a:r>
-            <a:br>
-              <a:rPr lang="en-US">
-                <a:solidFill>
-                  <a:srgbClr val="212121"/>
-                </a:solidFill>
-                <a:latin typeface="SourceSansPro"/>
-              </a:rPr>
-            </a:br>
-            <a:r>
-              <a:rPr lang="en-US">
-                <a:solidFill>
-                  <a:srgbClr val="212121"/>
-                </a:solidFill>
-                <a:latin typeface="SourceSansPro"/>
-              </a:rPr>
-              <a:t>pouvoir d'extrapolation faible, mauvaises performances sur des nouvelles données. </a:t>
-            </a:r>
-            <a:endParaRPr lang="en-US">
-              <a:effectLst/>
-            </a:endParaRPr>
-          </a:p>
-          <a:p>
-            <a:r>
-              <a:rPr lang="en-US">
-                <a:solidFill>
-                  <a:srgbClr val="212121"/>
-                </a:solidFill>
-                <a:latin typeface="SourceSansPro"/>
-              </a:rPr>
-              <a:t>Mais comment détecter l'overfit </a:t>
-            </a:r>
-            <a:endParaRPr lang="en-US">
-              <a:effectLst/>
-            </a:endParaRPr>
-          </a:p>
-        </p:txBody>
-      </p:sp>
-    </p:spTree>
-    <p:extLst>
-      <p:ext uri="{BB962C8B-B14F-4D97-AF65-F5344CB8AC3E}">
-        <p14:creationId xmlns:p14="http://schemas.microsoft.com/office/powerpoint/2010/main" val="3030170597"/>
+        <p14:creationId xmlns:p14="http://schemas.microsoft.com/office/powerpoint/2010/main" val="1655408348"/>
       </p:ext>
     </p:extLst>
   </p:cSld>
@@ -8899,155 +9029,6 @@
     <p:extLst>
       <p:ext uri="{BB962C8B-B14F-4D97-AF65-F5344CB8AC3E}">
         <p14:creationId xmlns:p14="http://schemas.microsoft.com/office/powerpoint/2010/main" val="504611500"/>
-      </p:ext>
-    </p:extLst>
-  </p:cSld>
-  <p:clrMapOvr>
-    <a:masterClrMapping/>
-  </p:clrMapOvr>
-</p:sld>
-</file>
-
-<file path=ppt/slides/slide40.xml><?xml version="1.0" encoding="utf-8"?>
-<p:sld xmlns:a="http://schemas.openxmlformats.org/drawingml/2006/main" xmlns:r="http://schemas.openxmlformats.org/officeDocument/2006/relationships" xmlns:p="http://schemas.openxmlformats.org/presentationml/2006/main">
-  <p:cSld>
-    <p:spTree>
-      <p:nvGrpSpPr>
-        <p:cNvPr id="1" name=""/>
-        <p:cNvGrpSpPr/>
-        <p:nvPr/>
-      </p:nvGrpSpPr>
-      <p:grpSpPr>
-        <a:xfrm>
-          <a:off x="0" y="0"/>
-          <a:ext cx="0" cy="0"/>
-          <a:chOff x="0" y="0"/>
-          <a:chExt cx="0" cy="0"/>
-        </a:xfrm>
-      </p:grpSpPr>
-      <p:sp>
-        <p:nvSpPr>
-          <p:cNvPr id="2" name="Title 1">
-            <a:extLst>
-              <a:ext uri="{FF2B5EF4-FFF2-40B4-BE49-F238E27FC236}">
-                <a16:creationId xmlns:a16="http://schemas.microsoft.com/office/drawing/2014/main" id="{FF2F346C-351E-6547-BB21-DB3F7CF34F47}"/>
-              </a:ext>
-            </a:extLst>
-          </p:cNvPr>
-          <p:cNvSpPr>
-            <a:spLocks noGrp="1"/>
-          </p:cNvSpPr>
-          <p:nvPr>
-            <p:ph type="title"/>
-          </p:nvPr>
-        </p:nvSpPr>
-        <p:spPr/>
-        <p:txBody>
-          <a:bodyPr/>
-          <a:lstStyle/>
-          <a:p>
-            <a:r>
-              <a:rPr lang="fr-FR"/>
-              <a:t>A vous: ridge regression</a:t>
-            </a:r>
-          </a:p>
-        </p:txBody>
-      </p:sp>
-      <p:sp>
-        <p:nvSpPr>
-          <p:cNvPr id="3" name="TextBox 2">
-            <a:extLst>
-              <a:ext uri="{FF2B5EF4-FFF2-40B4-BE49-F238E27FC236}">
-                <a16:creationId xmlns:a16="http://schemas.microsoft.com/office/drawing/2014/main" id="{753EF7A3-9655-1D4A-A909-AD3810773512}"/>
-              </a:ext>
-            </a:extLst>
-          </p:cNvPr>
-          <p:cNvSpPr txBox="1"/>
-          <p:nvPr/>
-        </p:nvSpPr>
-        <p:spPr>
-          <a:xfrm>
-            <a:off x="1047964" y="2404153"/>
-            <a:ext cx="4652236" cy="2031325"/>
-          </a:xfrm>
-          <a:prstGeom prst="rect">
-            <a:avLst/>
-          </a:prstGeom>
-          <a:noFill/>
-        </p:spPr>
-        <p:txBody>
-          <a:bodyPr wrap="none" rtlCol="0">
-            <a:spAutoFit/>
-          </a:bodyPr>
-          <a:lstStyle/>
-          <a:p>
-            <a:r>
-              <a:rPr lang="fr-FR"/>
-              <a:t>Utiliser </a:t>
-            </a:r>
-          </a:p>
-          <a:p>
-            <a:pPr marL="285750" indent="-285750">
-              <a:buFont typeface="Arial" panose="020B0604020202020204" pitchFamily="34" charset="0"/>
-              <a:buChar char="•"/>
-            </a:pPr>
-            <a:r>
-              <a:rPr lang="fr-FR"/>
-              <a:t>ridge regression </a:t>
-            </a:r>
-          </a:p>
-          <a:p>
-            <a:pPr marL="285750" indent="-285750">
-              <a:buFont typeface="Arial" panose="020B0604020202020204" pitchFamily="34" charset="0"/>
-              <a:buChar char="•"/>
-            </a:pPr>
-            <a:r>
-              <a:rPr lang="fr-FR"/>
-              <a:t>regression polynomiale (max n = 2) </a:t>
-            </a:r>
-          </a:p>
-          <a:p>
-            <a:pPr marL="285750" indent="-285750">
-              <a:buFont typeface="Arial" panose="020B0604020202020204" pitchFamily="34" charset="0"/>
-              <a:buChar char="•"/>
-            </a:pPr>
-            <a:r>
-              <a:rPr lang="fr-FR"/>
-              <a:t>cross validation</a:t>
-            </a:r>
-          </a:p>
-          <a:p>
-            <a:r>
-              <a:rPr lang="fr-FR"/>
-              <a:t>pour determiner le meilleur modele </a:t>
-            </a:r>
-          </a:p>
-          <a:p>
-            <a:pPr marL="285750" indent="-285750">
-              <a:buFont typeface="Arial" panose="020B0604020202020204" pitchFamily="34" charset="0"/>
-              <a:buChar char="•"/>
-            </a:pPr>
-            <a:r>
-              <a:rPr lang="fr-FR"/>
-              <a:t>variables predictives</a:t>
-            </a:r>
-          </a:p>
-          <a:p>
-            <a:pPr marL="285750" indent="-285750">
-              <a:buFont typeface="Arial" panose="020B0604020202020204" pitchFamily="34" charset="0"/>
-              <a:buChar char="•"/>
-            </a:pPr>
-            <a:r>
-              <a:rPr lang="fr-FR"/>
-              <a:t>tuning de alpha coefficient de regularization</a:t>
-            </a:r>
-          </a:p>
-        </p:txBody>
-      </p:sp>
-    </p:spTree>
-    <p:extLst>
-      <p:ext uri="{BB962C8B-B14F-4D97-AF65-F5344CB8AC3E}">
-        <p14:creationId xmlns:p14="http://schemas.microsoft.com/office/powerpoint/2010/main" val="1655408348"/>
       </p:ext>
     </p:extLst>
   </p:cSld>
